--- a/images/measurement/src/measurement_figs.pptx
+++ b/images/measurement/src/measurement_figs.pptx
@@ -186,15 +186,15 @@
           <inkml:channelProperty channel="F" name="resolution" value="0" units="1/dev"/>
         </inkml:channelProperties>
       </inkml:inkSource>
-      <inkml:timestamp xml:id="ts0" timeString="2022-12-08T20:42:37.607"/>
+      <inkml:timestamp xml:id="ts0" timeString="2022-09-22T23:16:26.333"/>
     </inkml:context>
     <inkml:brush xml:id="br0">
       <inkml:brushProperty name="width" value="0.1" units="cm"/>
       <inkml:brushProperty name="height" value="0.1" units="cm"/>
-      <inkml:brushProperty name="color" value="#E71224"/>
+      <inkml:brushProperty name="color" value="#A88333"/>
     </inkml:brush>
   </inkml:definitions>
-  <inkml:trace contextRef="#ctx0" brushRef="#br0">0 0 24575,'0'8'0,"0"-1"0,0-3 0,0 0 0,0 0 0,0 1 0,0 5 0,0-3 0,0 5 0,0-1 0,0 5 0,0 0 0,0 0 0,0-1 0,0-5 0,0-2 0,0-3 0,0 3 0,0-2 0,0 6 0,0-1 0,0 6 0,0-7 0,0 1 0,0-8 0,0 3 0,0 0 0,0 3 0,0 2 0,0-3 0,0 4 0,2-5 0,1 4 0,1 0 0,2 0 0,0-1 0,0-2 0,2 2 0,2 3 0,1 0 0,0 2 0,1-3 0,-1-1 0,-1 0 0,-1 2 0,-1-1 0,0-1 0,-1-2 0,0-2 0,3-1 0,-1 1 0,3 3 0,1 1 0,1 2 0,2 1 0,0 0 0,-1-1 0,-4-2 0,-4-3 0,-3-3 0,-1-1 0,0 1 0,2 1 0,1 2 0,0 1 0,1-1 0,0 2 0,-2 0 0,1 0 0,0 2 0,1 0 0,1 1 0,1 1 0,-1-1 0,1 2 0,-4-5 0,2 3 0,-3-2 0,1 4 0,0 2 0,1-1 0,0 0 0,-1 1 0,-1-1 0,-1 0 0,0 0 0,1 1 0,0-1 0,-1 1 0,1 2 0,-2 2 0,1 0 0,-1 1 0,0-1 0,0-2 0,-1-1 0,-1-1 0,0-1 0,0 2 0,0 2 0,0 1 0,0 1 0,0 0 0,0 0 0,0 1 0,0-1 0,0 1 0,-2 0 0,-2-1 0,-3 2 0,-1-3 0,-1 0 0,-1 4 0,-1 0 0,-2 1 0,2-4 0,2-2 0,3-3 0,-1-1 0,1 1 0,-2-3 0,0 0 0,0 0 0,-1 1 0,-1 2 0,-3 2 0,-1 2 0,-1 2 0,0 1 0,0 2 0,-2 0 0,0-2 0,2-1 0,1-2 0,2-2 0,2-1 0,-1-2 0,2 1 0,0-1 0,1-1 0,-1-1 0,3 0 0,-2 0 0,5-4 0,-1 0 0,2-8 0,0 3 0,0 2 0,0 4 0,0 3 0,-1 2 0,2 0 0,-2 2 0,1 3 0,0 0 0,-2 3 0,2 0 0,0 0 0,0-1 0,2-2 0,0-4 0,0-3 0,0 0 0,0 0 0,0 1 0,-1 1 0,-2 4 0,1-8 0,0 2 0,2-8 0,0 1 0,0 0 0,0-1 0,0-3 0,0-1 0</inkml:trace>
+  <inkml:trace contextRef="#ctx0" brushRef="#br0">1 0 24575,'17'0'0,"2"0"0,5 0 0,-1 0 0,1 0 0,0 0 0,0 0 0,0 0 0,-4 0 0,-2 0 0,-7 0 0,3 0 0,-6 0 0,2 0 0,-4 0 0,0 0 0,-2 0 0,-2 0 0</inkml:trace>
 </inkml:ink>
 </file>
 
@@ -214,15 +214,15 @@
           <inkml:channelProperty channel="F" name="resolution" value="0" units="1/dev"/>
         </inkml:channelProperties>
       </inkml:inkSource>
-      <inkml:timestamp xml:id="ts0" timeString="2022-12-08T20:43:08.825"/>
+      <inkml:timestamp xml:id="ts0" timeString="2022-09-22T23:16:29.437"/>
     </inkml:context>
     <inkml:brush xml:id="br0">
       <inkml:brushProperty name="width" value="0.1" units="cm"/>
       <inkml:brushProperty name="height" value="0.1" units="cm"/>
-      <inkml:brushProperty name="color" value="#E71224"/>
+      <inkml:brushProperty name="color" value="#A88333"/>
     </inkml:brush>
   </inkml:definitions>
-  <inkml:trace contextRef="#ctx0" brushRef="#br0">1 0 24575,'0'0'0</inkml:trace>
+  <inkml:trace contextRef="#ctx0" brushRef="#br0">1 7 24575,'17'0'0,"5"0"0,-7 0 0,4 0 0,0 0 0,-4 0 0,0 0 0,-1 0 0,-7 0 0,4 0 0,-5 0 0,1 0 0,-1 0 0,4 0 0,1 0 0,3 0 0,1 0 0,-4 0 0,-1 0 0,-4 0 0,1 0 0,-1-2 0,1 1 0,-1-2 0,0 3 0,0 0 0,1 0 0,-1 0 0,0 0 0,0 0 0,1 0 0,-1 0 0,1 0 0,-1 0 0,1 0 0,-1 0 0,1 0 0,-1 0 0,0 0 0,1 0 0,-1 0 0,0 0 0,1 0 0,-1 0 0,1 0 0,-1 0 0,1 0 0,-1 0 0,0 0 0,1 0 0,-1 0 0,1 0 0,-1 0 0,1 0 0,-1 0 0,-2 0 0,-1 0 0</inkml:trace>
 </inkml:ink>
 </file>
 
@@ -242,15 +242,15 @@
           <inkml:channelProperty channel="F" name="resolution" value="0" units="1/dev"/>
         </inkml:channelProperties>
       </inkml:inkSource>
-      <inkml:timestamp xml:id="ts0" timeString="2022-12-08T20:43:25.477"/>
+      <inkml:timestamp xml:id="ts0" timeString="2022-09-22T23:16:31.106"/>
     </inkml:context>
     <inkml:brush xml:id="br0">
       <inkml:brushProperty name="width" value="0.1" units="cm"/>
       <inkml:brushProperty name="height" value="0.1" units="cm"/>
-      <inkml:brushProperty name="color" value="#E71224"/>
+      <inkml:brushProperty name="color" value="#A88333"/>
     </inkml:brush>
   </inkml:definitions>
-  <inkml:trace contextRef="#ctx0" brushRef="#br0">1 1 24575,'0'0'0</inkml:trace>
+  <inkml:trace contextRef="#ctx0" brushRef="#br0">1 0 24575,'13'0'0,"0"0"0,6 0 0,5 0 0,1 0 0,4 0 0,-9 0 0,7 0 0,-10 0 0,6 0 0,-8 0 0,0 0 0,-1 0 0,-3 0 0,-1 0 0,-3 0 0,-1 0 0,1 0 0,-4 0 0,0 0 0</inkml:trace>
 </inkml:ink>
 </file>
 
@@ -270,15 +270,183 @@
           <inkml:channelProperty channel="F" name="resolution" value="0" units="1/dev"/>
         </inkml:channelProperties>
       </inkml:inkSource>
-      <inkml:timestamp xml:id="ts0" timeString="2022-12-08T20:43:29.408"/>
+      <inkml:timestamp xml:id="ts0" timeString="2022-09-22T23:16:32.938"/>
     </inkml:context>
     <inkml:brush xml:id="br0">
       <inkml:brushProperty name="width" value="0.1" units="cm"/>
       <inkml:brushProperty name="height" value="0.1" units="cm"/>
-      <inkml:brushProperty name="color" value="#E71224"/>
+      <inkml:brushProperty name="color" value="#A88333"/>
     </inkml:brush>
   </inkml:definitions>
-  <inkml:trace contextRef="#ctx0" brushRef="#br0">1 0 24575,'0'0'0</inkml:trace>
+  <inkml:trace contextRef="#ctx0" brushRef="#br0">1 1 24575,'16'0'0,"9"0"0,-4 0 0,7 0 0,1 0 0,-4 0 0,0 0 0,-7 0 0,-7 0 0,0 0 0,-1 0 0,-3 0 0,3 0 0,-4 0 0,1 0 0,-1 0 0,0 0 0,0 0 0,1 0 0,-1 0 0,4 0 0,1 0 0,8 0 0,-3 0 0,6 0 0,-6 0 0,-1 0 0,-1 0 0,-7 0 0,3 0 0,-3 0 0,-3 0 0,-2 0 0</inkml:trace>
+</inkml:ink>
+</file>
+
+<file path=ppt/ink/ink104.xml><?xml version="1.0" encoding="utf-8"?>
+<inkml:ink xmlns:inkml="http://www.w3.org/2003/InkML">
+  <inkml:definitions>
+    <inkml:context xml:id="ctx0">
+      <inkml:inkSource xml:id="inkSrc0">
+        <inkml:traceFormat>
+          <inkml:channel name="X" type="integer" min="-2.14748E9" max="2.14748E9" units="cm"/>
+          <inkml:channel name="Y" type="integer" min="-2.14748E9" max="2.14748E9" units="cm"/>
+          <inkml:channel name="F" type="integer" max="32767" units="dev"/>
+        </inkml:traceFormat>
+        <inkml:channelProperties>
+          <inkml:channelProperty channel="X" name="resolution" value="1000" units="1/cm"/>
+          <inkml:channelProperty channel="Y" name="resolution" value="1000" units="1/cm"/>
+          <inkml:channelProperty channel="F" name="resolution" value="0" units="1/dev"/>
+        </inkml:channelProperties>
+      </inkml:inkSource>
+      <inkml:timestamp xml:id="ts0" timeString="2022-09-22T23:19:19.462"/>
+    </inkml:context>
+    <inkml:brush xml:id="br0">
+      <inkml:brushProperty name="width" value="0.1" units="cm"/>
+      <inkml:brushProperty name="height" value="0.1" units="cm"/>
+      <inkml:brushProperty name="color" value="#EBEBEB"/>
+    </inkml:brush>
+  </inkml:definitions>
+  <inkml:trace contextRef="#ctx0" brushRef="#br0">1 1 24575,'22'0'0,"-4"0"0,0 0 0,-3 0 0,4 0 0,-4 0 0,4 0 0,-5 3 0,1-2 0,-1 2 0,1 0 0,-1-2 0,1 5 0,4-5 0,0 2 0,5-3 0,0 4 0,0-3 0,0 2 0,5 1 0,6-3 0,1 3 0,0-1 0,-7-2 0,-1 3 0,2-4 0,0 3 0,3-2 0,-8 6 0,9-6 0,-9 6 0,3-6 0,-4 6 0,-4-6 0,3 6 0,-8-6 0,4 3 0,-4-1 0,3-2 0,2 2 0,4-3 0,0 4 0,0-4 0,4 4 0,-3-1 0,9-2 0,-9 3 0,9 0 0,-9-3 0,8 3 0,-3-4 0,5 0 0,-1 0 0,1 0 0,5 0 0,-4 0 0,10 0 0,-5 0 0,6 0 0,13 0 0,-16 0 0,35 0 0,-38 0 0,30-5 0,-28 4 0,16-4 0,-10 5 0,4 0 0,-7 0 0,1 0 0,0 0 0,-5 0 0,-7 0 0,-2 0 0,-7 4 0,-2-3 0,-1 6 0,-8-6 0,4 6 0,-4-7 0,-1 4 0,1-4 0,-1 0 0,1 3 0,-1-2 0,5 2 0,-4-3 0,8 0 0,-7 0 0,2 0 0,-3 0 0,3 0 0,-2 3 0,7-2 0,-3 6 0,14-3 0,-8 1 0,13 2 0,-14-3 0,8 5 0,-8-1 0,9 1 0,-4-1 0,0 0 0,3 1 0,-3-1 0,5-3 0,-5 3 0,8-8 0,-6 8 0,8-7 0,-6 3 0,1-4 0,0 3 0,-1-2 0,1 7 0,0-7 0,5 7 0,-4-7 0,19 11 0,-16-6 0,11 6 0,-20-3 0,-1-5 0,-5 4 0,-1-4 0,-3 4 0,3-4 0,-7 2 0,2-2 0,1 4 0,-4-1 0,4-2 0,-4 1 0,-1-5 0,1 5 0,-1-5 0,1 6 0,-1-7 0,5 7 0,-3-6 0,6 6 0,-6-6 0,17 10 0,-10-6 0,11 7 0,-10-5 0,0 1 0,-4-3 0,3 2 0,-8-3 0,4 0 0,-5 0 0,-3-1 0,3-3 0,-7 6 0,4-5 0,1 5 0,0-6 0,2 3 0,0 1 0,-3-4 0,0 4 0,-1-4 0,-4 0 0,1 0 0,-1 0 0,1 0 0,-1 0 0,-2 0 0,-1 0 0</inkml:trace>
+</inkml:ink>
+</file>
+
+<file path=ppt/ink/ink105.xml><?xml version="1.0" encoding="utf-8"?>
+<inkml:ink xmlns:inkml="http://www.w3.org/2003/InkML">
+  <inkml:definitions>
+    <inkml:context xml:id="ctx0">
+      <inkml:inkSource xml:id="inkSrc0">
+        <inkml:traceFormat>
+          <inkml:channel name="X" type="integer" min="-2.14748E9" max="2.14748E9" units="cm"/>
+          <inkml:channel name="Y" type="integer" min="-2.14748E9" max="2.14748E9" units="cm"/>
+          <inkml:channel name="F" type="integer" max="32767" units="dev"/>
+        </inkml:traceFormat>
+        <inkml:channelProperties>
+          <inkml:channelProperty channel="X" name="resolution" value="1000" units="1/cm"/>
+          <inkml:channelProperty channel="Y" name="resolution" value="1000" units="1/cm"/>
+          <inkml:channelProperty channel="F" name="resolution" value="0" units="1/dev"/>
+        </inkml:channelProperties>
+      </inkml:inkSource>
+      <inkml:timestamp xml:id="ts0" timeString="2022-09-22T23:19:21.978"/>
+    </inkml:context>
+    <inkml:brush xml:id="br0">
+      <inkml:brushProperty name="width" value="0.1" units="cm"/>
+      <inkml:brushProperty name="height" value="0.1" units="cm"/>
+      <inkml:brushProperty name="color" value="#EBEBEB"/>
+    </inkml:brush>
+  </inkml:definitions>
+  <inkml:trace contextRef="#ctx0" brushRef="#br0">0 1304 24575,'21'0'0,"10"-4"0,12-6 0,12-6 0,5-8 0,7 2 0,2-8 0,0 3 0,0-10 0,-24 15 0,13-7 0,-12 4 0,4 4 0,23-16 0,-37 19 0,49-9 0,-58 10 0,42-8 0,-35 11 0,25-9 0,-16 9 0,9-6 0,-11 2 0,1 4 0,-2-3 0,-10 8 0,-2-3 0,-4 4 0,0-4 0,0 3 0,0-2 0,0 3 0,-5-3 0,4 2 0,-3-2 0,4 0 0,0-2 0,0 1 0,20-11 0,-11 11 0,23-12 0,-20 10 0,10-4 0,-10 4 0,9-4 0,-9 5 0,4-1 0,-5 1 0,-5 1 0,3 3 0,-3-3 0,0 3 0,4 1 0,-5-1 0,18-4 0,-10 3 0,15-4 0,-11 5 0,12-1 0,-4 5 0,3-4 0,-10 4 0,-2 0 0,-10-3 0,-1 4 0,-10-4 0,4 1 0,-3 2 0,4-2 0,0-1 0,0 0 0,0-4 0,4 4 0,-3 0 0,4-1 0,0-3 0,-4 7 0,3-6 0,1 6 0,1-4 0,5 1 0,-1 3 0,1-3 0,5 3 0,2-4 0,5 0 0,-1-1 0,-4 1 0,-2 4 0,-5-3 0,-1 4 0,-4-1 0,4-3 0,-9 7 0,3-3 0,-4 4 0,5 0 0,-4 0 0,4 0 0,0 0 0,-4-3 0,3 2 0,1-6 0,-4 6 0,8-7 0,-8 7 0,4-6 0,0 2 0,-4 0 0,8-2 0,-8 6 0,4-7 0,-5 7 0,0-6 0,-1 3 0,1-1 0,-4-1 0,3 5 0,-8-6 0,4 7 0,-4-4 0,-1 1 0,1 2 0,-1-2 0,1 3 0,-1-3 0,1 2 0,-5-2 0,4 0 0,-7 2 0,7-2 0,-7 3 0,4-3 0,-5 2 0,1-2 0,-1 3 0,1 0 0,-1-2 0,0 1 0,1-2 0,-4 3 0,0 0 0</inkml:trace>
+</inkml:ink>
+</file>
+
+<file path=ppt/ink/ink106.xml><?xml version="1.0" encoding="utf-8"?>
+<inkml:ink xmlns:inkml="http://www.w3.org/2003/InkML">
+  <inkml:definitions>
+    <inkml:context xml:id="ctx0">
+      <inkml:inkSource xml:id="inkSrc0">
+        <inkml:traceFormat>
+          <inkml:channel name="X" type="integer" min="-2.14748E9" max="2.14748E9" units="cm"/>
+          <inkml:channel name="Y" type="integer" min="-2.14748E9" max="2.14748E9" units="cm"/>
+          <inkml:channel name="F" type="integer" max="32767" units="dev"/>
+        </inkml:traceFormat>
+        <inkml:channelProperties>
+          <inkml:channelProperty channel="X" name="resolution" value="1000" units="1/cm"/>
+          <inkml:channelProperty channel="Y" name="resolution" value="1000" units="1/cm"/>
+          <inkml:channelProperty channel="F" name="resolution" value="0" units="1/dev"/>
+        </inkml:channelProperties>
+      </inkml:inkSource>
+      <inkml:timestamp xml:id="ts0" timeString="2022-09-22T23:19:24.876"/>
+    </inkml:context>
+    <inkml:brush xml:id="br0">
+      <inkml:brushProperty name="width" value="0.1" units="cm"/>
+      <inkml:brushProperty name="height" value="0.1" units="cm"/>
+      <inkml:brushProperty name="color" value="#EBEBEB"/>
+    </inkml:brush>
+  </inkml:definitions>
+  <inkml:trace contextRef="#ctx0" brushRef="#br0">1 87 24575,'13'0'0,"0"0"0,1 0 0,5 0 0,-3 0 0,2 0 0,1-3 0,-3 2 0,2-3 0,-3 4 0,-4-3 0,2 3 0,-5-3 0,6 3 0,-4 0 0,4 0 0,-4 0 0,3 0 0,-6-3 0,3 2 0,-3-2 0,3 3 0,-2 0 0,5-6 0,-5 4 0,5-4 0,-2 6 0,4-4 0,-1 4 0,1-4 0,-1 1 0,1 2 0,4-2 0,-4 3 0,4 0 0,-1-3 0,-2 2 0,7-3 0,-3 1 0,8 2 0,2-7 0,5 7 0,0-3 0,-1 1 0,1 2 0,0-3 0,-1 4 0,1 0 0,0 0 0,-1 0 0,1 0 0,0 0 0,5 0 0,1 0 0,6 0 0,0 0 0,21 0 0,-22 0 0,21 0 0,-26 0 0,1 0 0,-2 0 0,-6 0 0,1 0 0,0 0 0,-5 0 0,3 0 0,-3 0 0,5 0 0,-1 0 0,6 0 0,-4 0 0,10 0 0,-5 0 0,6 0 0,6 4 0,-4-3 0,3 4 0,-10-5 0,3 0 0,-9 0 0,4 0 0,0 0 0,-3 0 0,8 0 0,-3 0 0,4 0 0,1 0 0,21 0 0,-16 0 0,10 0 0,-16 0 0,-5 0 0,6 0 0,-6 0 0,5 0 0,-5 0 0,1 0 0,3 0 0,-9 0 0,9 0 0,-3 0 0,4 0 0,1 0 0,16 0 0,-13 0 0,7 0 0,-17 0 0,-5 0 0,5 4 0,-4-3 0,4 3 0,-5 0 0,-5-3 0,3 3 0,-8-4 0,4 0 0,-5 0 0,-5 0 0,0 0 0,-8 0 0,-1 0 0,-3 0 0,3 0 0,1 0 0,0 0 0,2 0 0,3 0 0,3 0 0,5 0 0,5 0 0,-4 0 0,8 0 0,-7 0 0,2 0 0,-4 0 0,-4 0 0,3 0 0,-8 0 0,4 0 0,-5 0 0,5 0 0,1 0 0,4 0 0,0-4 0,-1 4 0,1-4 0,0 0 0,0 4 0,-4-4 0,3 0 0,-8 4 0,4-4 0,0 0 0,-4 4 0,4-4 0,-5 4 0,5 0 0,-3 0 0,2 0 0,-3 0 0,-1 0 0,-3 0 0,3 0 0,-3 0 0,3 0 0,1 0 0,4 0 0,-4 0 0,4 0 0,-5 0 0,1 0 0,-4 0 0,2 0 0,-6 0 0,4 0 0,-5 0 0,0 0 0,-2 0 0,-1 0 0</inkml:trace>
+</inkml:ink>
+</file>
+
+<file path=ppt/ink/ink107.xml><?xml version="1.0" encoding="utf-8"?>
+<inkml:ink xmlns:inkml="http://www.w3.org/2003/InkML">
+  <inkml:definitions>
+    <inkml:context xml:id="ctx0">
+      <inkml:inkSource xml:id="inkSrc0">
+        <inkml:traceFormat>
+          <inkml:channel name="X" type="integer" min="-2.14748E9" max="2.14748E9" units="cm"/>
+          <inkml:channel name="Y" type="integer" min="-2.14748E9" max="2.14748E9" units="cm"/>
+          <inkml:channel name="F" type="integer" max="32767" units="dev"/>
+        </inkml:traceFormat>
+        <inkml:channelProperties>
+          <inkml:channelProperty channel="X" name="resolution" value="1000" units="1/cm"/>
+          <inkml:channelProperty channel="Y" name="resolution" value="1000" units="1/cm"/>
+          <inkml:channelProperty channel="F" name="resolution" value="0" units="1/dev"/>
+        </inkml:channelProperties>
+      </inkml:inkSource>
+      <inkml:timestamp xml:id="ts0" timeString="2022-09-22T23:19:28.509"/>
+    </inkml:context>
+    <inkml:brush xml:id="br0">
+      <inkml:brushProperty name="width" value="0.1" units="cm"/>
+      <inkml:brushProperty name="height" value="0.1" units="cm"/>
+      <inkml:brushProperty name="color" value="#EBEBEB"/>
+    </inkml:brush>
+  </inkml:definitions>
+  <inkml:trace contextRef="#ctx0" brushRef="#br0">1 0 24575,'13'0'0,"4"0"0,3 0 0,4 0 0,4 0 0,-7 0 0,12 0 0,-8 0 0,5 0 0,4 0 0,-4 0 0,-1 0 0,5 0 0,-9 0 0,3 0 0,-4 0 0,0 0 0,0 0 0,0 0 0,5 0 0,-9 0 0,8 0 0,-8 0 0,0 0 0,2 0 0,-2 0 0,0 0 0,3 0 0,-4 0 0,5 4 0,0-3 0,0 6 0,-4-6 0,3 6 0,-4-3 0,5 1 0,0 2 0,0-6 0,0 6 0,0-6 0,4 6 0,-3-6 0,9 3 0,-9-1 0,9-2 0,-5 3 0,1-4 0,4 0 0,-4 0 0,4 0 0,-4 3 0,4-2 0,-4 3 0,10-4 0,-4 0 0,9 0 0,-3 0 0,5 4 0,0-3 0,5 3 0,-3 0 0,10-3 0,-11 8 0,11-8 0,-16 7 0,9-7 0,-16 6 0,4-2 0,-6 0 0,1 3 0,0-7 0,-5 6 0,3-6 0,-3 2 0,5 1 0,-1-3 0,0 7 0,0-7 0,7 3 0,-5 0 0,9-3 0,-3 7 0,-1-7 0,5 3 0,-5 0 0,1-3 0,3 3 0,-9-4 0,4 0 0,0 4 0,-4-3 0,4 4 0,1-5 0,-5 0 0,9 0 0,-3 0 0,4 0 0,7 4 0,-4-3 0,3 4 0,1-1 0,-4-3 0,4 4 0,-6-1 0,-6-3 0,-1 3 0,-5 0 0,0-3 0,-1 3 0,-4-4 0,-1 0 0,-6 0 0,6 0 0,-4 0 0,4 0 0,-5 0 0,0 0 0,0 0 0,0 0 0,-5 0 0,4 0 0,-3 0 0,4 0 0,0 0 0,0 0 0,-1 0 0,12 0 0,-9 0 0,9 0 0,-15 0 0,2 0 0,-10 0 0,6 0 0,-7 0 0,4 0 0,-1 0 0,1 0 0,-1 3 0,1-2 0,-1 2 0,1-3 0,-1 0 0,1 3 0,-1-2 0,-3 2 0,3-3 0,-7 0 0,4 0 0,-5 0 0,1 0 0,-1 0 0,0 0 0,1 0 0,-1 0 0,4 0 0,-2 0 0,2 0 0,-4 0 0,1 0 0,-4 0 0,0 0 0</inkml:trace>
+</inkml:ink>
+</file>
+
+<file path=ppt/ink/ink108.xml><?xml version="1.0" encoding="utf-8"?>
+<inkml:ink xmlns:inkml="http://www.w3.org/2003/InkML">
+  <inkml:definitions>
+    <inkml:context xml:id="ctx0">
+      <inkml:inkSource xml:id="inkSrc0">
+        <inkml:traceFormat>
+          <inkml:channel name="X" type="integer" min="-2.14748E9" max="2.14748E9" units="cm"/>
+          <inkml:channel name="Y" type="integer" min="-2.14748E9" max="2.14748E9" units="cm"/>
+          <inkml:channel name="F" type="integer" max="32767" units="dev"/>
+        </inkml:traceFormat>
+        <inkml:channelProperties>
+          <inkml:channelProperty channel="X" name="resolution" value="1000" units="1/cm"/>
+          <inkml:channelProperty channel="Y" name="resolution" value="1000" units="1/cm"/>
+          <inkml:channelProperty channel="F" name="resolution" value="0" units="1/dev"/>
+        </inkml:channelProperties>
+      </inkml:inkSource>
+      <inkml:timestamp xml:id="ts0" timeString="2022-09-22T23:19:31.108"/>
+    </inkml:context>
+    <inkml:brush xml:id="br0">
+      <inkml:brushProperty name="width" value="0.1" units="cm"/>
+      <inkml:brushProperty name="height" value="0.1" units="cm"/>
+      <inkml:brushProperty name="color" value="#EBEBEB"/>
+    </inkml:brush>
+  </inkml:definitions>
+  <inkml:trace contextRef="#ctx0" brushRef="#br0">0 109 24575,'10'0'0,"3"0"0,-2 0 0,3 0 0,1 0 0,-1 0 0,5 0 0,-3 0 0,7 0 0,1 0 0,17 0 0,-3 0 0,8 0 0,-11 0 0,5 0 0,-4 0 0,10 0 0,-10 0 0,9 0 0,-14 0 0,8 0 0,-3 0 0,5 0 0,6 0 0,0 0 0,6 0 0,8 0 0,-11 0 0,15 0 0,-16 0 0,18 0 0,-11 0 0,9 0 0,-16 0 0,-2 0 0,-7 0 0,-5 0 0,-5 0 0,-2 0 0,1 0 0,-4 0 0,9 0 0,-4 0 0,4 0 0,1 0 0,5 0 0,-4 0 0,4 0 0,0-4 0,-4 3 0,9-7 0,-8 7 0,8-8 0,-9 8 0,10-7 0,-10 7 0,9-7 0,-9 3 0,10-4 0,-10 4 0,25-3 0,-22 3 0,22 0 0,-25-3 0,10 7 0,-5-3 0,1 4 0,3-4 0,-9 3 0,5-3 0,-7 0 0,6 3 0,-4-3 0,4 4 0,-5 0 0,0 0 0,-5 0 0,-2 0 0,1 0 0,-8 0 0,7 0 0,-9 0 0,5 0 0,-4 0 0,8 0 0,-7 0 0,12 0 0,-8 0 0,9 0 0,-4 0 0,4 0 0,6 0 0,-4 0 0,4 0 0,-5 0 0,-5 0 0,3 0 0,-8 0 0,4 0 0,6 0 0,-13 0 0,12 0 0,-19 0 0,8 0 0,-8 0 0,8 4 0,-3-3 0,4 6 0,0-6 0,0 6 0,0-6 0,0 2 0,-1 1 0,1 0 0,0 1 0,5 2 0,-4-6 0,8 7 0,-7-4 0,2 5 0,-4-1 0,0-4 0,0 3 0,0-6 0,-4 6 0,-2-6 0,-3 2 0,-1-3 0,-3 3 0,2-3 0,-5 3 0,5-3 0,-2 0 0,0 0 0,2 0 0,-5 0 0,2 0 0,-4 0 0,1 0 0,-1 0 0,1 0 0,-1 0 0,1 0 0,-1 0 0,9 0 0,-3 0 0,10 0 0,-2 0 0,4 0 0,-4 0 0,3 0 0,-11 0 0,5 0 0,-9 0 0,2 0 0,-4 0 0,1 0 0,0 0 0,3 0 0,1 0 0,3 0 0,1 0 0,-1 0 0,-3 0 0,3 0 0,-7 0 0,3 0 0,-3 0 0,-1 0 0,1 0 0,-1 0 0,1 0 0,-1 0 0,0 0 0,1 3 0,-1-2 0,4 5 0,-5-5 0,1 2 0</inkml:trace>
+</inkml:ink>
+</file>
+
+<file path=ppt/ink/ink109.xml><?xml version="1.0" encoding="utf-8"?>
+<inkml:ink xmlns:inkml="http://www.w3.org/2003/InkML">
+  <inkml:definitions>
+    <inkml:context xml:id="ctx0">
+      <inkml:inkSource xml:id="inkSrc0">
+        <inkml:traceFormat>
+          <inkml:channel name="X" type="integer" min="-2.14748E9" max="2.14748E9" units="cm"/>
+          <inkml:channel name="Y" type="integer" min="-2.14748E9" max="2.14748E9" units="cm"/>
+          <inkml:channel name="F" type="integer" max="32767" units="dev"/>
+        </inkml:traceFormat>
+        <inkml:channelProperties>
+          <inkml:channelProperty channel="X" name="resolution" value="1000" units="1/cm"/>
+          <inkml:channelProperty channel="Y" name="resolution" value="1000" units="1/cm"/>
+          <inkml:channelProperty channel="F" name="resolution" value="0" units="1/dev"/>
+        </inkml:channelProperties>
+      </inkml:inkSource>
+      <inkml:timestamp xml:id="ts0" timeString="2022-12-08T20:42:06.122"/>
+    </inkml:context>
+    <inkml:brush xml:id="br0">
+      <inkml:brushProperty name="width" value="0.1" units="cm"/>
+      <inkml:brushProperty name="height" value="0.1" units="cm"/>
+      <inkml:brushProperty name="color" value="#C93431"/>
+    </inkml:brush>
+  </inkml:definitions>
+  <inkml:trace contextRef="#ctx0" brushRef="#br0">0 7 24575,'24'-1'0,"2"0"0,0 0 0,-2 0 0,-6 0 0,-8 1 0,-1-1 0,1 1 0,0 0 0,9 0 0,0 1 0,0-1 0,-4 1 0,-8-1 0,-2 0 0,2 1 0,7 0 0,3 1 0,-1 0 0,-4-1 0,-6 0 0,0-1 0,3 0 0,-1 0 0,-1 0 0,-3 0 0,-2 0 0,1 0 0,0 0 0,0 0 0,1 0 0,3 0 0,-3 0 0,3 0 0,-2 0 0,2 0 0,-2 0 0,0-1 0,-3-1 0,-2-1 0</inkml:trace>
 </inkml:ink>
 </file>
 
@@ -303,12 +471,124 @@
     <inkml:brush xml:id="br0">
       <inkml:brushProperty name="width" value="0.2" units="cm"/>
       <inkml:brushProperty name="height" value="0.4" units="cm"/>
-      <inkml:brushProperty name="color" value="#FFE699"/>
+      <inkml:brushProperty name="color" value="#A88333"/>
       <inkml:brushProperty name="tip" value="rectangle"/>
       <inkml:brushProperty name="rasterOp" value="maskPen"/>
     </inkml:brush>
   </inkml:definitions>
   <inkml:trace contextRef="#ctx0" brushRef="#br0">42 125 16383,'36'0'0,"-6"0"0,-18 0 0,-4 0 0,7 0 0,-6 0 0,1-3 0,1-4 0,-7-1 0,6-3 0,-5 0 0,2 6 0,0-8 0,1 8 0,-4-5 0,2-1 0,-5 3 0,6-3 0,-7 0 0,-17 7 0,9-3 0,-21 7 0,20 0 0,-7 4 0,8-3 0,-4 3 0,2-4 0,2 0 0,-6 0 0,6 0 0,-3 0 0,0 0 0,3 3 0,-3 4 0,4 1 0,3 2 0,-3-2 0,3-1 0,-3 4 0,-1-2 0,4 1 0,-3-2 0,3-1 0</inkml:trace>
+</inkml:ink>
+</file>
+
+<file path=ppt/ink/ink110.xml><?xml version="1.0" encoding="utf-8"?>
+<inkml:ink xmlns:inkml="http://www.w3.org/2003/InkML">
+  <inkml:definitions>
+    <inkml:context xml:id="ctx0">
+      <inkml:inkSource xml:id="inkSrc0">
+        <inkml:traceFormat>
+          <inkml:channel name="X" type="integer" min="-2.14748E9" max="2.14748E9" units="cm"/>
+          <inkml:channel name="Y" type="integer" min="-2.14748E9" max="2.14748E9" units="cm"/>
+          <inkml:channel name="F" type="integer" max="32767" units="dev"/>
+        </inkml:traceFormat>
+        <inkml:channelProperties>
+          <inkml:channelProperty channel="X" name="resolution" value="1000" units="1/cm"/>
+          <inkml:channelProperty channel="Y" name="resolution" value="1000" units="1/cm"/>
+          <inkml:channelProperty channel="F" name="resolution" value="0" units="1/dev"/>
+        </inkml:channelProperties>
+      </inkml:inkSource>
+      <inkml:timestamp xml:id="ts0" timeString="2022-12-08T20:42:37.607"/>
+    </inkml:context>
+    <inkml:brush xml:id="br0">
+      <inkml:brushProperty name="width" value="0.1" units="cm"/>
+      <inkml:brushProperty name="height" value="0.1" units="cm"/>
+      <inkml:brushProperty name="color" value="#C93431"/>
+    </inkml:brush>
+  </inkml:definitions>
+  <inkml:trace contextRef="#ctx0" brushRef="#br0">0 0 24575,'0'8'0,"0"-1"0,0-3 0,0 0 0,0 0 0,0 1 0,0 5 0,0-3 0,0 5 0,0-1 0,0 5 0,0 0 0,0 0 0,0-1 0,0-5 0,0-2 0,0-3 0,0 3 0,0-2 0,0 6 0,0-1 0,0 6 0,0-7 0,0 1 0,0-8 0,0 3 0,0 0 0,0 3 0,0 2 0,0-3 0,0 4 0,2-5 0,1 4 0,1 0 0,2 0 0,0-1 0,0-2 0,2 2 0,2 3 0,1 0 0,0 2 0,1-3 0,-1-1 0,-1 0 0,-1 2 0,-1-1 0,0-1 0,-1-2 0,0-2 0,3-1 0,-1 1 0,3 3 0,1 1 0,1 2 0,2 1 0,0 0 0,-1-1 0,-4-2 0,-4-3 0,-3-3 0,-1-1 0,0 1 0,2 1 0,1 2 0,0 1 0,1-1 0,0 2 0,-2 0 0,1 0 0,0 2 0,1 0 0,1 1 0,1 1 0,-1-1 0,1 2 0,-4-5 0,2 3 0,-3-2 0,1 4 0,0 2 0,1-1 0,0 0 0,-1 1 0,-1-1 0,-1 0 0,0 0 0,1 1 0,0-1 0,-1 1 0,1 2 0,-2 2 0,1 0 0,-1 1 0,0-1 0,0-2 0,-1-1 0,-1-1 0,0-1 0,0 2 0,0 2 0,0 1 0,0 1 0,0 0 0,0 0 0,0 1 0,0-1 0,0 1 0,-2 0 0,-2-1 0,-3 2 0,-1-3 0,-1 0 0,-1 4 0,-1 0 0,-2 1 0,2-4 0,2-2 0,3-3 0,-1-1 0,1 1 0,-2-3 0,0 0 0,0 0 0,-1 1 0,-1 2 0,-3 2 0,-1 2 0,-1 2 0,0 1 0,0 2 0,-2 0 0,0-2 0,2-1 0,1-2 0,2-2 0,2-1 0,-1-2 0,2 1 0,0-1 0,1-1 0,-1-1 0,3 0 0,-2 0 0,5-4 0,-1 0 0,2-8 0,0 3 0,0 2 0,0 4 0,0 3 0,-1 2 0,2 0 0,-2 2 0,1 3 0,0 0 0,-2 3 0,2 0 0,0 0 0,0-1 0,2-2 0,0-4 0,0-3 0,0 0 0,0 0 0,0 1 0,-1 1 0,-2 4 0,1-8 0,0 2 0,2-8 0,0 1 0,0 0 0,0-1 0,0-3 0,0-1 0</inkml:trace>
+</inkml:ink>
+</file>
+
+<file path=ppt/ink/ink111.xml><?xml version="1.0" encoding="utf-8"?>
+<inkml:ink xmlns:inkml="http://www.w3.org/2003/InkML">
+  <inkml:definitions>
+    <inkml:context xml:id="ctx0">
+      <inkml:inkSource xml:id="inkSrc0">
+        <inkml:traceFormat>
+          <inkml:channel name="X" type="integer" min="-2.14748E9" max="2.14748E9" units="cm"/>
+          <inkml:channel name="Y" type="integer" min="-2.14748E9" max="2.14748E9" units="cm"/>
+          <inkml:channel name="F" type="integer" max="32767" units="dev"/>
+        </inkml:traceFormat>
+        <inkml:channelProperties>
+          <inkml:channelProperty channel="X" name="resolution" value="1000" units="1/cm"/>
+          <inkml:channelProperty channel="Y" name="resolution" value="1000" units="1/cm"/>
+          <inkml:channelProperty channel="F" name="resolution" value="0" units="1/dev"/>
+        </inkml:channelProperties>
+      </inkml:inkSource>
+      <inkml:timestamp xml:id="ts0" timeString="2022-12-08T20:43:08.825"/>
+    </inkml:context>
+    <inkml:brush xml:id="br0">
+      <inkml:brushProperty name="width" value="0.1" units="cm"/>
+      <inkml:brushProperty name="height" value="0.1" units="cm"/>
+      <inkml:brushProperty name="color" value="#C93431"/>
+    </inkml:brush>
+  </inkml:definitions>
+  <inkml:trace contextRef="#ctx0" brushRef="#br0">1 0 24575,'0'0'0</inkml:trace>
+</inkml:ink>
+</file>
+
+<file path=ppt/ink/ink112.xml><?xml version="1.0" encoding="utf-8"?>
+<inkml:ink xmlns:inkml="http://www.w3.org/2003/InkML">
+  <inkml:definitions>
+    <inkml:context xml:id="ctx0">
+      <inkml:inkSource xml:id="inkSrc0">
+        <inkml:traceFormat>
+          <inkml:channel name="X" type="integer" min="-2.14748E9" max="2.14748E9" units="cm"/>
+          <inkml:channel name="Y" type="integer" min="-2.14748E9" max="2.14748E9" units="cm"/>
+          <inkml:channel name="F" type="integer" max="32767" units="dev"/>
+        </inkml:traceFormat>
+        <inkml:channelProperties>
+          <inkml:channelProperty channel="X" name="resolution" value="1000" units="1/cm"/>
+          <inkml:channelProperty channel="Y" name="resolution" value="1000" units="1/cm"/>
+          <inkml:channelProperty channel="F" name="resolution" value="0" units="1/dev"/>
+        </inkml:channelProperties>
+      </inkml:inkSource>
+      <inkml:timestamp xml:id="ts0" timeString="2022-12-08T20:43:25.477"/>
+    </inkml:context>
+    <inkml:brush xml:id="br0">
+      <inkml:brushProperty name="width" value="0.1" units="cm"/>
+      <inkml:brushProperty name="height" value="0.1" units="cm"/>
+      <inkml:brushProperty name="color" value="#C93431"/>
+    </inkml:brush>
+  </inkml:definitions>
+  <inkml:trace contextRef="#ctx0" brushRef="#br0">1 1 24575,'0'0'0</inkml:trace>
+</inkml:ink>
+</file>
+
+<file path=ppt/ink/ink113.xml><?xml version="1.0" encoding="utf-8"?>
+<inkml:ink xmlns:inkml="http://www.w3.org/2003/InkML">
+  <inkml:definitions>
+    <inkml:context xml:id="ctx0">
+      <inkml:inkSource xml:id="inkSrc0">
+        <inkml:traceFormat>
+          <inkml:channel name="X" type="integer" min="-2.14748E9" max="2.14748E9" units="cm"/>
+          <inkml:channel name="Y" type="integer" min="-2.14748E9" max="2.14748E9" units="cm"/>
+          <inkml:channel name="F" type="integer" max="32767" units="dev"/>
+        </inkml:traceFormat>
+        <inkml:channelProperties>
+          <inkml:channelProperty channel="X" name="resolution" value="1000" units="1/cm"/>
+          <inkml:channelProperty channel="Y" name="resolution" value="1000" units="1/cm"/>
+          <inkml:channelProperty channel="F" name="resolution" value="0" units="1/dev"/>
+        </inkml:channelProperties>
+      </inkml:inkSource>
+      <inkml:timestamp xml:id="ts0" timeString="2022-12-08T20:43:29.408"/>
+    </inkml:context>
+    <inkml:brush xml:id="br0">
+      <inkml:brushProperty name="width" value="0.1" units="cm"/>
+      <inkml:brushProperty name="height" value="0.1" units="cm"/>
+      <inkml:brushProperty name="color" value="#C93431"/>
+    </inkml:brush>
+  </inkml:definitions>
+  <inkml:trace contextRef="#ctx0" brushRef="#br0">1 0 24575,'0'0'0</inkml:trace>
 </inkml:ink>
 </file>
 
@@ -333,7 +613,7 @@
     <inkml:brush xml:id="br0">
       <inkml:brushProperty name="width" value="0.3" units="cm"/>
       <inkml:brushProperty name="height" value="0.6" units="cm"/>
-      <inkml:brushProperty name="color" value="#0069AF"/>
+      <inkml:brushProperty name="color" value="#347FB5"/>
       <inkml:brushProperty name="tip" value="rectangle"/>
       <inkml:brushProperty name="rasterOp" value="maskPen"/>
     </inkml:brush>
@@ -471,7 +751,7 @@
     <inkml:brush xml:id="br0">
       <inkml:brushProperty name="width" value="0.2" units="cm"/>
       <inkml:brushProperty name="height" value="0.4" units="cm"/>
-      <inkml:brushProperty name="color" value="#FFE699"/>
+      <inkml:brushProperty name="color" value="#A88333"/>
       <inkml:brushProperty name="tip" value="rectangle"/>
       <inkml:brushProperty name="rasterOp" value="maskPen"/>
     </inkml:brush>
@@ -501,7 +781,7 @@
     <inkml:brush xml:id="br0">
       <inkml:brushProperty name="width" value="0.3" units="cm"/>
       <inkml:brushProperty name="height" value="0.6" units="cm"/>
-      <inkml:brushProperty name="color" value="#0069AF"/>
+      <inkml:brushProperty name="color" value="#347FB5"/>
       <inkml:brushProperty name="tip" value="rectangle"/>
       <inkml:brushProperty name="rasterOp" value="maskPen"/>
     </inkml:brush>
@@ -666,7 +946,7 @@
     <inkml:brush xml:id="br0">
       <inkml:brushProperty name="width" value="0.2" units="cm"/>
       <inkml:brushProperty name="height" value="0.4" units="cm"/>
-      <inkml:brushProperty name="color" value="#FFE699"/>
+      <inkml:brushProperty name="color" value="#A88333"/>
       <inkml:brushProperty name="tip" value="rectangle"/>
       <inkml:brushProperty name="rasterOp" value="maskPen"/>
     </inkml:brush>
@@ -696,7 +976,7 @@
     <inkml:brush xml:id="br0">
       <inkml:brushProperty name="width" value="0.3" units="cm"/>
       <inkml:brushProperty name="height" value="0.6" units="cm"/>
-      <inkml:brushProperty name="color" value="#0069AF"/>
+      <inkml:brushProperty name="color" value="#347FB5"/>
       <inkml:brushProperty name="tip" value="rectangle"/>
       <inkml:brushProperty name="rasterOp" value="maskPen"/>
     </inkml:brush>
@@ -726,7 +1006,7 @@
     <inkml:brush xml:id="br0">
       <inkml:brushProperty name="width" value="0.2" units="cm"/>
       <inkml:brushProperty name="height" value="0.2" units="cm"/>
-      <inkml:brushProperty name="color" value="#FF0000"/>
+      <inkml:brushProperty name="color" value="#C93431"/>
     </inkml:brush>
   </inkml:definitions>
   <inkml:trace contextRef="#ctx0" brushRef="#br0">0 0 24575,'0'0'0</inkml:trace>
@@ -754,7 +1034,7 @@
     <inkml:brush xml:id="br0">
       <inkml:brushProperty name="width" value="0.2" units="cm"/>
       <inkml:brushProperty name="height" value="0.2" units="cm"/>
-      <inkml:brushProperty name="color" value="#FF0000"/>
+      <inkml:brushProperty name="color" value="#C93431"/>
     </inkml:brush>
   </inkml:definitions>
   <inkml:trace contextRef="#ctx0" brushRef="#br0">0 0 24575,'0'0'0</inkml:trace>
@@ -782,7 +1062,7 @@
     <inkml:brush xml:id="br0">
       <inkml:brushProperty name="width" value="0.2" units="cm"/>
       <inkml:brushProperty name="height" value="0.2" units="cm"/>
-      <inkml:brushProperty name="color" value="#FF0000"/>
+      <inkml:brushProperty name="color" value="#C93431"/>
     </inkml:brush>
   </inkml:definitions>
   <inkml:trace contextRef="#ctx0" brushRef="#br0">0 1 24575,'0'0'0</inkml:trace>
@@ -810,7 +1090,7 @@
     <inkml:brush xml:id="br0">
       <inkml:brushProperty name="width" value="0.2" units="cm"/>
       <inkml:brushProperty name="height" value="0.2" units="cm"/>
-      <inkml:brushProperty name="color" value="#FF0000"/>
+      <inkml:brushProperty name="color" value="#C93431"/>
     </inkml:brush>
   </inkml:definitions>
   <inkml:trace contextRef="#ctx0" brushRef="#br0">0 0 24575,'0'0'0</inkml:trace>
@@ -838,7 +1118,7 @@
     <inkml:brush xml:id="br0">
       <inkml:brushProperty name="width" value="0.2" units="cm"/>
       <inkml:brushProperty name="height" value="0.2" units="cm"/>
-      <inkml:brushProperty name="color" value="#FF0000"/>
+      <inkml:brushProperty name="color" value="#C93431"/>
     </inkml:brush>
   </inkml:definitions>
   <inkml:trace contextRef="#ctx0" brushRef="#br0">1 1 24575,'0'0'0</inkml:trace>
@@ -893,7 +1173,7 @@
     <inkml:brush xml:id="br0">
       <inkml:brushProperty name="width" value="0.2" units="cm"/>
       <inkml:brushProperty name="height" value="0.2" units="cm"/>
-      <inkml:brushProperty name="color" value="#FF0000"/>
+      <inkml:brushProperty name="color" value="#C93431"/>
     </inkml:brush>
   </inkml:definitions>
   <inkml:trace contextRef="#ctx0" brushRef="#br0">0 0 24575,'0'0'0</inkml:trace>
@@ -921,7 +1201,7 @@
     <inkml:brush xml:id="br0">
       <inkml:brushProperty name="width" value="0.2" units="cm"/>
       <inkml:brushProperty name="height" value="0.2" units="cm"/>
-      <inkml:brushProperty name="color" value="#FF0000"/>
+      <inkml:brushProperty name="color" value="#C93431"/>
     </inkml:brush>
   </inkml:definitions>
   <inkml:trace contextRef="#ctx0" brushRef="#br0">0 1 24575,'0'0'0</inkml:trace>
@@ -949,7 +1229,7 @@
     <inkml:brush xml:id="br0">
       <inkml:brushProperty name="width" value="0.2" units="cm"/>
       <inkml:brushProperty name="height" value="0.2" units="cm"/>
-      <inkml:brushProperty name="color" value="#FF0000"/>
+      <inkml:brushProperty name="color" value="#C93431"/>
     </inkml:brush>
   </inkml:definitions>
   <inkml:trace contextRef="#ctx0" brushRef="#br0">1 1 24575,'0'0'0</inkml:trace>
@@ -977,7 +1257,7 @@
     <inkml:brush xml:id="br0">
       <inkml:brushProperty name="width" value="0.2" units="cm"/>
       <inkml:brushProperty name="height" value="0.2" units="cm"/>
-      <inkml:brushProperty name="color" value="#FF0000"/>
+      <inkml:brushProperty name="color" value="#C93431"/>
     </inkml:brush>
   </inkml:definitions>
   <inkml:trace contextRef="#ctx0" brushRef="#br0">1 1 24575,'0'0'0</inkml:trace>
@@ -1005,7 +1285,7 @@
     <inkml:brush xml:id="br0">
       <inkml:brushProperty name="width" value="0.2" units="cm"/>
       <inkml:brushProperty name="height" value="0.2" units="cm"/>
-      <inkml:brushProperty name="color" value="#FF0000"/>
+      <inkml:brushProperty name="color" value="#C93431"/>
     </inkml:brush>
   </inkml:definitions>
   <inkml:trace contextRef="#ctx0" brushRef="#br0">1 0 24575,'0'0'0</inkml:trace>
@@ -1033,7 +1313,7 @@
     <inkml:brush xml:id="br0">
       <inkml:brushProperty name="width" value="0.2" units="cm"/>
       <inkml:brushProperty name="height" value="0.2" units="cm"/>
-      <inkml:brushProperty name="color" value="#FF0000"/>
+      <inkml:brushProperty name="color" value="#C93431"/>
     </inkml:brush>
   </inkml:definitions>
   <inkml:trace contextRef="#ctx0" brushRef="#br0">0 0 24575,'0'0'0</inkml:trace>
@@ -1061,7 +1341,7 @@
     <inkml:brush xml:id="br0">
       <inkml:brushProperty name="width" value="0.2" units="cm"/>
       <inkml:brushProperty name="height" value="0.2" units="cm"/>
-      <inkml:brushProperty name="color" value="#FF0000"/>
+      <inkml:brushProperty name="color" value="#C93431"/>
     </inkml:brush>
   </inkml:definitions>
   <inkml:trace contextRef="#ctx0" brushRef="#br0">0 0 24575,'0'0'0</inkml:trace>
@@ -1089,7 +1369,7 @@
     <inkml:brush xml:id="br0">
       <inkml:brushProperty name="width" value="0.2" units="cm"/>
       <inkml:brushProperty name="height" value="0.2" units="cm"/>
-      <inkml:brushProperty name="color" value="#FF0000"/>
+      <inkml:brushProperty name="color" value="#C93431"/>
     </inkml:brush>
   </inkml:definitions>
   <inkml:trace contextRef="#ctx0" brushRef="#br0">0 1 24575,'0'0'0</inkml:trace>
@@ -1117,7 +1397,7 @@
     <inkml:brush xml:id="br0">
       <inkml:brushProperty name="width" value="0.2" units="cm"/>
       <inkml:brushProperty name="height" value="0.2" units="cm"/>
-      <inkml:brushProperty name="color" value="#FF0000"/>
+      <inkml:brushProperty name="color" value="#C93431"/>
     </inkml:brush>
   </inkml:definitions>
   <inkml:trace contextRef="#ctx0" brushRef="#br0">0 0 24575,'0'0'0</inkml:trace>
@@ -1145,7 +1425,7 @@
     <inkml:brush xml:id="br0">
       <inkml:brushProperty name="width" value="0.2" units="cm"/>
       <inkml:brushProperty name="height" value="0.2" units="cm"/>
-      <inkml:brushProperty name="color" value="#FF0000"/>
+      <inkml:brushProperty name="color" value="#C93431"/>
     </inkml:brush>
   </inkml:definitions>
   <inkml:trace contextRef="#ctx0" brushRef="#br0">1 1 24575,'0'0'0</inkml:trace>
@@ -1200,7 +1480,7 @@
     <inkml:brush xml:id="br0">
       <inkml:brushProperty name="width" value="0.2" units="cm"/>
       <inkml:brushProperty name="height" value="0.2" units="cm"/>
-      <inkml:brushProperty name="color" value="#FF0000"/>
+      <inkml:brushProperty name="color" value="#C93431"/>
     </inkml:brush>
   </inkml:definitions>
   <inkml:trace contextRef="#ctx0" brushRef="#br0">0 0 24575,'0'0'0</inkml:trace>
@@ -1228,7 +1508,7 @@
     <inkml:brush xml:id="br0">
       <inkml:brushProperty name="width" value="0.2" units="cm"/>
       <inkml:brushProperty name="height" value="0.2" units="cm"/>
-      <inkml:brushProperty name="color" value="#FF0000"/>
+      <inkml:brushProperty name="color" value="#C93431"/>
     </inkml:brush>
   </inkml:definitions>
   <inkml:trace contextRef="#ctx0" brushRef="#br0">0 1 24575,'0'0'0</inkml:trace>
@@ -1256,7 +1536,7 @@
     <inkml:brush xml:id="br0">
       <inkml:brushProperty name="width" value="0.2" units="cm"/>
       <inkml:brushProperty name="height" value="0.2" units="cm"/>
-      <inkml:brushProperty name="color" value="#FF0000"/>
+      <inkml:brushProperty name="color" value="#C93431"/>
     </inkml:brush>
   </inkml:definitions>
   <inkml:trace contextRef="#ctx0" brushRef="#br0">1 1 24575,'0'0'0</inkml:trace>
@@ -1284,7 +1564,7 @@
     <inkml:brush xml:id="br0">
       <inkml:brushProperty name="width" value="0.2" units="cm"/>
       <inkml:brushProperty name="height" value="0.2" units="cm"/>
-      <inkml:brushProperty name="color" value="#FF0000"/>
+      <inkml:brushProperty name="color" value="#C93431"/>
     </inkml:brush>
   </inkml:definitions>
   <inkml:trace contextRef="#ctx0" brushRef="#br0">1 1 24575,'0'0'0</inkml:trace>
@@ -1312,7 +1592,7 @@
     <inkml:brush xml:id="br0">
       <inkml:brushProperty name="width" value="0.2" units="cm"/>
       <inkml:brushProperty name="height" value="0.2" units="cm"/>
-      <inkml:brushProperty name="color" value="#FF0000"/>
+      <inkml:brushProperty name="color" value="#C93431"/>
     </inkml:brush>
   </inkml:definitions>
   <inkml:trace contextRef="#ctx0" brushRef="#br0">1 0 24575,'0'0'0</inkml:trace>
@@ -1340,7 +1620,7 @@
     <inkml:brush xml:id="br0">
       <inkml:brushProperty name="width" value="0.2" units="cm"/>
       <inkml:brushProperty name="height" value="0.2" units="cm"/>
-      <inkml:brushProperty name="color" value="#FF0000"/>
+      <inkml:brushProperty name="color" value="#C93431"/>
     </inkml:brush>
   </inkml:definitions>
   <inkml:trace contextRef="#ctx0" brushRef="#br0">1 1 24575,'0'0'0</inkml:trace>
@@ -1368,7 +1648,7 @@
     <inkml:brush xml:id="br0">
       <inkml:brushProperty name="width" value="0.2" units="cm"/>
       <inkml:brushProperty name="height" value="0.2" units="cm"/>
-      <inkml:brushProperty name="color" value="#FF0000"/>
+      <inkml:brushProperty name="color" value="#C93431"/>
     </inkml:brush>
   </inkml:definitions>
   <inkml:trace contextRef="#ctx0" brushRef="#br0">1 0 24575,'0'0'0</inkml:trace>
@@ -1396,7 +1676,7 @@
     <inkml:brush xml:id="br0">
       <inkml:brushProperty name="width" value="0.2" units="cm"/>
       <inkml:brushProperty name="height" value="0.2" units="cm"/>
-      <inkml:brushProperty name="color" value="#FF0000"/>
+      <inkml:brushProperty name="color" value="#C93431"/>
     </inkml:brush>
   </inkml:definitions>
   <inkml:trace contextRef="#ctx0" brushRef="#br0">1 0 24575,'0'0'0</inkml:trace>
@@ -1424,7 +1704,7 @@
     <inkml:brush xml:id="br0">
       <inkml:brushProperty name="width" value="0.2" units="cm"/>
       <inkml:brushProperty name="height" value="0.2" units="cm"/>
-      <inkml:brushProperty name="color" value="#FF0000"/>
+      <inkml:brushProperty name="color" value="#C93431"/>
     </inkml:brush>
   </inkml:definitions>
   <inkml:trace contextRef="#ctx0" brushRef="#br0">1 1 24575,'0'0'0</inkml:trace>
@@ -1452,7 +1732,7 @@
     <inkml:brush xml:id="br0">
       <inkml:brushProperty name="width" value="0.2" units="cm"/>
       <inkml:brushProperty name="height" value="0.2" units="cm"/>
-      <inkml:brushProperty name="color" value="#FF0000"/>
+      <inkml:brushProperty name="color" value="#C93431"/>
     </inkml:brush>
   </inkml:definitions>
   <inkml:trace contextRef="#ctx0" brushRef="#br0">0 1 24575,'0'0'0</inkml:trace>
@@ -1480,7 +1760,7 @@
     <inkml:brush xml:id="br0">
       <inkml:brushProperty name="width" value="0.2" units="cm"/>
       <inkml:brushProperty name="height" value="0.4" units="cm"/>
-      <inkml:brushProperty name="color" value="#FFE699"/>
+      <inkml:brushProperty name="color" value="#A88333"/>
       <inkml:brushProperty name="tip" value="rectangle"/>
       <inkml:brushProperty name="rasterOp" value="maskPen"/>
     </inkml:brush>
@@ -1510,7 +1790,7 @@
     <inkml:brush xml:id="br0">
       <inkml:brushProperty name="width" value="0.2" units="cm"/>
       <inkml:brushProperty name="height" value="0.2" units="cm"/>
-      <inkml:brushProperty name="color" value="#FF0000"/>
+      <inkml:brushProperty name="color" value="#C93431"/>
     </inkml:brush>
   </inkml:definitions>
   <inkml:trace contextRef="#ctx0" brushRef="#br0">0 1 24575,'0'0'0</inkml:trace>
@@ -1538,7 +1818,7 @@
     <inkml:brush xml:id="br0">
       <inkml:brushProperty name="width" value="0.2" units="cm"/>
       <inkml:brushProperty name="height" value="0.2" units="cm"/>
-      <inkml:brushProperty name="color" value="#FF0000"/>
+      <inkml:brushProperty name="color" value="#C93431"/>
     </inkml:brush>
   </inkml:definitions>
   <inkml:trace contextRef="#ctx0" brushRef="#br0">0 0 24575,'0'0'0</inkml:trace>
@@ -1566,7 +1846,7 @@
     <inkml:brush xml:id="br0">
       <inkml:brushProperty name="width" value="0.2" units="cm"/>
       <inkml:brushProperty name="height" value="0.2" units="cm"/>
-      <inkml:brushProperty name="color" value="#FF0000"/>
+      <inkml:brushProperty name="color" value="#C93431"/>
     </inkml:brush>
   </inkml:definitions>
   <inkml:trace contextRef="#ctx0" brushRef="#br0">1 1 24575,'0'0'0</inkml:trace>
@@ -1594,7 +1874,7 @@
     <inkml:brush xml:id="br0">
       <inkml:brushProperty name="width" value="0.2" units="cm"/>
       <inkml:brushProperty name="height" value="0.2" units="cm"/>
-      <inkml:brushProperty name="color" value="#FF0000"/>
+      <inkml:brushProperty name="color" value="#C93431"/>
     </inkml:brush>
   </inkml:definitions>
   <inkml:trace contextRef="#ctx0" brushRef="#br0">0 0 24575,'0'0'0</inkml:trace>
@@ -1622,7 +1902,7 @@
     <inkml:brush xml:id="br0">
       <inkml:brushProperty name="width" value="0.2" units="cm"/>
       <inkml:brushProperty name="height" value="0.2" units="cm"/>
-      <inkml:brushProperty name="color" value="#FF0000"/>
+      <inkml:brushProperty name="color" value="#C93431"/>
     </inkml:brush>
   </inkml:definitions>
   <inkml:trace contextRef="#ctx0" brushRef="#br0">1 1 24575,'0'0'0</inkml:trace>
@@ -1630,6 +1910,316 @@
 </file>
 
 <file path=ppt/ink/ink55.xml><?xml version="1.0" encoding="utf-8"?>
+<inkml:ink xmlns:inkml="http://www.w3.org/2003/InkML">
+  <inkml:definitions>
+    <inkml:context xml:id="ctx0">
+      <inkml:inkSource xml:id="inkSrc0">
+        <inkml:traceFormat>
+          <inkml:channel name="X" type="integer" min="-2.14748E9" max="2.14748E9" units="cm"/>
+          <inkml:channel name="Y" type="integer" min="-2.14748E9" max="2.14748E9" units="cm"/>
+          <inkml:channel name="F" type="integer" max="32767" units="dev"/>
+        </inkml:traceFormat>
+        <inkml:channelProperties>
+          <inkml:channelProperty channel="X" name="resolution" value="1000" units="1/cm"/>
+          <inkml:channelProperty channel="Y" name="resolution" value="1000" units="1/cm"/>
+          <inkml:channelProperty channel="F" name="resolution" value="0" units="1/dev"/>
+        </inkml:channelProperties>
+      </inkml:inkSource>
+      <inkml:timestamp xml:id="ts0" timeString="2023-12-19T23:00:38.626"/>
+    </inkml:context>
+    <inkml:brush xml:id="br0">
+      <inkml:brushProperty name="width" value="0.2" units="cm"/>
+      <inkml:brushProperty name="height" value="0.2" units="cm"/>
+      <inkml:brushProperty name="color" value="#C93431"/>
+    </inkml:brush>
+  </inkml:definitions>
+  <inkml:trace contextRef="#ctx0" brushRef="#br0">1 1 24575,'0'0'0</inkml:trace>
+</inkml:ink>
+</file>
+
+<file path=ppt/ink/ink56.xml><?xml version="1.0" encoding="utf-8"?>
+<inkml:ink xmlns:inkml="http://www.w3.org/2003/InkML">
+  <inkml:definitions>
+    <inkml:context xml:id="ctx0">
+      <inkml:inkSource xml:id="inkSrc0">
+        <inkml:traceFormat>
+          <inkml:channel name="X" type="integer" min="-2.14748E9" max="2.14748E9" units="cm"/>
+          <inkml:channel name="Y" type="integer" min="-2.14748E9" max="2.14748E9" units="cm"/>
+          <inkml:channel name="F" type="integer" max="32767" units="dev"/>
+        </inkml:traceFormat>
+        <inkml:channelProperties>
+          <inkml:channelProperty channel="X" name="resolution" value="1000" units="1/cm"/>
+          <inkml:channelProperty channel="Y" name="resolution" value="1000" units="1/cm"/>
+          <inkml:channelProperty channel="F" name="resolution" value="0" units="1/dev"/>
+        </inkml:channelProperties>
+      </inkml:inkSource>
+      <inkml:timestamp xml:id="ts0" timeString="2023-12-19T23:00:38.627"/>
+    </inkml:context>
+    <inkml:brush xml:id="br0">
+      <inkml:brushProperty name="width" value="0.2" units="cm"/>
+      <inkml:brushProperty name="height" value="0.2" units="cm"/>
+      <inkml:brushProperty name="color" value="#C93431"/>
+    </inkml:brush>
+  </inkml:definitions>
+  <inkml:trace contextRef="#ctx0" brushRef="#br0">1 0 24575,'0'0'0</inkml:trace>
+</inkml:ink>
+</file>
+
+<file path=ppt/ink/ink57.xml><?xml version="1.0" encoding="utf-8"?>
+<inkml:ink xmlns:inkml="http://www.w3.org/2003/InkML">
+  <inkml:definitions>
+    <inkml:context xml:id="ctx0">
+      <inkml:inkSource xml:id="inkSrc0">
+        <inkml:traceFormat>
+          <inkml:channel name="X" type="integer" min="-2.14748E9" max="2.14748E9" units="cm"/>
+          <inkml:channel name="Y" type="integer" min="-2.14748E9" max="2.14748E9" units="cm"/>
+          <inkml:channel name="F" type="integer" max="32767" units="dev"/>
+        </inkml:traceFormat>
+        <inkml:channelProperties>
+          <inkml:channelProperty channel="X" name="resolution" value="1000" units="1/cm"/>
+          <inkml:channelProperty channel="Y" name="resolution" value="1000" units="1/cm"/>
+          <inkml:channelProperty channel="F" name="resolution" value="0" units="1/dev"/>
+        </inkml:channelProperties>
+      </inkml:inkSource>
+      <inkml:timestamp xml:id="ts0" timeString="2023-12-19T23:00:38.628"/>
+    </inkml:context>
+    <inkml:brush xml:id="br0">
+      <inkml:brushProperty name="width" value="0.2" units="cm"/>
+      <inkml:brushProperty name="height" value="0.2" units="cm"/>
+      <inkml:brushProperty name="color" value="#C93431"/>
+    </inkml:brush>
+  </inkml:definitions>
+  <inkml:trace contextRef="#ctx0" brushRef="#br0">1 0 24575,'0'0'0</inkml:trace>
+</inkml:ink>
+</file>
+
+<file path=ppt/ink/ink58.xml><?xml version="1.0" encoding="utf-8"?>
+<inkml:ink xmlns:inkml="http://www.w3.org/2003/InkML">
+  <inkml:definitions>
+    <inkml:context xml:id="ctx0">
+      <inkml:inkSource xml:id="inkSrc0">
+        <inkml:traceFormat>
+          <inkml:channel name="X" type="integer" min="-2.14748E9" max="2.14748E9" units="cm"/>
+          <inkml:channel name="Y" type="integer" min="-2.14748E9" max="2.14748E9" units="cm"/>
+          <inkml:channel name="F" type="integer" max="32767" units="dev"/>
+        </inkml:traceFormat>
+        <inkml:channelProperties>
+          <inkml:channelProperty channel="X" name="resolution" value="1000" units="1/cm"/>
+          <inkml:channelProperty channel="Y" name="resolution" value="1000" units="1/cm"/>
+          <inkml:channelProperty channel="F" name="resolution" value="0" units="1/dev"/>
+        </inkml:channelProperties>
+      </inkml:inkSource>
+      <inkml:timestamp xml:id="ts0" timeString="2023-12-19T23:00:38.629"/>
+    </inkml:context>
+    <inkml:brush xml:id="br0">
+      <inkml:brushProperty name="width" value="0.2" units="cm"/>
+      <inkml:brushProperty name="height" value="0.2" units="cm"/>
+      <inkml:brushProperty name="color" value="#C93431"/>
+    </inkml:brush>
+  </inkml:definitions>
+  <inkml:trace contextRef="#ctx0" brushRef="#br0">1 1 24575,'0'0'0</inkml:trace>
+</inkml:ink>
+</file>
+
+<file path=ppt/ink/ink59.xml><?xml version="1.0" encoding="utf-8"?>
+<inkml:ink xmlns:inkml="http://www.w3.org/2003/InkML">
+  <inkml:definitions>
+    <inkml:context xml:id="ctx0">
+      <inkml:inkSource xml:id="inkSrc0">
+        <inkml:traceFormat>
+          <inkml:channel name="X" type="integer" min="-2.14748E9" max="2.14748E9" units="cm"/>
+          <inkml:channel name="Y" type="integer" min="-2.14748E9" max="2.14748E9" units="cm"/>
+          <inkml:channel name="F" type="integer" max="32767" units="dev"/>
+        </inkml:traceFormat>
+        <inkml:channelProperties>
+          <inkml:channelProperty channel="X" name="resolution" value="1000" units="1/cm"/>
+          <inkml:channelProperty channel="Y" name="resolution" value="1000" units="1/cm"/>
+          <inkml:channelProperty channel="F" name="resolution" value="0" units="1/dev"/>
+        </inkml:channelProperties>
+      </inkml:inkSource>
+      <inkml:timestamp xml:id="ts0" timeString="2023-12-19T23:00:38.630"/>
+    </inkml:context>
+    <inkml:brush xml:id="br0">
+      <inkml:brushProperty name="width" value="0.2" units="cm"/>
+      <inkml:brushProperty name="height" value="0.2" units="cm"/>
+      <inkml:brushProperty name="color" value="#C93431"/>
+    </inkml:brush>
+  </inkml:definitions>
+  <inkml:trace contextRef="#ctx0" brushRef="#br0">0 1 24575,'0'0'0</inkml:trace>
+</inkml:ink>
+</file>
+
+<file path=ppt/ink/ink6.xml><?xml version="1.0" encoding="utf-8"?>
+<inkml:ink xmlns:inkml="http://www.w3.org/2003/InkML">
+  <inkml:definitions>
+    <inkml:context xml:id="ctx0">
+      <inkml:inkSource xml:id="inkSrc0">
+        <inkml:traceFormat>
+          <inkml:channel name="X" type="integer" min="-2.14748E9" max="2.14748E9" units="cm"/>
+          <inkml:channel name="Y" type="integer" min="-2.14748E9" max="2.14748E9" units="cm"/>
+          <inkml:channel name="F" type="integer" max="32767" units="dev"/>
+        </inkml:traceFormat>
+        <inkml:channelProperties>
+          <inkml:channelProperty channel="X" name="resolution" value="1000" units="1/cm"/>
+          <inkml:channelProperty channel="Y" name="resolution" value="1000" units="1/cm"/>
+          <inkml:channelProperty channel="F" name="resolution" value="0" units="1/dev"/>
+        </inkml:channelProperties>
+      </inkml:inkSource>
+      <inkml:timestamp xml:id="ts0" timeString="2022-09-20T23:32:25.640"/>
+    </inkml:context>
+    <inkml:brush xml:id="br0">
+      <inkml:brushProperty name="width" value="0.3" units="cm"/>
+      <inkml:brushProperty name="height" value="0.6" units="cm"/>
+      <inkml:brushProperty name="color" value="#347FB5"/>
+      <inkml:brushProperty name="tip" value="rectangle"/>
+      <inkml:brushProperty name="rasterOp" value="maskPen"/>
+    </inkml:brush>
+  </inkml:definitions>
+  <inkml:trace contextRef="#ctx0" brushRef="#br0">976 1 16383,'-56'0'0,"4"0"0,24 4 0,-1 2 0,-4 3 0,10 4 0,-8 1 0,11-4 0,-7 6 0,11-14 0,3 6 0,-5-5 0,16 14 0,-4-3 0,10 7 0,-1-3 0,-3-9 0,0 13 0,4-10 0,0 3 0,17-7 0,-1-5 0,12-7 0,-4-1 0,-1-9 0,-4 8 0,-2-6 0,-4 8 0,-5-1 0,7 1 0,-7 4 0,6 0 0,-1 0 0,-5 0 0,9 0 0,-67 11 0,36-8 0,-51 11 0,44-13 0,1 7 0,-6-7 0,4 6 0,-3-6 0,4 6 0,0-2 0,5 0 0,-7 5 0,9-8 0,-7 12 0,5-9 0,1 5 0,-3 1 0,1-2 0,1 2 0,-3-3 0,7 2 0,-6-2 0,2 6 0,0-5 0,1 5 0,1-2 0,1-1 0,-2 4 0,0-7 0,3 6 0,-3-3 0,4 4 0,0 0 0,-1 4 0,0-3 0,0 0 0,0 0 0,4-3 0,-4 3 0,1 0 0,-2 1 0,1-5 0,-2 3 0,4-3 0,-5 7 0,6-5 0,-2 1 0,3-1 0,-4-2 0,1 7 0,-1-8 0,1 3 0,-4-3 0,6 4 0,-5 0 0,2 4 0,-1-2 0,-6 3 0,6-3 0,0-1 0,2 1 0,3-4 0,-1 2 0,-1 5 0,1-6 0,1 4 0,1-3 0,3-3 0,0 7 0,0-4 0,-4 0 0,4 1 0,-7-1 0,6 1 0,-2-1 0,-1 0 0,4 0 0,-7 5 0,2-3 0,1 8 0,-3-7 0,2 3 0,-3-4 0,-1 5 0,1-5 0,3 5 0,-3-5 0,7-1 0,-6 0 0,6 0 0,-2-1 0,3 0 0,0 1 0,-4 0 0,3 1 0,-6 3 0,6-3 0,-6 3 0,6-7 0,-6 2 0,6 1 0,-6-3 0,6 5 0,-2-6 0,0 8 0,2-7 0,-3 5 0,1-3 0,2-2 0,-2 7 0,-1-8 0,4 6 0,-7-3 0,3 0 0,0 4 0,0-7 0,4 6 0,0-2 0,0-3 0,0 8 0,0-9 0,0 6 0,0-3 0,0 0 0,7 3 0,-5-6 0,8 5 0,-6-2 0,0-3 0,6 8 0,-5-11 0,5 8 0,1-5 0,-3 0 0,6 1 0,-5-4 0,4 5 0,-4-3 0,2 1 0,-4 5 0,4-8 0,-3 8 0,6-9 0,-9 9 0,2-5 0,-7 5 0,0 1 0,0-6 0,0 9 0,0-9 0,0 6 0,6-4 0,2-3 0,7 3 0,-3-5 0,-1 1 0,4 2 0,-6-4 0,10 4 0,-10-5 0,6 2 0,-3 2 0,4-3 0,-4 3 0,3-7 0,-4 3 0,5-3 0,-1 4 0,0-1 0,-3 1 0,2-1 0,1 1 0,-2-4 0,4 3 0,-5-3 0,3 4 0,0-4 0,0 2 0,0-2 0,0 4 0,-1-1 0,1 0 0,-1 4 0,1-3 0,-3 3 0,2 0 0,-5-3 0,5 6 0,-3-2 0,1 0 0,2 2 0,-5-6 0,5 6 0,-2-5 0,-1 2 0,6-4 0,-4-3 0,5-1 0,-4 0 0,6 2 0,-8 2 0,7-3 0,-3 3 0,-2-6 0,4 6 0,-6-2 0,3 5 0,-3-1 0,3 2 0,-4 0 0,2-2 0,1 2 0,1-7 0,0-1 0,11-3 0,3 0 0,2 0 0,2 0 0,-5 0 0,-1 0 0,1 0 0,-1 0 0,-4 0 0,-2 0 0,1 0 0,-5 0 0,5 0 0,-9 0 0,2 0 0,5 0 0,-1 0 0,1 0 0,-4 0 0,-5 0 0,9 0 0,-4 0 0,3 0 0,-4 0 0,1 0 0,0 0 0,-1 0 0,0 0 0,0 0 0,7 0 0,-4 0 0,5 0 0,-10 0 0,2 0 0,1 0 0,2 0 0,-2 0 0,-1 0 0,-56 9 0,28-6 0,-42 6 0,42-9 0,-2 0 0,-5 0 0,5 3 0,-8-2 0,11 3 0,-4-4 0,-2 6 0,2-4 0,0 8 0,1-6 0,3 4 0,-3 0 0,6 6 0,36-2 0,-15-1 0,31-5 0,-30-6 0,3 0 0,1 0 0,0-3 0,-1 2 0,1-3 0,-1 1 0,0 2 0,-1-6 0,-1 3 0,1-3 0,0 3 0,0-3 0,0 7 0,0-7 0,0 3 0,0 0 0,1-3 0,-1 3 0,4-4 0,-7 3 0,11-2 0,-10 3 0,7-4 0,2 3 0,0-3 0,6 3 0,-1-4 0,1 0 0,-6 0 0,5 4 0,-9-2 0,3 2 0,-4 1 0,-1-4 0,4 4 0,-2-1 0,-2-2 0,0 2 0,-4 1 0,5-3 0,0 2 0,-1-3 0,1-1 0,-4 5 0,2-4 0,-3 4 0,4-4 0,-1 1 0,-3-1 0,2 1 0,-2-1 0,3 0 0,0 1 0,-4-1 0,6-2 0,-7 1 0,7-2 0,-5 4 0,-1-1 0,3-3 0,-2-4 0,4-2 0,1 1 0,0-5 0,0 11 0,1-16 0,-1 12 0,0-4 0,0 3 0,0 2 0,-1-4 0,1 0 0,0 1 0,-1-1 0,6 4 0,-4-3 0,3 6 0,-4-2 0,-4 4 0,2 0 0,-3-3 0,4 5 0,-1-3 0,0 1 0,-4 0 0,3-6 0,-5 1 0,2 1 0,-3-3 0,4 6 0,0-10 0,1 9 0,-2-9 0,-3 10 0,0-6 0,0 2 0,0 0 0,-3-6 0,2 10 0,-7-9 0,4 3 0,-4 2 0,0-9 0,0 9 0,0-7 0,0 3 0,0 1 0,0-1 0,0 0 0,0 1 0,-4-1 0,-1-4 0,-4-2 0,0-3 0,0-2 0,0 1 0,4-1 0,-3 1 0,7 4 0,-7-3 0,3 1 0,-3 2 0,0 3 0,-1 4 0,2 7 0,-2-6 0,1 2 0,0-7 0,0 7 0,0-2 0,1 0 0,2 2 0,-1-6 0,5 4 0,-2 0 0,-1 0 0,3 0 0,-2 0 0,3-1 0,-4-3 0,3 7 0,-2-7 0,3 6 0,-4-4 0,3 1 0,-3-4 0,4-3 0,0 6 0,0-3 0,0 7 0,0-4 0,-3 1 0,2-4 0,-3 6 0,1-4 0,-1 6 0,-7-3 0,3 0 0,-7 4 0,7 0 0,-9 4 0,8-4 0,-5 3 0,4-7 0,1 3 0,-2 0 0,-1-4 0,3 4 0,-6-8 0,6 6 0,-6-5 0,6 11 0,-10-15 0,5 8 0,-2-4 0,0-2 0,3 0 0,-1-2 0,2-1 0,4 7 0,3 4 0,-2-2 0,3 3 0,-1-4 0,-5 1 0,3 1 0,-8 3 0,4 0 0,0 1 0,3-3 0,4-2 0,-10 2 0,0-2 0,-2 10 0,1-6 0,4 7 0,-4 0 0,-1 1 0,-2 3 0,4 0 0,-1 0 0,0-4 0,0 0 0,0 0 0,1-5 0,2 0 0,-3-15 0,2 5 0,-3-13 0,-1 13 0,4-5 0,1 12 0,-3-7 0,5 5 0,-5-2 0,7 5 0,-3 0 0,3-1 0,-3-3 0,-2 7 0,1-2 0,-6 6 0,2-4 0,4 4 0,-10-3 0,12 3 0,-9 0 0,1 0 0,8 4 0,-12 0 0,6-3 0,2 2 0,-5-3 0,6 4 0,-3 0 0,-8 0 0,5 0 0,-5 0 0,7 0 0,1 0 0,-8 0 0,5 0 0,-5 0 0,7 0 0,5 0 0,-7-4 0,6 0 0,-3-1 0,-2-2 0,8 6 0,-12-6 0,9 3 0,-2 0 0,-3-3 0,5 3 0,-5 0 0,3-3 0,3 3 0,-5-3 0,0 2 0,1-1 0,-2 5 0,6-6 0,-4 6 0,-3-2 0,6 3 0,-14-4 0,13 3 0,-18-2 0,18 3 0,-13 0 0,14 0 0,-3 0 0,-2 0 0,6 0 0,-6 0 0,-1 0 0,6 0 0,-9 0 0,9 0 0,-8 0 0,1 0 0,3 0 0,1 0 0,1 0 0,0 0 0,0 6 0,-6-1 0,1 10 0,-6 1 0,8 1 0,-13 7 0,16-6 0,-5 2 0,1 0 0,9-2 0,-5-2 0,3 3 0,4-10 0,0 10 0,1-3 0,2 2 0,-3 2 0,0 4 0,0-6 0,3 6 0,-6 0 0,5-5 0,-6 8 0,8-13 0,-4 5 0,4-7 0,0 3 0,-3 0 0,3 0 0,-4 0 0,-2 0 0,5 1 0,-5-1 0,5-2 0,-2 4 0,3-4 0,-3 14 0,-2-1 0,0 5 0,-11 6 0,9-12 0,-5 8 0,4-11 0,3-4 0,1-3 0,1-4 0,3 3 0,0 2 0,-3 3 0,7-4 0,-7 0 0,3 0 0,0 0 0,0 1 0,1-1 0,2 1 0,-6 3 0,6-5 0,-3 8 0,1-12 0,2 16 0,-2-16 0,-1 18 0,-1-7 0,-4 10 0,5-9 0,0 8 0,1-19 0,2 12 0,-2-7 0,-1-3 0,3 10 0,-6-10 0,7 6 0,-4 1 0,4-7 0,0 5 0,0-2 0,0-4 0,0 15 0,0-17 0,0 17 0,-4-14 0,3 6 0,-2-3 0,-1-1 0,3 0 0,-5 0 0,2 0 0,-4 1 0,4-1 0,1 1 0,3-1 0,0 0 0,0 0 0,-4 0 0,3 0 0,-2 4 0,3-6 0,0 9 0,0-5 0,0 0 0,0 1 0,0-6 0,0 3 0,0 3 0,0-2 0,0 3 0,7 1 0,2 4 0,4 6 0,-1-8 0,-1 4 0,-2-9 0,2 0 0,-3 5 0,0-9 0,-1 3 0,-3 1 0,0-5 0,2 6 0,0-3 0,4 0 0,-5 0 0,4-4 0,-4 6 0,6-8 0,-4 8 0,-3 2 0,2 2 0,-5-1 0,6-2 0,-2-6 0,-1 3 0,2 0 0,-1 0 0,2 0 0,4 0 0,-3-3 0,6-2 0,-2 1 0,-1-3 0,4 3 0,0 1 0,-2-7 0,5 8 0,-6-8 0,0 3 0,6 2 0,-4-8 0,9 12 0,-2-8 0,-4 5 0,1-3 0,-10-4 0,10 3 0,-6-3 0,7 4 0,-4-4 0,-1 3 0,1-4 0,-1 5 0,1-1 0,1 1 0,3 0 0,-5-3 0,4 2 0,-6-7 0,3 4 0,3-4 0,2 0 0,0 0 0,-1 0 0,-6 0 0,4 0 0,-1 0 0,12 0 0,-3 3 0,3 2 0,-8 3 0,-4-3 0,2 1 0,3-5 0,13 7 0,-2-7 0,11 3 0,-16-1 0,-1-2 0,-8 2 0,-6-3 0,3 4 0,4-4 0,1 7 0,8-6 0,-10 6 0,4-6 0,-10 3 0,3-4 0,8 0 0,-5 0 0,9 0 0,-10 0 0,2 0 0,-4 0 0,1 0 0,12 0 0,9 0 0,8 0 0,-8 0 0,-9 0 0,-12 0 0,-4 0 0,6-10 0,-1 0 0,11-9 0,-3 3 0,3 0 0,-3 0 0,3-4 0,-6 6 0,5-5 0,-10 7 0,2 3 0,-11-1 0,5 3 0,-8-9 0,9-3 0,-1-6 0,2 5 0,1-3 0,-4 7 0,-1 0 0,0 2 0,1-6 0,4-1 0,-4-7 0,0 11 0,-5-5 0,5 5 0,-3-12 0,3 3 0,0-7 0,1 2 0,4 2 0,-1 5 0,-8 8 0,6 2 0,-9 2 0,6-3 0,-3-4 0,-4 2 0,3-6 0,-3 2 0,4-12 0,-3-7 0,3 2 0,-3-9 0,0 5 0,3-3 0,-7-4 0,2 17 0,-3-14 0,0 13 0,4-21 0,-3 9 0,7 8 0,-3 1 0,0 14 0,2-6 0,-3 7 0,3 2 0,-3 8 0,3-4 0,-6 1 0,2-2 0,-3-2 0,0 3 0,0-4 0,0-9 0,0 2 0,0-5 0,-7 6 0,-2 1 0,-10 0 0,2 0 0,1 7 0,5-5 0,0 9 0,6-6 0,-2 0 0,7 6 0,-3-5 0,2 3 0,-5 3 0,-1-5 0,-4 9 0,-4-3 0,1 4 0,2 0 0,-5-4 0,8 3 0,-9-3 0,13-3 0,-5 2 0,45 26 0,-22 1 0,36 25 0,-32-11 0,3-5 0,-4 1 0,4 10 0,-7 1 0,7 11 0,-2 9 0,1 2 0,3 11 0,2 16 0,-8-13 0,2 3 0,-9-26 0,0-15 0,-1-9 0,0-6 0,-1-4 0,1 0 0,-4 0 0,-1 0 0,1 0 0,-4 2 0,0-1 0,-1 5 0,-2-5 0,0-1 0,2 2 0,-3-2 0</inkml:trace>
+</inkml:ink>
+</file>
+
+<file path=ppt/ink/ink60.xml><?xml version="1.0" encoding="utf-8"?>
+<inkml:ink xmlns:inkml="http://www.w3.org/2003/InkML">
+  <inkml:definitions>
+    <inkml:context xml:id="ctx0">
+      <inkml:inkSource xml:id="inkSrc0">
+        <inkml:traceFormat>
+          <inkml:channel name="X" type="integer" min="-2.14748E9" max="2.14748E9" units="cm"/>
+          <inkml:channel name="Y" type="integer" min="-2.14748E9" max="2.14748E9" units="cm"/>
+          <inkml:channel name="F" type="integer" max="32767" units="dev"/>
+        </inkml:traceFormat>
+        <inkml:channelProperties>
+          <inkml:channelProperty channel="X" name="resolution" value="1000" units="1/cm"/>
+          <inkml:channelProperty channel="Y" name="resolution" value="1000" units="1/cm"/>
+          <inkml:channelProperty channel="F" name="resolution" value="0" units="1/dev"/>
+        </inkml:channelProperties>
+      </inkml:inkSource>
+      <inkml:timestamp xml:id="ts0" timeString="2023-12-19T23:00:38.631"/>
+    </inkml:context>
+    <inkml:brush xml:id="br0">
+      <inkml:brushProperty name="width" value="0.2" units="cm"/>
+      <inkml:brushProperty name="height" value="0.2" units="cm"/>
+      <inkml:brushProperty name="color" value="#C93431"/>
+    </inkml:brush>
+  </inkml:definitions>
+  <inkml:trace contextRef="#ctx0" brushRef="#br0">0 1 24575,'0'0'0</inkml:trace>
+</inkml:ink>
+</file>
+
+<file path=ppt/ink/ink61.xml><?xml version="1.0" encoding="utf-8"?>
+<inkml:ink xmlns:inkml="http://www.w3.org/2003/InkML">
+  <inkml:definitions>
+    <inkml:context xml:id="ctx0">
+      <inkml:inkSource xml:id="inkSrc0">
+        <inkml:traceFormat>
+          <inkml:channel name="X" type="integer" min="-2.14748E9" max="2.14748E9" units="cm"/>
+          <inkml:channel name="Y" type="integer" min="-2.14748E9" max="2.14748E9" units="cm"/>
+          <inkml:channel name="F" type="integer" max="32767" units="dev"/>
+        </inkml:traceFormat>
+        <inkml:channelProperties>
+          <inkml:channelProperty channel="X" name="resolution" value="1000" units="1/cm"/>
+          <inkml:channelProperty channel="Y" name="resolution" value="1000" units="1/cm"/>
+          <inkml:channelProperty channel="F" name="resolution" value="0" units="1/dev"/>
+        </inkml:channelProperties>
+      </inkml:inkSource>
+      <inkml:timestamp xml:id="ts0" timeString="2023-12-19T23:00:38.632"/>
+    </inkml:context>
+    <inkml:brush xml:id="br0">
+      <inkml:brushProperty name="width" value="0.2" units="cm"/>
+      <inkml:brushProperty name="height" value="0.2" units="cm"/>
+      <inkml:brushProperty name="color" value="#C93431"/>
+    </inkml:brush>
+  </inkml:definitions>
+  <inkml:trace contextRef="#ctx0" brushRef="#br0">0 0 24575,'0'0'0</inkml:trace>
+</inkml:ink>
+</file>
+
+<file path=ppt/ink/ink62.xml><?xml version="1.0" encoding="utf-8"?>
+<inkml:ink xmlns:inkml="http://www.w3.org/2003/InkML">
+  <inkml:definitions>
+    <inkml:context xml:id="ctx0">
+      <inkml:inkSource xml:id="inkSrc0">
+        <inkml:traceFormat>
+          <inkml:channel name="X" type="integer" min="-2.14748E9" max="2.14748E9" units="cm"/>
+          <inkml:channel name="Y" type="integer" min="-2.14748E9" max="2.14748E9" units="cm"/>
+          <inkml:channel name="F" type="integer" max="32767" units="dev"/>
+        </inkml:traceFormat>
+        <inkml:channelProperties>
+          <inkml:channelProperty channel="X" name="resolution" value="1000" units="1/cm"/>
+          <inkml:channelProperty channel="Y" name="resolution" value="1000" units="1/cm"/>
+          <inkml:channelProperty channel="F" name="resolution" value="0" units="1/dev"/>
+        </inkml:channelProperties>
+      </inkml:inkSource>
+      <inkml:timestamp xml:id="ts0" timeString="2023-12-19T23:00:38.633"/>
+    </inkml:context>
+    <inkml:brush xml:id="br0">
+      <inkml:brushProperty name="width" value="0.2" units="cm"/>
+      <inkml:brushProperty name="height" value="0.2" units="cm"/>
+      <inkml:brushProperty name="color" value="#C93431"/>
+    </inkml:brush>
+  </inkml:definitions>
+  <inkml:trace contextRef="#ctx0" brushRef="#br0">1 1 24575,'0'0'0</inkml:trace>
+</inkml:ink>
+</file>
+
+<file path=ppt/ink/ink63.xml><?xml version="1.0" encoding="utf-8"?>
+<inkml:ink xmlns:inkml="http://www.w3.org/2003/InkML">
+  <inkml:definitions>
+    <inkml:context xml:id="ctx0">
+      <inkml:inkSource xml:id="inkSrc0">
+        <inkml:traceFormat>
+          <inkml:channel name="X" type="integer" min="-2.14748E9" max="2.14748E9" units="cm"/>
+          <inkml:channel name="Y" type="integer" min="-2.14748E9" max="2.14748E9" units="cm"/>
+          <inkml:channel name="F" type="integer" max="32767" units="dev"/>
+        </inkml:traceFormat>
+        <inkml:channelProperties>
+          <inkml:channelProperty channel="X" name="resolution" value="1000" units="1/cm"/>
+          <inkml:channelProperty channel="Y" name="resolution" value="1000" units="1/cm"/>
+          <inkml:channelProperty channel="F" name="resolution" value="0" units="1/dev"/>
+        </inkml:channelProperties>
+      </inkml:inkSource>
+      <inkml:timestamp xml:id="ts0" timeString="2023-12-19T23:00:38.634"/>
+    </inkml:context>
+    <inkml:brush xml:id="br0">
+      <inkml:brushProperty name="width" value="0.2" units="cm"/>
+      <inkml:brushProperty name="height" value="0.2" units="cm"/>
+      <inkml:brushProperty name="color" value="#C93431"/>
+    </inkml:brush>
+  </inkml:definitions>
+  <inkml:trace contextRef="#ctx0" brushRef="#br0">0 0 24575,'0'0'0</inkml:trace>
+</inkml:ink>
+</file>
+
+<file path=ppt/ink/ink64.xml><?xml version="1.0" encoding="utf-8"?>
+<inkml:ink xmlns:inkml="http://www.w3.org/2003/InkML">
+  <inkml:definitions>
+    <inkml:context xml:id="ctx0">
+      <inkml:inkSource xml:id="inkSrc0">
+        <inkml:traceFormat>
+          <inkml:channel name="X" type="integer" min="-2.14748E9" max="2.14748E9" units="cm"/>
+          <inkml:channel name="Y" type="integer" min="-2.14748E9" max="2.14748E9" units="cm"/>
+          <inkml:channel name="F" type="integer" max="32767" units="dev"/>
+        </inkml:traceFormat>
+        <inkml:channelProperties>
+          <inkml:channelProperty channel="X" name="resolution" value="1000" units="1/cm"/>
+          <inkml:channelProperty channel="Y" name="resolution" value="1000" units="1/cm"/>
+          <inkml:channelProperty channel="F" name="resolution" value="0" units="1/dev"/>
+        </inkml:channelProperties>
+      </inkml:inkSource>
+      <inkml:timestamp xml:id="ts0" timeString="2023-12-19T23:00:38.635"/>
+    </inkml:context>
+    <inkml:brush xml:id="br0">
+      <inkml:brushProperty name="width" value="0.2" units="cm"/>
+      <inkml:brushProperty name="height" value="0.2" units="cm"/>
+      <inkml:brushProperty name="color" value="#C93431"/>
+    </inkml:brush>
+  </inkml:definitions>
+  <inkml:trace contextRef="#ctx0" brushRef="#br0">1 1 24575,'0'0'0</inkml:trace>
+</inkml:ink>
+</file>
+
+<file path=ppt/ink/ink65.xml><?xml version="1.0" encoding="utf-8"?>
 <inkml:ink xmlns:inkml="http://www.w3.org/2003/InkML">
   <inkml:definitions>
     <inkml:context xml:id="ctx0">
@@ -1656,7 +2246,7 @@
 </inkml:ink>
 </file>
 
-<file path=ppt/ink/ink56.xml><?xml version="1.0" encoding="utf-8"?>
+<file path=ppt/ink/ink66.xml><?xml version="1.0" encoding="utf-8"?>
 <inkml:ink xmlns:inkml="http://www.w3.org/2003/InkML">
   <inkml:definitions>
     <inkml:context xml:id="ctx0">
@@ -1683,7 +2273,7 @@
 </inkml:ink>
 </file>
 
-<file path=ppt/ink/ink57.xml><?xml version="1.0" encoding="utf-8"?>
+<file path=ppt/ink/ink67.xml><?xml version="1.0" encoding="utf-8"?>
 <inkml:ink xmlns:inkml="http://www.w3.org/2003/InkML">
   <inkml:definitions>
     <inkml:context xml:id="ctx0">
@@ -1710,7 +2300,7 @@
 </inkml:ink>
 </file>
 
-<file path=ppt/ink/ink58.xml><?xml version="1.0" encoding="utf-8"?>
+<file path=ppt/ink/ink68.xml><?xml version="1.0" encoding="utf-8"?>
 <inkml:ink xmlns:inkml="http://www.w3.org/2003/InkML">
   <inkml:definitions>
     <inkml:context xml:id="ctx0">
@@ -1737,7 +2327,7 @@
 </inkml:ink>
 </file>
 
-<file path=ppt/ink/ink59.xml><?xml version="1.0" encoding="utf-8"?>
+<file path=ppt/ink/ink69.xml><?xml version="1.0" encoding="utf-8"?>
 <inkml:ink xmlns:inkml="http://www.w3.org/2003/InkML">
   <inkml:definitions>
     <inkml:context xml:id="ctx0">
@@ -1761,306 +2351,6 @@
     </inkml:brush>
   </inkml:definitions>
   <inkml:trace contextRef="#ctx0" brushRef="#br0">0 1 24575,'0'26'0,"0"-6"0,0 7 0,0-7 0,0 14 0,0-7 0,0 7 0,0-6 0,0-2 0,0 7 0,0-3 0,0-4 0,0 1 0,0-7 0,0 0 0,0-2 0,0-3 0,0-1 0,0 1 0,0-1 0,0-3 0,0-1 0,0-3 0,0 0 0,0-1 0,0 1 0,0-1 0,0 1 0,0-1 0,0 0 0,0 0 0,0 0 0,0 1 0,0 3 0,0-3 0,0 7 0,0-6 0,0 2 0,0-4 0,0 1 0,0-1 0,0 1 0,0-1 0,0-2 0,0-1 0</inkml:trace>
-</inkml:ink>
-</file>
-
-<file path=ppt/ink/ink6.xml><?xml version="1.0" encoding="utf-8"?>
-<inkml:ink xmlns:inkml="http://www.w3.org/2003/InkML">
-  <inkml:definitions>
-    <inkml:context xml:id="ctx0">
-      <inkml:inkSource xml:id="inkSrc0">
-        <inkml:traceFormat>
-          <inkml:channel name="X" type="integer" min="-2.14748E9" max="2.14748E9" units="cm"/>
-          <inkml:channel name="Y" type="integer" min="-2.14748E9" max="2.14748E9" units="cm"/>
-          <inkml:channel name="F" type="integer" max="32767" units="dev"/>
-        </inkml:traceFormat>
-        <inkml:channelProperties>
-          <inkml:channelProperty channel="X" name="resolution" value="1000" units="1/cm"/>
-          <inkml:channelProperty channel="Y" name="resolution" value="1000" units="1/cm"/>
-          <inkml:channelProperty channel="F" name="resolution" value="0" units="1/dev"/>
-        </inkml:channelProperties>
-      </inkml:inkSource>
-      <inkml:timestamp xml:id="ts0" timeString="2022-09-20T23:32:25.640"/>
-    </inkml:context>
-    <inkml:brush xml:id="br0">
-      <inkml:brushProperty name="width" value="0.3" units="cm"/>
-      <inkml:brushProperty name="height" value="0.6" units="cm"/>
-      <inkml:brushProperty name="color" value="#0069AF"/>
-      <inkml:brushProperty name="tip" value="rectangle"/>
-      <inkml:brushProperty name="rasterOp" value="maskPen"/>
-    </inkml:brush>
-  </inkml:definitions>
-  <inkml:trace contextRef="#ctx0" brushRef="#br0">976 1 16383,'-56'0'0,"4"0"0,24 4 0,-1 2 0,-4 3 0,10 4 0,-8 1 0,11-4 0,-7 6 0,11-14 0,3 6 0,-5-5 0,16 14 0,-4-3 0,10 7 0,-1-3 0,-3-9 0,0 13 0,4-10 0,0 3 0,17-7 0,-1-5 0,12-7 0,-4-1 0,-1-9 0,-4 8 0,-2-6 0,-4 8 0,-5-1 0,7 1 0,-7 4 0,6 0 0,-1 0 0,-5 0 0,9 0 0,-67 11 0,36-8 0,-51 11 0,44-13 0,1 7 0,-6-7 0,4 6 0,-3-6 0,4 6 0,0-2 0,5 0 0,-7 5 0,9-8 0,-7 12 0,5-9 0,1 5 0,-3 1 0,1-2 0,1 2 0,-3-3 0,7 2 0,-6-2 0,2 6 0,0-5 0,1 5 0,1-2 0,1-1 0,-2 4 0,0-7 0,3 6 0,-3-3 0,4 4 0,0 0 0,-1 4 0,0-3 0,0 0 0,0 0 0,4-3 0,-4 3 0,1 0 0,-2 1 0,1-5 0,-2 3 0,4-3 0,-5 7 0,6-5 0,-2 1 0,3-1 0,-4-2 0,1 7 0,-1-8 0,1 3 0,-4-3 0,6 4 0,-5 0 0,2 4 0,-1-2 0,-6 3 0,6-3 0,0-1 0,2 1 0,3-4 0,-1 2 0,-1 5 0,1-6 0,1 4 0,1-3 0,3-3 0,0 7 0,0-4 0,-4 0 0,4 1 0,-7-1 0,6 1 0,-2-1 0,-1 0 0,4 0 0,-7 5 0,2-3 0,1 8 0,-3-7 0,2 3 0,-3-4 0,-1 5 0,1-5 0,3 5 0,-3-5 0,7-1 0,-6 0 0,6 0 0,-2-1 0,3 0 0,0 1 0,-4 0 0,3 1 0,-6 3 0,6-3 0,-6 3 0,6-7 0,-6 2 0,6 1 0,-6-3 0,6 5 0,-2-6 0,0 8 0,2-7 0,-3 5 0,1-3 0,2-2 0,-2 7 0,-1-8 0,4 6 0,-7-3 0,3 0 0,0 4 0,0-7 0,4 6 0,0-2 0,0-3 0,0 8 0,0-9 0,0 6 0,0-3 0,0 0 0,7 3 0,-5-6 0,8 5 0,-6-2 0,0-3 0,6 8 0,-5-11 0,5 8 0,1-5 0,-3 0 0,6 1 0,-5-4 0,4 5 0,-4-3 0,2 1 0,-4 5 0,4-8 0,-3 8 0,6-9 0,-9 9 0,2-5 0,-7 5 0,0 1 0,0-6 0,0 9 0,0-9 0,0 6 0,6-4 0,2-3 0,7 3 0,-3-5 0,-1 1 0,4 2 0,-6-4 0,10 4 0,-10-5 0,6 2 0,-3 2 0,4-3 0,-4 3 0,3-7 0,-4 3 0,5-3 0,-1 4 0,0-1 0,-3 1 0,2-1 0,1 1 0,-2-4 0,4 3 0,-5-3 0,3 4 0,0-4 0,0 2 0,0-2 0,0 4 0,-1-1 0,1 0 0,-1 4 0,1-3 0,-3 3 0,2 0 0,-5-3 0,5 6 0,-3-2 0,1 0 0,2 2 0,-5-6 0,5 6 0,-2-5 0,-1 2 0,6-4 0,-4-3 0,5-1 0,-4 0 0,6 2 0,-8 2 0,7-3 0,-3 3 0,-2-6 0,4 6 0,-6-2 0,3 5 0,-3-1 0,3 2 0,-4 0 0,2-2 0,1 2 0,1-7 0,0-1 0,11-3 0,3 0 0,2 0 0,2 0 0,-5 0 0,-1 0 0,1 0 0,-1 0 0,-4 0 0,-2 0 0,1 0 0,-5 0 0,5 0 0,-9 0 0,2 0 0,5 0 0,-1 0 0,1 0 0,-4 0 0,-5 0 0,9 0 0,-4 0 0,3 0 0,-4 0 0,1 0 0,0 0 0,-1 0 0,0 0 0,0 0 0,7 0 0,-4 0 0,5 0 0,-10 0 0,2 0 0,1 0 0,2 0 0,-2 0 0,-1 0 0,-56 9 0,28-6 0,-42 6 0,42-9 0,-2 0 0,-5 0 0,5 3 0,-8-2 0,11 3 0,-4-4 0,-2 6 0,2-4 0,0 8 0,1-6 0,3 4 0,-3 0 0,6 6 0,36-2 0,-15-1 0,31-5 0,-30-6 0,3 0 0,1 0 0,0-3 0,-1 2 0,1-3 0,-1 1 0,0 2 0,-1-6 0,-1 3 0,1-3 0,0 3 0,0-3 0,0 7 0,0-7 0,0 3 0,0 0 0,1-3 0,-1 3 0,4-4 0,-7 3 0,11-2 0,-10 3 0,7-4 0,2 3 0,0-3 0,6 3 0,-1-4 0,1 0 0,-6 0 0,5 4 0,-9-2 0,3 2 0,-4 1 0,-1-4 0,4 4 0,-2-1 0,-2-2 0,0 2 0,-4 1 0,5-3 0,0 2 0,-1-3 0,1-1 0,-4 5 0,2-4 0,-3 4 0,4-4 0,-1 1 0,-3-1 0,2 1 0,-2-1 0,3 0 0,0 1 0,-4-1 0,6-2 0,-7 1 0,7-2 0,-5 4 0,-1-1 0,3-3 0,-2-4 0,4-2 0,1 1 0,0-5 0,0 11 0,1-16 0,-1 12 0,0-4 0,0 3 0,0 2 0,-1-4 0,1 0 0,0 1 0,-1-1 0,6 4 0,-4-3 0,3 6 0,-4-2 0,-4 4 0,2 0 0,-3-3 0,4 5 0,-1-3 0,0 1 0,-4 0 0,3-6 0,-5 1 0,2 1 0,-3-3 0,4 6 0,0-10 0,1 9 0,-2-9 0,-3 10 0,0-6 0,0 2 0,0 0 0,-3-6 0,2 10 0,-7-9 0,4 3 0,-4 2 0,0-9 0,0 9 0,0-7 0,0 3 0,0 1 0,0-1 0,0 0 0,0 1 0,-4-1 0,-1-4 0,-4-2 0,0-3 0,0-2 0,0 1 0,4-1 0,-3 1 0,7 4 0,-7-3 0,3 1 0,-3 2 0,0 3 0,-1 4 0,2 7 0,-2-6 0,1 2 0,0-7 0,0 7 0,0-2 0,1 0 0,2 2 0,-1-6 0,5 4 0,-2 0 0,-1 0 0,3 0 0,-2 0 0,3-1 0,-4-3 0,3 7 0,-2-7 0,3 6 0,-4-4 0,3 1 0,-3-4 0,4-3 0,0 6 0,0-3 0,0 7 0,0-4 0,-3 1 0,2-4 0,-3 6 0,1-4 0,-1 6 0,-7-3 0,3 0 0,-7 4 0,7 0 0,-9 4 0,8-4 0,-5 3 0,4-7 0,1 3 0,-2 0 0,-1-4 0,3 4 0,-6-8 0,6 6 0,-6-5 0,6 11 0,-10-15 0,5 8 0,-2-4 0,0-2 0,3 0 0,-1-2 0,2-1 0,4 7 0,3 4 0,-2-2 0,3 3 0,-1-4 0,-5 1 0,3 1 0,-8 3 0,4 0 0,0 1 0,3-3 0,4-2 0,-10 2 0,0-2 0,-2 10 0,1-6 0,4 7 0,-4 0 0,-1 1 0,-2 3 0,4 0 0,-1 0 0,0-4 0,0 0 0,0 0 0,1-5 0,2 0 0,-3-15 0,2 5 0,-3-13 0,-1 13 0,4-5 0,1 12 0,-3-7 0,5 5 0,-5-2 0,7 5 0,-3 0 0,3-1 0,-3-3 0,-2 7 0,1-2 0,-6 6 0,2-4 0,4 4 0,-10-3 0,12 3 0,-9 0 0,1 0 0,8 4 0,-12 0 0,6-3 0,2 2 0,-5-3 0,6 4 0,-3 0 0,-8 0 0,5 0 0,-5 0 0,7 0 0,1 0 0,-8 0 0,5 0 0,-5 0 0,7 0 0,5 0 0,-7-4 0,6 0 0,-3-1 0,-2-2 0,8 6 0,-12-6 0,9 3 0,-2 0 0,-3-3 0,5 3 0,-5 0 0,3-3 0,3 3 0,-5-3 0,0 2 0,1-1 0,-2 5 0,6-6 0,-4 6 0,-3-2 0,6 3 0,-14-4 0,13 3 0,-18-2 0,18 3 0,-13 0 0,14 0 0,-3 0 0,-2 0 0,6 0 0,-6 0 0,-1 0 0,6 0 0,-9 0 0,9 0 0,-8 0 0,1 0 0,3 0 0,1 0 0,1 0 0,0 0 0,0 6 0,-6-1 0,1 10 0,-6 1 0,8 1 0,-13 7 0,16-6 0,-5 2 0,1 0 0,9-2 0,-5-2 0,3 3 0,4-10 0,0 10 0,1-3 0,2 2 0,-3 2 0,0 4 0,0-6 0,3 6 0,-6 0 0,5-5 0,-6 8 0,8-13 0,-4 5 0,4-7 0,0 3 0,-3 0 0,3 0 0,-4 0 0,-2 0 0,5 1 0,-5-1 0,5-2 0,-2 4 0,3-4 0,-3 14 0,-2-1 0,0 5 0,-11 6 0,9-12 0,-5 8 0,4-11 0,3-4 0,1-3 0,1-4 0,3 3 0,0 2 0,-3 3 0,7-4 0,-7 0 0,3 0 0,0 0 0,0 1 0,1-1 0,2 1 0,-6 3 0,6-5 0,-3 8 0,1-12 0,2 16 0,-2-16 0,-1 18 0,-1-7 0,-4 10 0,5-9 0,0 8 0,1-19 0,2 12 0,-2-7 0,-1-3 0,3 10 0,-6-10 0,7 6 0,-4 1 0,4-7 0,0 5 0,0-2 0,0-4 0,0 15 0,0-17 0,0 17 0,-4-14 0,3 6 0,-2-3 0,-1-1 0,3 0 0,-5 0 0,2 0 0,-4 1 0,4-1 0,1 1 0,3-1 0,0 0 0,0 0 0,-4 0 0,3 0 0,-2 4 0,3-6 0,0 9 0,0-5 0,0 0 0,0 1 0,0-6 0,0 3 0,0 3 0,0-2 0,0 3 0,7 1 0,2 4 0,4 6 0,-1-8 0,-1 4 0,-2-9 0,2 0 0,-3 5 0,0-9 0,-1 3 0,-3 1 0,0-5 0,2 6 0,0-3 0,4 0 0,-5 0 0,4-4 0,-4 6 0,6-8 0,-4 8 0,-3 2 0,2 2 0,-5-1 0,6-2 0,-2-6 0,-1 3 0,2 0 0,-1 0 0,2 0 0,4 0 0,-3-3 0,6-2 0,-2 1 0,-1-3 0,4 3 0,0 1 0,-2-7 0,5 8 0,-6-8 0,0 3 0,6 2 0,-4-8 0,9 12 0,-2-8 0,-4 5 0,1-3 0,-10-4 0,10 3 0,-6-3 0,7 4 0,-4-4 0,-1 3 0,1-4 0,-1 5 0,1-1 0,1 1 0,3 0 0,-5-3 0,4 2 0,-6-7 0,3 4 0,3-4 0,2 0 0,0 0 0,-1 0 0,-6 0 0,4 0 0,-1 0 0,12 0 0,-3 3 0,3 2 0,-8 3 0,-4-3 0,2 1 0,3-5 0,13 7 0,-2-7 0,11 3 0,-16-1 0,-1-2 0,-8 2 0,-6-3 0,3 4 0,4-4 0,1 7 0,8-6 0,-10 6 0,4-6 0,-10 3 0,3-4 0,8 0 0,-5 0 0,9 0 0,-10 0 0,2 0 0,-4 0 0,1 0 0,12 0 0,9 0 0,8 0 0,-8 0 0,-9 0 0,-12 0 0,-4 0 0,6-10 0,-1 0 0,11-9 0,-3 3 0,3 0 0,-3 0 0,3-4 0,-6 6 0,5-5 0,-10 7 0,2 3 0,-11-1 0,5 3 0,-8-9 0,9-3 0,-1-6 0,2 5 0,1-3 0,-4 7 0,-1 0 0,0 2 0,1-6 0,4-1 0,-4-7 0,0 11 0,-5-5 0,5 5 0,-3-12 0,3 3 0,0-7 0,1 2 0,4 2 0,-1 5 0,-8 8 0,6 2 0,-9 2 0,6-3 0,-3-4 0,-4 2 0,3-6 0,-3 2 0,4-12 0,-3-7 0,3 2 0,-3-9 0,0 5 0,3-3 0,-7-4 0,2 17 0,-3-14 0,0 13 0,4-21 0,-3 9 0,7 8 0,-3 1 0,0 14 0,2-6 0,-3 7 0,3 2 0,-3 8 0,3-4 0,-6 1 0,2-2 0,-3-2 0,0 3 0,0-4 0,0-9 0,0 2 0,0-5 0,-7 6 0,-2 1 0,-10 0 0,2 0 0,1 7 0,5-5 0,0 9 0,6-6 0,-2 0 0,7 6 0,-3-5 0,2 3 0,-5 3 0,-1-5 0,-4 9 0,-4-3 0,1 4 0,2 0 0,-5-4 0,8 3 0,-9-3 0,13-3 0,-5 2 0,45 26 0,-22 1 0,36 25 0,-32-11 0,3-5 0,-4 1 0,4 10 0,-7 1 0,7 11 0,-2 9 0,1 2 0,3 11 0,2 16 0,-8-13 0,2 3 0,-9-26 0,0-15 0,-1-9 0,0-6 0,-1-4 0,1 0 0,-4 0 0,-1 0 0,1 0 0,-4 2 0,0-1 0,-1 5 0,-2-5 0,0-1 0,2 2 0,-3-2 0</inkml:trace>
-</inkml:ink>
-</file>
-
-<file path=ppt/ink/ink60.xml><?xml version="1.0" encoding="utf-8"?>
-<inkml:ink xmlns:inkml="http://www.w3.org/2003/InkML">
-  <inkml:definitions>
-    <inkml:context xml:id="ctx0">
-      <inkml:inkSource xml:id="inkSrc0">
-        <inkml:traceFormat>
-          <inkml:channel name="X" type="integer" min="-2.14748E9" max="2.14748E9" units="cm"/>
-          <inkml:channel name="Y" type="integer" min="-2.14748E9" max="2.14748E9" units="cm"/>
-          <inkml:channel name="F" type="integer" max="32767" units="dev"/>
-        </inkml:traceFormat>
-        <inkml:channelProperties>
-          <inkml:channelProperty channel="X" name="resolution" value="1000" units="1/cm"/>
-          <inkml:channelProperty channel="Y" name="resolution" value="1000" units="1/cm"/>
-          <inkml:channelProperty channel="F" name="resolution" value="0" units="1/dev"/>
-        </inkml:channelProperties>
-      </inkml:inkSource>
-      <inkml:timestamp xml:id="ts0" timeString="2022-09-22T05:01:30.671"/>
-    </inkml:context>
-    <inkml:brush xml:id="br0">
-      <inkml:brushProperty name="width" value="0.1" units="cm"/>
-      <inkml:brushProperty name="height" value="0.1" units="cm"/>
-    </inkml:brush>
-  </inkml:definitions>
-  <inkml:trace contextRef="#ctx0" brushRef="#br0">7 0 24575,'0'22'0,"0"-4"0,0-3 0,0-1 0,0-3 0,0 12 0,0-6 0,0 7 0,0-13 0,0 2 0,0 2 0,0 1 0,0 3 0,0 1 0,0-3 0,0 0 0,0-7 0,0-3 0,0-1 0,0 1 0,0-1 0,0 0 0,0 1 0,0-1 0,0 0 0,0 0 0,0 1 0,0-1 0,0 4 0,0 1 0,0 4 0,0-1 0,0-3 0,0 3 0,0-7 0,0 3 0,0-3 0,0-1 0,0 1 0,0-1 0,0 0 0,0 1 0,-3-1 0,3 1 0,-3 0 0,3-1 0,0 1 0,0-1 0,0 1 0,0-1 0,0 1 0,0-1 0,0 1 0,0-1 0,0 0 0,0 0 0,0 0 0,0 1 0,0-1 0,0 0 0,0 0 0,0 0 0,0 0 0,0 0 0,0 0 0,0-3 0,0 0 0</inkml:trace>
-</inkml:ink>
-</file>
-
-<file path=ppt/ink/ink61.xml><?xml version="1.0" encoding="utf-8"?>
-<inkml:ink xmlns:inkml="http://www.w3.org/2003/InkML">
-  <inkml:definitions>
-    <inkml:context xml:id="ctx0">
-      <inkml:inkSource xml:id="inkSrc0">
-        <inkml:traceFormat>
-          <inkml:channel name="X" type="integer" min="-2.14748E9" max="2.14748E9" units="cm"/>
-          <inkml:channel name="Y" type="integer" min="-2.14748E9" max="2.14748E9" units="cm"/>
-          <inkml:channel name="F" type="integer" max="32767" units="dev"/>
-        </inkml:traceFormat>
-        <inkml:channelProperties>
-          <inkml:channelProperty channel="X" name="resolution" value="1000" units="1/cm"/>
-          <inkml:channelProperty channel="Y" name="resolution" value="1000" units="1/cm"/>
-          <inkml:channelProperty channel="F" name="resolution" value="0" units="1/dev"/>
-        </inkml:channelProperties>
-      </inkml:inkSource>
-      <inkml:timestamp xml:id="ts0" timeString="2022-09-22T05:01:32.900"/>
-    </inkml:context>
-    <inkml:brush xml:id="br0">
-      <inkml:brushProperty name="width" value="0.1" units="cm"/>
-      <inkml:brushProperty name="height" value="0.1" units="cm"/>
-    </inkml:brush>
-  </inkml:definitions>
-  <inkml:trace contextRef="#ctx0" brushRef="#br0">0 0 24575,'0'21'0,"0"-4"0,0 10 0,0-10 0,0 11 0,0-8 0,0-1 0,0 4 0,0-7 0,0 2 0,0 1 0,0-7 0,0 6 0,0-11 0,0 7 0,0-7 0,0 14 0,0-8 0,0 12 0,0-10 0,0 4 0,0-5 0,0-3 0,0-1 0,0 0 0,0-3 0,0 7 0,0-7 0,0 3 0,0 0 0,0-2 0,0 5 0,0-5 0,0 2 0,0-4 0,0 1 0,0 0 0,0-1 0,0 0 0,0 0 0,0 1 0,0-1 0,0 1 0,0-1 0,0 1 0,0-1 0,0 1 0,0-1 0,0 1 0,0-1 0,0 1 0,0-4 0,0 0 0</inkml:trace>
-</inkml:ink>
-</file>
-
-<file path=ppt/ink/ink62.xml><?xml version="1.0" encoding="utf-8"?>
-<inkml:ink xmlns:inkml="http://www.w3.org/2003/InkML">
-  <inkml:definitions>
-    <inkml:context xml:id="ctx0">
-      <inkml:inkSource xml:id="inkSrc0">
-        <inkml:traceFormat>
-          <inkml:channel name="X" type="integer" min="-2.14748E9" max="2.14748E9" units="cm"/>
-          <inkml:channel name="Y" type="integer" min="-2.14748E9" max="2.14748E9" units="cm"/>
-          <inkml:channel name="F" type="integer" max="32767" units="dev"/>
-        </inkml:traceFormat>
-        <inkml:channelProperties>
-          <inkml:channelProperty channel="X" name="resolution" value="1000" units="1/cm"/>
-          <inkml:channelProperty channel="Y" name="resolution" value="1000" units="1/cm"/>
-          <inkml:channelProperty channel="F" name="resolution" value="0" units="1/dev"/>
-        </inkml:channelProperties>
-      </inkml:inkSource>
-      <inkml:timestamp xml:id="ts0" timeString="2022-09-22T05:01:37.335"/>
-    </inkml:context>
-    <inkml:brush xml:id="br0">
-      <inkml:brushProperty name="width" value="0.1" units="cm"/>
-      <inkml:brushProperty name="height" value="0.1" units="cm"/>
-    </inkml:brush>
-  </inkml:definitions>
-  <inkml:trace contextRef="#ctx0" brushRef="#br0">14 1 24575,'0'9'0,"0"-4"0,0 19 0,0-6 0,0-2 0,0 7 0,0-8 0,0 8 0,0-7 0,0-1 0,0-2 0,0-2 0,0 4 0,0-4 0,0 2 0,0-5 0,0 2 0,0 0 0,0-3 0,0 3 0,0 0 0,0-2 0,0 2 0,0-3 0,0-1 0,0 1 0,0 3 0,0-3 0,0 7 0,0-7 0,0 7 0,0-7 0,0 6 0,0-6 0,0 3 0,0-4 0,0 1 0,0-1 0,0 0 0,0 0 0,0 0 0,0 1 0,0-1 0,0 1 0,-3 3 0,2 1 0,-2 3 0,0-3 0,3-1 0,-3-3 0,3-1 0,0 1 0,0-1 0,0 1 0,0-1 0,0 0 0,0 0 0,0 0 0,0 1 0,0-1 0,0 0 0,0 1 0,0-1 0,0 1 0,0-1 0,0 0 0,0 1 0,0-1 0,0 0 0,0 0 0,0 1 0,0-1 0,0 0 0,0 0 0,0 0 0,0 0 0,0 0 0,0 0 0,0 0 0,0 0 0,0 0 0,0 0 0,0-2 0,0-2 0</inkml:trace>
-</inkml:ink>
-</file>
-
-<file path=ppt/ink/ink63.xml><?xml version="1.0" encoding="utf-8"?>
-<inkml:ink xmlns:inkml="http://www.w3.org/2003/InkML">
-  <inkml:definitions>
-    <inkml:context xml:id="ctx0">
-      <inkml:inkSource xml:id="inkSrc0">
-        <inkml:traceFormat>
-          <inkml:channel name="X" type="integer" min="-2.14748E9" max="2.14748E9" units="cm"/>
-          <inkml:channel name="Y" type="integer" min="-2.14748E9" max="2.14748E9" units="cm"/>
-          <inkml:channel name="F" type="integer" max="32767" units="dev"/>
-        </inkml:traceFormat>
-        <inkml:channelProperties>
-          <inkml:channelProperty channel="X" name="resolution" value="1000" units="1/cm"/>
-          <inkml:channelProperty channel="Y" name="resolution" value="1000" units="1/cm"/>
-          <inkml:channelProperty channel="F" name="resolution" value="0" units="1/dev"/>
-        </inkml:channelProperties>
-      </inkml:inkSource>
-      <inkml:timestamp xml:id="ts0" timeString="2022-09-22T05:03:04.635"/>
-    </inkml:context>
-    <inkml:brush xml:id="br0">
-      <inkml:brushProperty name="width" value="0.1" units="cm"/>
-      <inkml:brushProperty name="height" value="0.1" units="cm"/>
-    </inkml:brush>
-  </inkml:definitions>
-  <inkml:trace contextRef="#ctx0" brushRef="#br0">2 6 24575,'13'0'0,"4"0"0,-1 0 0,6 0 0,-3 0 0,4 0 0,1 0 0,-1 0 0,0 0 0,0 0 0,1 0 0,-1 0 0,0 0 0,-3 0 0,2 0 0,-7 0 0,7 0 0,-7 3 0,4-2 0,5 9 0,-7-8 0,4 5 0,-8-4 0,-6-2 0,3 2 0,-3 0 0,-1-2 0,0 2 0,0-3 0,1 0 0,-1 0 0,0 2 0,1-1 0,-1 2 0,4-3 0,0 0 0,5 0 0,3 4 0,1-3 0,0 2 0,8-3 0,-7 4 0,13-4 0,-9 8 0,9-8 0,-4 4 0,5-4 0,0 0 0,0 0 0,5 4 0,-9-3 0,8 3 0,-9-4 0,5 0 0,-5 0 0,4 4 0,-9-3 0,4 7 0,0-8 0,-4 8 0,4-8 0,0 8 0,-3-7 0,7 3 0,-2-4 0,3 3 0,0-2 0,6 3 0,-5-4 0,5 0 0,-5 4 0,5-3 0,-4 7 0,4-7 0,-6 3 0,6-4 0,-4 0 0,10 0 0,-10 0 0,42 0 0,-34 0 0,47 0 0,-47 0 0,21 0 0,-17 0 0,11 0 0,-5 0 0,0 0 0,4 0 0,-15 0 0,8 0 0,-15 4 0,10-4 0,-10 8 0,-1-7 0,-1 3 0,-9 0 0,9-4 0,-9 8 0,4-8 0,-4 4 0,-1-1 0,0-2 0,5 3 0,-3-4 0,7 4 0,-3-3 0,0 3 0,4-4 0,-4 0 0,5 0 0,0 3 0,0-2 0,-1 3 0,1-4 0,0 4 0,0-3 0,5 3 0,-4 0 0,9-3 0,-4 3 0,6-4 0,-1 4 0,1-3 0,0 3 0,5-4 0,-4 0 0,5 0 0,-1 0 0,-4 0 0,5 0 0,-6 0 0,5 0 0,-4 0 0,5 0 0,-7 0 0,7 0 0,1 0 0,0 0 0,5 0 0,8 0 0,-15 0 0,19 0 0,-22 0 0,11 0 0,0 0 0,0-5 0,13 4 0,-9-3 0,4 4 0,3 0 0,-19 0 0,19 0 0,5 0 0,-22 0 0,31 0 0,-35 0 0,17 0 0,-7 0 0,-1 0 0,1 0 0,0-5 0,0 4 0,-6-3 0,18 4 0,-25 0 0,23 0 0,-21 0 0,11 0 0,0 0 0,-7 0 0,6-5 0,-11 4 0,4-3 0,-10 0 0,3 3 0,11-7 0,-10 7 0,14-3 0,-19 4 0,1 0 0,3-4 0,-4 2 0,5-2 0,1 0 0,-7 3 0,5-3 0,-3 0 0,-1 3 0,-1-3 0,-5 0 0,0 3 0,0-3 0,-1 4 0,1 0 0,0-4 0,0 3 0,0-3 0,4 4 0,-3 0 0,9 0 0,-3 0 0,4-4 0,7 3 0,-5-3 0,5 4 0,-1 0 0,-4-4 0,5 3 0,-6-4 0,-1 5 0,1 0 0,-1 0 0,7 0 0,7 0 0,-14 0 0,17 0 0,-19 0 0,16 0 0,0 0 0,-6 0 0,4 0 0,-10 0 0,11 0 0,-11 0 0,4 0 0,-5 0 0,0 0 0,5 0 0,-4 0 0,11 0 0,-11 0 0,10 0 0,10 0 0,-16 0 0,13 0 0,-17 0 0,0 0 0,10 0 0,-10 0 0,5 0 0,-6 0 0,-1 0 0,1 0 0,0 0 0,-1 0 0,1 0 0,5 0 0,-4 0 0,10 0 0,17 0 0,-16 0 0,14 0 0,-27 0 0,1 5 0,0-4 0,-1 3 0,1 0 0,11-3 0,-14 3 0,19-4 0,-8 0 0,-5 0 0,8 0 0,-11 0 0,1 4 0,10-3 0,-10 4 0,4-5 0,-5 0 0,-1 0 0,1 0 0,-1 0 0,1 0 0,26 0 0,-20 4 0,26-3 0,-31 3 0,10 0 0,-9 2 0,3-1 0,-5 4 0,-1-4 0,1 0 0,-1 3 0,1-7 0,0 3 0,-1 1 0,1-4 0,0 3 0,-1-4 0,7 0 0,-5 0 0,10 0 0,-9 0 0,3 0 0,21 0 0,-25 0 0,24 0 0,-36 0 0,9 0 0,-9 0 0,9 0 0,-8 0 0,8 0 0,-4 0 0,1 0 0,3 0 0,-4 0 0,6 0 0,-1 0 0,1 0 0,19 0 0,-24 0 0,27 0 0,-31 0 0,14 0 0,-5 0 0,-1 0 0,1 0 0,20 0 0,-16 0 0,16 0 0,-14 0 0,-5 0 0,4 0 0,-5 0 0,-1 0 0,1 0 0,0 0 0,-1 0 0,-4 0 0,-3 0 0,-4 0 0,0 0 0,-1 0 0,1 0 0,-5 0 0,9 0 0,-7 0 0,8 0 0,-6 0 0,6 0 0,-4 0 0,5 0 0,-7 0 0,1 0 0,-5 0 0,-1 0 0,-5 0 0,0 0 0,-3 0 0,-2 0 0,-8 0 0,0 0 0,-3 0 0,-1 0 0,0 0 0,1 0 0,-1 0 0,0 0 0,0 0 0,1 0 0,-1 0 0,0 0 0,0 0 0,0 0 0,1 0 0,-1 0 0,0 0 0,1 0 0,-1 0 0,0 0 0,1 0 0,-1 0 0,0 0 0,0 0 0,1 0 0,-1 0 0,0 0 0,0 0 0,0 0 0,0 0 0,0 0 0,0 0 0,1 0 0,-1 0 0,0 0 0,1 0 0,-1 0 0,0 0 0,0 0 0,0 0 0,0 0 0,1 0 0,-1 0 0,0 0 0,0 0 0,0 0 0,0 0 0,1 0 0,-1 0 0,0 0 0,0 0 0,1 0 0,-1 0 0,0 0 0,0 0 0,1 0 0,-1 0 0,0 0 0,0 0 0,0 0 0,0 0 0,0 0 0,1 0 0,-1 0 0,0 0 0,1 0 0,-1 0 0,-3 0 0,0 0 0</inkml:trace>
-</inkml:ink>
-</file>
-
-<file path=ppt/ink/ink64.xml><?xml version="1.0" encoding="utf-8"?>
-<inkml:ink xmlns:inkml="http://www.w3.org/2003/InkML">
-  <inkml:definitions>
-    <inkml:context xml:id="ctx0">
-      <inkml:inkSource xml:id="inkSrc0">
-        <inkml:traceFormat>
-          <inkml:channel name="X" type="integer" min="-2.14748E9" max="2.14748E9" units="cm"/>
-          <inkml:channel name="Y" type="integer" min="-2.14748E9" max="2.14748E9" units="cm"/>
-          <inkml:channel name="F" type="integer" max="32767" units="dev"/>
-        </inkml:traceFormat>
-        <inkml:channelProperties>
-          <inkml:channelProperty channel="X" name="resolution" value="1000" units="1/cm"/>
-          <inkml:channelProperty channel="Y" name="resolution" value="1000" units="1/cm"/>
-          <inkml:channelProperty channel="F" name="resolution" value="0" units="1/dev"/>
-        </inkml:channelProperties>
-      </inkml:inkSource>
-      <inkml:timestamp xml:id="ts0" timeString="2022-09-22T05:03:06.522"/>
-    </inkml:context>
-    <inkml:brush xml:id="br0">
-      <inkml:brushProperty name="width" value="0.1" units="cm"/>
-      <inkml:brushProperty name="height" value="0.1" units="cm"/>
-    </inkml:brush>
-  </inkml:definitions>
-  <inkml:trace contextRef="#ctx0" brushRef="#br0">0 1 24575,'0'13'0,"0"4"0,0-2 0,0 4 0,0-1 0,0-2 0,0 3 0,0-1 0,0 2 0,0 0 0,0-2 0,0 1 0,0 1 0,0 4 0,0 0 0,0 0 0,0-1 0,0 1 0,0 0 0,0-4 0,0 3 0,0-4 0,0 5 0,0 0 0,4 0 0,0 0 0,1-4 0,-2 3 0,1-4 0,-4 1 0,4-1 0,-4-5 0,0 1 0,0-4 0,0 2 0,3-2 0,-2 0 0,2-2 0,-3-3 0,0 1 0,0-1 0,0 0 0,0-3 0,0 0 0</inkml:trace>
-</inkml:ink>
-</file>
-
-<file path=ppt/ink/ink65.xml><?xml version="1.0" encoding="utf-8"?>
-<inkml:ink xmlns:inkml="http://www.w3.org/2003/InkML">
-  <inkml:definitions>
-    <inkml:context xml:id="ctx0">
-      <inkml:inkSource xml:id="inkSrc0">
-        <inkml:traceFormat>
-          <inkml:channel name="X" type="integer" min="-2.14748E9" max="2.14748E9" units="cm"/>
-          <inkml:channel name="Y" type="integer" min="-2.14748E9" max="2.14748E9" units="cm"/>
-          <inkml:channel name="F" type="integer" max="32767" units="dev"/>
-        </inkml:traceFormat>
-        <inkml:channelProperties>
-          <inkml:channelProperty channel="X" name="resolution" value="1000" units="1/cm"/>
-          <inkml:channelProperty channel="Y" name="resolution" value="1000" units="1/cm"/>
-          <inkml:channelProperty channel="F" name="resolution" value="0" units="1/dev"/>
-        </inkml:channelProperties>
-      </inkml:inkSource>
-      <inkml:timestamp xml:id="ts0" timeString="2022-09-22T05:03:08.513"/>
-    </inkml:context>
-    <inkml:brush xml:id="br0">
-      <inkml:brushProperty name="width" value="0.1" units="cm"/>
-      <inkml:brushProperty name="height" value="0.1" units="cm"/>
-    </inkml:brush>
-  </inkml:definitions>
-  <inkml:trace contextRef="#ctx0" brushRef="#br0">0 1 24575,'0'20'0,"0"2"0,0 6 0,0 2 0,0 10 0,0-4 0,0 10 0,0-10 0,0 4 0,0-5 0,0-5 0,0-2 0,0-4 0,0-4 0,0 3 0,0-11 0,0 5 0,0-9 0,0 5 0,0-6 0,0 3 0,0-4 0,0 1 0,0-1 0,0 0 0,0 0 0,0 1 0,0-1 0,0 1 0,0-1 0,0 1 0,0-1 0,0 1 0,0-1 0,0 1 0,0 0 0,0-1 0,0 0 0,0-2 0,0-1 0</inkml:trace>
-</inkml:ink>
-</file>
-
-<file path=ppt/ink/ink66.xml><?xml version="1.0" encoding="utf-8"?>
-<inkml:ink xmlns:inkml="http://www.w3.org/2003/InkML">
-  <inkml:definitions>
-    <inkml:context xml:id="ctx0">
-      <inkml:inkSource xml:id="inkSrc0">
-        <inkml:traceFormat>
-          <inkml:channel name="X" type="integer" min="-2.14748E9" max="2.14748E9" units="cm"/>
-          <inkml:channel name="Y" type="integer" min="-2.14748E9" max="2.14748E9" units="cm"/>
-          <inkml:channel name="F" type="integer" max="32767" units="dev"/>
-        </inkml:traceFormat>
-        <inkml:channelProperties>
-          <inkml:channelProperty channel="X" name="resolution" value="1000" units="1/cm"/>
-          <inkml:channelProperty channel="Y" name="resolution" value="1000" units="1/cm"/>
-          <inkml:channelProperty channel="F" name="resolution" value="0" units="1/dev"/>
-        </inkml:channelProperties>
-      </inkml:inkSource>
-      <inkml:timestamp xml:id="ts0" timeString="2022-09-22T05:03:10.158"/>
-    </inkml:context>
-    <inkml:brush xml:id="br0">
-      <inkml:brushProperty name="width" value="0.1" units="cm"/>
-      <inkml:brushProperty name="height" value="0.1" units="cm"/>
-    </inkml:brush>
-  </inkml:definitions>
-  <inkml:trace contextRef="#ctx0" brushRef="#br0">0 1 24575,'0'17'0,"0"-3"0,0 9 0,0 13 0,0-12 0,0 31 0,0-21 0,0 9 0,0 1 0,0-1 0,0 5 0,0 0 0,0-3 0,0-3 0,0-6 0,0-2 0,0-5 0,0-11 0,0 4 0,0-14 0,0 2 0,0-4 0,0-2 0,0-2 0</inkml:trace>
-</inkml:ink>
-</file>
-
-<file path=ppt/ink/ink67.xml><?xml version="1.0" encoding="utf-8"?>
-<inkml:ink xmlns:inkml="http://www.w3.org/2003/InkML">
-  <inkml:definitions>
-    <inkml:context xml:id="ctx0">
-      <inkml:inkSource xml:id="inkSrc0">
-        <inkml:traceFormat>
-          <inkml:channel name="X" type="integer" min="-2.14748E9" max="2.14748E9" units="cm"/>
-          <inkml:channel name="Y" type="integer" min="-2.14748E9" max="2.14748E9" units="cm"/>
-          <inkml:channel name="F" type="integer" max="32767" units="dev"/>
-        </inkml:traceFormat>
-        <inkml:channelProperties>
-          <inkml:channelProperty channel="X" name="resolution" value="1000" units="1/cm"/>
-          <inkml:channelProperty channel="Y" name="resolution" value="1000" units="1/cm"/>
-          <inkml:channelProperty channel="F" name="resolution" value="0" units="1/dev"/>
-        </inkml:channelProperties>
-      </inkml:inkSource>
-      <inkml:timestamp xml:id="ts0" timeString="2022-09-22T05:03:13.149"/>
-    </inkml:context>
-    <inkml:brush xml:id="br0">
-      <inkml:brushProperty name="width" value="0.1" units="cm"/>
-      <inkml:brushProperty name="height" value="0.1" units="cm"/>
-    </inkml:brush>
-  </inkml:definitions>
-  <inkml:trace contextRef="#ctx0" brushRef="#br0">1 1 24575,'0'9'0,"0"8"0,0-1 0,0 13 0,0-4 0,0 4 0,0-1 0,0-3 0,0 4 0,0-5 0,0-4 0,0 3 0,0-1 0,0-2 0,0-3 0,0-3 0,0-7 0,0 7 0,0-7 0,0 7 0,0-6 0,0 5 0,0-5 0,0 2 0,0 0 0,0-3 0,0 3 0,0-3 0,0-1 0,0 1 0,0-1 0,0 0 0,0 0 0,0 0 0,0 0 0,0 0 0,0 0 0,0 1 0,0-1 0,0 0 0,0 0 0,0 0 0,0 0 0,0 0 0,0 0 0,0 0 0,3-3 0,-3 3 0,3-3 0,-3 3 0,3-3 0,-3 3 0,3-3 0,0 4 0,-3-1 0,6-3 0,-5 3 0,1-3 0,-2 3 0,3-3 0,-2 3 0,1-15 0,-2 3 0,0-4 0,0 3 0</inkml:trace>
-</inkml:ink>
-</file>
-
-<file path=ppt/ink/ink68.xml><?xml version="1.0" encoding="utf-8"?>
-<inkml:ink xmlns:inkml="http://www.w3.org/2003/InkML">
-  <inkml:definitions>
-    <inkml:context xml:id="ctx0">
-      <inkml:inkSource xml:id="inkSrc0">
-        <inkml:traceFormat>
-          <inkml:channel name="X" type="integer" min="-2.14748E9" max="2.14748E9" units="cm"/>
-          <inkml:channel name="Y" type="integer" min="-2.14748E9" max="2.14748E9" units="cm"/>
-          <inkml:channel name="F" type="integer" max="32767" units="dev"/>
-        </inkml:traceFormat>
-        <inkml:channelProperties>
-          <inkml:channelProperty channel="X" name="resolution" value="1000" units="1/cm"/>
-          <inkml:channelProperty channel="Y" name="resolution" value="1000" units="1/cm"/>
-          <inkml:channelProperty channel="F" name="resolution" value="0" units="1/dev"/>
-        </inkml:channelProperties>
-      </inkml:inkSource>
-      <inkml:timestamp xml:id="ts0" timeString="2022-09-22T05:03:18.028"/>
-    </inkml:context>
-    <inkml:brush xml:id="br0">
-      <inkml:brushProperty name="width" value="0.1" units="cm"/>
-      <inkml:brushProperty name="height" value="0.1" units="cm"/>
-    </inkml:brush>
-  </inkml:definitions>
-  <inkml:trace contextRef="#ctx0" brushRef="#br0">15 1 24575,'0'17'0,"0"1"0,0-4 0,0 1 0,0-1 0,0 1 0,0-5 0,0 4 0,0-6 0,0 5 0,0-5 0,0 9 0,0-5 0,0 7 0,0-4 0,0 3 0,0-2 0,0 7 0,0-8 0,0 8 0,0-7 0,0-1 0,0-2 0,0 3 0,0-1 0,0 4 0,0-5 0,0 1 0,0-4 0,0 3 0,-6-7 0,4 7 0,-4-6 0,6 5 0,0-5 0,0 2 0,0-4 0,0 5 0,0-4 0,0 3 0,0-3 0,0 3 0,0-3 0,0 3 0,0-3 0,0 3 0,0-3 0,0 7 0,0 0 0,0-2 0,0 1 0,0-3 0,0-3 0,0 3 0,0-3 0,0-1 0,0 1 0,0 0 0,0-1 0,0-2 0,0-1 0</inkml:trace>
-</inkml:ink>
-</file>
-
-<file path=ppt/ink/ink69.xml><?xml version="1.0" encoding="utf-8"?>
-<inkml:ink xmlns:inkml="http://www.w3.org/2003/InkML">
-  <inkml:definitions>
-    <inkml:context xml:id="ctx0">
-      <inkml:inkSource xml:id="inkSrc0">
-        <inkml:traceFormat>
-          <inkml:channel name="X" type="integer" min="-2.14748E9" max="2.14748E9" units="cm"/>
-          <inkml:channel name="Y" type="integer" min="-2.14748E9" max="2.14748E9" units="cm"/>
-          <inkml:channel name="F" type="integer" max="32767" units="dev"/>
-        </inkml:traceFormat>
-        <inkml:channelProperties>
-          <inkml:channelProperty channel="X" name="resolution" value="1000" units="1/cm"/>
-          <inkml:channelProperty channel="Y" name="resolution" value="1000" units="1/cm"/>
-          <inkml:channelProperty channel="F" name="resolution" value="0" units="1/dev"/>
-        </inkml:channelProperties>
-      </inkml:inkSource>
-      <inkml:timestamp xml:id="ts0" timeString="2022-09-22T23:10:51.397"/>
-    </inkml:context>
-    <inkml:brush xml:id="br0">
-      <inkml:brushProperty name="width" value="0.1" units="cm"/>
-      <inkml:brushProperty name="height" value="0.1" units="cm"/>
-    </inkml:brush>
-  </inkml:definitions>
-  <inkml:trace contextRef="#ctx0" brushRef="#br0">68 0 24575,'0'49'0,"0"3"0,0 30 0,0 5-1128,0-29 0,0 2 1128,0-5 0,0 2 0,0 11 0,0 0 0,0-6 0,0-1 0,0 8 0,0 0 0,0 1 0,0-1 0,0-8 0,0 1 0,0 15 0,0 1 0,0-11 0,0 1-666,0 11 0,0 1 666,0-5 0,0 0 0,0 10 0,0 0 0,0-7 0,0-1 0,0 9 0,0-1 0,0-14 0,0-2 0,0 6 0,0-2 0,0-11 0,0-1 36,0-1 1,0-1-37,0-4 0,0-2 0,0 34 0,0-9 0,0 18 0,0-45 0,0 44 1019,0-45-1019,0 11 1618,0 5-1618,0-16 878,0 16-878,0-18 0,0 11 0,0-10 0,0 16 0,0-25 0,0 37 0,0-22 0,0 21 0,0-15 0,0 20 0,0-33 0,0 39 0,0-37 0,0 17 0,0-6 0,0-1 0,0 1 0,-4-1 0,3 1 0,-4-7 0,5 5 0,0-10 0,0 4 0,-4-6 0,3-1 0,-3 1 0,0 0 0,3 0 0,-4 0 0,1 13 0,2-21 0,-2 25 0,4-20 0,0 16 0,0 1 0,0-7 0,-4-1 0,3 0 0,-4-5 0,5 5 0,0-12 0,0 5 0,-4-5 0,3 6 0,-7 0 0,7 0 0,-3-5 0,4-2 0,0-6 0,0 1 0,0 0 0,0-5 0,0 14 0,0-12 0,0 14 0,0-17 0,0 5 0,0-4 0,0 5 0,0-1 0,0 1 0,0 0 0,0-1 0,0 1 0,0 0 0,4-1 0,-4 1 0,4 0 0,-4-1 0,4 1 0,-3 5 0,3-4 0,0 10 0,-3-10 0,3 9 0,-4-3 0,0-1 0,5 5 0,-4-10 0,3 4 0,-4-5 0,0-1 0,0-4 0,0 4 0,0-9 0,0 8 0,0-3 0,0 5 0,0 5 0,0 1 0,0 1 0,0 3 0,0-9 0,0 4 0,0-5 0,0 0 0,0-6 0,0 0 0,0-5 0,0 0 0,0 0 0,0 10 0,0-2 0,0 8 0,0-5 0,0-1 0,0 1 0,0 5 0,0-4 0,0 4 0,0-5 0,0 0 0,0-1 0,0-4 0,0-1 0,0-6 0,0 1 0,0 0 0,0 0 0,0 0 0,0 0 0,0 0 0,0 0 0,0-1 0,0 1 0,0 5 0,0-4 0,0 24 0,0-15 0,4 16 0,0-16 0,5 1 0,-4 0 0,3-1 0,-4 1 0,5 0 0,0-1 0,-4-4 0,-2 4 0,-3-9 0,0 4 0,0-6 0,0 1 0,0 0 0,0 0 0,0 6 0,0-4 0,0 4 0,0-6 0,0 5 0,0-4 0,0 4 0,0-6 0,0 1 0,0 0 0,0-4 0,0-1 0,0-1 0,0-6 0,0 10 0,0-13 0,0 9 0,0-7 0,0 3 0,0-3 0,0-1 0,0-3 0,0 2 0,0-1 0,0 1 0,0-2 0,0-1 0,0 1 0,0 3 0,0-3 0,0 7 0,-3-3 0,2 3 0,-2 1 0,0-4 0,2 2 0,-5-2 0,6 0 0,-4 0 0,4-5 0,0 1 0,-3-1 0,3 1 0,-3-1 0,3 6 0,0 8 0,0 7 0,0 3 0,0 3 0,0-4 0,0 6 0,0-5 0,0-1 0,0-6 0,0-3 0,0-1 0,0-5 0,0 1 0,0-4 0,0 3 0,0-3 0,0-1 0,0 4 0,0-6 0,0 2 0,0 0 0,0-3 0,0 3 0,0 0 0,0-2 0,0 5 0,0-5 0,0 6 0,0-7 0,0 3 0,0 0 0,0-2 0,0 2 0,0-4 0,0 1 0,0 3 0,0 7 0,0-1 0,0 5 0,0-2 0,0-3 0,0 7 0,0-8 0,0 8 0,0-7 0,0 2 0,0-7 0,0 3 0,0-7 0,0 3 0,0-3 0,0-1 0,0 1 0,0-1 0,0 1 0,0-1 0,0 1 0,0-1 0,0 0 0,0 1 0,0-1 0,0 0 0,0 1 0,0 3 0,0 1 0,-7 4 0,6-1 0,-6-3 0,7-1 0,0-3 0,0-1 0,0 1 0,-3-4 0,3 3 0,-3-2 0,3 2 0,0 8 0,-4-2 0,4 7 0,-4-5 0,1 1 0,2-4 0,-2-1 0,3-3 0,0-1 0,-3-2 0,3-1 0,-3-3 0</inkml:trace>
 </inkml:ink>
 </file>
 
@@ -2107,14 +2397,14 @@
           <inkml:channelProperty channel="F" name="resolution" value="0" units="1/dev"/>
         </inkml:channelProperties>
       </inkml:inkSource>
-      <inkml:timestamp xml:id="ts0" timeString="2022-09-22T23:11:01.507"/>
+      <inkml:timestamp xml:id="ts0" timeString="2022-09-22T05:01:30.671"/>
     </inkml:context>
     <inkml:brush xml:id="br0">
       <inkml:brushProperty name="width" value="0.1" units="cm"/>
       <inkml:brushProperty name="height" value="0.1" units="cm"/>
     </inkml:brush>
   </inkml:definitions>
-  <inkml:trace contextRef="#ctx0" brushRef="#br0">1 64 24575,'18'0'0,"3"0"0,-6 0 0,13 0 0,-7 0 0,4 0 0,-3 0 0,-2 0 0,0 0 0,9 0 0,-8 0 0,6 0 0,-9 0 0,1 0 0,-7 0 0,6 0 0,-11 0 0,7 0 0,-7 0 0,3 0 0,0 0 0,-2 0 0,5 0 0,-5-3 0,6 2 0,-3-2 0,3 3 0,-3-3 0,3 2 0,-3-5 0,3 5 0,1-2 0,-1 0 0,1 2 0,-1-5 0,1 5 0,-1-2 0,1 3 0,-1-3 0,-3 2 0,3-3 0,-7 4 0,3 0 0,0 0 0,-2 0 0,5 0 0,-5-2 0,5 1 0,-5-2 0,5 3 0,-5 0 0,12 0 0,-11 0 0,11 0 0,-12 0 0,2 0 0,0-3 0,-3 2 0,3-2 0,0 3 0,-2 0 0,5-4 0,-2 4 0,4-4 0,-1 4 0,1 0 0,-1 0 0,1 0 0,-1 0 0,5 0 0,-3 0 0,2 0 0,-3 0 0,-1 0 0,1 0 0,-1 0 0,5 0 0,1 0 0,-1 0 0,15 0 0,-12 0 0,13 0 0,-12 0 0,1 0 0,5 0 0,-4 0 0,4 0 0,-5 0 0,4 0 0,-3 0 0,4 0 0,-5 0 0,0 0 0,10 0 0,-11 0 0,10 0 0,-17 4 0,6-4 0,-6 7 0,3-3 0,-5 0 0,5 3 0,-4-6 0,4 5 0,-4-5 0,3 2 0,-6-3 0,6 0 0,-3 0 0,1 0 0,2 0 0,-3 0 0,4 0 0,-4 0 0,8 0 0,-3 0 0,4 0 0,-1 0 0,1 0 0,-4 0 0,2 0 0,-2 0 0,3 0 0,1 0 0,0 0 0,-5 0 0,4 0 0,-7 0 0,2 0 0,-3 0 0,-1 0 0,1 0 0,-1 0 0,-3 0 0,3 0 0,-7 0 0,7 0 0,-3 0 0,0 0 0,3 0 0,-7 0 0,7 0 0,-7 0 0,7 0 0,-7 0 0,7 0 0,-7 0 0,3 3 0,-3-2 0,0 2 0,-1-3 0,-3 3 0,3-2 0,-3 2 0,3-3 0,4 0 0,1 0 0,8 0 0,0 0 0,5 0 0,-4 0 0,3 0 0,-8 0 0,4 0 0,-8 0 0,-1 0 0,-3 0 0,-1 0 0,0 0 0,4 0 0,1 0 0,4 0 0,3 0 0,-2 0 0,3-4 0,-5 3 0,-3-2 0,3 3 0,-7 0 0,3 0 0,-3 0 0,-1 0 0,1 0 0,-1 0 0,1 0 0,-1 0 0,0 0 0,1 0 0,-1 0 0,1 0 0,-1 0 0,1 0 0,-1 0 0,1 0 0,-4 0 0,0 0 0</inkml:trace>
+  <inkml:trace contextRef="#ctx0" brushRef="#br0">7 0 24575,'0'22'0,"0"-4"0,0-3 0,0-1 0,0-3 0,0 12 0,0-6 0,0 7 0,0-13 0,0 2 0,0 2 0,0 1 0,0 3 0,0 1 0,0-3 0,0 0 0,0-7 0,0-3 0,0-1 0,0 1 0,0-1 0,0 0 0,0 1 0,0-1 0,0 0 0,0 0 0,0 1 0,0-1 0,0 4 0,0 1 0,0 4 0,0-1 0,0-3 0,0 3 0,0-7 0,0 3 0,0-3 0,0-1 0,0 1 0,0-1 0,0 0 0,0 1 0,-3-1 0,3 1 0,-3 0 0,3-1 0,0 1 0,0-1 0,0 1 0,0-1 0,0 1 0,0-1 0,0 1 0,0-1 0,0 0 0,0 0 0,0 0 0,0 1 0,0-1 0,0 0 0,0 0 0,0 0 0,0 0 0,0 0 0,0 0 0,0-3 0,0 0 0</inkml:trace>
 </inkml:ink>
 </file>
 
@@ -2134,15 +2424,14 @@
           <inkml:channelProperty channel="F" name="resolution" value="0" units="1/dev"/>
         </inkml:channelProperties>
       </inkml:inkSource>
-      <inkml:timestamp xml:id="ts0" timeString="2022-09-22T23:11:08.807"/>
+      <inkml:timestamp xml:id="ts0" timeString="2022-09-22T05:01:32.900"/>
     </inkml:context>
     <inkml:brush xml:id="br0">
       <inkml:brushProperty name="width" value="0.1" units="cm"/>
       <inkml:brushProperty name="height" value="0.1" units="cm"/>
-      <inkml:brushProperty name="color" value="#FFC000"/>
     </inkml:brush>
   </inkml:definitions>
-  <inkml:trace contextRef="#ctx0" brushRef="#br0">1 1 24575,'19'0'0,"18"0"0,-5 0 0,13 0 0,-10 0 0,-6 0 0,0 0 0,0 0 0,-4 0 0,4 0 0,-5 0 0,-1 0 0,-3 0 0,-1 0 0,-5 0 0,-3 0 0,-1 0 0,-3 0 0,-1 0 0,-2 0 0,-1 0 0</inkml:trace>
+  <inkml:trace contextRef="#ctx0" brushRef="#br0">0 0 24575,'0'21'0,"0"-4"0,0 10 0,0-10 0,0 11 0,0-8 0,0-1 0,0 4 0,0-7 0,0 2 0,0 1 0,0-7 0,0 6 0,0-11 0,0 7 0,0-7 0,0 14 0,0-8 0,0 12 0,0-10 0,0 4 0,0-5 0,0-3 0,0-1 0,0 0 0,0-3 0,0 7 0,0-7 0,0 3 0,0 0 0,0-2 0,0 5 0,0-5 0,0 2 0,0-4 0,0 1 0,0 0 0,0-1 0,0 0 0,0 0 0,0 1 0,0-1 0,0 1 0,0-1 0,0 1 0,0-1 0,0 1 0,0-1 0,0 1 0,0-1 0,0 1 0,0-4 0,0 0 0</inkml:trace>
 </inkml:ink>
 </file>
 
@@ -2162,15 +2451,14 @@
           <inkml:channelProperty channel="F" name="resolution" value="0" units="1/dev"/>
         </inkml:channelProperties>
       </inkml:inkSource>
-      <inkml:timestamp xml:id="ts0" timeString="2022-09-22T23:11:10.657"/>
+      <inkml:timestamp xml:id="ts0" timeString="2022-09-22T05:01:37.335"/>
     </inkml:context>
     <inkml:brush xml:id="br0">
       <inkml:brushProperty name="width" value="0.1" units="cm"/>
       <inkml:brushProperty name="height" value="0.1" units="cm"/>
-      <inkml:brushProperty name="color" value="#FFC000"/>
     </inkml:brush>
   </inkml:definitions>
-  <inkml:trace contextRef="#ctx0" brushRef="#br0">1 0 24575,'14'0'0,"2"0"0,-5 0 0,4 0 0,-1 0 0,1 0 0,3 0 0,-2 0 0,3 0 0,-1 0 0,-2 0 0,3 0 0,-1 0 0,2 0 0,0 0 0,-2 0 0,-3 0 0,-4 0 0,-1 0 0,-4 0 0,1 0 0,-1 0 0,0 0 0,1 0 0,0 0 0,3 0 0,-6 0 0,3 0 0</inkml:trace>
+  <inkml:trace contextRef="#ctx0" brushRef="#br0">14 1 24575,'0'9'0,"0"-4"0,0 19 0,0-6 0,0-2 0,0 7 0,0-8 0,0 8 0,0-7 0,0-1 0,0-2 0,0-2 0,0 4 0,0-4 0,0 2 0,0-5 0,0 2 0,0 0 0,0-3 0,0 3 0,0 0 0,0-2 0,0 2 0,0-3 0,0-1 0,0 1 0,0 3 0,0-3 0,0 7 0,0-7 0,0 7 0,0-7 0,0 6 0,0-6 0,0 3 0,0-4 0,0 1 0,0-1 0,0 0 0,0 0 0,0 0 0,0 1 0,0-1 0,0 1 0,-3 3 0,2 1 0,-2 3 0,0-3 0,3-1 0,-3-3 0,3-1 0,0 1 0,0-1 0,0 1 0,0-1 0,0 0 0,0 0 0,0 0 0,0 1 0,0-1 0,0 0 0,0 1 0,0-1 0,0 1 0,0-1 0,0 0 0,0 1 0,0-1 0,0 0 0,0 0 0,0 1 0,0-1 0,0 0 0,0 0 0,0 0 0,0 0 0,0 0 0,0 0 0,0 0 0,0 0 0,0 0 0,0 0 0,0-2 0,0-2 0</inkml:trace>
 </inkml:ink>
 </file>
 
@@ -2190,15 +2478,14 @@
           <inkml:channelProperty channel="F" name="resolution" value="0" units="1/dev"/>
         </inkml:channelProperties>
       </inkml:inkSource>
-      <inkml:timestamp xml:id="ts0" timeString="2022-09-22T23:11:12.295"/>
+      <inkml:timestamp xml:id="ts0" timeString="2022-09-22T05:03:04.635"/>
     </inkml:context>
     <inkml:brush xml:id="br0">
       <inkml:brushProperty name="width" value="0.1" units="cm"/>
       <inkml:brushProperty name="height" value="0.1" units="cm"/>
-      <inkml:brushProperty name="color" value="#FFC000"/>
     </inkml:brush>
   </inkml:definitions>
-  <inkml:trace contextRef="#ctx0" brushRef="#br0">0 0 24575,'24'0'0,"-1"0"0,1 0 0,5 0 0,-4 0 0,8 0 0,-7 0 0,2 0 0,1 0 0,-4 0 0,8 0 0,-3 0 0,0 0 0,-1 0 0,0 0 0,-8 0 0,2 0 0,-12 0 0,-1 0 0,-3 0 0,-4 0 0,0 0 0</inkml:trace>
+  <inkml:trace contextRef="#ctx0" brushRef="#br0">2 6 24575,'13'0'0,"4"0"0,-1 0 0,6 0 0,-3 0 0,4 0 0,1 0 0,-1 0 0,0 0 0,0 0 0,1 0 0,-1 0 0,0 0 0,-3 0 0,2 0 0,-7 0 0,7 0 0,-7 3 0,4-2 0,5 9 0,-7-8 0,4 5 0,-8-4 0,-6-2 0,3 2 0,-3 0 0,-1-2 0,0 2 0,0-3 0,1 0 0,-1 0 0,0 2 0,1-1 0,-1 2 0,4-3 0,0 0 0,5 0 0,3 4 0,1-3 0,0 2 0,8-3 0,-7 4 0,13-4 0,-9 8 0,9-8 0,-4 4 0,5-4 0,0 0 0,0 0 0,5 4 0,-9-3 0,8 3 0,-9-4 0,5 0 0,-5 0 0,4 4 0,-9-3 0,4 7 0,0-8 0,-4 8 0,4-8 0,0 8 0,-3-7 0,7 3 0,-2-4 0,3 3 0,0-2 0,6 3 0,-5-4 0,5 0 0,-5 4 0,5-3 0,-4 7 0,4-7 0,-6 3 0,6-4 0,-4 0 0,10 0 0,-10 0 0,42 0 0,-34 0 0,47 0 0,-47 0 0,21 0 0,-17 0 0,11 0 0,-5 0 0,0 0 0,4 0 0,-15 0 0,8 0 0,-15 4 0,10-4 0,-10 8 0,-1-7 0,-1 3 0,-9 0 0,9-4 0,-9 8 0,4-8 0,-4 4 0,-1-1 0,0-2 0,5 3 0,-3-4 0,7 4 0,-3-3 0,0 3 0,4-4 0,-4 0 0,5 0 0,0 3 0,0-2 0,-1 3 0,1-4 0,0 4 0,0-3 0,5 3 0,-4 0 0,9-3 0,-4 3 0,6-4 0,-1 4 0,1-3 0,0 3 0,5-4 0,-4 0 0,5 0 0,-1 0 0,-4 0 0,5 0 0,-6 0 0,5 0 0,-4 0 0,5 0 0,-7 0 0,7 0 0,1 0 0,0 0 0,5 0 0,8 0 0,-15 0 0,19 0 0,-22 0 0,11 0 0,0 0 0,0-5 0,13 4 0,-9-3 0,4 4 0,3 0 0,-19 0 0,19 0 0,5 0 0,-22 0 0,31 0 0,-35 0 0,17 0 0,-7 0 0,-1 0 0,1 0 0,0-5 0,0 4 0,-6-3 0,18 4 0,-25 0 0,23 0 0,-21 0 0,11 0 0,0 0 0,-7 0 0,6-5 0,-11 4 0,4-3 0,-10 0 0,3 3 0,11-7 0,-10 7 0,14-3 0,-19 4 0,1 0 0,3-4 0,-4 2 0,5-2 0,1 0 0,-7 3 0,5-3 0,-3 0 0,-1 3 0,-1-3 0,-5 0 0,0 3 0,0-3 0,-1 4 0,1 0 0,0-4 0,0 3 0,0-3 0,4 4 0,-3 0 0,9 0 0,-3 0 0,4-4 0,7 3 0,-5-3 0,5 4 0,-1 0 0,-4-4 0,5 3 0,-6-4 0,-1 5 0,1 0 0,-1 0 0,7 0 0,7 0 0,-14 0 0,17 0 0,-19 0 0,16 0 0,0 0 0,-6 0 0,4 0 0,-10 0 0,11 0 0,-11 0 0,4 0 0,-5 0 0,0 0 0,5 0 0,-4 0 0,11 0 0,-11 0 0,10 0 0,10 0 0,-16 0 0,13 0 0,-17 0 0,0 0 0,10 0 0,-10 0 0,5 0 0,-6 0 0,-1 0 0,1 0 0,0 0 0,-1 0 0,1 0 0,5 0 0,-4 0 0,10 0 0,17 0 0,-16 0 0,14 0 0,-27 0 0,1 5 0,0-4 0,-1 3 0,1 0 0,11-3 0,-14 3 0,19-4 0,-8 0 0,-5 0 0,8 0 0,-11 0 0,1 4 0,10-3 0,-10 4 0,4-5 0,-5 0 0,-1 0 0,1 0 0,-1 0 0,1 0 0,26 0 0,-20 4 0,26-3 0,-31 3 0,10 0 0,-9 2 0,3-1 0,-5 4 0,-1-4 0,1 0 0,-1 3 0,1-7 0,0 3 0,-1 1 0,1-4 0,0 3 0,-1-4 0,7 0 0,-5 0 0,10 0 0,-9 0 0,3 0 0,21 0 0,-25 0 0,24 0 0,-36 0 0,9 0 0,-9 0 0,9 0 0,-8 0 0,8 0 0,-4 0 0,1 0 0,3 0 0,-4 0 0,6 0 0,-1 0 0,1 0 0,19 0 0,-24 0 0,27 0 0,-31 0 0,14 0 0,-5 0 0,-1 0 0,1 0 0,20 0 0,-16 0 0,16 0 0,-14 0 0,-5 0 0,4 0 0,-5 0 0,-1 0 0,1 0 0,0 0 0,-1 0 0,-4 0 0,-3 0 0,-4 0 0,0 0 0,-1 0 0,1 0 0,-5 0 0,9 0 0,-7 0 0,8 0 0,-6 0 0,6 0 0,-4 0 0,5 0 0,-7 0 0,1 0 0,-5 0 0,-1 0 0,-5 0 0,0 0 0,-3 0 0,-2 0 0,-8 0 0,0 0 0,-3 0 0,-1 0 0,0 0 0,1 0 0,-1 0 0,0 0 0,0 0 0,1 0 0,-1 0 0,0 0 0,0 0 0,0 0 0,1 0 0,-1 0 0,0 0 0,1 0 0,-1 0 0,0 0 0,1 0 0,-1 0 0,0 0 0,0 0 0,1 0 0,-1 0 0,0 0 0,0 0 0,0 0 0,0 0 0,0 0 0,0 0 0,1 0 0,-1 0 0,0 0 0,1 0 0,-1 0 0,0 0 0,0 0 0,0 0 0,0 0 0,1 0 0,-1 0 0,0 0 0,0 0 0,0 0 0,0 0 0,1 0 0,-1 0 0,0 0 0,0 0 0,1 0 0,-1 0 0,0 0 0,0 0 0,1 0 0,-1 0 0,0 0 0,0 0 0,0 0 0,0 0 0,0 0 0,1 0 0,-1 0 0,0 0 0,1 0 0,-1 0 0,-3 0 0,0 0 0</inkml:trace>
 </inkml:ink>
 </file>
 
@@ -2218,15 +2505,14 @@
           <inkml:channelProperty channel="F" name="resolution" value="0" units="1/dev"/>
         </inkml:channelProperties>
       </inkml:inkSource>
-      <inkml:timestamp xml:id="ts0" timeString="2022-09-22T23:11:14.482"/>
+      <inkml:timestamp xml:id="ts0" timeString="2022-09-22T05:03:06.522"/>
     </inkml:context>
     <inkml:brush xml:id="br0">
       <inkml:brushProperty name="width" value="0.1" units="cm"/>
       <inkml:brushProperty name="height" value="0.1" units="cm"/>
-      <inkml:brushProperty name="color" value="#FFC000"/>
     </inkml:brush>
   </inkml:definitions>
-  <inkml:trace contextRef="#ctx0" brushRef="#br0">0 0 24575,'27'0'0,"0"0"0,-4 0 0,6 0 0,6 0 0,1 0 0,5 0 0,-7 0 0,1 0 0,-5 0 0,3 0 0,-15 0 0,4 0 0,-14 0 0,2 0 0,-4 0 0,1 0 0,-1 0 0,1 0 0,-1 0 0,0 0 0,0 0 0,0 0 0,1 0 0,-1 0 0,4 0 0,1 0 0,0 0 0,-1 0 0,-3 0 0,-3 0 0,-2 0 0</inkml:trace>
+  <inkml:trace contextRef="#ctx0" brushRef="#br0">0 1 24575,'0'13'0,"0"4"0,0-2 0,0 4 0,0-1 0,0-2 0,0 3 0,0-1 0,0 2 0,0 0 0,0-2 0,0 1 0,0 1 0,0 4 0,0 0 0,0 0 0,0-1 0,0 1 0,0 0 0,0-4 0,0 3 0,0-4 0,0 5 0,0 0 0,4 0 0,0 0 0,1-4 0,-2 3 0,1-4 0,-4 1 0,4-1 0,-4-5 0,0 1 0,0-4 0,0 2 0,3-2 0,-2 0 0,2-2 0,-3-3 0,0 1 0,0-1 0,0 0 0,0-3 0,0 0 0</inkml:trace>
 </inkml:ink>
 </file>
 
@@ -2246,15 +2532,14 @@
           <inkml:channelProperty channel="F" name="resolution" value="0" units="1/dev"/>
         </inkml:channelProperties>
       </inkml:inkSource>
-      <inkml:timestamp xml:id="ts0" timeString="2022-09-22T23:11:16.239"/>
+      <inkml:timestamp xml:id="ts0" timeString="2022-09-22T05:03:08.513"/>
     </inkml:context>
     <inkml:brush xml:id="br0">
       <inkml:brushProperty name="width" value="0.1" units="cm"/>
       <inkml:brushProperty name="height" value="0.1" units="cm"/>
-      <inkml:brushProperty name="color" value="#FFC000"/>
     </inkml:brush>
   </inkml:definitions>
-  <inkml:trace contextRef="#ctx0" brushRef="#br0">1 0 24575,'22'0'0,"5"0"0,-2 0 0,8 0 0,-3 0 0,5 0 0,-1 0 0,-4 0 0,4 0 0,1 0 0,-14 0 0,-1 0 0</inkml:trace>
+  <inkml:trace contextRef="#ctx0" brushRef="#br0">0 1 24575,'0'20'0,"0"2"0,0 6 0,0 2 0,0 10 0,0-4 0,0 10 0,0-10 0,0 4 0,0-5 0,0-5 0,0-2 0,0-4 0,0-4 0,0 3 0,0-11 0,0 5 0,0-9 0,0 5 0,0-6 0,0 3 0,0-4 0,0 1 0,0-1 0,0 0 0,0 0 0,0 1 0,0-1 0,0 1 0,0-1 0,0 1 0,0-1 0,0 1 0,0-1 0,0 1 0,0 0 0,0-1 0,0 0 0,0-2 0,0-1 0</inkml:trace>
 </inkml:ink>
 </file>
 
@@ -2274,14 +2559,14 @@
           <inkml:channelProperty channel="F" name="resolution" value="0" units="1/dev"/>
         </inkml:channelProperties>
       </inkml:inkSource>
-      <inkml:timestamp xml:id="ts0" timeString="2022-09-22T23:11:30.491"/>
+      <inkml:timestamp xml:id="ts0" timeString="2022-09-22T05:03:10.158"/>
     </inkml:context>
     <inkml:brush xml:id="br0">
       <inkml:brushProperty name="width" value="0.1" units="cm"/>
       <inkml:brushProperty name="height" value="0.1" units="cm"/>
     </inkml:brush>
   </inkml:definitions>
-  <inkml:trace contextRef="#ctx0" brushRef="#br0">0 0 24575,'10'0'0,"-1"0"0,-2 0 0,3 0 0,-3 0 0,3 0 0,-4 0 0,1 0 0,0 0 0,3 0 0,-3 0 0,3 0 0,0 0 0,-2 0 0,2 0 0,0 0 0,-3 0 0,3 0 0,-3 0 0,0 0 0,-1 0 0,1 0 0,3 0 0,-3 0 0,3 0 0,-3 0 0,-1 0 0,4 0 0,-2 0 0,2 0 0,-4 0 0,1 0 0,0 0 0,-1 0 0,1 0 0,-1 0 0,1 0 0,-1 0 0,1 0 0,-1 0 0,1 0 0,0 0 0,-1 0 0,1 0 0,-1 0 0,1 0 0,-1 0 0,1 0 0,-1 0 0,1 0 0,3 3 0,-3-2 0,7 2 0,0 0 0,-2-2 0,1 2 0,-3 0 0,-3-2 0,7 2 0,-7-3 0,3 0 0,-3 0 0,3 0 0,-3 0 0,4 0 0,-1 0 0,-3 0 0,7 0 0,-7 0 0,7 0 0,-3 0 0,3 0 0,1 0 0,-1 0 0,1 0 0,-1 0 0,1 0 0,-1 0 0,1 0 0,-1 0 0,1 0 0,-1 0 0,-3 0 0,2 0 0,-2 0 0,4 0 0,-4 0 0,-1 0 0,-3 0 0,-1 0 0,1 0 0,-1 0 0,1 0 0,-1 0 0,4 0 0,1 0 0,0 0 0,7 0 0,-6 0 0,7 0 0,0 0 0,-4 0 0,4 0 0,-5 0 0,-3 0 0,-1 0 0,0 0 0,-2 0 0,2 0 0,-4 0 0,1 0 0,0 0 0,-1 0 0,0 0 0,0 0 0,0 0 0,1 0 0,-1 0 0,0 0 0,0 0 0,1 0 0,-1 0 0,0 0 0,0-3 0,1 3 0,-1-3 0,1 0 0,0 2 0,-1-2 0,0 3 0,-2-3 0,1 2 0,-4-1 0,2 2 0</inkml:trace>
+  <inkml:trace contextRef="#ctx0" brushRef="#br0">0 1 24575,'0'17'0,"0"-3"0,0 9 0,0 13 0,0-12 0,0 31 0,0-21 0,0 9 0,0 1 0,0-1 0,0 5 0,0 0 0,0-3 0,0-3 0,0-6 0,0-2 0,0-5 0,0-11 0,0 4 0,0-14 0,0 2 0,0-4 0,0-2 0,0-2 0</inkml:trace>
 </inkml:ink>
 </file>
 
@@ -2301,15 +2586,14 @@
           <inkml:channelProperty channel="F" name="resolution" value="0" units="1/dev"/>
         </inkml:channelProperties>
       </inkml:inkSource>
-      <inkml:timestamp xml:id="ts0" timeString="2022-09-22T23:13:45.450"/>
+      <inkml:timestamp xml:id="ts0" timeString="2022-09-22T05:03:13.149"/>
     </inkml:context>
     <inkml:brush xml:id="br0">
       <inkml:brushProperty name="width" value="0.1" units="cm"/>
       <inkml:brushProperty name="height" value="0.1" units="cm"/>
-      <inkml:brushProperty name="color" value="#0070C0"/>
     </inkml:brush>
   </inkml:definitions>
-  <inkml:trace contextRef="#ctx0" brushRef="#br0">1253 1 24575,'-13'0'0,"1"0"0,5 0 0,1 0 0,-1 0 0,0 0 0,1 0 0,-1 0 0,1 0 0,-1 0 0,1 0 0,-1 0 0,1 3 0,-1-2 0,1 4 0,-1-4 0,1 2 0,-1 0 0,1-2 0,-1 2 0,1-3 0,2 2 0,-1-1 0,4 5 0,-4-5 0,1 2 0,0 0 0,-2-3 0,6 6 0,-6-5 0,2 5 0,-2-6 0,-1 6 0,1-2 0,-1 2 0,0 1 0,1 0 0,-1-4 0,1 3 0,-1-3 0,4 4 0,-3-3 0,2 1 0,-2 3 0,-1 2 0,-4 9 0,-1-3 0,-4 7 0,1-4 0,3 1 0,-3 3 0,7-8 0,-7 8 0,7-7 0,0 3 0,1-5 0,3 1 0,-3-1 0,0 1 0,-1 3 0,0 2 0,0 4 0,4 0 0,-3 0 0,3-5 0,-4 4 0,1-7 0,-1 3 0,4-5 0,-2-3 0,5 3 0,-5-7 0,6 3 0,-3-3 0,3-1 0,0 1 0,0-1 0,-3 0 0,2 5 0,-5 0 0,5 7 0,-6 2 0,3 4 0,-4 0 0,4-1 0,-4 6 0,7-4 0,-6 4 0,6-1 0,-2-3 0,3 4 0,0-1 0,0 2 0,0 5 0,0 0 0,0-1 0,0-4 0,0 4 0,0-5 0,0 6 0,0-5 0,0-1 0,0-6 0,0 1 0,0 0 0,0 6 0,0-4 0,0 4 0,0-2 0,0-3 0,0 4 0,0 0 0,0 1 0,0 4 0,3 1 0,2 0 0,0-6 0,2 0 0,-6-9 0,3-5 0,-4-5 0,0-4 0,0 8 0,0 7 0,0 9 0,0 5 0,0-1 0,0-4 0,0-1 0,0 0 0,0-4 0,0-1 0,0-1 0,0-4 0,0 5 0,0-1 0,0 1 0,0-1 0,0 1 0,0 0 0,-4 0 0,3 0 0,-6 0 0,6-4 0,-2 3 0,3-8 0,0 8 0,0-3 0,0-1 0,0 4 0,0-3 0,0 4 0,0 0 0,0 0 0,0 0 0,0-1 0,0 1 0,0-4 0,0-1 0,0-5 0,0 5 0,0-3 0,0 13 0,3-8 0,-2 5 0,3-3 0,-1-3 0,-2 4 0,3 5 0,-4-9 0,0 8 0,0-8 0,0 0 0,0 2 0,0-6 0,0 3 0,0-5 0,3 1 0,1-1 0,0 1 0,3 3 0,-2 7 0,3 5 0,1 4 0,0 6 0,-5 2 0,1 4 0,-5-4 0,0 3 0,0-9 0,0-1 0,0-1 0,0-9 0,0 4 0,0-10 0,0 9 0,0-7 0,0 7 0,0 1 0,0 1 0,0 10 0,0-4 0,0 4 0,0 0 0,-4-4 0,3 4 0,-7-5 0,7-5 0,-7 3 0,7-3 0,-2 0 0,3 3 0,-4-8 0,3 4 0,-2-5 0,3 11 0,0-8 0,0 4 0,0-8 0,0-8 0,0 0 0,0-1 0,-4-3 0,4 0 0,-7 2 0,3-5 0,0 6 0,-1-7 0,4 3 0,-2-3 0,0-4 0,2 3 0,-1-2 0,-1 2 0,-1 1 0,-3 7 0,0-2 0,3 7 0,-3-5 0,3 1 0,0-1 0,-2-3 0,5-1 0,-5-3 0,6-1 0,-3 1 0,0-3 0,-1 1 0,-2-1 0,-4 3 0,-1 0 0,-8 4 0,-6-2 0,-4 3 0,-17-3 0,13 0 0,-23-4 0,17-2 0,-13-3 0,6 0 0,-1 0 0,6 0 0,1 0 0,6 0 0,4 0 0,5 0 0,6 0 0,5 0 0,3 0 0,1 0 0,3 0 0,6 0 0,8 0 0,4 0 0,6 0 0,2 0 0,-4 0 0,8 0 0,-3 0 0,8 0 0,-3 0 0,9 0 0,-4 0 0,-1 0 0,0 0 0,-5 0 0,-1 0 0,-3 4 0,-1-4 0,-8 4 0,-1-1 0,-4-3 0,1 3 0,0-3 0,-4 3 0,3-2 0,-3 1 0,4 1 0,-1-2 0,1 2 0,3 0 0,5-2 0,1 5 0,2-2 0,-3 0 0,-1 3 0,1-3 0,-4 0 0,2 2 0,-2-2 0,4 4 0,-1-1 0,1 0 0,3 1 0,-2-1 0,7 1 0,-8-1 0,4 1 0,-8-1 0,3 0 0,-7-1 0,3 1 0,-3 3 0,0-2 0,0 5 0,-1-5 0,2 6 0,-1-3 0,-3 3 0,2 7 0,-5-1 0,2 2 0,-3 6 0,0-7 0,0 8 0,0-6 0,0 6 0,0-4 0,-4 9 0,-1-4 0,-3 4 0,-1 1 0,0 0 0,0 5 0,5 1 0,-5 19 0,4-16 0,-1 43 0,-3-33 0,8 22 0,-3-17 0,4 2 0,0-5 0,0 9 0,0-22 0,0 3 0,0-16 0,0-5 0,-7-10 0,-1-7 0,0 0 0,2 9 0,6 7 0,0 6 0,-4-1 0,3-5 0,-2 0 0,-1-1 0,3 1 0,-2 0 0,3-4 0,0 3 0,0-3 0,0-1 0,0 4 0,0-7 0,0 2 0,0-3 0,0-1 0,0-3 0,0 3 0,0-7 0,0 7 0,0-3 0,0 0 0,0 2 0,0-2 0,0 4 0,0 4 0,0-4 0,0 4 0,0-5 0,0 1 0,0-1 0,0 1 0,0-1 0,0 1 0,0-1 0,0-3 0,0 3 0,0-3 0,0 0 0,0 7 0,0-6 0,0 11 0,0-8 0,0 8 0,0-3 0,0 7 0,0-2 0,-4 3 0,3-4 0,-2-5 0,3 4 0,-3-7 0,2 2 0,-2-7 0,3 3 0,0-3 0,0 0 0,0 3 0,0-3 0,0 7 0,0 2 0,0 0 0,-4 3 0,3-4 0,-2 5 0,-1 0 0,3 0 0,-2 0 0,3-4 0,0 9 0,0-8 0,0 5 0,0-7 0,0 0 0,0-4 0,0 8 0,0-3 0,0 0 0,0 3 0,0-8 0,0 8 0,0-3 0,0 4 0,0-1 0,0 1 0,0 5 0,0-4 0,0 9 0,0-5 0,0 6 0,0-5 0,0-6 0,0-5 0,0-8 0,-7-4 0,6 1 0,-6 4 0,7 7 0,0 5 0,0 0 0,0 0 0,0-1 0,0-3 0,0 3 0,0-7 0,0 2 0,0-7 0,0-1 0,0-3 0,0-1 0,0 1 0,0 0 0,0-1 0,0 1 0,0-1 0,0 1 0,0 3 0,-6 1 0,4 8 0,-4-4 0,6 8 0,-4-8 0,4 4 0,-4-4 0,4-1 0,0 1 0,0-4 0,0 2 0,0-2 0,0 3 0,0 1 0,0 0 0,0-1 0,0 1 0,0-1 0,0-3 0,0-1 0,0 0 0,0-2 0,0 5 0,0-5 0,0 5 0,0-5 0,0 2 0,0 0 0,0-3 0,4 7 0,-4-7 0,4 7 0,-4-3 0,0 0 0,3 3 0,-2-3 0,2 3 0,-3 1 0,3-1 0,-2 1 0,5-1 0,-5 1 0,2-1 0,1 1 0,-4-1 0,4 1 0,-1-1 0,-2 1 0,2 3 0,-3-2 0,0 7 0,0-8 0,0 4 0,0-4 0,3-1 0,-2-3 0,2 3 0,-3-7 0,0 3 0,0-3 0,0-1 0,0 1 0,0 3 0,0-3 0,0 4 0,0-5 0,0 4 0,0-2 0,0 5 0,3-2 0,-2 0 0,2 3 0,-3-3 0,0 3 0,0 1 0,0-4 0,0-1 0,0-4 0,0 1 0,0 2 0,0-1 0,0 1 0,0-3 0,0 1 0,0 7 0,0-2 0,0 7 0,0-1 0,0-2 0,0 3 0,0-1 0,0-6 0,0 6 0,0-10 0,0 2 0,0-4 0,0 1 0,0-1 0,0 1 0,0-1 0,0 1 0,0-1 0,0 4 0,0 1 0,0 4 0,0 3 0,0-2 0,0 7 0,0-8 0,0 4 0,0 0 0,0-4 0,0 4 0,0-4 0,0-1 0,0 5 0,4-4 0,-4 8 0,4-3 0,-4 4 0,0-5 0,0 0 0,0-4 0,0-5 0,0 1 0,0-5 0,0 1 0,0-1 0,0 1 0,2-4 0,2 3 0,2-3 0,0 1 0,1 2 0,-1-3 0,1 4 0,0 3 0,-1-3 0,-2 3 0,2-3 0,-2 0 0,0-1 0,1 1 0,-1-4 0,-1 3 0,3-5 0,-2 5 0,2-6 0,1 3 0,-4 0 0,3-2 0,-5 5 0,5-6 0,-3 6 0,4-5 0,-1 4 0,0-1 0,1 2 0,-1-3 0,0 0 0,0-3 0,1 3 0,-1-2 0,4 2 0,-2-1 0,2-1 0,-4 2 0,1-3 0,0 0 0,-1 0 0,0 0 0,1 0 0,-1 0 0,1 0 0,-1 0 0,1 0 0,-1 0 0,1 0 0,-1 0 0,1 0 0,-1 0 0,1 0 0,-1 0 0,0 0 0,1 0 0,-1 0 0,0 0 0,-2 0 0,-1 0 0</inkml:trace>
+  <inkml:trace contextRef="#ctx0" brushRef="#br0">1 1 24575,'0'9'0,"0"8"0,0-1 0,0 13 0,0-4 0,0 4 0,0-1 0,0-3 0,0 4 0,0-5 0,0-4 0,0 3 0,0-1 0,0-2 0,0-3 0,0-3 0,0-7 0,0 7 0,0-7 0,0 7 0,0-6 0,0 5 0,0-5 0,0 2 0,0 0 0,0-3 0,0 3 0,0-3 0,0-1 0,0 1 0,0-1 0,0 0 0,0 0 0,0 0 0,0 0 0,0 0 0,0 0 0,0 1 0,0-1 0,0 0 0,0 0 0,0 0 0,0 0 0,0 0 0,0 0 0,0 0 0,3-3 0,-3 3 0,3-3 0,-3 3 0,3-3 0,-3 3 0,3-3 0,0 4 0,-3-1 0,6-3 0,-5 3 0,1-3 0,-2 3 0,3-3 0,-2 3 0,1-15 0,-2 3 0,0-4 0,0 3 0</inkml:trace>
 </inkml:ink>
 </file>
 
@@ -2329,14 +2613,14 @@
           <inkml:channelProperty channel="F" name="resolution" value="0" units="1/dev"/>
         </inkml:channelProperties>
       </inkml:inkSource>
-      <inkml:timestamp xml:id="ts0" timeString="2022-09-22T23:15:39.192"/>
+      <inkml:timestamp xml:id="ts0" timeString="2022-09-22T05:03:18.028"/>
     </inkml:context>
     <inkml:brush xml:id="br0">
       <inkml:brushProperty name="width" value="0.1" units="cm"/>
       <inkml:brushProperty name="height" value="0.1" units="cm"/>
     </inkml:brush>
   </inkml:definitions>
-  <inkml:trace contextRef="#ctx0" brushRef="#br0">0 0 24575,'0'18'0,"0"10"0,0 9 0,0 10 0,0 13 0,0 2 0,0 7 0,0 5 0,0-5 0,0 14 0,0 2-724,0 7 724,0 7 0,0-48 0,0 0 0,0 8 0,0 1 0,0-5 0,0 2 0,0 10 0,0 2-810,0-3 1,0 0 809,0 8 0,0 2 0,0-1 0,0 0 0,0 0 0,0 0 0,0-5 0,0 0 0,0 0 0,0-1-478,0-4 1,0-1 477,0-4 0,0 1 0,0 3 0,0-1 0,0-11 0,0 0 0,0 6 0,0 0 0,0-7 0,0 0 0,0 4 0,0 0 0,0 0 0,0 0-175,0-4 1,0 0 174,0 49 0,0-8 0,0 7-167,0-5 167,0-39 0,0-2 0,0 21 0,0-14 0,0 0 0,0 19 1389,0 13-1389,0-14 0,5-20 0,1 17 0,0 1 0,4 7 0,-9-6 0,9 6 0,-9-8 0,4 0 0,-5 1 1003,0-19-1003,0 14 0,0-20 0,0 16 394,0-7-394,0 1 916,0-1-916,0-5 112,0-8-112,0-2 0,0-9 0,0 0 0,0-3 0,0-3 0,0 5 0,0-5 0,0 3 0,0-8 0,0 9 0,0-9 0,0-1 0,0-5 0,0-2 0,0-5 0,0 1 0,0-6 0,0-4 0,0 0 0</inkml:trace>
+  <inkml:trace contextRef="#ctx0" brushRef="#br0">15 1 24575,'0'17'0,"0"1"0,0-4 0,0 1 0,0-1 0,0 1 0,0-5 0,0 4 0,0-6 0,0 5 0,0-5 0,0 9 0,0-5 0,0 7 0,0-4 0,0 3 0,0-2 0,0 7 0,0-8 0,0 8 0,0-7 0,0-1 0,0-2 0,0 3 0,0-1 0,0 4 0,0-5 0,0 1 0,0-4 0,0 3 0,-6-7 0,4 7 0,-4-6 0,6 5 0,0-5 0,0 2 0,0-4 0,0 5 0,0-4 0,0 3 0,0-3 0,0 3 0,0-3 0,0 3 0,0-3 0,0 3 0,0-3 0,0 7 0,0 0 0,0-2 0,0 1 0,0-3 0,0-3 0,0 3 0,0-3 0,0-1 0,0 1 0,0 0 0,0-1 0,0-2 0,0-1 0</inkml:trace>
 </inkml:ink>
 </file>
 
@@ -2356,14 +2640,14 @@
           <inkml:channelProperty channel="F" name="resolution" value="0" units="1/dev"/>
         </inkml:channelProperties>
       </inkml:inkSource>
-      <inkml:timestamp xml:id="ts0" timeString="2022-09-22T23:15:41.575"/>
+      <inkml:timestamp xml:id="ts0" timeString="2022-09-22T23:10:51.397"/>
     </inkml:context>
     <inkml:brush xml:id="br0">
       <inkml:brushProperty name="width" value="0.1" units="cm"/>
       <inkml:brushProperty name="height" value="0.1" units="cm"/>
     </inkml:brush>
   </inkml:definitions>
-  <inkml:trace contextRef="#ctx0" brushRef="#br0">1 343 24575,'0'-9'0,"0"-4"0,7-2 0,2-5 0,7-3 0,-1 3 0,1-3 0,-5 8 0,4-8 0,-7 7 0,3 1 0,-4 5 0,0 3 0,-1 1 0,-2-1 0,1 1 0,-1 0 0,-1-1 0,3 4 0,-5-3 0,5-1 0,-5 0 0,5-3 0,-2 0 0,-1 2 0,4-2 0,-7 0 0,6 5 0,-5-4 0,2 5 0,-1-2 0,2 2 0,2 2 0,4 2 0,5 3 0,5 5 0,3 5 0,1 3 0,0-1 0,0 1 0,0 0 0,0 0 0,-5-1 0,4 1 0,-7-1 0,3 0 0,-8-4 0,2 3 0,-2-3 0,0 0 0,3 2 0,-6-2 0,2 0 0,-3-1 0,-1-3 0,1-1 0,-1 1 0,-2-1 0,-1 1 0,0-4 0,-3 0 0,3-3 0</inkml:trace>
+  <inkml:trace contextRef="#ctx0" brushRef="#br0">68 0 24575,'0'49'0,"0"3"0,0 30 0,0 5-1128,0-29 0,0 2 1128,0-5 0,0 2 0,0 11 0,0 0 0,0-6 0,0-1 0,0 8 0,0 0 0,0 1 0,0-1 0,0-8 0,0 1 0,0 15 0,0 1 0,0-11 0,0 1-666,0 11 0,0 1 666,0-5 0,0 0 0,0 10 0,0 0 0,0-7 0,0-1 0,0 9 0,0-1 0,0-14 0,0-2 0,0 6 0,0-2 0,0-11 0,0-1 36,0-1 1,0-1-37,0-4 0,0-2 0,0 34 0,0-9 0,0 18 0,0-45 0,0 44 1019,0-45-1019,0 11 1618,0 5-1618,0-16 878,0 16-878,0-18 0,0 11 0,0-10 0,0 16 0,0-25 0,0 37 0,0-22 0,0 21 0,0-15 0,0 20 0,0-33 0,0 39 0,0-37 0,0 17 0,0-6 0,0-1 0,0 1 0,-4-1 0,3 1 0,-4-7 0,5 5 0,0-10 0,0 4 0,-4-6 0,3-1 0,-3 1 0,0 0 0,3 0 0,-4 0 0,1 13 0,2-21 0,-2 25 0,4-20 0,0 16 0,0 1 0,0-7 0,-4-1 0,3 0 0,-4-5 0,5 5 0,0-12 0,0 5 0,-4-5 0,3 6 0,-7 0 0,7 0 0,-3-5 0,4-2 0,0-6 0,0 1 0,0 0 0,0-5 0,0 14 0,0-12 0,0 14 0,0-17 0,0 5 0,0-4 0,0 5 0,0-1 0,0 1 0,0 0 0,0-1 0,0 1 0,0 0 0,4-1 0,-4 1 0,4 0 0,-4-1 0,4 1 0,-3 5 0,3-4 0,0 10 0,-3-10 0,3 9 0,-4-3 0,0-1 0,5 5 0,-4-10 0,3 4 0,-4-5 0,0-1 0,0-4 0,0 4 0,0-9 0,0 8 0,0-3 0,0 5 0,0 5 0,0 1 0,0 1 0,0 3 0,0-9 0,0 4 0,0-5 0,0 0 0,0-6 0,0 0 0,0-5 0,0 0 0,0 0 0,0 10 0,0-2 0,0 8 0,0-5 0,0-1 0,0 1 0,0 5 0,0-4 0,0 4 0,0-5 0,0 0 0,0-1 0,0-4 0,0-1 0,0-6 0,0 1 0,0 0 0,0 0 0,0 0 0,0 0 0,0 0 0,0 0 0,0-1 0,0 1 0,0 5 0,0-4 0,0 24 0,0-15 0,4 16 0,0-16 0,5 1 0,-4 0 0,3-1 0,-4 1 0,5 0 0,0-1 0,-4-4 0,-2 4 0,-3-9 0,0 4 0,0-6 0,0 1 0,0 0 0,0 0 0,0 6 0,0-4 0,0 4 0,0-6 0,0 5 0,0-4 0,0 4 0,0-6 0,0 1 0,0 0 0,0-4 0,0-1 0,0-1 0,0-6 0,0 10 0,0-13 0,0 9 0,0-7 0,0 3 0,0-3 0,0-1 0,0-3 0,0 2 0,0-1 0,0 1 0,0-2 0,0-1 0,0 1 0,0 3 0,0-3 0,0 7 0,-3-3 0,2 3 0,-2 1 0,0-4 0,2 2 0,-5-2 0,6 0 0,-4 0 0,4-5 0,0 1 0,-3-1 0,3 1 0,-3-1 0,3 6 0,0 8 0,0 7 0,0 3 0,0 3 0,0-4 0,0 6 0,0-5 0,0-1 0,0-6 0,0-3 0,0-1 0,0-5 0,0 1 0,0-4 0,0 3 0,0-3 0,0-1 0,0 4 0,0-6 0,0 2 0,0 0 0,0-3 0,0 3 0,0 0 0,0-2 0,0 5 0,0-5 0,0 6 0,0-7 0,0 3 0,0 0 0,0-2 0,0 2 0,0-4 0,0 1 0,0 3 0,0 7 0,0-1 0,0 5 0,0-2 0,0-3 0,0 7 0,0-8 0,0 8 0,0-7 0,0 2 0,0-7 0,0 3 0,0-7 0,0 3 0,0-3 0,0-1 0,0 1 0,0-1 0,0 1 0,0-1 0,0 1 0,0-1 0,0 0 0,0 1 0,0-1 0,0 0 0,0 1 0,0 3 0,0 1 0,-7 4 0,6-1 0,-6-3 0,7-1 0,0-3 0,0-1 0,0 1 0,-3-4 0,3 3 0,-3-2 0,3 2 0,0 8 0,-4-2 0,4 7 0,-4-5 0,1 1 0,2-4 0,-2-1 0,3-3 0,0-1 0,-3-2 0,3-1 0,-3-3 0</inkml:trace>
 </inkml:ink>
 </file>
 
@@ -2410,14 +2694,14 @@
           <inkml:channelProperty channel="F" name="resolution" value="0" units="1/dev"/>
         </inkml:channelProperties>
       </inkml:inkSource>
-      <inkml:timestamp xml:id="ts0" timeString="2022-09-22T23:15:44.175"/>
+      <inkml:timestamp xml:id="ts0" timeString="2022-09-22T23:11:01.507"/>
     </inkml:context>
     <inkml:brush xml:id="br0">
       <inkml:brushProperty name="width" value="0.1" units="cm"/>
       <inkml:brushProperty name="height" value="0.1" units="cm"/>
     </inkml:brush>
   </inkml:definitions>
-  <inkml:trace contextRef="#ctx0" brushRef="#br0">0 111 24575,'10'0'0,"-2"0"0,2 0 0,1 3 0,1 4 0,-2 1 0,0 2 0,-2 5 0,2-7 0,-2 10 0,-1-10 0,-1 2 0,1-4 0,-1 1 0,1-1 0,-1 1 0,1-1 0,-3 1 0,1-4 0,-4 3 0,5-5 0,-5 5 0,4-5 0,-1 1 0,-1 1 0,0 0 0,0 4 0,0-1 0,1 1 0,2 3 0,-2-3 0,0 3 0,2 0 0,-5-2 0,5 2 0,-5-4 0,1 1 0,1-4 0,-2-3 0,4 0 0,-1-6 0,3-1 0,3-1 0,-2-5 0,6 1 0,-7 1 0,7-2 0,-3 2 0,4-8 0,0 4 0,0-4 0,-3 0 0,1 4 0,0-8 0,-2 3 0,4-4 0,-6 5 0,6-4 0,-7 7 0,3 1 0,-4 1 0,0 7 0,0-3 0,-1 6 0,1 1 0,-4 0 0,3 3 0,-5-3 0,2 3 0</inkml:trace>
+  <inkml:trace contextRef="#ctx0" brushRef="#br0">1 64 24575,'18'0'0,"3"0"0,-6 0 0,13 0 0,-7 0 0,4 0 0,-3 0 0,-2 0 0,0 0 0,9 0 0,-8 0 0,6 0 0,-9 0 0,1 0 0,-7 0 0,6 0 0,-11 0 0,7 0 0,-7 0 0,3 0 0,0 0 0,-2 0 0,5 0 0,-5-3 0,6 2 0,-3-2 0,3 3 0,-3-3 0,3 2 0,-3-5 0,3 5 0,1-2 0,-1 0 0,1 2 0,-1-5 0,1 5 0,-1-2 0,1 3 0,-1-3 0,-3 2 0,3-3 0,-7 4 0,3 0 0,0 0 0,-2 0 0,5 0 0,-5-2 0,5 1 0,-5-2 0,5 3 0,-5 0 0,12 0 0,-11 0 0,11 0 0,-12 0 0,2 0 0,0-3 0,-3 2 0,3-2 0,0 3 0,-2 0 0,5-4 0,-2 4 0,4-4 0,-1 4 0,1 0 0,-1 0 0,1 0 0,-1 0 0,5 0 0,-3 0 0,2 0 0,-3 0 0,-1 0 0,1 0 0,-1 0 0,5 0 0,1 0 0,-1 0 0,15 0 0,-12 0 0,13 0 0,-12 0 0,1 0 0,5 0 0,-4 0 0,4 0 0,-5 0 0,4 0 0,-3 0 0,4 0 0,-5 0 0,0 0 0,10 0 0,-11 0 0,10 0 0,-17 4 0,6-4 0,-6 7 0,3-3 0,-5 0 0,5 3 0,-4-6 0,4 5 0,-4-5 0,3 2 0,-6-3 0,6 0 0,-3 0 0,1 0 0,2 0 0,-3 0 0,4 0 0,-4 0 0,8 0 0,-3 0 0,4 0 0,-1 0 0,1 0 0,-4 0 0,2 0 0,-2 0 0,3 0 0,1 0 0,0 0 0,-5 0 0,4 0 0,-7 0 0,2 0 0,-3 0 0,-1 0 0,1 0 0,-1 0 0,-3 0 0,3 0 0,-7 0 0,7 0 0,-3 0 0,0 0 0,3 0 0,-7 0 0,7 0 0,-7 0 0,7 0 0,-7 0 0,7 0 0,-7 0 0,3 3 0,-3-2 0,0 2 0,-1-3 0,-3 3 0,3-2 0,-3 2 0,3-3 0,4 0 0,1 0 0,8 0 0,0 0 0,5 0 0,-4 0 0,3 0 0,-8 0 0,4 0 0,-8 0 0,-1 0 0,-3 0 0,-1 0 0,0 0 0,4 0 0,1 0 0,4 0 0,3 0 0,-2 0 0,3-4 0,-5 3 0,-3-2 0,3 3 0,-7 0 0,3 0 0,-3 0 0,-1 0 0,1 0 0,-1 0 0,1 0 0,-1 0 0,0 0 0,1 0 0,-1 0 0,1 0 0,-1 0 0,1 0 0,-1 0 0,1 0 0,-4 0 0,0 0 0</inkml:trace>
 </inkml:ink>
 </file>
 
@@ -2437,14 +2721,15 @@
           <inkml:channelProperty channel="F" name="resolution" value="0" units="1/dev"/>
         </inkml:channelProperties>
       </inkml:inkSource>
-      <inkml:timestamp xml:id="ts0" timeString="2022-09-22T23:15:52.137"/>
+      <inkml:timestamp xml:id="ts0" timeString="2022-09-22T23:11:08.807"/>
     </inkml:context>
     <inkml:brush xml:id="br0">
       <inkml:brushProperty name="width" value="0.1" units="cm"/>
       <inkml:brushProperty name="height" value="0.1" units="cm"/>
+      <inkml:brushProperty name="color" value="#A88333"/>
     </inkml:brush>
   </inkml:definitions>
-  <inkml:trace contextRef="#ctx0" brushRef="#br0">0 0 24575,'0'18'0,"0"10"0,0 9 0,0 10 0,0 13 0,0 2 0,0 7 0,0 5 0,0-5 0,0 14 0,0 2-724,0 7 724,0 7 0,0-48 0,0 0 0,0 8 0,0 1 0,0-5 0,0 2 0,0 10 0,0 2-810,0-3 1,0 0 809,0 8 0,0 2 0,0-1 0,0 0 0,0 0 0,0 0 0,0-5 0,0 0 0,0 0 0,0-1-478,0-4 1,0-1 477,0-4 0,0 1 0,0 3 0,0-1 0,0-11 0,0 0 0,0 6 0,0 0 0,0-7 0,0 0 0,0 4 0,0 0 0,0 0 0,0 0-175,0-4 1,0 0 174,0 49 0,0-8 0,0 7-167,0-5 167,0-39 0,0-2 0,0 21 0,0-14 0,0 0 0,0 19 1389,0 13-1389,0-14 0,5-20 0,1 17 0,0 1 0,4 7 0,-9-6 0,9 6 0,-9-8 0,4 0 0,-5 1 1003,0-19-1003,0 14 0,0-20 0,0 16 394,0-7-394,0 1 916,0-1-916,0-5 112,0-8-112,0-2 0,0-9 0,0 0 0,0-3 0,0-3 0,0 5 0,0-5 0,0 3 0,0-8 0,0 9 0,0-9 0,0-1 0,0-5 0,0-2 0,0-5 0,0 1 0,0-6 0,0-4 0,0 0 0</inkml:trace>
+  <inkml:trace contextRef="#ctx0" brushRef="#br0">1 1 24575,'19'0'0,"18"0"0,-5 0 0,13 0 0,-10 0 0,-6 0 0,0 0 0,0 0 0,-4 0 0,4 0 0,-5 0 0,-1 0 0,-3 0 0,-1 0 0,-5 0 0,-3 0 0,-1 0 0,-3 0 0,-1 0 0,-2 0 0,-1 0 0</inkml:trace>
 </inkml:ink>
 </file>
 
@@ -2464,14 +2749,15 @@
           <inkml:channelProperty channel="F" name="resolution" value="0" units="1/dev"/>
         </inkml:channelProperties>
       </inkml:inkSource>
-      <inkml:timestamp xml:id="ts0" timeString="2022-09-22T23:15:52.138"/>
+      <inkml:timestamp xml:id="ts0" timeString="2022-09-22T23:11:10.657"/>
     </inkml:context>
     <inkml:brush xml:id="br0">
       <inkml:brushProperty name="width" value="0.1" units="cm"/>
       <inkml:brushProperty name="height" value="0.1" units="cm"/>
+      <inkml:brushProperty name="color" value="#A88333"/>
     </inkml:brush>
   </inkml:definitions>
-  <inkml:trace contextRef="#ctx0" brushRef="#br0">1 343 24575,'0'-9'0,"0"-4"0,7-2 0,2-5 0,7-3 0,-1 3 0,1-3 0,-5 8 0,4-8 0,-7 7 0,3 1 0,-4 5 0,0 3 0,-1 1 0,-2-1 0,1 1 0,-1 0 0,-1-1 0,3 4 0,-5-3 0,5-1 0,-5 0 0,5-3 0,-2 0 0,-1 2 0,4-2 0,-7 0 0,6 5 0,-5-4 0,2 5 0,-1-2 0,2 2 0,2 2 0,4 2 0,5 3 0,5 5 0,3 5 0,1 3 0,0-1 0,0 1 0,0 0 0,0 0 0,-5-1 0,4 1 0,-7-1 0,3 0 0,-8-4 0,2 3 0,-2-3 0,0 0 0,3 2 0,-6-2 0,2 0 0,-3-1 0,-1-3 0,1-1 0,-1 1 0,-2-1 0,-1 1 0,0-4 0,-3 0 0,3-3 0</inkml:trace>
+  <inkml:trace contextRef="#ctx0" brushRef="#br0">1 0 24575,'14'0'0,"2"0"0,-5 0 0,4 0 0,-1 0 0,1 0 0,3 0 0,-2 0 0,3 0 0,-1 0 0,-2 0 0,3 0 0,-1 0 0,2 0 0,0 0 0,-2 0 0,-3 0 0,-4 0 0,-1 0 0,-4 0 0,1 0 0,-1 0 0,0 0 0,1 0 0,0 0 0,3 0 0,-6 0 0,3 0 0</inkml:trace>
 </inkml:ink>
 </file>
 
@@ -2491,14 +2777,15 @@
           <inkml:channelProperty channel="F" name="resolution" value="0" units="1/dev"/>
         </inkml:channelProperties>
       </inkml:inkSource>
-      <inkml:timestamp xml:id="ts0" timeString="2022-09-22T23:15:52.139"/>
+      <inkml:timestamp xml:id="ts0" timeString="2022-09-22T23:11:12.295"/>
     </inkml:context>
     <inkml:brush xml:id="br0">
       <inkml:brushProperty name="width" value="0.1" units="cm"/>
       <inkml:brushProperty name="height" value="0.1" units="cm"/>
+      <inkml:brushProperty name="color" value="#A88333"/>
     </inkml:brush>
   </inkml:definitions>
-  <inkml:trace contextRef="#ctx0" brushRef="#br0">0 111 24575,'10'0'0,"-2"0"0,2 0 0,1 3 0,1 4 0,-2 1 0,0 2 0,-2 5 0,2-7 0,-2 10 0,-1-10 0,-1 2 0,1-4 0,-1 1 0,1-1 0,-1 1 0,1-1 0,-3 1 0,1-4 0,-4 3 0,5-5 0,-5 5 0,4-5 0,-1 1 0,-1 1 0,0 0 0,0 4 0,0-1 0,1 1 0,2 3 0,-2-3 0,0 3 0,2 0 0,-5-2 0,5 2 0,-5-4 0,1 1 0,1-4 0,-2-3 0,4 0 0,-1-6 0,3-1 0,3-1 0,-2-5 0,6 1 0,-7 1 0,7-2 0,-3 2 0,4-8 0,0 4 0,0-4 0,-3 0 0,1 4 0,0-8 0,-2 3 0,4-4 0,-6 5 0,6-4 0,-7 7 0,3 1 0,-4 1 0,0 7 0,0-3 0,-1 6 0,1 1 0,-4 0 0,3 3 0,-5-3 0,2 3 0</inkml:trace>
+  <inkml:trace contextRef="#ctx0" brushRef="#br0">0 0 24575,'24'0'0,"-1"0"0,1 0 0,5 0 0,-4 0 0,8 0 0,-7 0 0,2 0 0,1 0 0,-4 0 0,8 0 0,-3 0 0,0 0 0,-1 0 0,0 0 0,-8 0 0,2 0 0,-12 0 0,-1 0 0,-3 0 0,-4 0 0,0 0 0</inkml:trace>
 </inkml:ink>
 </file>
 
@@ -2518,15 +2805,15 @@
           <inkml:channelProperty channel="F" name="resolution" value="0" units="1/dev"/>
         </inkml:channelProperties>
       </inkml:inkSource>
-      <inkml:timestamp xml:id="ts0" timeString="2022-09-22T23:16:11.251"/>
+      <inkml:timestamp xml:id="ts0" timeString="2022-09-22T23:11:14.482"/>
     </inkml:context>
     <inkml:brush xml:id="br0">
       <inkml:brushProperty name="width" value="0.1" units="cm"/>
       <inkml:brushProperty name="height" value="0.1" units="cm"/>
-      <inkml:brushProperty name="color" value="#FFC114"/>
+      <inkml:brushProperty name="color" value="#A88333"/>
     </inkml:brush>
   </inkml:definitions>
-  <inkml:trace contextRef="#ctx0" brushRef="#br0">0 7 24575,'13'0'0,"0"0"0,11 0 0,-7 0 0,6 0 0,-8 0 0,8 0 0,-6 0 0,11 0 0,-9 0 0,5 0 0,-4 0 0,3 0 0,-8 0 0,4 0 0,-8 0 0,3 0 0,-7 0 0,3 0 0,-3 0 0,-1 0 0,1 0 0,-1 0 0,0 0 0,1 0 0,-1 0 0,0 0 0,0 0 0,1-3 0,-1 3 0,0-3 0,0 3 0,-2 0 0,-2 0 0</inkml:trace>
+  <inkml:trace contextRef="#ctx0" brushRef="#br0">0 0 24575,'27'0'0,"0"0"0,-4 0 0,6 0 0,6 0 0,1 0 0,5 0 0,-7 0 0,1 0 0,-5 0 0,3 0 0,-15 0 0,4 0 0,-14 0 0,2 0 0,-4 0 0,1 0 0,-1 0 0,1 0 0,-1 0 0,0 0 0,0 0 0,0 0 0,1 0 0,-1 0 0,4 0 0,1 0 0,0 0 0,-1 0 0,-3 0 0,-3 0 0,-2 0 0</inkml:trace>
 </inkml:ink>
 </file>
 
@@ -2546,15 +2833,15 @@
           <inkml:channelProperty channel="F" name="resolution" value="0" units="1/dev"/>
         </inkml:channelProperties>
       </inkml:inkSource>
-      <inkml:timestamp xml:id="ts0" timeString="2022-09-22T23:16:13.499"/>
+      <inkml:timestamp xml:id="ts0" timeString="2022-09-22T23:11:16.239"/>
     </inkml:context>
     <inkml:brush xml:id="br0">
       <inkml:brushProperty name="width" value="0.1" units="cm"/>
       <inkml:brushProperty name="height" value="0.1" units="cm"/>
-      <inkml:brushProperty name="color" value="#FFC114"/>
+      <inkml:brushProperty name="color" value="#A88333"/>
     </inkml:brush>
   </inkml:definitions>
-  <inkml:trace contextRef="#ctx0" brushRef="#br0">0 1 24575,'22'0'0,"1"0"0,1 0 0,-1 0 0,1 0 0,0 0 0,0 0 0,0 0 0,0 0 0,-1 0 0,-3 0 0,3 0 0,-3 0 0,4 0 0,-5 0 0,4 0 0,-7 0 0,2 0 0,-7 0 0,0 0 0,-5 0 0,1 0 0,-1 0 0,0 0 0,0 0 0,1 0 0,-1 0 0,1 0 0,0 0 0,-1 0 0,1 0 0,-1 0 0,-2 0 0,-1 0 0</inkml:trace>
+  <inkml:trace contextRef="#ctx0" brushRef="#br0">1 0 24575,'22'0'0,"5"0"0,-2 0 0,8 0 0,-3 0 0,5 0 0,-1 0 0,-4 0 0,4 0 0,1 0 0,-14 0 0,-1 0 0</inkml:trace>
 </inkml:ink>
 </file>
 
@@ -2574,15 +2861,14 @@
           <inkml:channelProperty channel="F" name="resolution" value="0" units="1/dev"/>
         </inkml:channelProperties>
       </inkml:inkSource>
-      <inkml:timestamp xml:id="ts0" timeString="2022-09-22T23:16:15.169"/>
+      <inkml:timestamp xml:id="ts0" timeString="2022-09-22T23:11:30.491"/>
     </inkml:context>
     <inkml:brush xml:id="br0">
       <inkml:brushProperty name="width" value="0.1" units="cm"/>
       <inkml:brushProperty name="height" value="0.1" units="cm"/>
-      <inkml:brushProperty name="color" value="#FFC114"/>
     </inkml:brush>
   </inkml:definitions>
-  <inkml:trace contextRef="#ctx0" brushRef="#br0">1 0 24575,'21'0'0,"-2"0"0,3 0 0,-2 0 0,4 0 0,0 0 0,0 0 0,-5 0 0,4 0 0,-11 0 0,10 0 0,-10 0 0,3 0 0,-6 0 0,1 0 0,-2 0 0,2 0 0,0 0 0,-3 0 0,3 0 0,-3 0 0,0 0 0,-1 0 0,-2 0 0,-1 0 0</inkml:trace>
+  <inkml:trace contextRef="#ctx0" brushRef="#br0">0 0 24575,'10'0'0,"-1"0"0,-2 0 0,3 0 0,-3 0 0,3 0 0,-4 0 0,1 0 0,0 0 0,3 0 0,-3 0 0,3 0 0,0 0 0,-2 0 0,2 0 0,0 0 0,-3 0 0,3 0 0,-3 0 0,0 0 0,-1 0 0,1 0 0,3 0 0,-3 0 0,3 0 0,-3 0 0,-1 0 0,4 0 0,-2 0 0,2 0 0,-4 0 0,1 0 0,0 0 0,-1 0 0,1 0 0,-1 0 0,1 0 0,-1 0 0,1 0 0,-1 0 0,1 0 0,0 0 0,-1 0 0,1 0 0,-1 0 0,1 0 0,-1 0 0,1 0 0,-1 0 0,1 0 0,3 3 0,-3-2 0,7 2 0,0 0 0,-2-2 0,1 2 0,-3 0 0,-3-2 0,7 2 0,-7-3 0,3 0 0,-3 0 0,3 0 0,-3 0 0,4 0 0,-1 0 0,-3 0 0,7 0 0,-7 0 0,7 0 0,-3 0 0,3 0 0,1 0 0,-1 0 0,1 0 0,-1 0 0,1 0 0,-1 0 0,1 0 0,-1 0 0,1 0 0,-1 0 0,-3 0 0,2 0 0,-2 0 0,4 0 0,-4 0 0,-1 0 0,-3 0 0,-1 0 0,1 0 0,-1 0 0,1 0 0,-1 0 0,4 0 0,1 0 0,0 0 0,7 0 0,-6 0 0,7 0 0,0 0 0,-4 0 0,4 0 0,-5 0 0,-3 0 0,-1 0 0,0 0 0,-2 0 0,2 0 0,-4 0 0,1 0 0,0 0 0,-1 0 0,0 0 0,0 0 0,0 0 0,1 0 0,-1 0 0,0 0 0,0 0 0,1 0 0,-1 0 0,0 0 0,0-3 0,1 3 0,-1-3 0,1 0 0,0 2 0,-1-2 0,0 3 0,-2-3 0,1 2 0,-4-1 0,2 2 0</inkml:trace>
 </inkml:ink>
 </file>
 
@@ -2602,15 +2888,15 @@
           <inkml:channelProperty channel="F" name="resolution" value="0" units="1/dev"/>
         </inkml:channelProperties>
       </inkml:inkSource>
-      <inkml:timestamp xml:id="ts0" timeString="2022-09-22T23:16:16.600"/>
+      <inkml:timestamp xml:id="ts0" timeString="2022-09-22T23:13:45.450"/>
     </inkml:context>
     <inkml:brush xml:id="br0">
       <inkml:brushProperty name="width" value="0.1" units="cm"/>
       <inkml:brushProperty name="height" value="0.1" units="cm"/>
-      <inkml:brushProperty name="color" value="#FFC114"/>
+      <inkml:brushProperty name="color" value="#347FB5"/>
     </inkml:brush>
   </inkml:definitions>
-  <inkml:trace contextRef="#ctx0" brushRef="#br0">1 1 24575,'23'0'0,"6"0"0,1 0 0,5 0 0,-1 0 0,-4 0 0,-1 0 0,-10 0 0,4 0 0,-11 0 0,3 0 0,-9 0 0,1 0 0,-1 0 0,-2 0 0,-1 0 0</inkml:trace>
+  <inkml:trace contextRef="#ctx0" brushRef="#br0">1253 1 24575,'-13'0'0,"1"0"0,5 0 0,1 0 0,-1 0 0,0 0 0,1 0 0,-1 0 0,1 0 0,-1 0 0,1 0 0,-1 0 0,1 3 0,-1-2 0,1 4 0,-1-4 0,1 2 0,-1 0 0,1-2 0,-1 2 0,1-3 0,2 2 0,-1-1 0,4 5 0,-4-5 0,1 2 0,0 0 0,-2-3 0,6 6 0,-6-5 0,2 5 0,-2-6 0,-1 6 0,1-2 0,-1 2 0,0 1 0,1 0 0,-1-4 0,1 3 0,-1-3 0,4 4 0,-3-3 0,2 1 0,-2 3 0,-1 2 0,-4 9 0,-1-3 0,-4 7 0,1-4 0,3 1 0,-3 3 0,7-8 0,-7 8 0,7-7 0,0 3 0,1-5 0,3 1 0,-3-1 0,0 1 0,-1 3 0,0 2 0,0 4 0,4 0 0,-3 0 0,3-5 0,-4 4 0,1-7 0,-1 3 0,4-5 0,-2-3 0,5 3 0,-5-7 0,6 3 0,-3-3 0,3-1 0,0 1 0,0-1 0,-3 0 0,2 5 0,-5 0 0,5 7 0,-6 2 0,3 4 0,-4 0 0,4-1 0,-4 6 0,7-4 0,-6 4 0,6-1 0,-2-3 0,3 4 0,0-1 0,0 2 0,0 5 0,0 0 0,0-1 0,0-4 0,0 4 0,0-5 0,0 6 0,0-5 0,0-1 0,0-6 0,0 1 0,0 0 0,0 6 0,0-4 0,0 4 0,0-2 0,0-3 0,0 4 0,0 0 0,0 1 0,0 4 0,3 1 0,2 0 0,0-6 0,2 0 0,-6-9 0,3-5 0,-4-5 0,0-4 0,0 8 0,0 7 0,0 9 0,0 5 0,0-1 0,0-4 0,0-1 0,0 0 0,0-4 0,0-1 0,0-1 0,0-4 0,0 5 0,0-1 0,0 1 0,0-1 0,0 1 0,0 0 0,-4 0 0,3 0 0,-6 0 0,6-4 0,-2 3 0,3-8 0,0 8 0,0-3 0,0-1 0,0 4 0,0-3 0,0 4 0,0 0 0,0 0 0,0 0 0,0-1 0,0 1 0,0-4 0,0-1 0,0-5 0,0 5 0,0-3 0,0 13 0,3-8 0,-2 5 0,3-3 0,-1-3 0,-2 4 0,3 5 0,-4-9 0,0 8 0,0-8 0,0 0 0,0 2 0,0-6 0,0 3 0,0-5 0,3 1 0,1-1 0,0 1 0,3 3 0,-2 7 0,3 5 0,1 4 0,0 6 0,-5 2 0,1 4 0,-5-4 0,0 3 0,0-9 0,0-1 0,0-1 0,0-9 0,0 4 0,0-10 0,0 9 0,0-7 0,0 7 0,0 1 0,0 1 0,0 10 0,0-4 0,0 4 0,0 0 0,-4-4 0,3 4 0,-7-5 0,7-5 0,-7 3 0,7-3 0,-2 0 0,3 3 0,-4-8 0,3 4 0,-2-5 0,3 11 0,0-8 0,0 4 0,0-8 0,0-8 0,0 0 0,0-1 0,-4-3 0,4 0 0,-7 2 0,3-5 0,0 6 0,-1-7 0,4 3 0,-2-3 0,0-4 0,2 3 0,-1-2 0,-1 2 0,-1 1 0,-3 7 0,0-2 0,3 7 0,-3-5 0,3 1 0,0-1 0,-2-3 0,5-1 0,-5-3 0,6-1 0,-3 1 0,0-3 0,-1 1 0,-2-1 0,-4 3 0,-1 0 0,-8 4 0,-6-2 0,-4 3 0,-17-3 0,13 0 0,-23-4 0,17-2 0,-13-3 0,6 0 0,-1 0 0,6 0 0,1 0 0,6 0 0,4 0 0,5 0 0,6 0 0,5 0 0,3 0 0,1 0 0,3 0 0,6 0 0,8 0 0,4 0 0,6 0 0,2 0 0,-4 0 0,8 0 0,-3 0 0,8 0 0,-3 0 0,9 0 0,-4 0 0,-1 0 0,0 0 0,-5 0 0,-1 0 0,-3 4 0,-1-4 0,-8 4 0,-1-1 0,-4-3 0,1 3 0,0-3 0,-4 3 0,3-2 0,-3 1 0,4 1 0,-1-2 0,1 2 0,3 0 0,5-2 0,1 5 0,2-2 0,-3 0 0,-1 3 0,1-3 0,-4 0 0,2 2 0,-2-2 0,4 4 0,-1-1 0,1 0 0,3 1 0,-2-1 0,7 1 0,-8-1 0,4 1 0,-8-1 0,3 0 0,-7-1 0,3 1 0,-3 3 0,0-2 0,0 5 0,-1-5 0,2 6 0,-1-3 0,-3 3 0,2 7 0,-5-1 0,2 2 0,-3 6 0,0-7 0,0 8 0,0-6 0,0 6 0,0-4 0,-4 9 0,-1-4 0,-3 4 0,-1 1 0,0 0 0,0 5 0,5 1 0,-5 19 0,4-16 0,-1 43 0,-3-33 0,8 22 0,-3-17 0,4 2 0,0-5 0,0 9 0,0-22 0,0 3 0,0-16 0,0-5 0,-7-10 0,-1-7 0,0 0 0,2 9 0,6 7 0,0 6 0,-4-1 0,3-5 0,-2 0 0,-1-1 0,3 1 0,-2 0 0,3-4 0,0 3 0,0-3 0,0-1 0,0 4 0,0-7 0,0 2 0,0-3 0,0-1 0,0-3 0,0 3 0,0-7 0,0 7 0,0-3 0,0 0 0,0 2 0,0-2 0,0 4 0,0 4 0,0-4 0,0 4 0,0-5 0,0 1 0,0-1 0,0 1 0,0-1 0,0 1 0,0-1 0,0-3 0,0 3 0,0-3 0,0 0 0,0 7 0,0-6 0,0 11 0,0-8 0,0 8 0,0-3 0,0 7 0,0-2 0,-4 3 0,3-4 0,-2-5 0,3 4 0,-3-7 0,2 2 0,-2-7 0,3 3 0,0-3 0,0 0 0,0 3 0,0-3 0,0 7 0,0 2 0,0 0 0,-4 3 0,3-4 0,-2 5 0,-1 0 0,3 0 0,-2 0 0,3-4 0,0 9 0,0-8 0,0 5 0,0-7 0,0 0 0,0-4 0,0 8 0,0-3 0,0 0 0,0 3 0,0-8 0,0 8 0,0-3 0,0 4 0,0-1 0,0 1 0,0 5 0,0-4 0,0 9 0,0-5 0,0 6 0,0-5 0,0-6 0,0-5 0,0-8 0,-7-4 0,6 1 0,-6 4 0,7 7 0,0 5 0,0 0 0,0 0 0,0-1 0,0-3 0,0 3 0,0-7 0,0 2 0,0-7 0,0-1 0,0-3 0,0-1 0,0 1 0,0 0 0,0-1 0,0 1 0,0-1 0,0 1 0,0 3 0,-6 1 0,4 8 0,-4-4 0,6 8 0,-4-8 0,4 4 0,-4-4 0,4-1 0,0 1 0,0-4 0,0 2 0,0-2 0,0 3 0,0 1 0,0 0 0,0-1 0,0 1 0,0-1 0,0-3 0,0-1 0,0 0 0,0-2 0,0 5 0,0-5 0,0 5 0,0-5 0,0 2 0,0 0 0,0-3 0,4 7 0,-4-7 0,4 7 0,-4-3 0,0 0 0,3 3 0,-2-3 0,2 3 0,-3 1 0,3-1 0,-2 1 0,5-1 0,-5 1 0,2-1 0,1 1 0,-4-1 0,4 1 0,-1-1 0,-2 1 0,2 3 0,-3-2 0,0 7 0,0-8 0,0 4 0,0-4 0,3-1 0,-2-3 0,2 3 0,-3-7 0,0 3 0,0-3 0,0-1 0,0 1 0,0 3 0,0-3 0,0 4 0,0-5 0,0 4 0,0-2 0,0 5 0,3-2 0,-2 0 0,2 3 0,-3-3 0,0 3 0,0 1 0,0-4 0,0-1 0,0-4 0,0 1 0,0 2 0,0-1 0,0 1 0,0-3 0,0 1 0,0 7 0,0-2 0,0 7 0,0-1 0,0-2 0,0 3 0,0-1 0,0-6 0,0 6 0,0-10 0,0 2 0,0-4 0,0 1 0,0-1 0,0 1 0,0-1 0,0 1 0,0-1 0,0 4 0,0 1 0,0 4 0,0 3 0,0-2 0,0 7 0,0-8 0,0 4 0,0 0 0,0-4 0,0 4 0,0-4 0,0-1 0,0 5 0,4-4 0,-4 8 0,4-3 0,-4 4 0,0-5 0,0 0 0,0-4 0,0-5 0,0 1 0,0-5 0,0 1 0,0-1 0,0 1 0,2-4 0,2 3 0,2-3 0,0 1 0,1 2 0,-1-3 0,1 4 0,0 3 0,-1-3 0,-2 3 0,2-3 0,-2 0 0,0-1 0,1 1 0,-1-4 0,-1 3 0,3-5 0,-2 5 0,2-6 0,1 3 0,-4 0 0,3-2 0,-5 5 0,5-6 0,-3 6 0,4-5 0,-1 4 0,0-1 0,1 2 0,-1-3 0,0 0 0,0-3 0,1 3 0,-1-2 0,4 2 0,-2-1 0,2-1 0,-4 2 0,1-3 0,0 0 0,-1 0 0,0 0 0,1 0 0,-1 0 0,1 0 0,-1 0 0,1 0 0,-1 0 0,1 0 0,-1 0 0,1 0 0,-1 0 0,1 0 0,-1 0 0,0 0 0,1 0 0,-1 0 0,0 0 0,-2 0 0,-1 0 0</inkml:trace>
 </inkml:ink>
 </file>
 
@@ -2630,15 +2916,14 @@
           <inkml:channelProperty channel="F" name="resolution" value="0" units="1/dev"/>
         </inkml:channelProperties>
       </inkml:inkSource>
-      <inkml:timestamp xml:id="ts0" timeString="2022-09-22T23:16:19.647"/>
+      <inkml:timestamp xml:id="ts0" timeString="2022-09-22T23:15:39.192"/>
     </inkml:context>
     <inkml:brush xml:id="br0">
       <inkml:brushProperty name="width" value="0.1" units="cm"/>
       <inkml:brushProperty name="height" value="0.1" units="cm"/>
-      <inkml:brushProperty name="color" value="#FFC114"/>
     </inkml:brush>
   </inkml:definitions>
-  <inkml:trace contextRef="#ctx0" brushRef="#br0">0 1 24575,'13'0'0,"10"0"0,-3 0 0,5 0 0,-2 0 0,-8 0 0,8 0 0,-7 0 0,3 0 0,-1 0 0,-6 0 0,10 0 0,-6 0 0,1 0 0,5 0 0,-10 0 0,6 0 0,-7 0 0,3 0 0,-7 0 0,3 0 0,-3 0 0,-1 0 0,-2 0 0,-2 0 0</inkml:trace>
+  <inkml:trace contextRef="#ctx0" brushRef="#br0">0 0 24575,'0'18'0,"0"10"0,0 9 0,0 10 0,0 13 0,0 2 0,0 7 0,0 5 0,0-5 0,0 14 0,0 2-724,0 7 724,0 7 0,0-48 0,0 0 0,0 8 0,0 1 0,0-5 0,0 2 0,0 10 0,0 2-810,0-3 1,0 0 809,0 8 0,0 2 0,0-1 0,0 0 0,0 0 0,0 0 0,0-5 0,0 0 0,0 0 0,0-1-478,0-4 1,0-1 477,0-4 0,0 1 0,0 3 0,0-1 0,0-11 0,0 0 0,0 6 0,0 0 0,0-7 0,0 0 0,0 4 0,0 0 0,0 0 0,0 0-175,0-4 1,0 0 174,0 49 0,0-8 0,0 7-167,0-5 167,0-39 0,0-2 0,0 21 0,0-14 0,0 0 0,0 19 1389,0 13-1389,0-14 0,5-20 0,1 17 0,0 1 0,4 7 0,-9-6 0,9 6 0,-9-8 0,4 0 0,-5 1 1003,0-19-1003,0 14 0,0-20 0,0 16 394,0-7-394,0 1 916,0-1-916,0-5 112,0-8-112,0-2 0,0-9 0,0 0 0,0-3 0,0-3 0,0 5 0,0-5 0,0 3 0,0-8 0,0 9 0,0-9 0,0-1 0,0-5 0,0-2 0,0-5 0,0 1 0,0-6 0,0-4 0,0 0 0</inkml:trace>
 </inkml:ink>
 </file>
 
@@ -2658,15 +2943,14 @@
           <inkml:channelProperty channel="F" name="resolution" value="0" units="1/dev"/>
         </inkml:channelProperties>
       </inkml:inkSource>
-      <inkml:timestamp xml:id="ts0" timeString="2022-09-22T23:16:24.861"/>
+      <inkml:timestamp xml:id="ts0" timeString="2022-09-22T23:15:41.575"/>
     </inkml:context>
     <inkml:brush xml:id="br0">
       <inkml:brushProperty name="width" value="0.1" units="cm"/>
       <inkml:brushProperty name="height" value="0.1" units="cm"/>
-      <inkml:brushProperty name="color" value="#FFC114"/>
     </inkml:brush>
   </inkml:definitions>
-  <inkml:trace contextRef="#ctx0" brushRef="#br0">0 15 24575,'10'0'0,"2"0"0,-1 0 0,4 0 0,-4 0 0,2 0 0,-5 0 0,5 0 0,-2 0 0,4 0 0,-1 0 0,1 0 0,-1 0 0,1 0 0,-4 0 0,7 0 0,-10 0 0,10-7 0,-7 6 0,0-6 0,-1 7 0,-3 0 0,-1 0 0,1 0 0,-1 0 0,1 0 0,-1 0 0,0 0 0,0 0 0,0 0 0,1 0 0,-1 0 0,4 0 0,-2 0 0,5 0 0,-2 0 0,4 0 0,-4 0 0,-1 0 0,-4 0 0,1 0 0,0 0 0,-1 0 0,-2 0 0,-1 0 0</inkml:trace>
+  <inkml:trace contextRef="#ctx0" brushRef="#br0">1 343 24575,'0'-9'0,"0"-4"0,7-2 0,2-5 0,7-3 0,-1 3 0,1-3 0,-5 8 0,4-8 0,-7 7 0,3 1 0,-4 5 0,0 3 0,-1 1 0,-2-1 0,1 1 0,-1 0 0,-1-1 0,3 4 0,-5-3 0,5-1 0,-5 0 0,5-3 0,-2 0 0,-1 2 0,4-2 0,-7 0 0,6 5 0,-5-4 0,2 5 0,-1-2 0,2 2 0,2 2 0,4 2 0,5 3 0,5 5 0,3 5 0,1 3 0,0-1 0,0 1 0,0 0 0,0 0 0,-5-1 0,4 1 0,-7-1 0,3 0 0,-8-4 0,2 3 0,-2-3 0,0 0 0,3 2 0,-6-2 0,2 0 0,-3-1 0,-1-3 0,1-1 0,-1 1 0,-2-1 0,-1 1 0,0-4 0,-3 0 0,3-3 0</inkml:trace>
 </inkml:ink>
 </file>
 
@@ -2713,15 +2997,14 @@
           <inkml:channelProperty channel="F" name="resolution" value="0" units="1/dev"/>
         </inkml:channelProperties>
       </inkml:inkSource>
-      <inkml:timestamp xml:id="ts0" timeString="2022-09-22T23:16:26.333"/>
+      <inkml:timestamp xml:id="ts0" timeString="2022-09-22T23:15:44.175"/>
     </inkml:context>
     <inkml:brush xml:id="br0">
       <inkml:brushProperty name="width" value="0.1" units="cm"/>
       <inkml:brushProperty name="height" value="0.1" units="cm"/>
-      <inkml:brushProperty name="color" value="#FFC114"/>
     </inkml:brush>
   </inkml:definitions>
-  <inkml:trace contextRef="#ctx0" brushRef="#br0">1 0 24575,'17'0'0,"2"0"0,5 0 0,-1 0 0,1 0 0,0 0 0,0 0 0,0 0 0,-4 0 0,-2 0 0,-7 0 0,3 0 0,-6 0 0,2 0 0,-4 0 0,0 0 0,-2 0 0,-2 0 0</inkml:trace>
+  <inkml:trace contextRef="#ctx0" brushRef="#br0">0 111 24575,'10'0'0,"-2"0"0,2 0 0,1 3 0,1 4 0,-2 1 0,0 2 0,-2 5 0,2-7 0,-2 10 0,-1-10 0,-1 2 0,1-4 0,-1 1 0,1-1 0,-1 1 0,1-1 0,-3 1 0,1-4 0,-4 3 0,5-5 0,-5 5 0,4-5 0,-1 1 0,-1 1 0,0 0 0,0 4 0,0-1 0,1 1 0,2 3 0,-2-3 0,0 3 0,2 0 0,-5-2 0,5 2 0,-5-4 0,1 1 0,1-4 0,-2-3 0,4 0 0,-1-6 0,3-1 0,3-1 0,-2-5 0,6 1 0,-7 1 0,7-2 0,-3 2 0,4-8 0,0 4 0,0-4 0,-3 0 0,1 4 0,0-8 0,-2 3 0,4-4 0,-6 5 0,6-4 0,-7 7 0,3 1 0,-4 1 0,0 7 0,0-3 0,-1 6 0,1 1 0,-4 0 0,3 3 0,-5-3 0,2 3 0</inkml:trace>
 </inkml:ink>
 </file>
 
@@ -2741,15 +3024,14 @@
           <inkml:channelProperty channel="F" name="resolution" value="0" units="1/dev"/>
         </inkml:channelProperties>
       </inkml:inkSource>
-      <inkml:timestamp xml:id="ts0" timeString="2022-09-22T23:16:29.437"/>
+      <inkml:timestamp xml:id="ts0" timeString="2022-09-22T23:15:52.137"/>
     </inkml:context>
     <inkml:brush xml:id="br0">
       <inkml:brushProperty name="width" value="0.1" units="cm"/>
       <inkml:brushProperty name="height" value="0.1" units="cm"/>
-      <inkml:brushProperty name="color" value="#FFC114"/>
     </inkml:brush>
   </inkml:definitions>
-  <inkml:trace contextRef="#ctx0" brushRef="#br0">1 7 24575,'17'0'0,"5"0"0,-7 0 0,4 0 0,0 0 0,-4 0 0,0 0 0,-1 0 0,-7 0 0,4 0 0,-5 0 0,1 0 0,-1 0 0,4 0 0,1 0 0,3 0 0,1 0 0,-4 0 0,-1 0 0,-4 0 0,1 0 0,-1-2 0,1 1 0,-1-2 0,0 3 0,0 0 0,1 0 0,-1 0 0,0 0 0,0 0 0,1 0 0,-1 0 0,1 0 0,-1 0 0,1 0 0,-1 0 0,1 0 0,-1 0 0,0 0 0,1 0 0,-1 0 0,0 0 0,1 0 0,-1 0 0,1 0 0,-1 0 0,1 0 0,-1 0 0,0 0 0,1 0 0,-1 0 0,1 0 0,-1 0 0,1 0 0,-1 0 0,-2 0 0,-1 0 0</inkml:trace>
+  <inkml:trace contextRef="#ctx0" brushRef="#br0">0 0 24575,'0'18'0,"0"10"0,0 9 0,0 10 0,0 13 0,0 2 0,0 7 0,0 5 0,0-5 0,0 14 0,0 2-724,0 7 724,0 7 0,0-48 0,0 0 0,0 8 0,0 1 0,0-5 0,0 2 0,0 10 0,0 2-810,0-3 1,0 0 809,0 8 0,0 2 0,0-1 0,0 0 0,0 0 0,0 0 0,0-5 0,0 0 0,0 0 0,0-1-478,0-4 1,0-1 477,0-4 0,0 1 0,0 3 0,0-1 0,0-11 0,0 0 0,0 6 0,0 0 0,0-7 0,0 0 0,0 4 0,0 0 0,0 0 0,0 0-175,0-4 1,0 0 174,0 49 0,0-8 0,0 7-167,0-5 167,0-39 0,0-2 0,0 21 0,0-14 0,0 0 0,0 19 1389,0 13-1389,0-14 0,5-20 0,1 17 0,0 1 0,4 7 0,-9-6 0,9 6 0,-9-8 0,4 0 0,-5 1 1003,0-19-1003,0 14 0,0-20 0,0 16 394,0-7-394,0 1 916,0-1-916,0-5 112,0-8-112,0-2 0,0-9 0,0 0 0,0-3 0,0-3 0,0 5 0,0-5 0,0 3 0,0-8 0,0 9 0,0-9 0,0-1 0,0-5 0,0-2 0,0-5 0,0 1 0,0-6 0,0-4 0,0 0 0</inkml:trace>
 </inkml:ink>
 </file>
 
@@ -2769,15 +3051,14 @@
           <inkml:channelProperty channel="F" name="resolution" value="0" units="1/dev"/>
         </inkml:channelProperties>
       </inkml:inkSource>
-      <inkml:timestamp xml:id="ts0" timeString="2022-09-22T23:16:31.106"/>
+      <inkml:timestamp xml:id="ts0" timeString="2022-09-22T23:15:52.138"/>
     </inkml:context>
     <inkml:brush xml:id="br0">
       <inkml:brushProperty name="width" value="0.1" units="cm"/>
       <inkml:brushProperty name="height" value="0.1" units="cm"/>
-      <inkml:brushProperty name="color" value="#FFC114"/>
     </inkml:brush>
   </inkml:definitions>
-  <inkml:trace contextRef="#ctx0" brushRef="#br0">1 0 24575,'13'0'0,"0"0"0,6 0 0,5 0 0,1 0 0,4 0 0,-9 0 0,7 0 0,-10 0 0,6 0 0,-8 0 0,0 0 0,-1 0 0,-3 0 0,-1 0 0,-3 0 0,-1 0 0,1 0 0,-4 0 0,0 0 0</inkml:trace>
+  <inkml:trace contextRef="#ctx0" brushRef="#br0">1 343 24575,'0'-9'0,"0"-4"0,7-2 0,2-5 0,7-3 0,-1 3 0,1-3 0,-5 8 0,4-8 0,-7 7 0,3 1 0,-4 5 0,0 3 0,-1 1 0,-2-1 0,1 1 0,-1 0 0,-1-1 0,3 4 0,-5-3 0,5-1 0,-5 0 0,5-3 0,-2 0 0,-1 2 0,4-2 0,-7 0 0,6 5 0,-5-4 0,2 5 0,-1-2 0,2 2 0,2 2 0,4 2 0,5 3 0,5 5 0,3 5 0,1 3 0,0-1 0,0 1 0,0 0 0,0 0 0,-5-1 0,4 1 0,-7-1 0,3 0 0,-8-4 0,2 3 0,-2-3 0,0 0 0,3 2 0,-6-2 0,2 0 0,-3-1 0,-1-3 0,1-1 0,-1 1 0,-2-1 0,-1 1 0,0-4 0,-3 0 0,3-3 0</inkml:trace>
 </inkml:ink>
 </file>
 
@@ -2797,15 +3078,14 @@
           <inkml:channelProperty channel="F" name="resolution" value="0" units="1/dev"/>
         </inkml:channelProperties>
       </inkml:inkSource>
-      <inkml:timestamp xml:id="ts0" timeString="2022-09-22T23:16:32.938"/>
+      <inkml:timestamp xml:id="ts0" timeString="2022-09-22T23:15:52.139"/>
     </inkml:context>
     <inkml:brush xml:id="br0">
       <inkml:brushProperty name="width" value="0.1" units="cm"/>
       <inkml:brushProperty name="height" value="0.1" units="cm"/>
-      <inkml:brushProperty name="color" value="#FFC114"/>
     </inkml:brush>
   </inkml:definitions>
-  <inkml:trace contextRef="#ctx0" brushRef="#br0">1 1 24575,'16'0'0,"9"0"0,-4 0 0,7 0 0,1 0 0,-4 0 0,0 0 0,-7 0 0,-7 0 0,0 0 0,-1 0 0,-3 0 0,3 0 0,-4 0 0,1 0 0,-1 0 0,0 0 0,0 0 0,1 0 0,-1 0 0,4 0 0,1 0 0,8 0 0,-3 0 0,6 0 0,-6 0 0,-1 0 0,-1 0 0,-7 0 0,3 0 0,-3 0 0,-3 0 0,-2 0 0</inkml:trace>
+  <inkml:trace contextRef="#ctx0" brushRef="#br0">0 111 24575,'10'0'0,"-2"0"0,2 0 0,1 3 0,1 4 0,-2 1 0,0 2 0,-2 5 0,2-7 0,-2 10 0,-1-10 0,-1 2 0,1-4 0,-1 1 0,1-1 0,-1 1 0,1-1 0,-3 1 0,1-4 0,-4 3 0,5-5 0,-5 5 0,4-5 0,-1 1 0,-1 1 0,0 0 0,0 4 0,0-1 0,1 1 0,2 3 0,-2-3 0,0 3 0,2 0 0,-5-2 0,5 2 0,-5-4 0,1 1 0,1-4 0,-2-3 0,4 0 0,-1-6 0,3-1 0,3-1 0,-2-5 0,6 1 0,-7 1 0,7-2 0,-3 2 0,4-8 0,0 4 0,0-4 0,-3 0 0,1 4 0,0-8 0,-2 3 0,4-4 0,-6 5 0,6-4 0,-7 7 0,3 1 0,-4 1 0,0 7 0,0-3 0,-1 6 0,1 1 0,-4 0 0,3 3 0,-5-3 0,2 3 0</inkml:trace>
 </inkml:ink>
 </file>
 
@@ -2825,15 +3105,15 @@
           <inkml:channelProperty channel="F" name="resolution" value="0" units="1/dev"/>
         </inkml:channelProperties>
       </inkml:inkSource>
-      <inkml:timestamp xml:id="ts0" timeString="2022-09-22T23:19:19.462"/>
+      <inkml:timestamp xml:id="ts0" timeString="2022-09-22T23:16:11.251"/>
     </inkml:context>
     <inkml:brush xml:id="br0">
       <inkml:brushProperty name="width" value="0.1" units="cm"/>
       <inkml:brushProperty name="height" value="0.1" units="cm"/>
-      <inkml:brushProperty name="color" value="#EBEBEB"/>
+      <inkml:brushProperty name="color" value="#A88333"/>
     </inkml:brush>
   </inkml:definitions>
-  <inkml:trace contextRef="#ctx0" brushRef="#br0">1 1 24575,'22'0'0,"-4"0"0,0 0 0,-3 0 0,4 0 0,-4 0 0,4 0 0,-5 3 0,1-2 0,-1 2 0,1 0 0,-1-2 0,1 5 0,4-5 0,0 2 0,5-3 0,0 4 0,0-3 0,0 2 0,5 1 0,6-3 0,1 3 0,0-1 0,-7-2 0,-1 3 0,2-4 0,0 3 0,3-2 0,-8 6 0,9-6 0,-9 6 0,3-6 0,-4 6 0,-4-6 0,3 6 0,-8-6 0,4 3 0,-4-1 0,3-2 0,2 2 0,4-3 0,0 4 0,0-4 0,4 4 0,-3-1 0,9-2 0,-9 3 0,9 0 0,-9-3 0,8 3 0,-3-4 0,5 0 0,-1 0 0,1 0 0,5 0 0,-4 0 0,10 0 0,-5 0 0,6 0 0,13 0 0,-16 0 0,35 0 0,-38 0 0,30-5 0,-28 4 0,16-4 0,-10 5 0,4 0 0,-7 0 0,1 0 0,0 0 0,-5 0 0,-7 0 0,-2 0 0,-7 4 0,-2-3 0,-1 6 0,-8-6 0,4 6 0,-4-7 0,-1 4 0,1-4 0,-1 0 0,1 3 0,-1-2 0,5 2 0,-4-3 0,8 0 0,-7 0 0,2 0 0,-3 0 0,3 0 0,-2 3 0,7-2 0,-3 6 0,14-3 0,-8 1 0,13 2 0,-14-3 0,8 5 0,-8-1 0,9 1 0,-4-1 0,0 0 0,3 1 0,-3-1 0,5-3 0,-5 3 0,8-8 0,-6 8 0,8-7 0,-6 3 0,1-4 0,0 3 0,-1-2 0,1 7 0,0-7 0,5 7 0,-4-7 0,19 11 0,-16-6 0,11 6 0,-20-3 0,-1-5 0,-5 4 0,-1-4 0,-3 4 0,3-4 0,-7 2 0,2-2 0,1 4 0,-4-1 0,4-2 0,-4 1 0,-1-5 0,1 5 0,-1-5 0,1 6 0,-1-7 0,5 7 0,-3-6 0,6 6 0,-6-6 0,17 10 0,-10-6 0,11 7 0,-10-5 0,0 1 0,-4-3 0,3 2 0,-8-3 0,4 0 0,-5 0 0,-3-1 0,3-3 0,-7 6 0,4-5 0,1 5 0,0-6 0,2 3 0,0 1 0,-3-4 0,0 4 0,-1-4 0,-4 0 0,1 0 0,-1 0 0,1 0 0,-1 0 0,-2 0 0,-1 0 0</inkml:trace>
+  <inkml:trace contextRef="#ctx0" brushRef="#br0">0 7 24575,'13'0'0,"0"0"0,11 0 0,-7 0 0,6 0 0,-8 0 0,8 0 0,-6 0 0,11 0 0,-9 0 0,5 0 0,-4 0 0,3 0 0,-8 0 0,4 0 0,-8 0 0,3 0 0,-7 0 0,3 0 0,-3 0 0,-1 0 0,1 0 0,-1 0 0,0 0 0,1 0 0,-1 0 0,0 0 0,0 0 0,1-3 0,-1 3 0,0-3 0,0 3 0,-2 0 0,-2 0 0</inkml:trace>
 </inkml:ink>
 </file>
 
@@ -2853,15 +3133,15 @@
           <inkml:channelProperty channel="F" name="resolution" value="0" units="1/dev"/>
         </inkml:channelProperties>
       </inkml:inkSource>
-      <inkml:timestamp xml:id="ts0" timeString="2022-09-22T23:19:21.978"/>
+      <inkml:timestamp xml:id="ts0" timeString="2022-09-22T23:16:13.499"/>
     </inkml:context>
     <inkml:brush xml:id="br0">
       <inkml:brushProperty name="width" value="0.1" units="cm"/>
       <inkml:brushProperty name="height" value="0.1" units="cm"/>
-      <inkml:brushProperty name="color" value="#EBEBEB"/>
+      <inkml:brushProperty name="color" value="#A88333"/>
     </inkml:brush>
   </inkml:definitions>
-  <inkml:trace contextRef="#ctx0" brushRef="#br0">0 1304 24575,'21'0'0,"10"-4"0,12-6 0,12-6 0,5-8 0,7 2 0,2-8 0,0 3 0,0-10 0,-24 15 0,13-7 0,-12 4 0,4 4 0,23-16 0,-37 19 0,49-9 0,-58 10 0,42-8 0,-35 11 0,25-9 0,-16 9 0,9-6 0,-11 2 0,1 4 0,-2-3 0,-10 8 0,-2-3 0,-4 4 0,0-4 0,0 3 0,0-2 0,0 3 0,-5-3 0,4 2 0,-3-2 0,4 0 0,0-2 0,0 1 0,20-11 0,-11 11 0,23-12 0,-20 10 0,10-4 0,-10 4 0,9-4 0,-9 5 0,4-1 0,-5 1 0,-5 1 0,3 3 0,-3-3 0,0 3 0,4 1 0,-5-1 0,18-4 0,-10 3 0,15-4 0,-11 5 0,12-1 0,-4 5 0,3-4 0,-10 4 0,-2 0 0,-10-3 0,-1 4 0,-10-4 0,4 1 0,-3 2 0,4-2 0,0-1 0,0 0 0,0-4 0,4 4 0,-3 0 0,4-1 0,0-3 0,-4 7 0,3-6 0,1 6 0,1-4 0,5 1 0,-1 3 0,1-3 0,5 3 0,2-4 0,5 0 0,-1-1 0,-4 1 0,-2 4 0,-5-3 0,-1 4 0,-4-1 0,4-3 0,-9 7 0,3-3 0,-4 4 0,5 0 0,-4 0 0,4 0 0,0 0 0,-4-3 0,3 2 0,1-6 0,-4 6 0,8-7 0,-8 7 0,4-6 0,0 2 0,-4 0 0,8-2 0,-8 6 0,4-7 0,-5 7 0,0-6 0,-1 3 0,1-1 0,-4-1 0,3 5 0,-8-6 0,4 7 0,-4-4 0,-1 1 0,1 2 0,-1-2 0,1 3 0,-1-3 0,1 2 0,-5-2 0,4 0 0,-7 2 0,7-2 0,-7 3 0,4-3 0,-5 2 0,1-2 0,-1 3 0,1 0 0,-1-2 0,0 1 0,1-2 0,-4 3 0,0 0 0</inkml:trace>
+  <inkml:trace contextRef="#ctx0" brushRef="#br0">0 1 24575,'22'0'0,"1"0"0,1 0 0,-1 0 0,1 0 0,0 0 0,0 0 0,0 0 0,0 0 0,-1 0 0,-3 0 0,3 0 0,-3 0 0,4 0 0,-5 0 0,4 0 0,-7 0 0,2 0 0,-7 0 0,0 0 0,-5 0 0,1 0 0,-1 0 0,0 0 0,0 0 0,1 0 0,-1 0 0,1 0 0,0 0 0,-1 0 0,1 0 0,-1 0 0,-2 0 0,-1 0 0</inkml:trace>
 </inkml:ink>
 </file>
 
@@ -2881,15 +3161,15 @@
           <inkml:channelProperty channel="F" name="resolution" value="0" units="1/dev"/>
         </inkml:channelProperties>
       </inkml:inkSource>
-      <inkml:timestamp xml:id="ts0" timeString="2022-09-22T23:19:24.876"/>
+      <inkml:timestamp xml:id="ts0" timeString="2022-09-22T23:16:15.169"/>
     </inkml:context>
     <inkml:brush xml:id="br0">
       <inkml:brushProperty name="width" value="0.1" units="cm"/>
       <inkml:brushProperty name="height" value="0.1" units="cm"/>
-      <inkml:brushProperty name="color" value="#EBEBEB"/>
+      <inkml:brushProperty name="color" value="#A88333"/>
     </inkml:brush>
   </inkml:definitions>
-  <inkml:trace contextRef="#ctx0" brushRef="#br0">1 87 24575,'13'0'0,"0"0"0,1 0 0,5 0 0,-3 0 0,2 0 0,1-3 0,-3 2 0,2-3 0,-3 4 0,-4-3 0,2 3 0,-5-3 0,6 3 0,-4 0 0,4 0 0,-4 0 0,3 0 0,-6-3 0,3 2 0,-3-2 0,3 3 0,-2 0 0,5-6 0,-5 4 0,5-4 0,-2 6 0,4-4 0,-1 4 0,1-4 0,-1 1 0,1 2 0,4-2 0,-4 3 0,4 0 0,-1-3 0,-2 2 0,7-3 0,-3 1 0,8 2 0,2-7 0,5 7 0,0-3 0,-1 1 0,1 2 0,0-3 0,-1 4 0,1 0 0,0 0 0,-1 0 0,1 0 0,0 0 0,5 0 0,1 0 0,6 0 0,0 0 0,21 0 0,-22 0 0,21 0 0,-26 0 0,1 0 0,-2 0 0,-6 0 0,1 0 0,0 0 0,-5 0 0,3 0 0,-3 0 0,5 0 0,-1 0 0,6 0 0,-4 0 0,10 0 0,-5 0 0,6 0 0,6 4 0,-4-3 0,3 4 0,-10-5 0,3 0 0,-9 0 0,4 0 0,0 0 0,-3 0 0,8 0 0,-3 0 0,4 0 0,1 0 0,21 0 0,-16 0 0,10 0 0,-16 0 0,-5 0 0,6 0 0,-6 0 0,5 0 0,-5 0 0,1 0 0,3 0 0,-9 0 0,9 0 0,-3 0 0,4 0 0,1 0 0,16 0 0,-13 0 0,7 0 0,-17 0 0,-5 0 0,5 4 0,-4-3 0,4 3 0,-5 0 0,-5-3 0,3 3 0,-8-4 0,4 0 0,-5 0 0,-5 0 0,0 0 0,-8 0 0,-1 0 0,-3 0 0,3 0 0,1 0 0,0 0 0,2 0 0,3 0 0,3 0 0,5 0 0,5 0 0,-4 0 0,8 0 0,-7 0 0,2 0 0,-4 0 0,-4 0 0,3 0 0,-8 0 0,4 0 0,-5 0 0,5 0 0,1 0 0,4 0 0,0-4 0,-1 4 0,1-4 0,0 0 0,0 4 0,-4-4 0,3 0 0,-8 4 0,4-4 0,0 0 0,-4 4 0,4-4 0,-5 4 0,5 0 0,-3 0 0,2 0 0,-3 0 0,-1 0 0,-3 0 0,3 0 0,-3 0 0,3 0 0,1 0 0,4 0 0,-4 0 0,4 0 0,-5 0 0,1 0 0,-4 0 0,2 0 0,-6 0 0,4 0 0,-5 0 0,0 0 0,-2 0 0,-1 0 0</inkml:trace>
+  <inkml:trace contextRef="#ctx0" brushRef="#br0">1 0 24575,'21'0'0,"-2"0"0,3 0 0,-2 0 0,4 0 0,0 0 0,0 0 0,-5 0 0,4 0 0,-11 0 0,10 0 0,-10 0 0,3 0 0,-6 0 0,1 0 0,-2 0 0,2 0 0,0 0 0,-3 0 0,3 0 0,-3 0 0,0 0 0,-1 0 0,-2 0 0,-1 0 0</inkml:trace>
 </inkml:ink>
 </file>
 
@@ -2909,15 +3189,15 @@
           <inkml:channelProperty channel="F" name="resolution" value="0" units="1/dev"/>
         </inkml:channelProperties>
       </inkml:inkSource>
-      <inkml:timestamp xml:id="ts0" timeString="2022-09-22T23:19:28.509"/>
+      <inkml:timestamp xml:id="ts0" timeString="2022-09-22T23:16:16.600"/>
     </inkml:context>
     <inkml:brush xml:id="br0">
       <inkml:brushProperty name="width" value="0.1" units="cm"/>
       <inkml:brushProperty name="height" value="0.1" units="cm"/>
-      <inkml:brushProperty name="color" value="#EBEBEB"/>
+      <inkml:brushProperty name="color" value="#A88333"/>
     </inkml:brush>
   </inkml:definitions>
-  <inkml:trace contextRef="#ctx0" brushRef="#br0">1 0 24575,'13'0'0,"4"0"0,3 0 0,4 0 0,4 0 0,-7 0 0,12 0 0,-8 0 0,5 0 0,4 0 0,-4 0 0,-1 0 0,5 0 0,-9 0 0,3 0 0,-4 0 0,0 0 0,0 0 0,0 0 0,5 0 0,-9 0 0,8 0 0,-8 0 0,0 0 0,2 0 0,-2 0 0,0 0 0,3 0 0,-4 0 0,5 4 0,0-3 0,0 6 0,-4-6 0,3 6 0,-4-3 0,5 1 0,0 2 0,0-6 0,0 6 0,0-6 0,4 6 0,-3-6 0,9 3 0,-9-1 0,9-2 0,-5 3 0,1-4 0,4 0 0,-4 0 0,4 0 0,-4 3 0,4-2 0,-4 3 0,10-4 0,-4 0 0,9 0 0,-3 0 0,5 4 0,0-3 0,5 3 0,-3 0 0,10-3 0,-11 8 0,11-8 0,-16 7 0,9-7 0,-16 6 0,4-2 0,-6 0 0,1 3 0,0-7 0,-5 6 0,3-6 0,-3 2 0,5 1 0,-1-3 0,0 7 0,0-7 0,7 3 0,-5 0 0,9-3 0,-3 7 0,-1-7 0,5 3 0,-5 0 0,1-3 0,3 3 0,-9-4 0,4 0 0,0 4 0,-4-3 0,4 4 0,1-5 0,-5 0 0,9 0 0,-3 0 0,4 0 0,7 4 0,-4-3 0,3 4 0,1-1 0,-4-3 0,4 4 0,-6-1 0,-6-3 0,-1 3 0,-5 0 0,0-3 0,-1 3 0,-4-4 0,-1 0 0,-6 0 0,6 0 0,-4 0 0,4 0 0,-5 0 0,0 0 0,0 0 0,0 0 0,-5 0 0,4 0 0,-3 0 0,4 0 0,0 0 0,0 0 0,-1 0 0,12 0 0,-9 0 0,9 0 0,-15 0 0,2 0 0,-10 0 0,6 0 0,-7 0 0,4 0 0,-1 0 0,1 0 0,-1 3 0,1-2 0,-1 2 0,1-3 0,-1 0 0,1 3 0,-1-2 0,-3 2 0,3-3 0,-7 0 0,4 0 0,-5 0 0,1 0 0,-1 0 0,0 0 0,1 0 0,-1 0 0,4 0 0,-2 0 0,2 0 0,-4 0 0,1 0 0,-4 0 0,0 0 0</inkml:trace>
+  <inkml:trace contextRef="#ctx0" brushRef="#br0">1 1 24575,'23'0'0,"6"0"0,1 0 0,5 0 0,-1 0 0,-4 0 0,-1 0 0,-10 0 0,4 0 0,-11 0 0,3 0 0,-9 0 0,1 0 0,-1 0 0,-2 0 0,-1 0 0</inkml:trace>
 </inkml:ink>
 </file>
 
@@ -2937,15 +3217,15 @@
           <inkml:channelProperty channel="F" name="resolution" value="0" units="1/dev"/>
         </inkml:channelProperties>
       </inkml:inkSource>
-      <inkml:timestamp xml:id="ts0" timeString="2022-09-22T23:19:31.108"/>
+      <inkml:timestamp xml:id="ts0" timeString="2022-09-22T23:16:19.647"/>
     </inkml:context>
     <inkml:brush xml:id="br0">
       <inkml:brushProperty name="width" value="0.1" units="cm"/>
       <inkml:brushProperty name="height" value="0.1" units="cm"/>
-      <inkml:brushProperty name="color" value="#EBEBEB"/>
+      <inkml:brushProperty name="color" value="#A88333"/>
     </inkml:brush>
   </inkml:definitions>
-  <inkml:trace contextRef="#ctx0" brushRef="#br0">0 109 24575,'10'0'0,"3"0"0,-2 0 0,3 0 0,1 0 0,-1 0 0,5 0 0,-3 0 0,7 0 0,1 0 0,17 0 0,-3 0 0,8 0 0,-11 0 0,5 0 0,-4 0 0,10 0 0,-10 0 0,9 0 0,-14 0 0,8 0 0,-3 0 0,5 0 0,6 0 0,0 0 0,6 0 0,8 0 0,-11 0 0,15 0 0,-16 0 0,18 0 0,-11 0 0,9 0 0,-16 0 0,-2 0 0,-7 0 0,-5 0 0,-5 0 0,-2 0 0,1 0 0,-4 0 0,9 0 0,-4 0 0,4 0 0,1 0 0,5 0 0,-4 0 0,4 0 0,0-4 0,-4 3 0,9-7 0,-8 7 0,8-8 0,-9 8 0,10-7 0,-10 7 0,9-7 0,-9 3 0,10-4 0,-10 4 0,25-3 0,-22 3 0,22 0 0,-25-3 0,10 7 0,-5-3 0,1 4 0,3-4 0,-9 3 0,5-3 0,-7 0 0,6 3 0,-4-3 0,4 4 0,-5 0 0,0 0 0,-5 0 0,-2 0 0,1 0 0,-8 0 0,7 0 0,-9 0 0,5 0 0,-4 0 0,8 0 0,-7 0 0,12 0 0,-8 0 0,9 0 0,-4 0 0,4 0 0,6 0 0,-4 0 0,4 0 0,-5 0 0,-5 0 0,3 0 0,-8 0 0,4 0 0,6 0 0,-13 0 0,12 0 0,-19 0 0,8 0 0,-8 0 0,8 4 0,-3-3 0,4 6 0,0-6 0,0 6 0,0-6 0,0 2 0,-1 1 0,1 0 0,0 1 0,5 2 0,-4-6 0,8 7 0,-7-4 0,2 5 0,-4-1 0,0-4 0,0 3 0,0-6 0,-4 6 0,-2-6 0,-3 2 0,-1-3 0,-3 3 0,2-3 0,-5 3 0,5-3 0,-2 0 0,0 0 0,2 0 0,-5 0 0,2 0 0,-4 0 0,1 0 0,-1 0 0,1 0 0,-1 0 0,1 0 0,-1 0 0,9 0 0,-3 0 0,10 0 0,-2 0 0,4 0 0,-4 0 0,3 0 0,-11 0 0,5 0 0,-9 0 0,2 0 0,-4 0 0,1 0 0,0 0 0,3 0 0,1 0 0,3 0 0,1 0 0,-1 0 0,-3 0 0,3 0 0,-7 0 0,3 0 0,-3 0 0,-1 0 0,1 0 0,-1 0 0,1 0 0,-1 0 0,0 0 0,1 3 0,-1-2 0,4 5 0,-5-5 0,1 2 0</inkml:trace>
+  <inkml:trace contextRef="#ctx0" brushRef="#br0">0 1 24575,'13'0'0,"10"0"0,-3 0 0,5 0 0,-2 0 0,-8 0 0,8 0 0,-7 0 0,3 0 0,-1 0 0,-6 0 0,10 0 0,-6 0 0,1 0 0,5 0 0,-10 0 0,6 0 0,-7 0 0,3 0 0,-7 0 0,3 0 0,-3 0 0,-1 0 0,-2 0 0,-2 0 0</inkml:trace>
 </inkml:ink>
 </file>
 
@@ -2965,15 +3245,15 @@
           <inkml:channelProperty channel="F" name="resolution" value="0" units="1/dev"/>
         </inkml:channelProperties>
       </inkml:inkSource>
-      <inkml:timestamp xml:id="ts0" timeString="2022-12-08T20:42:06.122"/>
+      <inkml:timestamp xml:id="ts0" timeString="2022-09-22T23:16:24.861"/>
     </inkml:context>
     <inkml:brush xml:id="br0">
       <inkml:brushProperty name="width" value="0.1" units="cm"/>
       <inkml:brushProperty name="height" value="0.1" units="cm"/>
-      <inkml:brushProperty name="color" value="#E71224"/>
+      <inkml:brushProperty name="color" value="#A88333"/>
     </inkml:brush>
   </inkml:definitions>
-  <inkml:trace contextRef="#ctx0" brushRef="#br0">0 7 24575,'24'-1'0,"2"0"0,0 0 0,-2 0 0,-6 0 0,-8 1 0,-1-1 0,1 1 0,0 0 0,9 0 0,0 1 0,0-1 0,-4 1 0,-8-1 0,-2 0 0,2 1 0,7 0 0,3 1 0,-1 0 0,-4-1 0,-6 0 0,0-1 0,3 0 0,-1 0 0,-1 0 0,-3 0 0,-2 0 0,1 0 0,0 0 0,0 0 0,1 0 0,3 0 0,-3 0 0,3 0 0,-2 0 0,2 0 0,-2 0 0,0-1 0,-3-1 0,-2-1 0</inkml:trace>
+  <inkml:trace contextRef="#ctx0" brushRef="#br0">0 15 24575,'10'0'0,"2"0"0,-1 0 0,4 0 0,-4 0 0,2 0 0,-5 0 0,5 0 0,-2 0 0,4 0 0,-1 0 0,1 0 0,-1 0 0,1 0 0,-4 0 0,7 0 0,-10 0 0,10-7 0,-7 6 0,0-6 0,-1 7 0,-3 0 0,-1 0 0,1 0 0,-1 0 0,1 0 0,-1 0 0,0 0 0,0 0 0,0 0 0,1 0 0,-1 0 0,4 0 0,-2 0 0,5 0 0,-2 0 0,4 0 0,-4 0 0,-1 0 0,-4 0 0,1 0 0,0 0 0,-1 0 0,-2 0 0,-1 0 0</inkml:trace>
 </inkml:ink>
 </file>
 
@@ -3124,7 +3404,7 @@
           <a:p>
             <a:fld id="{4BE83899-E222-4147-BECF-BE0E769C33DC}" type="datetimeFigureOut">
               <a:rPr lang="en-US" smtClean="0"/>
-              <a:t>9/20/23</a:t>
+              <a:t>12/19/23</a:t>
             </a:fld>
             <a:endParaRPr lang="en-US"/>
           </a:p>
@@ -3322,7 +3602,7 @@
           <a:p>
             <a:fld id="{4BE83899-E222-4147-BECF-BE0E769C33DC}" type="datetimeFigureOut">
               <a:rPr lang="en-US" smtClean="0"/>
-              <a:t>9/20/23</a:t>
+              <a:t>12/19/23</a:t>
             </a:fld>
             <a:endParaRPr lang="en-US"/>
           </a:p>
@@ -3530,7 +3810,7 @@
           <a:p>
             <a:fld id="{4BE83899-E222-4147-BECF-BE0E769C33DC}" type="datetimeFigureOut">
               <a:rPr lang="en-US" smtClean="0"/>
-              <a:t>9/20/23</a:t>
+              <a:t>12/19/23</a:t>
             </a:fld>
             <a:endParaRPr lang="en-US"/>
           </a:p>
@@ -3728,7 +4008,7 @@
           <a:p>
             <a:fld id="{4BE83899-E222-4147-BECF-BE0E769C33DC}" type="datetimeFigureOut">
               <a:rPr lang="en-US" smtClean="0"/>
-              <a:t>9/20/23</a:t>
+              <a:t>12/19/23</a:t>
             </a:fld>
             <a:endParaRPr lang="en-US"/>
           </a:p>
@@ -4003,7 +4283,7 @@
           <a:p>
             <a:fld id="{4BE83899-E222-4147-BECF-BE0E769C33DC}" type="datetimeFigureOut">
               <a:rPr lang="en-US" smtClean="0"/>
-              <a:t>9/20/23</a:t>
+              <a:t>12/19/23</a:t>
             </a:fld>
             <a:endParaRPr lang="en-US"/>
           </a:p>
@@ -4268,7 +4548,7 @@
           <a:p>
             <a:fld id="{4BE83899-E222-4147-BECF-BE0E769C33DC}" type="datetimeFigureOut">
               <a:rPr lang="en-US" smtClean="0"/>
-              <a:t>9/20/23</a:t>
+              <a:t>12/19/23</a:t>
             </a:fld>
             <a:endParaRPr lang="en-US"/>
           </a:p>
@@ -4680,7 +4960,7 @@
           <a:p>
             <a:fld id="{4BE83899-E222-4147-BECF-BE0E769C33DC}" type="datetimeFigureOut">
               <a:rPr lang="en-US" smtClean="0"/>
-              <a:t>9/20/23</a:t>
+              <a:t>12/19/23</a:t>
             </a:fld>
             <a:endParaRPr lang="en-US"/>
           </a:p>
@@ -4821,7 +5101,7 @@
           <a:p>
             <a:fld id="{4BE83899-E222-4147-BECF-BE0E769C33DC}" type="datetimeFigureOut">
               <a:rPr lang="en-US" smtClean="0"/>
-              <a:t>9/20/23</a:t>
+              <a:t>12/19/23</a:t>
             </a:fld>
             <a:endParaRPr lang="en-US"/>
           </a:p>
@@ -4934,7 +5214,7 @@
           <a:p>
             <a:fld id="{4BE83899-E222-4147-BECF-BE0E769C33DC}" type="datetimeFigureOut">
               <a:rPr lang="en-US" smtClean="0"/>
-              <a:t>9/20/23</a:t>
+              <a:t>12/19/23</a:t>
             </a:fld>
             <a:endParaRPr lang="en-US"/>
           </a:p>
@@ -5245,7 +5525,7 @@
           <a:p>
             <a:fld id="{4BE83899-E222-4147-BECF-BE0E769C33DC}" type="datetimeFigureOut">
               <a:rPr lang="en-US" smtClean="0"/>
-              <a:t>9/20/23</a:t>
+              <a:t>12/19/23</a:t>
             </a:fld>
             <a:endParaRPr lang="en-US"/>
           </a:p>
@@ -5533,7 +5813,7 @@
           <a:p>
             <a:fld id="{4BE83899-E222-4147-BECF-BE0E769C33DC}" type="datetimeFigureOut">
               <a:rPr lang="en-US" smtClean="0"/>
-              <a:t>9/20/23</a:t>
+              <a:t>12/19/23</a:t>
             </a:fld>
             <a:endParaRPr lang="en-US"/>
           </a:p>
@@ -5774,7 +6054,7 @@
           <a:p>
             <a:fld id="{4BE83899-E222-4147-BECF-BE0E769C33DC}" type="datetimeFigureOut">
               <a:rPr lang="en-US" smtClean="0"/>
-              <a:t>9/20/23</a:t>
+              <a:t>12/19/23</a:t>
             </a:fld>
             <a:endParaRPr lang="en-US"/>
           </a:p>
@@ -6294,13 +6574,13 @@
         </p:nvPicPr>
         <p:blipFill rotWithShape="1">
           <a:blip r:embed="rId2"/>
-          <a:srcRect l="84556" t="13481" b="4704"/>
+          <a:srcRect l="84556" t="14420" b="4704"/>
           <a:stretch/>
         </p:blipFill>
         <p:spPr>
           <a:xfrm>
-            <a:off x="3770334" y="1295399"/>
-            <a:ext cx="1200374" cy="3633743"/>
+            <a:off x="3770334" y="1224953"/>
+            <a:ext cx="1200374" cy="3592048"/>
           </a:xfrm>
           <a:prstGeom prst="rect">
             <a:avLst/>
@@ -6391,7 +6671,7 @@
           <p:nvPr/>
         </p:nvPicPr>
         <p:blipFill>
-          <a:blip r:embed="rId2"/>
+          <a:blip r:embed="rId3"/>
           <a:stretch>
             <a:fillRect/>
           </a:stretch>
@@ -6421,7 +6701,7 @@
         <p:spPr>
           <a:xfrm>
             <a:off x="6926893" y="2092565"/>
-            <a:ext cx="1513748" cy="369332"/>
+            <a:ext cx="1571264" cy="369332"/>
           </a:xfrm>
           <a:prstGeom prst="rect">
             <a:avLst/>
@@ -6435,7 +6715,10 @@
           <a:lstStyle/>
           <a:p>
             <a:r>
-              <a:rPr lang="en-US" dirty="0"/>
+              <a:rPr lang="en-US" dirty="0">
+                <a:latin typeface="Source Sans Pro" panose="020B0503030403020204" pitchFamily="34" charset="0"/>
+                <a:ea typeface="Source Sans Pro" panose="020B0503030403020204" pitchFamily="34" charset="0"/>
+              </a:rPr>
               <a:t>High Precision</a:t>
             </a:r>
           </a:p>
@@ -6456,7 +6739,7 @@
         <p:spPr>
           <a:xfrm>
             <a:off x="9136170" y="2092565"/>
-            <a:ext cx="1469569" cy="369332"/>
+            <a:ext cx="1524776" cy="369332"/>
           </a:xfrm>
           <a:prstGeom prst="rect">
             <a:avLst/>
@@ -6470,7 +6753,10 @@
           <a:lstStyle/>
           <a:p>
             <a:r>
-              <a:rPr lang="en-US" dirty="0"/>
+              <a:rPr lang="en-US" dirty="0">
+                <a:latin typeface="Source Sans Pro" panose="020B0503030403020204" pitchFamily="34" charset="0"/>
+                <a:ea typeface="Source Sans Pro" panose="020B0503030403020204" pitchFamily="34" charset="0"/>
+              </a:rPr>
               <a:t>Low Precision</a:t>
             </a:r>
           </a:p>
@@ -6490,8 +6776,8 @@
         </p:nvSpPr>
         <p:spPr>
           <a:xfrm rot="16200000">
-            <a:off x="5847906" y="5252757"/>
-            <a:ext cx="1312282" cy="369332"/>
+            <a:off x="5826618" y="5252757"/>
+            <a:ext cx="1354858" cy="369332"/>
           </a:xfrm>
           <a:prstGeom prst="rect">
             <a:avLst/>
@@ -6505,7 +6791,10 @@
           <a:lstStyle/>
           <a:p>
             <a:r>
-              <a:rPr lang="en-US" dirty="0"/>
+              <a:rPr lang="en-US" dirty="0">
+                <a:latin typeface="Source Sans Pro" panose="020B0503030403020204" pitchFamily="34" charset="0"/>
+                <a:ea typeface="Source Sans Pro" panose="020B0503030403020204" pitchFamily="34" charset="0"/>
+              </a:rPr>
               <a:t>Low Validity</a:t>
             </a:r>
           </a:p>
@@ -6525,8 +6814,8 @@
         </p:nvSpPr>
         <p:spPr>
           <a:xfrm rot="16200000">
-            <a:off x="5825816" y="3285322"/>
-            <a:ext cx="1356462" cy="369332"/>
+            <a:off x="5803374" y="3285322"/>
+            <a:ext cx="1401346" cy="369332"/>
           </a:xfrm>
           <a:prstGeom prst="rect">
             <a:avLst/>
@@ -6540,7 +6829,10 @@
           <a:lstStyle/>
           <a:p>
             <a:r>
-              <a:rPr lang="en-US" dirty="0"/>
+              <a:rPr lang="en-US" dirty="0">
+                <a:latin typeface="Source Sans Pro" panose="020B0503030403020204" pitchFamily="34" charset="0"/>
+                <a:ea typeface="Source Sans Pro" panose="020B0503030403020204" pitchFamily="34" charset="0"/>
+              </a:rPr>
               <a:t>High Validity</a:t>
             </a:r>
           </a:p>
@@ -6588,7 +6880,7 @@
           </p:grpSpPr>
           <mc:AlternateContent xmlns:mc="http://schemas.openxmlformats.org/markup-compatibility/2006" xmlns:p14="http://schemas.microsoft.com/office/powerpoint/2010/main">
             <mc:Choice Requires="p14">
-              <p:contentPart p14:bwMode="auto" r:id="rId3">
+              <p:contentPart p14:bwMode="auto" r:id="rId4">
                 <p14:nvContentPartPr>
                   <p14:cNvPr id="12" name="Ink 11">
                     <a:extLst>
@@ -6620,7 +6912,7 @@
                   <p:nvPr/>
                 </p:nvPicPr>
                 <p:blipFill>
-                  <a:blip r:embed="rId4"/>
+                  <a:blip r:embed="rId5"/>
                   <a:stretch>
                     <a:fillRect/>
                   </a:stretch>
@@ -6639,7 +6931,7 @@
           </mc:AlternateContent>
           <mc:AlternateContent xmlns:mc="http://schemas.openxmlformats.org/markup-compatibility/2006" xmlns:p14="http://schemas.microsoft.com/office/powerpoint/2010/main">
             <mc:Choice Requires="p14">
-              <p:contentPart p14:bwMode="auto" r:id="rId5">
+              <p:contentPart p14:bwMode="auto" r:id="rId6">
                 <p14:nvContentPartPr>
                   <p14:cNvPr id="15" name="Ink 14">
                     <a:extLst>
@@ -6671,7 +6963,7 @@
                   <p:nvPr/>
                 </p:nvPicPr>
                 <p:blipFill>
-                  <a:blip r:embed="rId6"/>
+                  <a:blip r:embed="rId7"/>
                   <a:stretch>
                     <a:fillRect/>
                   </a:stretch>
@@ -6690,7 +6982,7 @@
           </mc:AlternateContent>
           <mc:AlternateContent xmlns:mc="http://schemas.openxmlformats.org/markup-compatibility/2006" xmlns:p14="http://schemas.microsoft.com/office/powerpoint/2010/main">
             <mc:Choice Requires="p14">
-              <p:contentPart p14:bwMode="auto" r:id="rId7">
+              <p:contentPart p14:bwMode="auto" r:id="rId8">
                 <p14:nvContentPartPr>
                   <p14:cNvPr id="19" name="Ink 18">
                     <a:extLst>
@@ -6722,7 +7014,7 @@
                   <p:nvPr/>
                 </p:nvPicPr>
                 <p:blipFill>
-                  <a:blip r:embed="rId8"/>
+                  <a:blip r:embed="rId9"/>
                   <a:stretch>
                     <a:fillRect/>
                   </a:stretch>
@@ -6741,7 +7033,7 @@
           </mc:AlternateContent>
           <mc:AlternateContent xmlns:mc="http://schemas.openxmlformats.org/markup-compatibility/2006" xmlns:p14="http://schemas.microsoft.com/office/powerpoint/2010/main">
             <mc:Choice Requires="p14">
-              <p:contentPart p14:bwMode="auto" r:id="rId9">
+              <p:contentPart p14:bwMode="auto" r:id="rId10">
                 <p14:nvContentPartPr>
                   <p14:cNvPr id="25" name="Ink 24">
                     <a:extLst>
@@ -6773,7 +7065,7 @@
                   <p:nvPr/>
                 </p:nvPicPr>
                 <p:blipFill>
-                  <a:blip r:embed="rId10"/>
+                  <a:blip r:embed="rId11"/>
                   <a:stretch>
                     <a:fillRect/>
                   </a:stretch>
@@ -6793,7 +7085,7 @@
         </p:grpSp>
         <mc:AlternateContent xmlns:mc="http://schemas.openxmlformats.org/markup-compatibility/2006">
           <mc:Choice xmlns:p14="http://schemas.microsoft.com/office/powerpoint/2010/main" Requires="p14">
-            <p:contentPart p14:bwMode="auto" r:id="rId11">
+            <p:contentPart p14:bwMode="auto" r:id="rId12">
               <p14:nvContentPartPr>
                 <p14:cNvPr id="27" name="Ink 26">
                   <a:extLst>
@@ -6825,7 +7117,7 @@
                 <p:nvPr/>
               </p:nvPicPr>
               <p:blipFill>
-                <a:blip r:embed="rId12"/>
+                <a:blip r:embed="rId13"/>
                 <a:stretch>
                   <a:fillRect/>
                 </a:stretch>
@@ -6842,9 +7134,9 @@
             </p:pic>
           </mc:Fallback>
         </mc:AlternateContent>
-        <mc:AlternateContent xmlns:mc="http://schemas.openxmlformats.org/markup-compatibility/2006" xmlns:p14="http://schemas.microsoft.com/office/powerpoint/2010/main">
-          <mc:Choice Requires="p14">
-            <p:contentPart p14:bwMode="auto" r:id="rId13">
+        <mc:AlternateContent xmlns:mc="http://schemas.openxmlformats.org/markup-compatibility/2006">
+          <mc:Choice xmlns:p14="http://schemas.microsoft.com/office/powerpoint/2010/main" Requires="p14">
+            <p:contentPart p14:bwMode="auto" r:id="rId14">
               <p14:nvContentPartPr>
                 <p14:cNvPr id="29" name="Ink 28">
                   <a:extLst>
@@ -6862,7 +7154,7 @@
               </p14:xfrm>
             </p:contentPart>
           </mc:Choice>
-          <mc:Fallback xmlns="">
+          <mc:Fallback>
             <p:pic>
               <p:nvPicPr>
                 <p:cNvPr id="29" name="Ink 28">
@@ -6876,14 +7168,14 @@
                 <p:nvPr/>
               </p:nvPicPr>
               <p:blipFill>
-                <a:blip r:embed="rId14"/>
+                <a:blip r:embed="rId15"/>
                 <a:stretch>
                   <a:fillRect/>
                 </a:stretch>
               </p:blipFill>
               <p:spPr>
                 <a:xfrm>
-                  <a:off x="7123461" y="2822152"/>
+                  <a:off x="7123461" y="2821792"/>
                   <a:ext cx="1224720" cy="1273680"/>
                 </a:xfrm>
                 <a:prstGeom prst="rect">
@@ -6936,7 +7228,7 @@
           </p:grpSpPr>
           <mc:AlternateContent xmlns:mc="http://schemas.openxmlformats.org/markup-compatibility/2006" xmlns:p14="http://schemas.microsoft.com/office/powerpoint/2010/main">
             <mc:Choice Requires="p14">
-              <p:contentPart p14:bwMode="auto" r:id="rId15">
+              <p:contentPart p14:bwMode="auto" r:id="rId16">
                 <p14:nvContentPartPr>
                   <p14:cNvPr id="35" name="Ink 34">
                     <a:extLst>
@@ -6968,7 +7260,7 @@
                   <p:nvPr/>
                 </p:nvPicPr>
                 <p:blipFill>
-                  <a:blip r:embed="rId4"/>
+                  <a:blip r:embed="rId5"/>
                   <a:stretch>
                     <a:fillRect/>
                   </a:stretch>
@@ -6987,7 +7279,7 @@
           </mc:AlternateContent>
           <mc:AlternateContent xmlns:mc="http://schemas.openxmlformats.org/markup-compatibility/2006" xmlns:p14="http://schemas.microsoft.com/office/powerpoint/2010/main">
             <mc:Choice Requires="p14">
-              <p:contentPart p14:bwMode="auto" r:id="rId16">
+              <p:contentPart p14:bwMode="auto" r:id="rId17">
                 <p14:nvContentPartPr>
                   <p14:cNvPr id="36" name="Ink 35">
                     <a:extLst>
@@ -7019,7 +7311,7 @@
                   <p:nvPr/>
                 </p:nvPicPr>
                 <p:blipFill>
-                  <a:blip r:embed="rId6"/>
+                  <a:blip r:embed="rId7"/>
                   <a:stretch>
                     <a:fillRect/>
                   </a:stretch>
@@ -7038,7 +7330,7 @@
           </mc:AlternateContent>
           <mc:AlternateContent xmlns:mc="http://schemas.openxmlformats.org/markup-compatibility/2006" xmlns:p14="http://schemas.microsoft.com/office/powerpoint/2010/main">
             <mc:Choice Requires="p14">
-              <p:contentPart p14:bwMode="auto" r:id="rId17">
+              <p:contentPart p14:bwMode="auto" r:id="rId18">
                 <p14:nvContentPartPr>
                   <p14:cNvPr id="37" name="Ink 36">
                     <a:extLst>
@@ -7070,7 +7362,7 @@
                   <p:nvPr/>
                 </p:nvPicPr>
                 <p:blipFill>
-                  <a:blip r:embed="rId8"/>
+                  <a:blip r:embed="rId9"/>
                   <a:stretch>
                     <a:fillRect/>
                   </a:stretch>
@@ -7089,7 +7381,7 @@
           </mc:AlternateContent>
           <mc:AlternateContent xmlns:mc="http://schemas.openxmlformats.org/markup-compatibility/2006" xmlns:p14="http://schemas.microsoft.com/office/powerpoint/2010/main">
             <mc:Choice Requires="p14">
-              <p:contentPart p14:bwMode="auto" r:id="rId18">
+              <p:contentPart p14:bwMode="auto" r:id="rId19">
                 <p14:nvContentPartPr>
                   <p14:cNvPr id="38" name="Ink 37">
                     <a:extLst>
@@ -7121,7 +7413,7 @@
                   <p:nvPr/>
                 </p:nvPicPr>
                 <p:blipFill>
-                  <a:blip r:embed="rId10"/>
+                  <a:blip r:embed="rId11"/>
                   <a:stretch>
                     <a:fillRect/>
                   </a:stretch>
@@ -7141,7 +7433,7 @@
         </p:grpSp>
         <mc:AlternateContent xmlns:mc="http://schemas.openxmlformats.org/markup-compatibility/2006">
           <mc:Choice xmlns:p14="http://schemas.microsoft.com/office/powerpoint/2010/main" Requires="p14">
-            <p:contentPart p14:bwMode="auto" r:id="rId19">
+            <p:contentPart p14:bwMode="auto" r:id="rId20">
               <p14:nvContentPartPr>
                 <p14:cNvPr id="33" name="Ink 32">
                   <a:extLst>
@@ -7173,7 +7465,7 @@
                 <p:nvPr/>
               </p:nvPicPr>
               <p:blipFill>
-                <a:blip r:embed="rId12"/>
+                <a:blip r:embed="rId13"/>
                 <a:stretch>
                   <a:fillRect/>
                 </a:stretch>
@@ -7190,9 +7482,9 @@
             </p:pic>
           </mc:Fallback>
         </mc:AlternateContent>
-        <mc:AlternateContent xmlns:mc="http://schemas.openxmlformats.org/markup-compatibility/2006" xmlns:p14="http://schemas.microsoft.com/office/powerpoint/2010/main">
-          <mc:Choice Requires="p14">
-            <p:contentPart p14:bwMode="auto" r:id="rId20">
+        <mc:AlternateContent xmlns:mc="http://schemas.openxmlformats.org/markup-compatibility/2006">
+          <mc:Choice xmlns:p14="http://schemas.microsoft.com/office/powerpoint/2010/main" Requires="p14">
+            <p:contentPart p14:bwMode="auto" r:id="rId21">
               <p14:nvContentPartPr>
                 <p14:cNvPr id="34" name="Ink 33">
                   <a:extLst>
@@ -7210,7 +7502,7 @@
               </p14:xfrm>
             </p:contentPart>
           </mc:Choice>
-          <mc:Fallback xmlns="">
+          <mc:Fallback>
             <p:pic>
               <p:nvPicPr>
                 <p:cNvPr id="34" name="Ink 33">
@@ -7224,14 +7516,14 @@
                 <p:nvPr/>
               </p:nvPicPr>
               <p:blipFill>
-                <a:blip r:embed="rId14"/>
+                <a:blip r:embed="rId15"/>
                 <a:stretch>
                   <a:fillRect/>
                 </a:stretch>
               </p:blipFill>
               <p:spPr>
                 <a:xfrm>
-                  <a:off x="7123461" y="2822152"/>
+                  <a:off x="7123461" y="2821792"/>
                   <a:ext cx="1224720" cy="1273680"/>
                 </a:xfrm>
                 <a:prstGeom prst="rect">
@@ -7284,7 +7576,7 @@
           </p:grpSpPr>
           <mc:AlternateContent xmlns:mc="http://schemas.openxmlformats.org/markup-compatibility/2006" xmlns:p14="http://schemas.microsoft.com/office/powerpoint/2010/main">
             <mc:Choice Requires="p14">
-              <p:contentPart p14:bwMode="auto" r:id="rId21">
+              <p:contentPart p14:bwMode="auto" r:id="rId22">
                 <p14:nvContentPartPr>
                   <p14:cNvPr id="43" name="Ink 42">
                     <a:extLst>
@@ -7316,7 +7608,7 @@
                   <p:nvPr/>
                 </p:nvPicPr>
                 <p:blipFill>
-                  <a:blip r:embed="rId4"/>
+                  <a:blip r:embed="rId5"/>
                   <a:stretch>
                     <a:fillRect/>
                   </a:stretch>
@@ -7335,7 +7627,7 @@
           </mc:AlternateContent>
           <mc:AlternateContent xmlns:mc="http://schemas.openxmlformats.org/markup-compatibility/2006" xmlns:p14="http://schemas.microsoft.com/office/powerpoint/2010/main">
             <mc:Choice Requires="p14">
-              <p:contentPart p14:bwMode="auto" r:id="rId22">
+              <p:contentPart p14:bwMode="auto" r:id="rId23">
                 <p14:nvContentPartPr>
                   <p14:cNvPr id="44" name="Ink 43">
                     <a:extLst>
@@ -7367,7 +7659,7 @@
                   <p:nvPr/>
                 </p:nvPicPr>
                 <p:blipFill>
-                  <a:blip r:embed="rId6"/>
+                  <a:blip r:embed="rId7"/>
                   <a:stretch>
                     <a:fillRect/>
                   </a:stretch>
@@ -7386,7 +7678,7 @@
           </mc:AlternateContent>
           <mc:AlternateContent xmlns:mc="http://schemas.openxmlformats.org/markup-compatibility/2006" xmlns:p14="http://schemas.microsoft.com/office/powerpoint/2010/main">
             <mc:Choice Requires="p14">
-              <p:contentPart p14:bwMode="auto" r:id="rId23">
+              <p:contentPart p14:bwMode="auto" r:id="rId24">
                 <p14:nvContentPartPr>
                   <p14:cNvPr id="45" name="Ink 44">
                     <a:extLst>
@@ -7418,7 +7710,7 @@
                   <p:nvPr/>
                 </p:nvPicPr>
                 <p:blipFill>
-                  <a:blip r:embed="rId8"/>
+                  <a:blip r:embed="rId9"/>
                   <a:stretch>
                     <a:fillRect/>
                   </a:stretch>
@@ -7437,7 +7729,7 @@
           </mc:AlternateContent>
           <mc:AlternateContent xmlns:mc="http://schemas.openxmlformats.org/markup-compatibility/2006" xmlns:p14="http://schemas.microsoft.com/office/powerpoint/2010/main">
             <mc:Choice Requires="p14">
-              <p:contentPart p14:bwMode="auto" r:id="rId24">
+              <p:contentPart p14:bwMode="auto" r:id="rId25">
                 <p14:nvContentPartPr>
                   <p14:cNvPr id="46" name="Ink 45">
                     <a:extLst>
@@ -7469,7 +7761,7 @@
                   <p:nvPr/>
                 </p:nvPicPr>
                 <p:blipFill>
-                  <a:blip r:embed="rId10"/>
+                  <a:blip r:embed="rId11"/>
                   <a:stretch>
                     <a:fillRect/>
                   </a:stretch>
@@ -7489,7 +7781,7 @@
         </p:grpSp>
         <mc:AlternateContent xmlns:mc="http://schemas.openxmlformats.org/markup-compatibility/2006">
           <mc:Choice xmlns:p14="http://schemas.microsoft.com/office/powerpoint/2010/main" Requires="p14">
-            <p:contentPart p14:bwMode="auto" r:id="rId25">
+            <p:contentPart p14:bwMode="auto" r:id="rId26">
               <p14:nvContentPartPr>
                 <p14:cNvPr id="41" name="Ink 40">
                   <a:extLst>
@@ -7521,7 +7813,7 @@
                 <p:nvPr/>
               </p:nvPicPr>
               <p:blipFill>
-                <a:blip r:embed="rId12"/>
+                <a:blip r:embed="rId13"/>
                 <a:stretch>
                   <a:fillRect/>
                 </a:stretch>
@@ -7538,9 +7830,9 @@
             </p:pic>
           </mc:Fallback>
         </mc:AlternateContent>
-        <mc:AlternateContent xmlns:mc="http://schemas.openxmlformats.org/markup-compatibility/2006" xmlns:p14="http://schemas.microsoft.com/office/powerpoint/2010/main">
-          <mc:Choice Requires="p14">
-            <p:contentPart p14:bwMode="auto" r:id="rId26">
+        <mc:AlternateContent xmlns:mc="http://schemas.openxmlformats.org/markup-compatibility/2006">
+          <mc:Choice xmlns:p14="http://schemas.microsoft.com/office/powerpoint/2010/main" Requires="p14">
+            <p:contentPart p14:bwMode="auto" r:id="rId27">
               <p14:nvContentPartPr>
                 <p14:cNvPr id="42" name="Ink 41">
                   <a:extLst>
@@ -7558,7 +7850,7 @@
               </p14:xfrm>
             </p:contentPart>
           </mc:Choice>
-          <mc:Fallback xmlns="">
+          <mc:Fallback>
             <p:pic>
               <p:nvPicPr>
                 <p:cNvPr id="42" name="Ink 41">
@@ -7572,14 +7864,14 @@
                 <p:nvPr/>
               </p:nvPicPr>
               <p:blipFill>
-                <a:blip r:embed="rId14"/>
+                <a:blip r:embed="rId15"/>
                 <a:stretch>
                   <a:fillRect/>
                 </a:stretch>
               </p:blipFill>
               <p:spPr>
                 <a:xfrm>
-                  <a:off x="7123461" y="2822152"/>
+                  <a:off x="7123461" y="2821792"/>
                   <a:ext cx="1224720" cy="1273680"/>
                 </a:xfrm>
                 <a:prstGeom prst="rect">
@@ -7632,7 +7924,7 @@
           </p:grpSpPr>
           <mc:AlternateContent xmlns:mc="http://schemas.openxmlformats.org/markup-compatibility/2006" xmlns:p14="http://schemas.microsoft.com/office/powerpoint/2010/main">
             <mc:Choice Requires="p14">
-              <p:contentPart p14:bwMode="auto" r:id="rId27">
+              <p:contentPart p14:bwMode="auto" r:id="rId28">
                 <p14:nvContentPartPr>
                   <p14:cNvPr id="51" name="Ink 50">
                     <a:extLst>
@@ -7664,7 +7956,7 @@
                   <p:nvPr/>
                 </p:nvPicPr>
                 <p:blipFill>
-                  <a:blip r:embed="rId4"/>
+                  <a:blip r:embed="rId5"/>
                   <a:stretch>
                     <a:fillRect/>
                   </a:stretch>
@@ -7683,7 +7975,7 @@
           </mc:AlternateContent>
           <mc:AlternateContent xmlns:mc="http://schemas.openxmlformats.org/markup-compatibility/2006" xmlns:p14="http://schemas.microsoft.com/office/powerpoint/2010/main">
             <mc:Choice Requires="p14">
-              <p:contentPart p14:bwMode="auto" r:id="rId28">
+              <p:contentPart p14:bwMode="auto" r:id="rId29">
                 <p14:nvContentPartPr>
                   <p14:cNvPr id="52" name="Ink 51">
                     <a:extLst>
@@ -7715,7 +8007,7 @@
                   <p:nvPr/>
                 </p:nvPicPr>
                 <p:blipFill>
-                  <a:blip r:embed="rId6"/>
+                  <a:blip r:embed="rId7"/>
                   <a:stretch>
                     <a:fillRect/>
                   </a:stretch>
@@ -7734,7 +8026,7 @@
           </mc:AlternateContent>
           <mc:AlternateContent xmlns:mc="http://schemas.openxmlformats.org/markup-compatibility/2006" xmlns:p14="http://schemas.microsoft.com/office/powerpoint/2010/main">
             <mc:Choice Requires="p14">
-              <p:contentPart p14:bwMode="auto" r:id="rId29">
+              <p:contentPart p14:bwMode="auto" r:id="rId30">
                 <p14:nvContentPartPr>
                   <p14:cNvPr id="53" name="Ink 52">
                     <a:extLst>
@@ -7766,7 +8058,7 @@
                   <p:nvPr/>
                 </p:nvPicPr>
                 <p:blipFill>
-                  <a:blip r:embed="rId8"/>
+                  <a:blip r:embed="rId9"/>
                   <a:stretch>
                     <a:fillRect/>
                   </a:stretch>
@@ -7785,7 +8077,7 @@
           </mc:AlternateContent>
           <mc:AlternateContent xmlns:mc="http://schemas.openxmlformats.org/markup-compatibility/2006" xmlns:p14="http://schemas.microsoft.com/office/powerpoint/2010/main">
             <mc:Choice Requires="p14">
-              <p:contentPart p14:bwMode="auto" r:id="rId30">
+              <p:contentPart p14:bwMode="auto" r:id="rId31">
                 <p14:nvContentPartPr>
                   <p14:cNvPr id="54" name="Ink 53">
                     <a:extLst>
@@ -7817,7 +8109,7 @@
                   <p:nvPr/>
                 </p:nvPicPr>
                 <p:blipFill>
-                  <a:blip r:embed="rId10"/>
+                  <a:blip r:embed="rId11"/>
                   <a:stretch>
                     <a:fillRect/>
                   </a:stretch>
@@ -7837,7 +8129,7 @@
         </p:grpSp>
         <mc:AlternateContent xmlns:mc="http://schemas.openxmlformats.org/markup-compatibility/2006">
           <mc:Choice xmlns:p14="http://schemas.microsoft.com/office/powerpoint/2010/main" Requires="p14">
-            <p:contentPart p14:bwMode="auto" r:id="rId31">
+            <p:contentPart p14:bwMode="auto" r:id="rId32">
               <p14:nvContentPartPr>
                 <p14:cNvPr id="49" name="Ink 48">
                   <a:extLst>
@@ -7869,7 +8161,7 @@
                 <p:nvPr/>
               </p:nvPicPr>
               <p:blipFill>
-                <a:blip r:embed="rId12"/>
+                <a:blip r:embed="rId13"/>
                 <a:stretch>
                   <a:fillRect/>
                 </a:stretch>
@@ -7886,9 +8178,9 @@
             </p:pic>
           </mc:Fallback>
         </mc:AlternateContent>
-        <mc:AlternateContent xmlns:mc="http://schemas.openxmlformats.org/markup-compatibility/2006" xmlns:p14="http://schemas.microsoft.com/office/powerpoint/2010/main">
-          <mc:Choice Requires="p14">
-            <p:contentPart p14:bwMode="auto" r:id="rId32">
+        <mc:AlternateContent xmlns:mc="http://schemas.openxmlformats.org/markup-compatibility/2006">
+          <mc:Choice xmlns:p14="http://schemas.microsoft.com/office/powerpoint/2010/main" Requires="p14">
+            <p:contentPart p14:bwMode="auto" r:id="rId33">
               <p14:nvContentPartPr>
                 <p14:cNvPr id="50" name="Ink 49">
                   <a:extLst>
@@ -7906,7 +8198,7 @@
               </p14:xfrm>
             </p:contentPart>
           </mc:Choice>
-          <mc:Fallback xmlns="">
+          <mc:Fallback>
             <p:pic>
               <p:nvPicPr>
                 <p:cNvPr id="50" name="Ink 49">
@@ -7920,14 +8212,14 @@
                 <p:nvPr/>
               </p:nvPicPr>
               <p:blipFill>
-                <a:blip r:embed="rId14"/>
+                <a:blip r:embed="rId15"/>
                 <a:stretch>
                   <a:fillRect/>
                 </a:stretch>
               </p:blipFill>
               <p:spPr>
                 <a:xfrm>
-                  <a:off x="7123461" y="2822152"/>
+                  <a:off x="7123461" y="2821792"/>
                   <a:ext cx="1224720" cy="1273680"/>
                 </a:xfrm>
                 <a:prstGeom prst="rect">
@@ -7960,7 +8252,7 @@
         </p:grpSpPr>
         <mc:AlternateContent xmlns:mc="http://schemas.openxmlformats.org/markup-compatibility/2006" xmlns:p14="http://schemas.microsoft.com/office/powerpoint/2010/main">
           <mc:Choice Requires="p14">
-            <p:contentPart p14:bwMode="auto" r:id="rId33">
+            <p:contentPart p14:bwMode="auto" r:id="rId34">
               <p14:nvContentPartPr>
                 <p14:cNvPr id="83" name="Ink 82">
                   <a:extLst>
@@ -7992,7 +8284,7 @@
                 <p:nvPr/>
               </p:nvPicPr>
               <p:blipFill>
-                <a:blip r:embed="rId34"/>
+                <a:blip r:embed="rId35"/>
                 <a:stretch>
                   <a:fillRect/>
                 </a:stretch>
@@ -8011,7 +8303,7 @@
         </mc:AlternateContent>
         <mc:AlternateContent xmlns:mc="http://schemas.openxmlformats.org/markup-compatibility/2006" xmlns:p14="http://schemas.microsoft.com/office/powerpoint/2010/main">
           <mc:Choice Requires="p14">
-            <p:contentPart p14:bwMode="auto" r:id="rId35">
+            <p:contentPart p14:bwMode="auto" r:id="rId36">
               <p14:nvContentPartPr>
                 <p14:cNvPr id="84" name="Ink 83">
                   <a:extLst>
@@ -8043,7 +8335,7 @@
                 <p:nvPr/>
               </p:nvPicPr>
               <p:blipFill>
-                <a:blip r:embed="rId34"/>
+                <a:blip r:embed="rId35"/>
                 <a:stretch>
                   <a:fillRect/>
                 </a:stretch>
@@ -8062,7 +8354,7 @@
         </mc:AlternateContent>
         <mc:AlternateContent xmlns:mc="http://schemas.openxmlformats.org/markup-compatibility/2006" xmlns:p14="http://schemas.microsoft.com/office/powerpoint/2010/main">
           <mc:Choice Requires="p14">
-            <p:contentPart p14:bwMode="auto" r:id="rId36">
+            <p:contentPart p14:bwMode="auto" r:id="rId37">
               <p14:nvContentPartPr>
                 <p14:cNvPr id="85" name="Ink 84">
                   <a:extLst>
@@ -8094,7 +8386,7 @@
                 <p:nvPr/>
               </p:nvPicPr>
               <p:blipFill>
-                <a:blip r:embed="rId34"/>
+                <a:blip r:embed="rId35"/>
                 <a:stretch>
                   <a:fillRect/>
                 </a:stretch>
@@ -8113,7 +8405,7 @@
         </mc:AlternateContent>
         <mc:AlternateContent xmlns:mc="http://schemas.openxmlformats.org/markup-compatibility/2006" xmlns:p14="http://schemas.microsoft.com/office/powerpoint/2010/main">
           <mc:Choice Requires="p14">
-            <p:contentPart p14:bwMode="auto" r:id="rId37">
+            <p:contentPart p14:bwMode="auto" r:id="rId38">
               <p14:nvContentPartPr>
                 <p14:cNvPr id="86" name="Ink 85">
                   <a:extLst>
@@ -8145,7 +8437,7 @@
                 <p:nvPr/>
               </p:nvPicPr>
               <p:blipFill>
-                <a:blip r:embed="rId34"/>
+                <a:blip r:embed="rId35"/>
                 <a:stretch>
                   <a:fillRect/>
                 </a:stretch>
@@ -8164,7 +8456,7 @@
         </mc:AlternateContent>
         <mc:AlternateContent xmlns:mc="http://schemas.openxmlformats.org/markup-compatibility/2006" xmlns:p14="http://schemas.microsoft.com/office/powerpoint/2010/main">
           <mc:Choice Requires="p14">
-            <p:contentPart p14:bwMode="auto" r:id="rId38">
+            <p:contentPart p14:bwMode="auto" r:id="rId39">
               <p14:nvContentPartPr>
                 <p14:cNvPr id="87" name="Ink 86">
                   <a:extLst>
@@ -8196,7 +8488,7 @@
                 <p:nvPr/>
               </p:nvPicPr>
               <p:blipFill>
-                <a:blip r:embed="rId34"/>
+                <a:blip r:embed="rId35"/>
                 <a:stretch>
                   <a:fillRect/>
                 </a:stretch>
@@ -8215,7 +8507,7 @@
         </mc:AlternateContent>
         <mc:AlternateContent xmlns:mc="http://schemas.openxmlformats.org/markup-compatibility/2006" xmlns:p14="http://schemas.microsoft.com/office/powerpoint/2010/main">
           <mc:Choice Requires="p14">
-            <p:contentPart p14:bwMode="auto" r:id="rId39">
+            <p:contentPart p14:bwMode="auto" r:id="rId40">
               <p14:nvContentPartPr>
                 <p14:cNvPr id="88" name="Ink 87">
                   <a:extLst>
@@ -8247,7 +8539,7 @@
                 <p:nvPr/>
               </p:nvPicPr>
               <p:blipFill>
-                <a:blip r:embed="rId34"/>
+                <a:blip r:embed="rId35"/>
                 <a:stretch>
                   <a:fillRect/>
                 </a:stretch>
@@ -8266,7 +8558,7 @@
         </mc:AlternateContent>
         <mc:AlternateContent xmlns:mc="http://schemas.openxmlformats.org/markup-compatibility/2006" xmlns:p14="http://schemas.microsoft.com/office/powerpoint/2010/main">
           <mc:Choice Requires="p14">
-            <p:contentPart p14:bwMode="auto" r:id="rId40">
+            <p:contentPart p14:bwMode="auto" r:id="rId41">
               <p14:nvContentPartPr>
                 <p14:cNvPr id="89" name="Ink 88">
                   <a:extLst>
@@ -8298,7 +8590,7 @@
                 <p:nvPr/>
               </p:nvPicPr>
               <p:blipFill>
-                <a:blip r:embed="rId34"/>
+                <a:blip r:embed="rId35"/>
                 <a:stretch>
                   <a:fillRect/>
                 </a:stretch>
@@ -8317,7 +8609,7 @@
         </mc:AlternateContent>
         <mc:AlternateContent xmlns:mc="http://schemas.openxmlformats.org/markup-compatibility/2006" xmlns:p14="http://schemas.microsoft.com/office/powerpoint/2010/main">
           <mc:Choice Requires="p14">
-            <p:contentPart p14:bwMode="auto" r:id="rId41">
+            <p:contentPart p14:bwMode="auto" r:id="rId42">
               <p14:nvContentPartPr>
                 <p14:cNvPr id="90" name="Ink 89">
                   <a:extLst>
@@ -8349,7 +8641,7 @@
                 <p:nvPr/>
               </p:nvPicPr>
               <p:blipFill>
-                <a:blip r:embed="rId34"/>
+                <a:blip r:embed="rId35"/>
                 <a:stretch>
                   <a:fillRect/>
                 </a:stretch>
@@ -8368,7 +8660,7 @@
         </mc:AlternateContent>
         <mc:AlternateContent xmlns:mc="http://schemas.openxmlformats.org/markup-compatibility/2006" xmlns:p14="http://schemas.microsoft.com/office/powerpoint/2010/main">
           <mc:Choice Requires="p14">
-            <p:contentPart p14:bwMode="auto" r:id="rId42">
+            <p:contentPart p14:bwMode="auto" r:id="rId43">
               <p14:nvContentPartPr>
                 <p14:cNvPr id="91" name="Ink 90">
                   <a:extLst>
@@ -8400,7 +8692,7 @@
                 <p:nvPr/>
               </p:nvPicPr>
               <p:blipFill>
-                <a:blip r:embed="rId34"/>
+                <a:blip r:embed="rId35"/>
                 <a:stretch>
                   <a:fillRect/>
                 </a:stretch>
@@ -8419,7 +8711,7 @@
         </mc:AlternateContent>
         <mc:AlternateContent xmlns:mc="http://schemas.openxmlformats.org/markup-compatibility/2006" xmlns:p14="http://schemas.microsoft.com/office/powerpoint/2010/main">
           <mc:Choice Requires="p14">
-            <p:contentPart p14:bwMode="auto" r:id="rId43">
+            <p:contentPart p14:bwMode="auto" r:id="rId44">
               <p14:nvContentPartPr>
                 <p14:cNvPr id="94" name="Ink 93">
                   <a:extLst>
@@ -8451,7 +8743,7 @@
                 <p:nvPr/>
               </p:nvPicPr>
               <p:blipFill>
-                <a:blip r:embed="rId34"/>
+                <a:blip r:embed="rId35"/>
                 <a:stretch>
                   <a:fillRect/>
                 </a:stretch>
@@ -8491,7 +8783,7 @@
         </p:grpSpPr>
         <mc:AlternateContent xmlns:mc="http://schemas.openxmlformats.org/markup-compatibility/2006" xmlns:p14="http://schemas.microsoft.com/office/powerpoint/2010/main">
           <mc:Choice Requires="p14">
-            <p:contentPart p14:bwMode="auto" r:id="rId44">
+            <p:contentPart p14:bwMode="auto" r:id="rId45">
               <p14:nvContentPartPr>
                 <p14:cNvPr id="97" name="Ink 96">
                   <a:extLst>
@@ -8523,7 +8815,7 @@
                 <p:nvPr/>
               </p:nvPicPr>
               <p:blipFill>
-                <a:blip r:embed="rId34"/>
+                <a:blip r:embed="rId35"/>
                 <a:stretch>
                   <a:fillRect/>
                 </a:stretch>
@@ -8542,7 +8834,7 @@
         </mc:AlternateContent>
         <mc:AlternateContent xmlns:mc="http://schemas.openxmlformats.org/markup-compatibility/2006" xmlns:p14="http://schemas.microsoft.com/office/powerpoint/2010/main">
           <mc:Choice Requires="p14">
-            <p:contentPart p14:bwMode="auto" r:id="rId45">
+            <p:contentPart p14:bwMode="auto" r:id="rId46">
               <p14:nvContentPartPr>
                 <p14:cNvPr id="98" name="Ink 97">
                   <a:extLst>
@@ -8574,7 +8866,7 @@
                 <p:nvPr/>
               </p:nvPicPr>
               <p:blipFill>
-                <a:blip r:embed="rId34"/>
+                <a:blip r:embed="rId35"/>
                 <a:stretch>
                   <a:fillRect/>
                 </a:stretch>
@@ -8593,7 +8885,7 @@
         </mc:AlternateContent>
         <mc:AlternateContent xmlns:mc="http://schemas.openxmlformats.org/markup-compatibility/2006" xmlns:p14="http://schemas.microsoft.com/office/powerpoint/2010/main">
           <mc:Choice Requires="p14">
-            <p:contentPart p14:bwMode="auto" r:id="rId46">
+            <p:contentPart p14:bwMode="auto" r:id="rId47">
               <p14:nvContentPartPr>
                 <p14:cNvPr id="99" name="Ink 98">
                   <a:extLst>
@@ -8625,7 +8917,7 @@
                 <p:nvPr/>
               </p:nvPicPr>
               <p:blipFill>
-                <a:blip r:embed="rId34"/>
+                <a:blip r:embed="rId35"/>
                 <a:stretch>
                   <a:fillRect/>
                 </a:stretch>
@@ -8644,7 +8936,7 @@
         </mc:AlternateContent>
         <mc:AlternateContent xmlns:mc="http://schemas.openxmlformats.org/markup-compatibility/2006" xmlns:p14="http://schemas.microsoft.com/office/powerpoint/2010/main">
           <mc:Choice Requires="p14">
-            <p:contentPart p14:bwMode="auto" r:id="rId47">
+            <p:contentPart p14:bwMode="auto" r:id="rId48">
               <p14:nvContentPartPr>
                 <p14:cNvPr id="100" name="Ink 99">
                   <a:extLst>
@@ -8676,7 +8968,7 @@
                 <p:nvPr/>
               </p:nvPicPr>
               <p:blipFill>
-                <a:blip r:embed="rId34"/>
+                <a:blip r:embed="rId35"/>
                 <a:stretch>
                   <a:fillRect/>
                 </a:stretch>
@@ -8695,7 +8987,7 @@
         </mc:AlternateContent>
         <mc:AlternateContent xmlns:mc="http://schemas.openxmlformats.org/markup-compatibility/2006" xmlns:p14="http://schemas.microsoft.com/office/powerpoint/2010/main">
           <mc:Choice Requires="p14">
-            <p:contentPart p14:bwMode="auto" r:id="rId48">
+            <p:contentPart p14:bwMode="auto" r:id="rId49">
               <p14:nvContentPartPr>
                 <p14:cNvPr id="101" name="Ink 100">
                   <a:extLst>
@@ -8727,7 +9019,7 @@
                 <p:nvPr/>
               </p:nvPicPr>
               <p:blipFill>
-                <a:blip r:embed="rId34"/>
+                <a:blip r:embed="rId35"/>
                 <a:stretch>
                   <a:fillRect/>
                 </a:stretch>
@@ -8746,7 +9038,7 @@
         </mc:AlternateContent>
         <mc:AlternateContent xmlns:mc="http://schemas.openxmlformats.org/markup-compatibility/2006" xmlns:p14="http://schemas.microsoft.com/office/powerpoint/2010/main">
           <mc:Choice Requires="p14">
-            <p:contentPart p14:bwMode="auto" r:id="rId49">
+            <p:contentPart p14:bwMode="auto" r:id="rId50">
               <p14:nvContentPartPr>
                 <p14:cNvPr id="102" name="Ink 101">
                   <a:extLst>
@@ -8778,7 +9070,7 @@
                 <p:nvPr/>
               </p:nvPicPr>
               <p:blipFill>
-                <a:blip r:embed="rId34"/>
+                <a:blip r:embed="rId35"/>
                 <a:stretch>
                   <a:fillRect/>
                 </a:stretch>
@@ -8797,7 +9089,7 @@
         </mc:AlternateContent>
         <mc:AlternateContent xmlns:mc="http://schemas.openxmlformats.org/markup-compatibility/2006" xmlns:p14="http://schemas.microsoft.com/office/powerpoint/2010/main">
           <mc:Choice Requires="p14">
-            <p:contentPart p14:bwMode="auto" r:id="rId50">
+            <p:contentPart p14:bwMode="auto" r:id="rId51">
               <p14:nvContentPartPr>
                 <p14:cNvPr id="103" name="Ink 102">
                   <a:extLst>
@@ -8829,7 +9121,7 @@
                 <p:nvPr/>
               </p:nvPicPr>
               <p:blipFill>
-                <a:blip r:embed="rId34"/>
+                <a:blip r:embed="rId35"/>
                 <a:stretch>
                   <a:fillRect/>
                 </a:stretch>
@@ -8848,7 +9140,7 @@
         </mc:AlternateContent>
         <mc:AlternateContent xmlns:mc="http://schemas.openxmlformats.org/markup-compatibility/2006" xmlns:p14="http://schemas.microsoft.com/office/powerpoint/2010/main">
           <mc:Choice Requires="p14">
-            <p:contentPart p14:bwMode="auto" r:id="rId51">
+            <p:contentPart p14:bwMode="auto" r:id="rId52">
               <p14:nvContentPartPr>
                 <p14:cNvPr id="104" name="Ink 103">
                   <a:extLst>
@@ -8880,7 +9172,7 @@
                 <p:nvPr/>
               </p:nvPicPr>
               <p:blipFill>
-                <a:blip r:embed="rId34"/>
+                <a:blip r:embed="rId35"/>
                 <a:stretch>
                   <a:fillRect/>
                 </a:stretch>
@@ -8899,7 +9191,7 @@
         </mc:AlternateContent>
         <mc:AlternateContent xmlns:mc="http://schemas.openxmlformats.org/markup-compatibility/2006" xmlns:p14="http://schemas.microsoft.com/office/powerpoint/2010/main">
           <mc:Choice Requires="p14">
-            <p:contentPart p14:bwMode="auto" r:id="rId52">
+            <p:contentPart p14:bwMode="auto" r:id="rId53">
               <p14:nvContentPartPr>
                 <p14:cNvPr id="105" name="Ink 104">
                   <a:extLst>
@@ -8931,7 +9223,7 @@
                 <p:nvPr/>
               </p:nvPicPr>
               <p:blipFill>
-                <a:blip r:embed="rId34"/>
+                <a:blip r:embed="rId35"/>
                 <a:stretch>
                   <a:fillRect/>
                 </a:stretch>
@@ -8950,7 +9242,7 @@
         </mc:AlternateContent>
         <mc:AlternateContent xmlns:mc="http://schemas.openxmlformats.org/markup-compatibility/2006" xmlns:p14="http://schemas.microsoft.com/office/powerpoint/2010/main">
           <mc:Choice Requires="p14">
-            <p:contentPart p14:bwMode="auto" r:id="rId53">
+            <p:contentPart p14:bwMode="auto" r:id="rId54">
               <p14:nvContentPartPr>
                 <p14:cNvPr id="106" name="Ink 105">
                   <a:extLst>
@@ -8982,7 +9274,7 @@
                 <p:nvPr/>
               </p:nvPicPr>
               <p:blipFill>
-                <a:blip r:embed="rId34"/>
+                <a:blip r:embed="rId35"/>
                 <a:stretch>
                   <a:fillRect/>
                 </a:stretch>
@@ -9022,7 +9314,7 @@
         </p:grpSpPr>
         <mc:AlternateContent xmlns:mc="http://schemas.openxmlformats.org/markup-compatibility/2006" xmlns:p14="http://schemas.microsoft.com/office/powerpoint/2010/main">
           <mc:Choice Requires="p14">
-            <p:contentPart p14:bwMode="auto" r:id="rId54">
+            <p:contentPart p14:bwMode="auto" r:id="rId55">
               <p14:nvContentPartPr>
                 <p14:cNvPr id="110" name="Ink 109">
                   <a:extLst>
@@ -9054,7 +9346,7 @@
                 <p:nvPr/>
               </p:nvPicPr>
               <p:blipFill>
-                <a:blip r:embed="rId34"/>
+                <a:blip r:embed="rId35"/>
                 <a:stretch>
                   <a:fillRect/>
                 </a:stretch>
@@ -9073,7 +9365,7 @@
         </mc:AlternateContent>
         <mc:AlternateContent xmlns:mc="http://schemas.openxmlformats.org/markup-compatibility/2006" xmlns:p14="http://schemas.microsoft.com/office/powerpoint/2010/main">
           <mc:Choice Requires="p14">
-            <p:contentPart p14:bwMode="auto" r:id="rId55">
+            <p:contentPart p14:bwMode="auto" r:id="rId56">
               <p14:nvContentPartPr>
                 <p14:cNvPr id="111" name="Ink 110">
                   <a:extLst>
@@ -9105,7 +9397,7 @@
                 <p:nvPr/>
               </p:nvPicPr>
               <p:blipFill>
-                <a:blip r:embed="rId34"/>
+                <a:blip r:embed="rId35"/>
                 <a:stretch>
                   <a:fillRect/>
                 </a:stretch>
@@ -9124,7 +9416,7 @@
         </mc:AlternateContent>
         <mc:AlternateContent xmlns:mc="http://schemas.openxmlformats.org/markup-compatibility/2006" xmlns:p14="http://schemas.microsoft.com/office/powerpoint/2010/main">
           <mc:Choice Requires="p14">
-            <p:contentPart p14:bwMode="auto" r:id="rId56">
+            <p:contentPart p14:bwMode="auto" r:id="rId57">
               <p14:nvContentPartPr>
                 <p14:cNvPr id="112" name="Ink 111">
                   <a:extLst>
@@ -9156,7 +9448,7 @@
                 <p:nvPr/>
               </p:nvPicPr>
               <p:blipFill>
-                <a:blip r:embed="rId34"/>
+                <a:blip r:embed="rId35"/>
                 <a:stretch>
                   <a:fillRect/>
                 </a:stretch>
@@ -9175,7 +9467,7 @@
         </mc:AlternateContent>
         <mc:AlternateContent xmlns:mc="http://schemas.openxmlformats.org/markup-compatibility/2006" xmlns:p14="http://schemas.microsoft.com/office/powerpoint/2010/main">
           <mc:Choice Requires="p14">
-            <p:contentPart p14:bwMode="auto" r:id="rId57">
+            <p:contentPart p14:bwMode="auto" r:id="rId58">
               <p14:nvContentPartPr>
                 <p14:cNvPr id="113" name="Ink 112">
                   <a:extLst>
@@ -9207,7 +9499,7 @@
                 <p:nvPr/>
               </p:nvPicPr>
               <p:blipFill>
-                <a:blip r:embed="rId34"/>
+                <a:blip r:embed="rId35"/>
                 <a:stretch>
                   <a:fillRect/>
                 </a:stretch>
@@ -9226,7 +9518,7 @@
         </mc:AlternateContent>
         <mc:AlternateContent xmlns:mc="http://schemas.openxmlformats.org/markup-compatibility/2006" xmlns:p14="http://schemas.microsoft.com/office/powerpoint/2010/main">
           <mc:Choice Requires="p14">
-            <p:contentPart p14:bwMode="auto" r:id="rId58">
+            <p:contentPart p14:bwMode="auto" r:id="rId59">
               <p14:nvContentPartPr>
                 <p14:cNvPr id="114" name="Ink 113">
                   <a:extLst>
@@ -9258,7 +9550,7 @@
                 <p:nvPr/>
               </p:nvPicPr>
               <p:blipFill>
-                <a:blip r:embed="rId34"/>
+                <a:blip r:embed="rId35"/>
                 <a:stretch>
                   <a:fillRect/>
                 </a:stretch>
@@ -9277,7 +9569,7 @@
         </mc:AlternateContent>
         <mc:AlternateContent xmlns:mc="http://schemas.openxmlformats.org/markup-compatibility/2006" xmlns:p14="http://schemas.microsoft.com/office/powerpoint/2010/main">
           <mc:Choice Requires="p14">
-            <p:contentPart p14:bwMode="auto" r:id="rId59">
+            <p:contentPart p14:bwMode="auto" r:id="rId60">
               <p14:nvContentPartPr>
                 <p14:cNvPr id="115" name="Ink 114">
                   <a:extLst>
@@ -9309,7 +9601,7 @@
                 <p:nvPr/>
               </p:nvPicPr>
               <p:blipFill>
-                <a:blip r:embed="rId34"/>
+                <a:blip r:embed="rId35"/>
                 <a:stretch>
                   <a:fillRect/>
                 </a:stretch>
@@ -9328,7 +9620,7 @@
         </mc:AlternateContent>
         <mc:AlternateContent xmlns:mc="http://schemas.openxmlformats.org/markup-compatibility/2006" xmlns:p14="http://schemas.microsoft.com/office/powerpoint/2010/main">
           <mc:Choice Requires="p14">
-            <p:contentPart p14:bwMode="auto" r:id="rId60">
+            <p:contentPart p14:bwMode="auto" r:id="rId61">
               <p14:nvContentPartPr>
                 <p14:cNvPr id="116" name="Ink 115">
                   <a:extLst>
@@ -9360,7 +9652,7 @@
                 <p:nvPr/>
               </p:nvPicPr>
               <p:blipFill>
-                <a:blip r:embed="rId34"/>
+                <a:blip r:embed="rId35"/>
                 <a:stretch>
                   <a:fillRect/>
                 </a:stretch>
@@ -9379,7 +9671,7 @@
         </mc:AlternateContent>
         <mc:AlternateContent xmlns:mc="http://schemas.openxmlformats.org/markup-compatibility/2006" xmlns:p14="http://schemas.microsoft.com/office/powerpoint/2010/main">
           <mc:Choice Requires="p14">
-            <p:contentPart p14:bwMode="auto" r:id="rId61">
+            <p:contentPart p14:bwMode="auto" r:id="rId62">
               <p14:nvContentPartPr>
                 <p14:cNvPr id="117" name="Ink 116">
                   <a:extLst>
@@ -9411,7 +9703,7 @@
                 <p:nvPr/>
               </p:nvPicPr>
               <p:blipFill>
-                <a:blip r:embed="rId34"/>
+                <a:blip r:embed="rId35"/>
                 <a:stretch>
                   <a:fillRect/>
                 </a:stretch>
@@ -9430,7 +9722,7 @@
         </mc:AlternateContent>
         <mc:AlternateContent xmlns:mc="http://schemas.openxmlformats.org/markup-compatibility/2006" xmlns:p14="http://schemas.microsoft.com/office/powerpoint/2010/main">
           <mc:Choice Requires="p14">
-            <p:contentPart p14:bwMode="auto" r:id="rId62">
+            <p:contentPart p14:bwMode="auto" r:id="rId63">
               <p14:nvContentPartPr>
                 <p14:cNvPr id="118" name="Ink 117">
                   <a:extLst>
@@ -9462,7 +9754,7 @@
                 <p:nvPr/>
               </p:nvPicPr>
               <p:blipFill>
-                <a:blip r:embed="rId34"/>
+                <a:blip r:embed="rId35"/>
                 <a:stretch>
                   <a:fillRect/>
                 </a:stretch>
@@ -9481,7 +9773,7 @@
         </mc:AlternateContent>
         <mc:AlternateContent xmlns:mc="http://schemas.openxmlformats.org/markup-compatibility/2006" xmlns:p14="http://schemas.microsoft.com/office/powerpoint/2010/main">
           <mc:Choice Requires="p14">
-            <p:contentPart p14:bwMode="auto" r:id="rId63">
+            <p:contentPart p14:bwMode="auto" r:id="rId64">
               <p14:nvContentPartPr>
                 <p14:cNvPr id="119" name="Ink 118">
                   <a:extLst>
@@ -9513,7 +9805,7 @@
                 <p:nvPr/>
               </p:nvPicPr>
               <p:blipFill>
-                <a:blip r:embed="rId34"/>
+                <a:blip r:embed="rId35"/>
                 <a:stretch>
                   <a:fillRect/>
                 </a:stretch>
@@ -9531,36 +9823,537 @@
           </mc:Fallback>
         </mc:AlternateContent>
       </p:grpSp>
-      <p:pic>
-        <p:nvPicPr>
-          <p:cNvPr id="61" name="Picture 60">
+      <p:grpSp>
+        <p:nvGrpSpPr>
+          <p:cNvPr id="2" name="Group 1">
             <a:extLst>
               <a:ext uri="{FF2B5EF4-FFF2-40B4-BE49-F238E27FC236}">
-                <a16:creationId xmlns:a16="http://schemas.microsoft.com/office/drawing/2014/main" id="{0F790184-AFE7-DDD2-CE02-1886DD5AFAA1}"/>
+                <a16:creationId xmlns:a16="http://schemas.microsoft.com/office/drawing/2014/main" id="{DC3F9D83-ED85-E8BF-EB39-A1B811EC3FF2}"/>
               </a:ext>
             </a:extLst>
           </p:cNvPr>
-          <p:cNvPicPr>
-            <a:picLocks noChangeAspect="1"/>
-          </p:cNvPicPr>
+          <p:cNvGrpSpPr/>
           <p:nvPr/>
-        </p:nvPicPr>
-        <p:blipFill>
-          <a:blip r:embed="rId64"/>
-          <a:stretch>
-            <a:fillRect/>
-          </a:stretch>
-        </p:blipFill>
-        <p:spPr>
-          <a:xfrm>
-            <a:off x="7464922" y="3228002"/>
-            <a:ext cx="419100" cy="469900"/>
+        </p:nvGrpSpPr>
+        <p:grpSpPr>
+          <a:xfrm rot="19359013">
+            <a:off x="7595727" y="3292560"/>
+            <a:ext cx="216000" cy="264600"/>
+            <a:chOff x="7552221" y="3329392"/>
+            <a:chExt cx="216000" cy="264600"/>
           </a:xfrm>
-          <a:prstGeom prst="rect">
-            <a:avLst/>
-          </a:prstGeom>
-        </p:spPr>
-      </p:pic>
+        </p:grpSpPr>
+        <mc:AlternateContent xmlns:mc="http://schemas.openxmlformats.org/markup-compatibility/2006" xmlns:p14="http://schemas.microsoft.com/office/powerpoint/2010/main">
+          <mc:Choice Requires="p14">
+            <p:contentPart p14:bwMode="auto" r:id="rId65">
+              <p14:nvContentPartPr>
+                <p14:cNvPr id="3" name="Ink 2">
+                  <a:extLst>
+                    <a:ext uri="{FF2B5EF4-FFF2-40B4-BE49-F238E27FC236}">
+                      <a16:creationId xmlns:a16="http://schemas.microsoft.com/office/drawing/2014/main" id="{0DE1AC00-AE9B-98AE-16B0-908199FD4C95}"/>
+                    </a:ext>
+                  </a:extLst>
+                </p14:cNvPr>
+                <p14:cNvContentPartPr/>
+                <p14:nvPr/>
+              </p14:nvContentPartPr>
+              <p14:xfrm>
+                <a:off x="7653381" y="3329392"/>
+                <a:ext cx="360" cy="360"/>
+              </p14:xfrm>
+            </p:contentPart>
+          </mc:Choice>
+          <mc:Fallback xmlns="">
+            <p:pic>
+              <p:nvPicPr>
+                <p:cNvPr id="110" name="Ink 109">
+                  <a:extLst>
+                    <a:ext uri="{FF2B5EF4-FFF2-40B4-BE49-F238E27FC236}">
+                      <a16:creationId xmlns:a16="http://schemas.microsoft.com/office/drawing/2014/main" id="{7E9E19B4-2454-EB93-988D-824823614385}"/>
+                    </a:ext>
+                  </a:extLst>
+                </p:cNvPr>
+                <p:cNvPicPr/>
+                <p:nvPr/>
+              </p:nvPicPr>
+              <p:blipFill>
+                <a:blip r:embed="rId35"/>
+                <a:stretch>
+                  <a:fillRect/>
+                </a:stretch>
+              </p:blipFill>
+              <p:spPr>
+                <a:xfrm>
+                  <a:off x="7617741" y="3293752"/>
+                  <a:ext cx="72000" cy="72000"/>
+                </a:xfrm>
+                <a:prstGeom prst="rect">
+                  <a:avLst/>
+                </a:prstGeom>
+              </p:spPr>
+            </p:pic>
+          </mc:Fallback>
+        </mc:AlternateContent>
+        <mc:AlternateContent xmlns:mc="http://schemas.openxmlformats.org/markup-compatibility/2006" xmlns:p14="http://schemas.microsoft.com/office/powerpoint/2010/main">
+          <mc:Choice Requires="p14">
+            <p:contentPart p14:bwMode="auto" r:id="rId66">
+              <p14:nvContentPartPr>
+                <p14:cNvPr id="4" name="Ink 3">
+                  <a:extLst>
+                    <a:ext uri="{FF2B5EF4-FFF2-40B4-BE49-F238E27FC236}">
+                      <a16:creationId xmlns:a16="http://schemas.microsoft.com/office/drawing/2014/main" id="{578271FB-0C18-6C62-2040-37326675FC8E}"/>
+                    </a:ext>
+                  </a:extLst>
+                </p14:cNvPr>
+                <p14:cNvContentPartPr/>
+                <p14:nvPr/>
+              </p14:nvContentPartPr>
+              <p14:xfrm>
+                <a:off x="7557981" y="3496432"/>
+                <a:ext cx="360" cy="360"/>
+              </p14:xfrm>
+            </p:contentPart>
+          </mc:Choice>
+          <mc:Fallback xmlns="">
+            <p:pic>
+              <p:nvPicPr>
+                <p:cNvPr id="111" name="Ink 110">
+                  <a:extLst>
+                    <a:ext uri="{FF2B5EF4-FFF2-40B4-BE49-F238E27FC236}">
+                      <a16:creationId xmlns:a16="http://schemas.microsoft.com/office/drawing/2014/main" id="{2D6431F9-DF6B-3CFB-5697-B0B5B02C2F73}"/>
+                    </a:ext>
+                  </a:extLst>
+                </p:cNvPr>
+                <p:cNvPicPr/>
+                <p:nvPr/>
+              </p:nvPicPr>
+              <p:blipFill>
+                <a:blip r:embed="rId35"/>
+                <a:stretch>
+                  <a:fillRect/>
+                </a:stretch>
+              </p:blipFill>
+              <p:spPr>
+                <a:xfrm>
+                  <a:off x="7522341" y="3460432"/>
+                  <a:ext cx="72000" cy="72000"/>
+                </a:xfrm>
+                <a:prstGeom prst="rect">
+                  <a:avLst/>
+                </a:prstGeom>
+              </p:spPr>
+            </p:pic>
+          </mc:Fallback>
+        </mc:AlternateContent>
+        <mc:AlternateContent xmlns:mc="http://schemas.openxmlformats.org/markup-compatibility/2006" xmlns:p14="http://schemas.microsoft.com/office/powerpoint/2010/main">
+          <mc:Choice Requires="p14">
+            <p:contentPart p14:bwMode="auto" r:id="rId67">
+              <p14:nvContentPartPr>
+                <p14:cNvPr id="10" name="Ink 9">
+                  <a:extLst>
+                    <a:ext uri="{FF2B5EF4-FFF2-40B4-BE49-F238E27FC236}">
+                      <a16:creationId xmlns:a16="http://schemas.microsoft.com/office/drawing/2014/main" id="{E26CB14D-EE5E-BA56-5517-5BE00BE88C59}"/>
+                    </a:ext>
+                  </a:extLst>
+                </p14:cNvPr>
+                <p14:cNvContentPartPr/>
+                <p14:nvPr/>
+              </p14:nvContentPartPr>
+              <p14:xfrm>
+                <a:off x="7713861" y="3463312"/>
+                <a:ext cx="360" cy="360"/>
+              </p14:xfrm>
+            </p:contentPart>
+          </mc:Choice>
+          <mc:Fallback xmlns="">
+            <p:pic>
+              <p:nvPicPr>
+                <p:cNvPr id="112" name="Ink 111">
+                  <a:extLst>
+                    <a:ext uri="{FF2B5EF4-FFF2-40B4-BE49-F238E27FC236}">
+                      <a16:creationId xmlns:a16="http://schemas.microsoft.com/office/drawing/2014/main" id="{E744556F-5DD6-2D5A-D851-6EC0EF600985}"/>
+                    </a:ext>
+                  </a:extLst>
+                </p:cNvPr>
+                <p:cNvPicPr/>
+                <p:nvPr/>
+              </p:nvPicPr>
+              <p:blipFill>
+                <a:blip r:embed="rId35"/>
+                <a:stretch>
+                  <a:fillRect/>
+                </a:stretch>
+              </p:blipFill>
+              <p:spPr>
+                <a:xfrm>
+                  <a:off x="7678221" y="3427312"/>
+                  <a:ext cx="72000" cy="72000"/>
+                </a:xfrm>
+                <a:prstGeom prst="rect">
+                  <a:avLst/>
+                </a:prstGeom>
+              </p:spPr>
+            </p:pic>
+          </mc:Fallback>
+        </mc:AlternateContent>
+        <mc:AlternateContent xmlns:mc="http://schemas.openxmlformats.org/markup-compatibility/2006" xmlns:p14="http://schemas.microsoft.com/office/powerpoint/2010/main">
+          <mc:Choice Requires="p14">
+            <p:contentPart p14:bwMode="auto" r:id="rId68">
+              <p14:nvContentPartPr>
+                <p14:cNvPr id="11" name="Ink 10">
+                  <a:extLst>
+                    <a:ext uri="{FF2B5EF4-FFF2-40B4-BE49-F238E27FC236}">
+                      <a16:creationId xmlns:a16="http://schemas.microsoft.com/office/drawing/2014/main" id="{8BFF51CE-E4D6-7A12-396A-286659E61124}"/>
+                    </a:ext>
+                  </a:extLst>
+                </p14:cNvPr>
+                <p14:cNvContentPartPr/>
+                <p14:nvPr/>
+              </p14:nvContentPartPr>
+              <p14:xfrm>
+                <a:off x="7552221" y="3411472"/>
+                <a:ext cx="360" cy="360"/>
+              </p14:xfrm>
+            </p:contentPart>
+          </mc:Choice>
+          <mc:Fallback xmlns="">
+            <p:pic>
+              <p:nvPicPr>
+                <p:cNvPr id="113" name="Ink 112">
+                  <a:extLst>
+                    <a:ext uri="{FF2B5EF4-FFF2-40B4-BE49-F238E27FC236}">
+                      <a16:creationId xmlns:a16="http://schemas.microsoft.com/office/drawing/2014/main" id="{4A8BF35D-BB92-1FED-53E6-B2472DDE5CB2}"/>
+                    </a:ext>
+                  </a:extLst>
+                </p:cNvPr>
+                <p:cNvPicPr/>
+                <p:nvPr/>
+              </p:nvPicPr>
+              <p:blipFill>
+                <a:blip r:embed="rId35"/>
+                <a:stretch>
+                  <a:fillRect/>
+                </a:stretch>
+              </p:blipFill>
+              <p:spPr>
+                <a:xfrm>
+                  <a:off x="7516581" y="3375832"/>
+                  <a:ext cx="72000" cy="72000"/>
+                </a:xfrm>
+                <a:prstGeom prst="rect">
+                  <a:avLst/>
+                </a:prstGeom>
+              </p:spPr>
+            </p:pic>
+          </mc:Fallback>
+        </mc:AlternateContent>
+        <mc:AlternateContent xmlns:mc="http://schemas.openxmlformats.org/markup-compatibility/2006" xmlns:p14="http://schemas.microsoft.com/office/powerpoint/2010/main">
+          <mc:Choice Requires="p14">
+            <p:contentPart p14:bwMode="auto" r:id="rId69">
+              <p14:nvContentPartPr>
+                <p14:cNvPr id="13" name="Ink 12">
+                  <a:extLst>
+                    <a:ext uri="{FF2B5EF4-FFF2-40B4-BE49-F238E27FC236}">
+                      <a16:creationId xmlns:a16="http://schemas.microsoft.com/office/drawing/2014/main" id="{3B15E5E6-796E-36D4-B90B-647FA0EA910C}"/>
+                    </a:ext>
+                  </a:extLst>
+                </p14:cNvPr>
+                <p14:cNvContentPartPr/>
+                <p14:nvPr/>
+              </p14:nvContentPartPr>
+              <p14:xfrm>
+                <a:off x="7608021" y="3473392"/>
+                <a:ext cx="360" cy="360"/>
+              </p14:xfrm>
+            </p:contentPart>
+          </mc:Choice>
+          <mc:Fallback xmlns="">
+            <p:pic>
+              <p:nvPicPr>
+                <p:cNvPr id="114" name="Ink 113">
+                  <a:extLst>
+                    <a:ext uri="{FF2B5EF4-FFF2-40B4-BE49-F238E27FC236}">
+                      <a16:creationId xmlns:a16="http://schemas.microsoft.com/office/drawing/2014/main" id="{F51BC0E7-7DCF-73FD-6AAB-22607B1AC8C1}"/>
+                    </a:ext>
+                  </a:extLst>
+                </p:cNvPr>
+                <p:cNvPicPr/>
+                <p:nvPr/>
+              </p:nvPicPr>
+              <p:blipFill>
+                <a:blip r:embed="rId35"/>
+                <a:stretch>
+                  <a:fillRect/>
+                </a:stretch>
+              </p:blipFill>
+              <p:spPr>
+                <a:xfrm>
+                  <a:off x="7572021" y="3437752"/>
+                  <a:ext cx="72000" cy="72000"/>
+                </a:xfrm>
+                <a:prstGeom prst="rect">
+                  <a:avLst/>
+                </a:prstGeom>
+              </p:spPr>
+            </p:pic>
+          </mc:Fallback>
+        </mc:AlternateContent>
+        <mc:AlternateContent xmlns:mc="http://schemas.openxmlformats.org/markup-compatibility/2006" xmlns:p14="http://schemas.microsoft.com/office/powerpoint/2010/main">
+          <mc:Choice Requires="p14">
+            <p:contentPart p14:bwMode="auto" r:id="rId70">
+              <p14:nvContentPartPr>
+                <p14:cNvPr id="14" name="Ink 13">
+                  <a:extLst>
+                    <a:ext uri="{FF2B5EF4-FFF2-40B4-BE49-F238E27FC236}">
+                      <a16:creationId xmlns:a16="http://schemas.microsoft.com/office/drawing/2014/main" id="{FD776196-AFA3-8688-83B9-FFD9217C4CF6}"/>
+                    </a:ext>
+                  </a:extLst>
+                </p14:cNvPr>
+                <p14:cNvContentPartPr/>
+                <p14:nvPr/>
+              </p14:nvContentPartPr>
+              <p14:xfrm>
+                <a:off x="7636101" y="3588592"/>
+                <a:ext cx="360" cy="360"/>
+              </p14:xfrm>
+            </p:contentPart>
+          </mc:Choice>
+          <mc:Fallback xmlns="">
+            <p:pic>
+              <p:nvPicPr>
+                <p:cNvPr id="115" name="Ink 114">
+                  <a:extLst>
+                    <a:ext uri="{FF2B5EF4-FFF2-40B4-BE49-F238E27FC236}">
+                      <a16:creationId xmlns:a16="http://schemas.microsoft.com/office/drawing/2014/main" id="{2E17EE9D-AC8F-1EFA-82ED-203C4162A859}"/>
+                    </a:ext>
+                  </a:extLst>
+                </p:cNvPr>
+                <p:cNvPicPr/>
+                <p:nvPr/>
+              </p:nvPicPr>
+              <p:blipFill>
+                <a:blip r:embed="rId35"/>
+                <a:stretch>
+                  <a:fillRect/>
+                </a:stretch>
+              </p:blipFill>
+              <p:spPr>
+                <a:xfrm>
+                  <a:off x="7600101" y="3552952"/>
+                  <a:ext cx="72000" cy="72000"/>
+                </a:xfrm>
+                <a:prstGeom prst="rect">
+                  <a:avLst/>
+                </a:prstGeom>
+              </p:spPr>
+            </p:pic>
+          </mc:Fallback>
+        </mc:AlternateContent>
+        <mc:AlternateContent xmlns:mc="http://schemas.openxmlformats.org/markup-compatibility/2006" xmlns:p14="http://schemas.microsoft.com/office/powerpoint/2010/main">
+          <mc:Choice Requires="p14">
+            <p:contentPart p14:bwMode="auto" r:id="rId71">
+              <p14:nvContentPartPr>
+                <p14:cNvPr id="16" name="Ink 15">
+                  <a:extLst>
+                    <a:ext uri="{FF2B5EF4-FFF2-40B4-BE49-F238E27FC236}">
+                      <a16:creationId xmlns:a16="http://schemas.microsoft.com/office/drawing/2014/main" id="{7406A37B-68EB-EDF3-A3DF-71EA377B94C5}"/>
+                    </a:ext>
+                  </a:extLst>
+                </p14:cNvPr>
+                <p14:cNvContentPartPr/>
+                <p14:nvPr/>
+              </p14:nvContentPartPr>
+              <p14:xfrm>
+                <a:off x="7674981" y="3473752"/>
+                <a:ext cx="360" cy="360"/>
+              </p14:xfrm>
+            </p:contentPart>
+          </mc:Choice>
+          <mc:Fallback xmlns="">
+            <p:pic>
+              <p:nvPicPr>
+                <p:cNvPr id="116" name="Ink 115">
+                  <a:extLst>
+                    <a:ext uri="{FF2B5EF4-FFF2-40B4-BE49-F238E27FC236}">
+                      <a16:creationId xmlns:a16="http://schemas.microsoft.com/office/drawing/2014/main" id="{0785D213-92CE-0FAC-322B-5F9165FFB809}"/>
+                    </a:ext>
+                  </a:extLst>
+                </p:cNvPr>
+                <p:cNvPicPr/>
+                <p:nvPr/>
+              </p:nvPicPr>
+              <p:blipFill>
+                <a:blip r:embed="rId35"/>
+                <a:stretch>
+                  <a:fillRect/>
+                </a:stretch>
+              </p:blipFill>
+              <p:spPr>
+                <a:xfrm>
+                  <a:off x="7638981" y="3437752"/>
+                  <a:ext cx="72000" cy="72000"/>
+                </a:xfrm>
+                <a:prstGeom prst="rect">
+                  <a:avLst/>
+                </a:prstGeom>
+              </p:spPr>
+            </p:pic>
+          </mc:Fallback>
+        </mc:AlternateContent>
+        <mc:AlternateContent xmlns:mc="http://schemas.openxmlformats.org/markup-compatibility/2006" xmlns:p14="http://schemas.microsoft.com/office/powerpoint/2010/main">
+          <mc:Choice Requires="p14">
+            <p:contentPart p14:bwMode="auto" r:id="rId72">
+              <p14:nvContentPartPr>
+                <p14:cNvPr id="17" name="Ink 16">
+                  <a:extLst>
+                    <a:ext uri="{FF2B5EF4-FFF2-40B4-BE49-F238E27FC236}">
+                      <a16:creationId xmlns:a16="http://schemas.microsoft.com/office/drawing/2014/main" id="{D0FFBE30-EA97-8C36-C581-4526D6EE83CD}"/>
+                    </a:ext>
+                  </a:extLst>
+                </p14:cNvPr>
+                <p14:cNvContentPartPr/>
+                <p14:nvPr/>
+              </p14:nvContentPartPr>
+              <p14:xfrm>
+                <a:off x="7737981" y="3366112"/>
+                <a:ext cx="360" cy="360"/>
+              </p14:xfrm>
+            </p:contentPart>
+          </mc:Choice>
+          <mc:Fallback xmlns="">
+            <p:pic>
+              <p:nvPicPr>
+                <p:cNvPr id="117" name="Ink 116">
+                  <a:extLst>
+                    <a:ext uri="{FF2B5EF4-FFF2-40B4-BE49-F238E27FC236}">
+                      <a16:creationId xmlns:a16="http://schemas.microsoft.com/office/drawing/2014/main" id="{AEFC23FD-493C-30EE-37F9-F6EC8BA46F89}"/>
+                    </a:ext>
+                  </a:extLst>
+                </p:cNvPr>
+                <p:cNvPicPr/>
+                <p:nvPr/>
+              </p:nvPicPr>
+              <p:blipFill>
+                <a:blip r:embed="rId35"/>
+                <a:stretch>
+                  <a:fillRect/>
+                </a:stretch>
+              </p:blipFill>
+              <p:spPr>
+                <a:xfrm>
+                  <a:off x="7702341" y="3330472"/>
+                  <a:ext cx="72000" cy="72000"/>
+                </a:xfrm>
+                <a:prstGeom prst="rect">
+                  <a:avLst/>
+                </a:prstGeom>
+              </p:spPr>
+            </p:pic>
+          </mc:Fallback>
+        </mc:AlternateContent>
+        <mc:AlternateContent xmlns:mc="http://schemas.openxmlformats.org/markup-compatibility/2006" xmlns:p14="http://schemas.microsoft.com/office/powerpoint/2010/main">
+          <mc:Choice Requires="p14">
+            <p:contentPart p14:bwMode="auto" r:id="rId73">
+              <p14:nvContentPartPr>
+                <p14:cNvPr id="18" name="Ink 17">
+                  <a:extLst>
+                    <a:ext uri="{FF2B5EF4-FFF2-40B4-BE49-F238E27FC236}">
+                      <a16:creationId xmlns:a16="http://schemas.microsoft.com/office/drawing/2014/main" id="{D72691F7-BA58-DB7C-2159-C176FD861CBA}"/>
+                    </a:ext>
+                  </a:extLst>
+                </p14:cNvPr>
+                <p14:cNvContentPartPr/>
+                <p14:nvPr/>
+              </p14:nvContentPartPr>
+              <p14:xfrm>
+                <a:off x="7767861" y="3593632"/>
+                <a:ext cx="360" cy="360"/>
+              </p14:xfrm>
+            </p:contentPart>
+          </mc:Choice>
+          <mc:Fallback xmlns="">
+            <p:pic>
+              <p:nvPicPr>
+                <p:cNvPr id="118" name="Ink 117">
+                  <a:extLst>
+                    <a:ext uri="{FF2B5EF4-FFF2-40B4-BE49-F238E27FC236}">
+                      <a16:creationId xmlns:a16="http://schemas.microsoft.com/office/drawing/2014/main" id="{33F8C910-2651-CE5C-8BA6-10AA812306AB}"/>
+                    </a:ext>
+                  </a:extLst>
+                </p:cNvPr>
+                <p:cNvPicPr/>
+                <p:nvPr/>
+              </p:nvPicPr>
+              <p:blipFill>
+                <a:blip r:embed="rId35"/>
+                <a:stretch>
+                  <a:fillRect/>
+                </a:stretch>
+              </p:blipFill>
+              <p:spPr>
+                <a:xfrm>
+                  <a:off x="7731861" y="3557632"/>
+                  <a:ext cx="72000" cy="72000"/>
+                </a:xfrm>
+                <a:prstGeom prst="rect">
+                  <a:avLst/>
+                </a:prstGeom>
+              </p:spPr>
+            </p:pic>
+          </mc:Fallback>
+        </mc:AlternateContent>
+        <mc:AlternateContent xmlns:mc="http://schemas.openxmlformats.org/markup-compatibility/2006" xmlns:p14="http://schemas.microsoft.com/office/powerpoint/2010/main">
+          <mc:Choice Requires="p14">
+            <p:contentPart p14:bwMode="auto" r:id="rId74">
+              <p14:nvContentPartPr>
+                <p14:cNvPr id="20" name="Ink 19">
+                  <a:extLst>
+                    <a:ext uri="{FF2B5EF4-FFF2-40B4-BE49-F238E27FC236}">
+                      <a16:creationId xmlns:a16="http://schemas.microsoft.com/office/drawing/2014/main" id="{95CB3C26-C18B-0860-FF4B-F226A40456A7}"/>
+                    </a:ext>
+                  </a:extLst>
+                </p14:cNvPr>
+                <p14:cNvContentPartPr/>
+                <p14:nvPr/>
+              </p14:nvContentPartPr>
+              <p14:xfrm>
+                <a:off x="7710261" y="3385192"/>
+                <a:ext cx="360" cy="360"/>
+              </p14:xfrm>
+            </p:contentPart>
+          </mc:Choice>
+          <mc:Fallback xmlns="">
+            <p:pic>
+              <p:nvPicPr>
+                <p:cNvPr id="119" name="Ink 118">
+                  <a:extLst>
+                    <a:ext uri="{FF2B5EF4-FFF2-40B4-BE49-F238E27FC236}">
+                      <a16:creationId xmlns:a16="http://schemas.microsoft.com/office/drawing/2014/main" id="{DB2BFCF7-026D-E333-10E6-1DBE35BE6050}"/>
+                    </a:ext>
+                  </a:extLst>
+                </p:cNvPr>
+                <p:cNvPicPr/>
+                <p:nvPr/>
+              </p:nvPicPr>
+              <p:blipFill>
+                <a:blip r:embed="rId35"/>
+                <a:stretch>
+                  <a:fillRect/>
+                </a:stretch>
+              </p:blipFill>
+              <p:spPr>
+                <a:xfrm>
+                  <a:off x="7674621" y="3349552"/>
+                  <a:ext cx="72000" cy="72000"/>
+                </a:xfrm>
+                <a:prstGeom prst="rect">
+                  <a:avLst/>
+                </a:prstGeom>
+              </p:spPr>
+            </p:pic>
+          </mc:Fallback>
+        </mc:AlternateContent>
+      </p:grpSp>
     </p:spTree>
     <p:extLst>
       <p:ext uri="{BB962C8B-B14F-4D97-AF65-F5344CB8AC3E}">
@@ -9621,7 +10414,10 @@
           <a:p>
             <a:pPr algn="ctr"/>
             <a:r>
-              <a:rPr lang="en-US" dirty="0"/>
+              <a:rPr lang="en-US" dirty="0">
+                <a:latin typeface="Source Sans Pro" panose="020B0503030403020204" pitchFamily="34" charset="0"/>
+                <a:ea typeface="Source Sans Pro" panose="020B0503030403020204" pitchFamily="34" charset="0"/>
+              </a:rPr>
               <a:t>Extremely good</a:t>
             </a:r>
           </a:p>
@@ -9657,7 +10453,10 @@
           <a:p>
             <a:pPr algn="ctr"/>
             <a:r>
-              <a:rPr lang="en-US" dirty="0"/>
+              <a:rPr lang="en-US" dirty="0">
+                <a:latin typeface="Source Sans Pro" panose="020B0503030403020204" pitchFamily="34" charset="0"/>
+                <a:ea typeface="Source Sans Pro" panose="020B0503030403020204" pitchFamily="34" charset="0"/>
+              </a:rPr>
               <a:t>Moderately good</a:t>
             </a:r>
           </a:p>
@@ -9693,7 +10492,10 @@
           <a:p>
             <a:pPr algn="ctr"/>
             <a:r>
-              <a:rPr lang="en-US" dirty="0"/>
+              <a:rPr lang="en-US" dirty="0">
+                <a:latin typeface="Source Sans Pro" panose="020B0503030403020204" pitchFamily="34" charset="0"/>
+                <a:ea typeface="Source Sans Pro" panose="020B0503030403020204" pitchFamily="34" charset="0"/>
+              </a:rPr>
               <a:t>Slightly good</a:t>
             </a:r>
           </a:p>
@@ -9729,7 +10531,10 @@
           <a:p>
             <a:pPr algn="ctr"/>
             <a:r>
-              <a:rPr lang="en-US" dirty="0"/>
+              <a:rPr lang="en-US" dirty="0">
+                <a:latin typeface="Source Sans Pro" panose="020B0503030403020204" pitchFamily="34" charset="0"/>
+                <a:ea typeface="Source Sans Pro" panose="020B0503030403020204" pitchFamily="34" charset="0"/>
+              </a:rPr>
               <a:t>Neither good nor bad</a:t>
             </a:r>
           </a:p>
@@ -9765,7 +10570,10 @@
           <a:p>
             <a:pPr algn="ctr"/>
             <a:r>
-              <a:rPr lang="en-US" dirty="0"/>
+              <a:rPr lang="en-US" dirty="0">
+                <a:latin typeface="Source Sans Pro" panose="020B0503030403020204" pitchFamily="34" charset="0"/>
+                <a:ea typeface="Source Sans Pro" panose="020B0503030403020204" pitchFamily="34" charset="0"/>
+              </a:rPr>
               <a:t>Slightly bad</a:t>
             </a:r>
           </a:p>
@@ -9801,7 +10609,10 @@
           <a:p>
             <a:pPr algn="ctr"/>
             <a:r>
-              <a:rPr lang="en-US" dirty="0"/>
+              <a:rPr lang="en-US" dirty="0">
+                <a:latin typeface="Source Sans Pro" panose="020B0503030403020204" pitchFamily="34" charset="0"/>
+                <a:ea typeface="Source Sans Pro" panose="020B0503030403020204" pitchFamily="34" charset="0"/>
+              </a:rPr>
               <a:t>Moderately bad</a:t>
             </a:r>
           </a:p>
@@ -9837,7 +10648,10 @@
           <a:p>
             <a:pPr algn="ctr"/>
             <a:r>
-              <a:rPr lang="en-US" dirty="0"/>
+              <a:rPr lang="en-US" dirty="0">
+                <a:latin typeface="Source Sans Pro" panose="020B0503030403020204" pitchFamily="34" charset="0"/>
+                <a:ea typeface="Source Sans Pro" panose="020B0503030403020204" pitchFamily="34" charset="0"/>
+              </a:rPr>
               <a:t>Extremely bad</a:t>
             </a:r>
           </a:p>
@@ -10302,7 +11116,10 @@
           <a:p>
             <a:pPr algn="ctr"/>
             <a:r>
-              <a:rPr lang="en-US" dirty="0"/>
+              <a:rPr lang="en-US" dirty="0">
+                <a:latin typeface="Source Sans Pro" panose="020B0503030403020204" pitchFamily="34" charset="0"/>
+                <a:ea typeface="Source Sans Pro" panose="020B0503030403020204" pitchFamily="34" charset="0"/>
+              </a:rPr>
               <a:t>Always</a:t>
             </a:r>
           </a:p>
@@ -10338,7 +11155,10 @@
           <a:p>
             <a:pPr algn="ctr"/>
             <a:r>
-              <a:rPr lang="en-US" dirty="0"/>
+              <a:rPr lang="en-US" dirty="0">
+                <a:latin typeface="Source Sans Pro" panose="020B0503030403020204" pitchFamily="34" charset="0"/>
+                <a:ea typeface="Source Sans Pro" panose="020B0503030403020204" pitchFamily="34" charset="0"/>
+              </a:rPr>
               <a:t>Most of the time</a:t>
             </a:r>
           </a:p>
@@ -10374,7 +11194,10 @@
           <a:p>
             <a:pPr algn="ctr"/>
             <a:r>
-              <a:rPr lang="en-US" dirty="0"/>
+              <a:rPr lang="en-US" dirty="0">
+                <a:latin typeface="Source Sans Pro" panose="020B0503030403020204" pitchFamily="34" charset="0"/>
+                <a:ea typeface="Source Sans Pro" panose="020B0503030403020204" pitchFamily="34" charset="0"/>
+              </a:rPr>
               <a:t>About half the time</a:t>
             </a:r>
           </a:p>
@@ -10410,7 +11233,10 @@
           <a:p>
             <a:pPr algn="ctr"/>
             <a:r>
-              <a:rPr lang="en-US" dirty="0"/>
+              <a:rPr lang="en-US" dirty="0">
+                <a:latin typeface="Source Sans Pro" panose="020B0503030403020204" pitchFamily="34" charset="0"/>
+                <a:ea typeface="Source Sans Pro" panose="020B0503030403020204" pitchFamily="34" charset="0"/>
+              </a:rPr>
               <a:t>Sometimes</a:t>
             </a:r>
           </a:p>
@@ -10446,7 +11272,10 @@
           <a:p>
             <a:pPr algn="ctr"/>
             <a:r>
-              <a:rPr lang="en-US" dirty="0"/>
+              <a:rPr lang="en-US" dirty="0">
+                <a:latin typeface="Source Sans Pro" panose="020B0503030403020204" pitchFamily="34" charset="0"/>
+                <a:ea typeface="Source Sans Pro" panose="020B0503030403020204" pitchFamily="34" charset="0"/>
+              </a:rPr>
               <a:t>Never</a:t>
             </a:r>
           </a:p>
@@ -10890,8 +11719,8 @@
           </p:pic>
         </mc:Fallback>
       </mc:AlternateContent>
-      <mc:AlternateContent xmlns:mc="http://schemas.openxmlformats.org/markup-compatibility/2006" xmlns:p14="http://schemas.microsoft.com/office/powerpoint/2010/main">
-        <mc:Choice Requires="p14">
+      <mc:AlternateContent xmlns:mc="http://schemas.openxmlformats.org/markup-compatibility/2006">
+        <mc:Choice xmlns:p14="http://schemas.microsoft.com/office/powerpoint/2010/main" Requires="p14">
           <p:contentPart p14:bwMode="auto" r:id="rId6">
             <p14:nvContentPartPr>
               <p14:cNvPr id="20" name="Ink 19">
@@ -10910,7 +11739,7 @@
             </p14:xfrm>
           </p:contentPart>
         </mc:Choice>
-        <mc:Fallback xmlns="">
+        <mc:Fallback>
           <p:pic>
             <p:nvPicPr>
               <p:cNvPr id="20" name="Ink 19">
@@ -10924,14 +11753,14 @@
               <p:nvPr/>
             </p:nvPicPr>
             <p:blipFill>
-              <a:blip r:embed="rId9"/>
+              <a:blip r:embed="rId7"/>
               <a:stretch>
                 <a:fillRect/>
               </a:stretch>
             </p:blipFill>
             <p:spPr>
               <a:xfrm>
-                <a:off x="2647224" y="2042136"/>
+                <a:off x="2646864" y="2041776"/>
                 <a:ext cx="198000" cy="36000"/>
               </a:xfrm>
               <a:prstGeom prst="rect">
@@ -10941,9 +11770,9 @@
           </p:pic>
         </mc:Fallback>
       </mc:AlternateContent>
-      <mc:AlternateContent xmlns:mc="http://schemas.openxmlformats.org/markup-compatibility/2006" xmlns:p14="http://schemas.microsoft.com/office/powerpoint/2010/main">
-        <mc:Choice Requires="p14">
-          <p:contentPart p14:bwMode="auto" r:id="rId10">
+      <mc:AlternateContent xmlns:mc="http://schemas.openxmlformats.org/markup-compatibility/2006">
+        <mc:Choice xmlns:p14="http://schemas.microsoft.com/office/powerpoint/2010/main" Requires="p14">
+          <p:contentPart p14:bwMode="auto" r:id="rId8">
             <p14:nvContentPartPr>
               <p14:cNvPr id="21" name="Ink 20">
                 <a:extLst>
@@ -10961,7 +11790,7 @@
             </p14:xfrm>
           </p:contentPart>
         </mc:Choice>
-        <mc:Fallback xmlns="">
+        <mc:Fallback>
           <p:pic>
             <p:nvPicPr>
               <p:cNvPr id="21" name="Ink 20">
@@ -10975,14 +11804,14 @@
               <p:nvPr/>
             </p:nvPicPr>
             <p:blipFill>
-              <a:blip r:embed="rId11"/>
+              <a:blip r:embed="rId9"/>
               <a:stretch>
                 <a:fillRect/>
               </a:stretch>
             </p:blipFill>
             <p:spPr>
               <a:xfrm>
-                <a:off x="2646504" y="2677896"/>
+                <a:off x="2646144" y="2677896"/>
                 <a:ext cx="166680" cy="36000"/>
               </a:xfrm>
               <a:prstGeom prst="rect">
@@ -10992,9 +11821,9 @@
           </p:pic>
         </mc:Fallback>
       </mc:AlternateContent>
-      <mc:AlternateContent xmlns:mc="http://schemas.openxmlformats.org/markup-compatibility/2006" xmlns:p14="http://schemas.microsoft.com/office/powerpoint/2010/main">
-        <mc:Choice Requires="p14">
-          <p:contentPart p14:bwMode="auto" r:id="rId12">
+      <mc:AlternateContent xmlns:mc="http://schemas.openxmlformats.org/markup-compatibility/2006">
+        <mc:Choice xmlns:p14="http://schemas.microsoft.com/office/powerpoint/2010/main" Requires="p14">
+          <p:contentPart p14:bwMode="auto" r:id="rId10">
             <p14:nvContentPartPr>
               <p14:cNvPr id="22" name="Ink 21">
                 <a:extLst>
@@ -11012,7 +11841,7 @@
             </p14:xfrm>
           </p:contentPart>
         </mc:Choice>
-        <mc:Fallback xmlns="">
+        <mc:Fallback>
           <p:pic>
             <p:nvPicPr>
               <p:cNvPr id="22" name="Ink 21">
@@ -11026,7 +11855,7 @@
               <p:nvPr/>
             </p:nvPicPr>
             <p:blipFill>
-              <a:blip r:embed="rId13"/>
+              <a:blip r:embed="rId11"/>
               <a:stretch>
                 <a:fillRect/>
               </a:stretch>
@@ -11043,9 +11872,9 @@
           </p:pic>
         </mc:Fallback>
       </mc:AlternateContent>
-      <mc:AlternateContent xmlns:mc="http://schemas.openxmlformats.org/markup-compatibility/2006" xmlns:p14="http://schemas.microsoft.com/office/powerpoint/2010/main">
-        <mc:Choice Requires="p14">
-          <p:contentPart p14:bwMode="auto" r:id="rId14">
+      <mc:AlternateContent xmlns:mc="http://schemas.openxmlformats.org/markup-compatibility/2006">
+        <mc:Choice xmlns:p14="http://schemas.microsoft.com/office/powerpoint/2010/main" Requires="p14">
+          <p:contentPart p14:bwMode="auto" r:id="rId12">
             <p14:nvContentPartPr>
               <p14:cNvPr id="23" name="Ink 22">
                 <a:extLst>
@@ -11063,7 +11892,7 @@
             </p14:xfrm>
           </p:contentPart>
         </mc:Choice>
-        <mc:Fallback xmlns="">
+        <mc:Fallback>
           <p:pic>
             <p:nvPicPr>
               <p:cNvPr id="23" name="Ink 22">
@@ -11077,7 +11906,7 @@
               <p:nvPr/>
             </p:nvPicPr>
             <p:blipFill>
-              <a:blip r:embed="rId15"/>
+              <a:blip r:embed="rId13"/>
               <a:stretch>
                 <a:fillRect/>
               </a:stretch>
@@ -11094,9 +11923,9 @@
           </p:pic>
         </mc:Fallback>
       </mc:AlternateContent>
-      <mc:AlternateContent xmlns:mc="http://schemas.openxmlformats.org/markup-compatibility/2006" xmlns:p14="http://schemas.microsoft.com/office/powerpoint/2010/main">
-        <mc:Choice Requires="p14">
-          <p:contentPart p14:bwMode="auto" r:id="rId16">
+      <mc:AlternateContent xmlns:mc="http://schemas.openxmlformats.org/markup-compatibility/2006">
+        <mc:Choice xmlns:p14="http://schemas.microsoft.com/office/powerpoint/2010/main" Requires="p14">
+          <p:contentPart p14:bwMode="auto" r:id="rId14">
             <p14:nvContentPartPr>
               <p14:cNvPr id="24" name="Ink 23">
                 <a:extLst>
@@ -11114,7 +11943,7 @@
             </p14:xfrm>
           </p:contentPart>
         </mc:Choice>
-        <mc:Fallback xmlns="">
+        <mc:Fallback>
           <p:pic>
             <p:nvPicPr>
               <p:cNvPr id="24" name="Ink 23">
@@ -11128,15 +11957,15 @@
               <p:nvPr/>
             </p:nvPicPr>
             <p:blipFill>
-              <a:blip r:embed="rId17"/>
+              <a:blip r:embed="rId15"/>
               <a:stretch>
                 <a:fillRect/>
               </a:stretch>
             </p:blipFill>
             <p:spPr>
               <a:xfrm>
-                <a:off x="2686824" y="2462256"/>
-                <a:ext cx="160920" cy="36000"/>
+                <a:off x="2686412" y="2462256"/>
+                <a:ext cx="161023" cy="36000"/>
               </a:xfrm>
               <a:prstGeom prst="rect">
                 <a:avLst/>
@@ -11147,7 +11976,7 @@
       </mc:AlternateContent>
       <mc:AlternateContent xmlns:mc="http://schemas.openxmlformats.org/markup-compatibility/2006" xmlns:p14="http://schemas.microsoft.com/office/powerpoint/2010/main">
         <mc:Choice Requires="p14">
-          <p:contentPart p14:bwMode="auto" r:id="rId18">
+          <p:contentPart p14:bwMode="auto" r:id="rId16">
             <p14:nvContentPartPr>
               <p14:cNvPr id="28" name="Ink 27">
                 <a:extLst>
@@ -11226,7 +12055,10 @@
           <a:p>
             <a:pPr algn="r"/>
             <a:r>
-              <a:rPr lang="en-US" dirty="0"/>
+              <a:rPr lang="en-US" dirty="0">
+                <a:latin typeface="Source Sans Pro" panose="020B0503030403020204" pitchFamily="34" charset="0"/>
+                <a:ea typeface="Source Sans Pro" panose="020B0503030403020204" pitchFamily="34" charset="0"/>
+              </a:rPr>
               <a:t>True height</a:t>
             </a:r>
           </a:p>
@@ -11261,7 +12093,10 @@
           <a:lstStyle/>
           <a:p>
             <a:r>
-              <a:rPr lang="en-US" dirty="0"/>
+              <a:rPr lang="en-US" dirty="0">
+                <a:latin typeface="Source Sans Pro" panose="020B0503030403020204" pitchFamily="34" charset="0"/>
+                <a:ea typeface="Source Sans Pro" panose="020B0503030403020204" pitchFamily="34" charset="0"/>
+              </a:rPr>
               <a:t>Standard deviation of individual measures (including measurement error)</a:t>
             </a:r>
           </a:p>
@@ -11297,14 +12132,17 @@
           <a:p>
             <a:pPr algn="r"/>
             <a:r>
-              <a:rPr lang="en-US" dirty="0"/>
+              <a:rPr lang="en-US" dirty="0">
+                <a:latin typeface="Source Sans Pro" panose="020B0503030403020204" pitchFamily="34" charset="0"/>
+                <a:ea typeface="Source Sans Pro" panose="020B0503030403020204" pitchFamily="34" charset="0"/>
+              </a:rPr>
               <a:t>Zero point</a:t>
             </a:r>
           </a:p>
         </p:txBody>
       </p:sp>
-      <mc:AlternateContent xmlns:mc="http://schemas.openxmlformats.org/markup-compatibility/2006" xmlns:p14="http://schemas.microsoft.com/office/powerpoint/2010/main">
-        <mc:Choice Requires="p14">
+      <mc:AlternateContent xmlns:mc="http://schemas.openxmlformats.org/markup-compatibility/2006">
+        <mc:Choice xmlns:p14="http://schemas.microsoft.com/office/powerpoint/2010/main" Requires="p14">
           <p:contentPart p14:bwMode="auto" r:id="rId20">
             <p14:nvContentPartPr>
               <p14:cNvPr id="33" name="Ink 32">
@@ -11323,7 +12161,7 @@
             </p14:xfrm>
           </p:contentPart>
         </mc:Choice>
-        <mc:Fallback xmlns="">
+        <mc:Fallback>
           <p:pic>
             <p:nvPicPr>
               <p:cNvPr id="33" name="Ink 32">
@@ -11344,7 +12182,7 @@
             </p:blipFill>
             <p:spPr>
               <a:xfrm>
-                <a:off x="1680552" y="2324376"/>
+                <a:off x="1680552" y="2324016"/>
                 <a:ext cx="487080" cy="3678840"/>
               </a:xfrm>
               <a:prstGeom prst="rect">
@@ -11369,7 +12207,7 @@
         <p:spPr>
           <a:xfrm>
             <a:off x="1092419" y="1133825"/>
-            <a:ext cx="3717621" cy="369332"/>
+            <a:ext cx="3940502" cy="369332"/>
           </a:xfrm>
           <a:prstGeom prst="rect">
             <a:avLst/>
@@ -11383,7 +12221,10 @@
           <a:lstStyle/>
           <a:p>
             <a:r>
-              <a:rPr lang="en-US" b="1" dirty="0"/>
+              <a:rPr lang="en-US" b="1" dirty="0">
+                <a:latin typeface="Source Sans Pro" panose="020B0503030403020204" pitchFamily="34" charset="0"/>
+                <a:ea typeface="Source Sans Pro" panose="020B0503030403020204" pitchFamily="34" charset="0"/>
+              </a:rPr>
               <a:t>Measuring reliability with a true zero</a:t>
             </a:r>
           </a:p>
@@ -11737,8 +12578,8 @@
           </p:pic>
         </mc:Fallback>
       </mc:AlternateContent>
-      <mc:AlternateContent xmlns:mc="http://schemas.openxmlformats.org/markup-compatibility/2006" xmlns:p14="http://schemas.microsoft.com/office/powerpoint/2010/main">
-        <mc:Choice Requires="p14">
+      <mc:AlternateContent xmlns:mc="http://schemas.openxmlformats.org/markup-compatibility/2006">
+        <mc:Choice xmlns:p14="http://schemas.microsoft.com/office/powerpoint/2010/main" Requires="p14">
           <p:contentPart p14:bwMode="auto" r:id="rId31">
             <p14:nvContentPartPr>
               <p14:cNvPr id="49" name="Ink 48">
@@ -11757,7 +12598,7 @@
             </p14:xfrm>
           </p:contentPart>
         </mc:Choice>
-        <mc:Fallback xmlns="">
+        <mc:Fallback>
           <p:pic>
             <p:nvPicPr>
               <p:cNvPr id="49" name="Ink 48">
@@ -11778,7 +12619,7 @@
             </p:blipFill>
             <p:spPr>
               <a:xfrm>
-                <a:off x="7990056" y="3171961"/>
+                <a:off x="7990056" y="3171601"/>
                 <a:ext cx="188280" cy="38160"/>
               </a:xfrm>
               <a:prstGeom prst="rect">
@@ -11788,8 +12629,8 @@
           </p:pic>
         </mc:Fallback>
       </mc:AlternateContent>
-      <mc:AlternateContent xmlns:mc="http://schemas.openxmlformats.org/markup-compatibility/2006" xmlns:p14="http://schemas.microsoft.com/office/powerpoint/2010/main">
-        <mc:Choice Requires="p14">
+      <mc:AlternateContent xmlns:mc="http://schemas.openxmlformats.org/markup-compatibility/2006">
+        <mc:Choice xmlns:p14="http://schemas.microsoft.com/office/powerpoint/2010/main" Requires="p14">
           <p:contentPart p14:bwMode="auto" r:id="rId33">
             <p14:nvContentPartPr>
               <p14:cNvPr id="50" name="Ink 49">
@@ -11808,7 +12649,7 @@
             </p14:xfrm>
           </p:contentPart>
         </mc:Choice>
-        <mc:Fallback xmlns="">
+        <mc:Fallback>
           <p:pic>
             <p:nvPicPr>
               <p:cNvPr id="50" name="Ink 49">
@@ -11829,8 +12670,8 @@
             </p:blipFill>
             <p:spPr>
               <a:xfrm>
-                <a:off x="7984296" y="4200841"/>
-                <a:ext cx="217080" cy="36000"/>
+                <a:off x="7984332" y="4200481"/>
+                <a:ext cx="217009" cy="36000"/>
               </a:xfrm>
               <a:prstGeom prst="rect">
                 <a:avLst/>
@@ -11839,8 +12680,8 @@
           </p:pic>
         </mc:Fallback>
       </mc:AlternateContent>
-      <mc:AlternateContent xmlns:mc="http://schemas.openxmlformats.org/markup-compatibility/2006" xmlns:p14="http://schemas.microsoft.com/office/powerpoint/2010/main">
-        <mc:Choice Requires="p14">
+      <mc:AlternateContent xmlns:mc="http://schemas.openxmlformats.org/markup-compatibility/2006">
+        <mc:Choice xmlns:p14="http://schemas.microsoft.com/office/powerpoint/2010/main" Requires="p14">
           <p:contentPart p14:bwMode="auto" r:id="rId35">
             <p14:nvContentPartPr>
               <p14:cNvPr id="51" name="Ink 50">
@@ -11859,7 +12700,7 @@
             </p14:xfrm>
           </p:contentPart>
         </mc:Choice>
-        <mc:Fallback xmlns="">
+        <mc:Fallback>
           <p:pic>
             <p:nvPicPr>
               <p:cNvPr id="51" name="Ink 50">
@@ -11880,7 +12721,7 @@
             </p:blipFill>
             <p:spPr>
               <a:xfrm>
-                <a:off x="7983936" y="3940921"/>
+                <a:off x="7983576" y="3940921"/>
                 <a:ext cx="161280" cy="36000"/>
               </a:xfrm>
               <a:prstGeom prst="rect">
@@ -11890,8 +12731,8 @@
           </p:pic>
         </mc:Fallback>
       </mc:AlternateContent>
-      <mc:AlternateContent xmlns:mc="http://schemas.openxmlformats.org/markup-compatibility/2006" xmlns:p14="http://schemas.microsoft.com/office/powerpoint/2010/main">
-        <mc:Choice Requires="p14">
+      <mc:AlternateContent xmlns:mc="http://schemas.openxmlformats.org/markup-compatibility/2006">
+        <mc:Choice xmlns:p14="http://schemas.microsoft.com/office/powerpoint/2010/main" Requires="p14">
           <p:contentPart p14:bwMode="auto" r:id="rId37">
             <p14:nvContentPartPr>
               <p14:cNvPr id="52" name="Ink 51">
@@ -11910,7 +12751,7 @@
             </p14:xfrm>
           </p:contentPart>
         </mc:Choice>
-        <mc:Fallback xmlns="">
+        <mc:Fallback>
           <p:pic>
             <p:nvPicPr>
               <p:cNvPr id="52" name="Ink 51">
@@ -11931,7 +12772,7 @@
             </p:blipFill>
             <p:spPr>
               <a:xfrm>
-                <a:off x="7997976" y="3527281"/>
+                <a:off x="7997616" y="3526921"/>
                 <a:ext cx="145800" cy="36000"/>
               </a:xfrm>
               <a:prstGeom prst="rect">
@@ -11941,8 +12782,8 @@
           </p:pic>
         </mc:Fallback>
       </mc:AlternateContent>
-      <mc:AlternateContent xmlns:mc="http://schemas.openxmlformats.org/markup-compatibility/2006" xmlns:p14="http://schemas.microsoft.com/office/powerpoint/2010/main">
-        <mc:Choice Requires="p14">
+      <mc:AlternateContent xmlns:mc="http://schemas.openxmlformats.org/markup-compatibility/2006">
+        <mc:Choice xmlns:p14="http://schemas.microsoft.com/office/powerpoint/2010/main" Requires="p14">
           <p:contentPart p14:bwMode="auto" r:id="rId39">
             <p14:nvContentPartPr>
               <p14:cNvPr id="53" name="Ink 52">
@@ -11961,7 +12802,7 @@
             </p14:xfrm>
           </p:contentPart>
         </mc:Choice>
-        <mc:Fallback xmlns="">
+        <mc:Fallback>
           <p:pic>
             <p:nvPicPr>
               <p:cNvPr id="53" name="Ink 52">
@@ -11982,7 +12823,7 @@
             </p:blipFill>
             <p:spPr>
               <a:xfrm>
-                <a:off x="7975296" y="3849841"/>
+                <a:off x="7975296" y="3849481"/>
                 <a:ext cx="171000" cy="36000"/>
               </a:xfrm>
               <a:prstGeom prst="rect">
@@ -11992,8 +12833,8 @@
           </p:pic>
         </mc:Fallback>
       </mc:AlternateContent>
-      <mc:AlternateContent xmlns:mc="http://schemas.openxmlformats.org/markup-compatibility/2006" xmlns:p14="http://schemas.microsoft.com/office/powerpoint/2010/main">
-        <mc:Choice Requires="p14">
+      <mc:AlternateContent xmlns:mc="http://schemas.openxmlformats.org/markup-compatibility/2006">
+        <mc:Choice xmlns:p14="http://schemas.microsoft.com/office/powerpoint/2010/main" Requires="p14">
           <p:contentPart p14:bwMode="auto" r:id="rId41">
             <p14:nvContentPartPr>
               <p14:cNvPr id="54" name="Ink 53">
@@ -12012,7 +12853,7 @@
             </p14:xfrm>
           </p:contentPart>
         </mc:Choice>
-        <mc:Fallback xmlns="">
+        <mc:Fallback>
           <p:pic>
             <p:nvPicPr>
               <p:cNvPr id="54" name="Ink 53">
@@ -12043,8 +12884,8 @@
           </p:pic>
         </mc:Fallback>
       </mc:AlternateContent>
-      <mc:AlternateContent xmlns:mc="http://schemas.openxmlformats.org/markup-compatibility/2006" xmlns:p14="http://schemas.microsoft.com/office/powerpoint/2010/main">
-        <mc:Choice Requires="p14">
+      <mc:AlternateContent xmlns:mc="http://schemas.openxmlformats.org/markup-compatibility/2006">
+        <mc:Choice xmlns:p14="http://schemas.microsoft.com/office/powerpoint/2010/main" Requires="p14">
           <p:contentPart p14:bwMode="auto" r:id="rId43">
             <p14:nvContentPartPr>
               <p14:cNvPr id="55" name="Ink 54">
@@ -12063,7 +12904,7 @@
             </p14:xfrm>
           </p:contentPart>
         </mc:Choice>
-        <mc:Fallback xmlns="">
+        <mc:Fallback>
           <p:pic>
             <p:nvPicPr>
               <p:cNvPr id="55" name="Ink 54">
@@ -12084,7 +12925,7 @@
             </p:blipFill>
             <p:spPr>
               <a:xfrm>
-                <a:off x="10086336" y="3365281"/>
+                <a:off x="10085976" y="3365281"/>
                 <a:ext cx="136080" cy="36000"/>
               </a:xfrm>
               <a:prstGeom prst="rect">
@@ -12094,8 +12935,8 @@
           </p:pic>
         </mc:Fallback>
       </mc:AlternateContent>
-      <mc:AlternateContent xmlns:mc="http://schemas.openxmlformats.org/markup-compatibility/2006" xmlns:p14="http://schemas.microsoft.com/office/powerpoint/2010/main">
-        <mc:Choice Requires="p14">
+      <mc:AlternateContent xmlns:mc="http://schemas.openxmlformats.org/markup-compatibility/2006">
+        <mc:Choice xmlns:p14="http://schemas.microsoft.com/office/powerpoint/2010/main" Requires="p14">
           <p:contentPart p14:bwMode="auto" r:id="rId45">
             <p14:nvContentPartPr>
               <p14:cNvPr id="56" name="Ink 55">
@@ -12114,7 +12955,7 @@
             </p14:xfrm>
           </p:contentPart>
         </mc:Choice>
-        <mc:Fallback xmlns="">
+        <mc:Fallback>
           <p:pic>
             <p:nvPicPr>
               <p:cNvPr id="56" name="Ink 55">
@@ -12135,8 +12976,8 @@
             </p:blipFill>
             <p:spPr>
               <a:xfrm>
-                <a:off x="10071936" y="4209121"/>
-                <a:ext cx="209160" cy="38520"/>
+                <a:off x="10071576" y="4206190"/>
+                <a:ext cx="209160" cy="43611"/>
               </a:xfrm>
               <a:prstGeom prst="rect">
                 <a:avLst/>
@@ -12145,8 +12986,8 @@
           </p:pic>
         </mc:Fallback>
       </mc:AlternateContent>
-      <mc:AlternateContent xmlns:mc="http://schemas.openxmlformats.org/markup-compatibility/2006" xmlns:p14="http://schemas.microsoft.com/office/powerpoint/2010/main">
-        <mc:Choice Requires="p14">
+      <mc:AlternateContent xmlns:mc="http://schemas.openxmlformats.org/markup-compatibility/2006">
+        <mc:Choice xmlns:p14="http://schemas.microsoft.com/office/powerpoint/2010/main" Requires="p14">
           <p:contentPart p14:bwMode="auto" r:id="rId47">
             <p14:nvContentPartPr>
               <p14:cNvPr id="57" name="Ink 56">
@@ -12165,7 +13006,7 @@
             </p14:xfrm>
           </p:contentPart>
         </mc:Choice>
-        <mc:Fallback xmlns="">
+        <mc:Fallback>
           <p:pic>
             <p:nvPicPr>
               <p:cNvPr id="57" name="Ink 56">
@@ -12179,14 +13020,14 @@
               <p:nvPr/>
             </p:nvPicPr>
             <p:blipFill>
-              <a:blip r:embed="rId48"/>
+              <a:blip r:embed="rId38"/>
               <a:stretch>
                 <a:fillRect/>
               </a:stretch>
             </p:blipFill>
             <p:spPr>
               <a:xfrm>
-                <a:off x="10073736" y="4071961"/>
+                <a:off x="10073376" y="4071961"/>
                 <a:ext cx="144360" cy="36000"/>
               </a:xfrm>
               <a:prstGeom prst="rect">
@@ -12196,9 +13037,9 @@
           </p:pic>
         </mc:Fallback>
       </mc:AlternateContent>
-      <mc:AlternateContent xmlns:mc="http://schemas.openxmlformats.org/markup-compatibility/2006" xmlns:p14="http://schemas.microsoft.com/office/powerpoint/2010/main">
-        <mc:Choice Requires="p14">
-          <p:contentPart p14:bwMode="auto" r:id="rId49">
+      <mc:AlternateContent xmlns:mc="http://schemas.openxmlformats.org/markup-compatibility/2006">
+        <mc:Choice xmlns:p14="http://schemas.microsoft.com/office/powerpoint/2010/main" Requires="p14">
+          <p:contentPart p14:bwMode="auto" r:id="rId48">
             <p14:nvContentPartPr>
               <p14:cNvPr id="58" name="Ink 57">
                 <a:extLst>
@@ -12216,7 +13057,7 @@
             </p14:xfrm>
           </p:contentPart>
         </mc:Choice>
-        <mc:Fallback xmlns="">
+        <mc:Fallback>
           <p:pic>
             <p:nvPicPr>
               <p:cNvPr id="58" name="Ink 57">
@@ -12230,15 +13071,15 @@
               <p:nvPr/>
             </p:nvPicPr>
             <p:blipFill>
-              <a:blip r:embed="rId50"/>
+              <a:blip r:embed="rId49"/>
               <a:stretch>
                 <a:fillRect/>
               </a:stretch>
             </p:blipFill>
             <p:spPr>
               <a:xfrm>
-                <a:off x="10058976" y="3780361"/>
-                <a:ext cx="192240" cy="36000"/>
+                <a:off x="10058575" y="3780001"/>
+                <a:ext cx="192322" cy="36000"/>
               </a:xfrm>
               <a:prstGeom prst="rect">
                 <a:avLst/>
@@ -12262,7 +13103,7 @@
         <p:spPr>
           <a:xfrm>
             <a:off x="7045115" y="1632357"/>
-            <a:ext cx="4044633" cy="369332"/>
+            <a:ext cx="4288353" cy="369332"/>
           </a:xfrm>
           <a:prstGeom prst="rect">
             <a:avLst/>
@@ -12276,14 +13117,17 @@
           <a:lstStyle/>
           <a:p>
             <a:r>
-              <a:rPr lang="en-US" b="1" dirty="0"/>
+              <a:rPr lang="en-US" b="1" dirty="0">
+                <a:latin typeface="Source Sans Pro" panose="020B0503030403020204" pitchFamily="34" charset="0"/>
+                <a:ea typeface="Source Sans Pro" panose="020B0503030403020204" pitchFamily="34" charset="0"/>
+              </a:rPr>
               <a:t>Measuring reliability without a true zero</a:t>
             </a:r>
           </a:p>
         </p:txBody>
       </p:sp>
-      <mc:AlternateContent xmlns:mc="http://schemas.openxmlformats.org/markup-compatibility/2006" xmlns:a14="http://schemas.microsoft.com/office/drawing/2010/main">
-        <mc:Choice Requires="a14">
+      <mc:AlternateContent xmlns:mc="http://schemas.openxmlformats.org/markup-compatibility/2006">
+        <mc:Choice xmlns:a14="http://schemas.microsoft.com/office/drawing/2010/main" Requires="a14">
           <p:sp>
             <p:nvSpPr>
               <p:cNvPr id="60" name="TextBox 59">
@@ -12343,7 +13187,7 @@
                           <m:r>
                             <a:rPr lang="en-US" b="0" i="1" smtClean="0">
                               <a:solidFill>
-                                <a:srgbClr val="FF0000"/>
+                                <a:srgbClr val="C93431"/>
                               </a:solidFill>
                               <a:latin typeface="Cambria Math" panose="02040503050406030204" pitchFamily="18" charset="0"/>
                               <a:ea typeface="Cambria Math" panose="02040503050406030204" pitchFamily="18" charset="0"/>
@@ -12355,7 +13199,7 @@
                           <m:r>
                             <a:rPr lang="en-US" b="0" i="1" smtClean="0">
                               <a:solidFill>
-                                <a:srgbClr val="0070C0"/>
+                                <a:srgbClr val="347FB5"/>
                               </a:solidFill>
                               <a:latin typeface="Cambria Math" panose="02040503050406030204" pitchFamily="18" charset="0"/>
                               <a:ea typeface="Cambria Math" panose="02040503050406030204" pitchFamily="18" charset="0"/>
@@ -12367,12 +13211,15 @@
                     </m:oMath>
                   </m:oMathPara>
                 </a14:m>
-                <a:endParaRPr lang="en-US" dirty="0"/>
+                <a:endParaRPr lang="en-US" dirty="0">
+                  <a:latin typeface="Source Sans Pro" panose="020B0503030403020204" pitchFamily="34" charset="0"/>
+                  <a:ea typeface="Source Sans Pro" panose="020B0503030403020204" pitchFamily="34" charset="0"/>
+                </a:endParaRPr>
               </a:p>
             </p:txBody>
           </p:sp>
         </mc:Choice>
-        <mc:Fallback xmlns="">
+        <mc:Fallback>
           <p:sp>
             <p:nvSpPr>
               <p:cNvPr id="60" name="TextBox 59">
@@ -12396,7 +13243,7 @@
                 <a:avLst/>
               </a:prstGeom>
               <a:blipFill>
-                <a:blip r:embed="rId51"/>
+                <a:blip r:embed="rId50"/>
                 <a:stretch>
                   <a:fillRect b="-2041"/>
                 </a:stretch>
@@ -12447,7 +13294,10 @@
           <a:p>
             <a:pPr algn="ctr"/>
             <a:r>
-              <a:rPr lang="en-US" dirty="0"/>
+              <a:rPr lang="en-US" dirty="0">
+                <a:latin typeface="Source Sans Pro" panose="020B0503030403020204" pitchFamily="34" charset="0"/>
+                <a:ea typeface="Source Sans Pro" panose="020B0503030403020204" pitchFamily="34" charset="0"/>
+              </a:rPr>
               <a:t>Parallel tests</a:t>
             </a:r>
           </a:p>
@@ -12475,7 +13325,7 @@
         </p:grpSpPr>
         <mc:AlternateContent xmlns:mc="http://schemas.openxmlformats.org/markup-compatibility/2006" xmlns:p14="http://schemas.microsoft.com/office/powerpoint/2010/main">
           <mc:Choice Requires="p14">
-            <p:contentPart p14:bwMode="auto" r:id="rId52">
+            <p:contentPart p14:bwMode="auto" r:id="rId51">
               <p14:nvContentPartPr>
                 <p14:cNvPr id="63" name="Ink 62">
                   <a:extLst>
@@ -12759,14 +13609,17 @@
           <a:p>
             <a:pPr algn="r"/>
             <a:r>
-              <a:rPr lang="en-US" dirty="0"/>
+              <a:rPr lang="en-US" dirty="0">
+                <a:latin typeface="Source Sans Pro" panose="020B0503030403020204" pitchFamily="34" charset="0"/>
+                <a:ea typeface="Source Sans Pro" panose="020B0503030403020204" pitchFamily="34" charset="0"/>
+              </a:rPr>
               <a:t>Individual measures (including measurement error)</a:t>
             </a:r>
           </a:p>
         </p:txBody>
       </p:sp>
-      <mc:AlternateContent xmlns:mc="http://schemas.openxmlformats.org/markup-compatibility/2006" xmlns:a14="http://schemas.microsoft.com/office/drawing/2010/main">
-        <mc:Choice Requires="a14">
+      <mc:AlternateContent xmlns:mc="http://schemas.openxmlformats.org/markup-compatibility/2006">
+        <mc:Choice xmlns:a14="http://schemas.microsoft.com/office/drawing/2010/main" Requires="a14">
           <p:sp>
             <p:nvSpPr>
               <p:cNvPr id="71" name="TextBox 70">
@@ -12782,7 +13635,7 @@
             <p:spPr>
               <a:xfrm>
                 <a:off x="7770748" y="4975774"/>
-                <a:ext cx="2785443" cy="404213"/>
+                <a:ext cx="2824619" cy="393121"/>
               </a:xfrm>
               <a:prstGeom prst="rect">
                 <a:avLst/>
@@ -12796,7 +13649,10 @@
               <a:lstStyle/>
               <a:p>
                 <a:r>
-                  <a:rPr lang="en-US" dirty="0"/>
+                  <a:rPr lang="en-US" dirty="0">
+                    <a:latin typeface="Source Sans Pro" panose="020B0503030403020204" pitchFamily="34" charset="0"/>
+                    <a:ea typeface="Source Sans Pro" panose="020B0503030403020204" pitchFamily="34" charset="0"/>
+                  </a:rPr>
                   <a:t>Test-retest reliability: </a:t>
                 </a:r>
                 <a14:m>
@@ -12887,12 +13743,15 @@
                     </m:sSub>
                   </m:oMath>
                 </a14:m>
-                <a:endParaRPr lang="en-US" dirty="0"/>
+                <a:endParaRPr lang="en-US" dirty="0">
+                  <a:latin typeface="Source Sans Pro" panose="020B0503030403020204" pitchFamily="34" charset="0"/>
+                  <a:ea typeface="Source Sans Pro" panose="020B0503030403020204" pitchFamily="34" charset="0"/>
+                </a:endParaRPr>
               </a:p>
             </p:txBody>
           </p:sp>
         </mc:Choice>
-        <mc:Fallback xmlns="">
+        <mc:Fallback>
           <p:sp>
             <p:nvSpPr>
               <p:cNvPr id="71" name="TextBox 70">
@@ -12910,7 +13769,7 @@
             <p:spPr>
               <a:xfrm>
                 <a:off x="7770748" y="4975774"/>
-                <a:ext cx="2785443" cy="404213"/>
+                <a:ext cx="2824619" cy="393121"/>
               </a:xfrm>
               <a:prstGeom prst="rect">
                 <a:avLst/>
@@ -12918,7 +13777,7 @@
               <a:blipFill>
                 <a:blip r:embed="rId62"/>
                 <a:stretch>
-                  <a:fillRect l="-2273" t="-6061" b="-15152"/>
+                  <a:fillRect l="-2242" t="-6250" b="-18750"/>
                 </a:stretch>
               </a:blipFill>
             </p:spPr>
@@ -12966,11 +13825,17 @@
           <a:lstStyle/>
           <a:p>
             <a:r>
-              <a:rPr lang="en-US" dirty="0"/>
+              <a:rPr lang="en-US" dirty="0">
+                <a:latin typeface="Source Sans Pro" panose="020B0503030403020204" pitchFamily="34" charset="0"/>
+                <a:ea typeface="Source Sans Pro" panose="020B0503030403020204" pitchFamily="34" charset="0"/>
+              </a:rPr>
               <a:t>o</a:t>
             </a:r>
             <a:r>
-              <a:rPr lang="en-US" baseline="-25000" dirty="0"/>
+              <a:rPr lang="en-US" baseline="-25000" dirty="0">
+                <a:latin typeface="Source Sans Pro" panose="020B0503030403020204" pitchFamily="34" charset="0"/>
+                <a:ea typeface="Source Sans Pro" panose="020B0503030403020204" pitchFamily="34" charset="0"/>
+              </a:rPr>
               <a:t>1</a:t>
             </a:r>
           </a:p>
@@ -13005,18 +13870,24 @@
           <a:lstStyle/>
           <a:p>
             <a:r>
-              <a:rPr lang="en-US" dirty="0"/>
+              <a:rPr lang="en-US" dirty="0">
+                <a:latin typeface="Source Sans Pro" panose="020B0503030403020204" pitchFamily="34" charset="0"/>
+                <a:ea typeface="Source Sans Pro" panose="020B0503030403020204" pitchFamily="34" charset="0"/>
+              </a:rPr>
               <a:t>o</a:t>
             </a:r>
             <a:r>
-              <a:rPr lang="en-US" baseline="-25000" dirty="0"/>
+              <a:rPr lang="en-US" baseline="-25000" dirty="0">
+                <a:latin typeface="Source Sans Pro" panose="020B0503030403020204" pitchFamily="34" charset="0"/>
+                <a:ea typeface="Source Sans Pro" panose="020B0503030403020204" pitchFamily="34" charset="0"/>
+              </a:rPr>
               <a:t>2</a:t>
             </a:r>
           </a:p>
         </p:txBody>
       </p:sp>
-      <mc:AlternateContent xmlns:mc="http://schemas.openxmlformats.org/markup-compatibility/2006" xmlns:p14="http://schemas.microsoft.com/office/powerpoint/2010/main">
-        <mc:Choice Requires="p14">
+      <mc:AlternateContent xmlns:mc="http://schemas.openxmlformats.org/markup-compatibility/2006">
+        <mc:Choice xmlns:p14="http://schemas.microsoft.com/office/powerpoint/2010/main" Requires="p14">
           <p:contentPart p14:bwMode="auto" r:id="rId63">
             <p14:nvContentPartPr>
               <p14:cNvPr id="10" name="Ink 9">
@@ -13035,7 +13906,7 @@
             </p14:xfrm>
           </p:contentPart>
         </mc:Choice>
-        <mc:Fallback xmlns="">
+        <mc:Fallback>
           <p:pic>
             <p:nvPicPr>
               <p:cNvPr id="10" name="Ink 9">
@@ -13056,7 +13927,7 @@
             </p:blipFill>
             <p:spPr>
               <a:xfrm>
-                <a:off x="2974474" y="2259720"/>
+                <a:off x="2974474" y="2259360"/>
                 <a:ext cx="181440" cy="39600"/>
               </a:xfrm>
               <a:prstGeom prst="rect">
@@ -13066,8 +13937,8 @@
           </p:pic>
         </mc:Fallback>
       </mc:AlternateContent>
-      <mc:AlternateContent xmlns:mc="http://schemas.openxmlformats.org/markup-compatibility/2006" xmlns:p14="http://schemas.microsoft.com/office/powerpoint/2010/main">
-        <mc:Choice Requires="p14">
+      <mc:AlternateContent xmlns:mc="http://schemas.openxmlformats.org/markup-compatibility/2006">
+        <mc:Choice xmlns:p14="http://schemas.microsoft.com/office/powerpoint/2010/main" Requires="p14">
           <p:contentPart p14:bwMode="auto" r:id="rId65">
             <p14:nvContentPartPr>
               <p14:cNvPr id="14" name="Ink 13">
@@ -13086,7 +13957,7 @@
             </p14:xfrm>
           </p:contentPart>
         </mc:Choice>
-        <mc:Fallback xmlns="">
+        <mc:Fallback>
           <p:pic>
             <p:nvPicPr>
               <p:cNvPr id="14" name="Ink 13">
@@ -13107,8 +13978,8 @@
             </p:blipFill>
             <p:spPr>
               <a:xfrm>
-                <a:off x="2971594" y="1823040"/>
-                <a:ext cx="194400" cy="921960"/>
+                <a:off x="2971635" y="1823040"/>
+                <a:ext cx="194319" cy="921960"/>
               </a:xfrm>
               <a:prstGeom prst="rect">
                 <a:avLst/>
@@ -13117,8 +13988,8 @@
           </p:pic>
         </mc:Fallback>
       </mc:AlternateContent>
-      <mc:AlternateContent xmlns:mc="http://schemas.openxmlformats.org/markup-compatibility/2006" xmlns:p14="http://schemas.microsoft.com/office/powerpoint/2010/main">
-        <mc:Choice Requires="p14">
+      <mc:AlternateContent xmlns:mc="http://schemas.openxmlformats.org/markup-compatibility/2006">
+        <mc:Choice xmlns:p14="http://schemas.microsoft.com/office/powerpoint/2010/main" Requires="p14">
           <p:contentPart p14:bwMode="auto" r:id="rId67">
             <p14:nvContentPartPr>
               <p14:cNvPr id="69" name="Ink 68">
@@ -13137,7 +14008,7 @@
             </p14:xfrm>
           </p:contentPart>
         </mc:Choice>
-        <mc:Fallback xmlns="">
+        <mc:Fallback>
           <p:pic>
             <p:nvPicPr>
               <p:cNvPr id="69" name="Ink 68">
@@ -13158,7 +14029,7 @@
             </p:blipFill>
             <p:spPr>
               <a:xfrm>
-                <a:off x="3012274" y="2069280"/>
+                <a:off x="3011914" y="2069280"/>
                 <a:ext cx="36000" cy="36000"/>
               </a:xfrm>
               <a:prstGeom prst="rect">
@@ -13168,8 +14039,8 @@
           </p:pic>
         </mc:Fallback>
       </mc:AlternateContent>
-      <mc:AlternateContent xmlns:mc="http://schemas.openxmlformats.org/markup-compatibility/2006" xmlns:p14="http://schemas.microsoft.com/office/powerpoint/2010/main">
-        <mc:Choice Requires="p14">
+      <mc:AlternateContent xmlns:mc="http://schemas.openxmlformats.org/markup-compatibility/2006">
+        <mc:Choice xmlns:p14="http://schemas.microsoft.com/office/powerpoint/2010/main" Requires="p14">
           <p:contentPart p14:bwMode="auto" r:id="rId69">
             <p14:nvContentPartPr>
               <p14:cNvPr id="78" name="Ink 77">
@@ -13188,7 +14059,7 @@
             </p14:xfrm>
           </p:contentPart>
         </mc:Choice>
-        <mc:Fallback xmlns="">
+        <mc:Fallback>
           <p:pic>
             <p:nvPicPr>
               <p:cNvPr id="78" name="Ink 77">
@@ -13209,7 +14080,7 @@
             </p:blipFill>
             <p:spPr>
               <a:xfrm>
-                <a:off x="3012797" y="2139771"/>
+                <a:off x="3012437" y="2139411"/>
                 <a:ext cx="36000" cy="36000"/>
               </a:xfrm>
               <a:prstGeom prst="rect">
@@ -13219,8 +14090,8 @@
           </p:pic>
         </mc:Fallback>
       </mc:AlternateContent>
-      <mc:AlternateContent xmlns:mc="http://schemas.openxmlformats.org/markup-compatibility/2006" xmlns:p14="http://schemas.microsoft.com/office/powerpoint/2010/main">
-        <mc:Choice Requires="p14">
+      <mc:AlternateContent xmlns:mc="http://schemas.openxmlformats.org/markup-compatibility/2006">
+        <mc:Choice xmlns:p14="http://schemas.microsoft.com/office/powerpoint/2010/main" Requires="p14">
           <p:contentPart p14:bwMode="auto" r:id="rId70">
             <p14:nvContentPartPr>
               <p14:cNvPr id="79" name="Ink 78">
@@ -13239,7 +14110,7 @@
             </p14:xfrm>
           </p:contentPart>
         </mc:Choice>
-        <mc:Fallback xmlns="">
+        <mc:Fallback>
           <p:pic>
             <p:nvPicPr>
               <p:cNvPr id="79" name="Ink 78">
@@ -13260,7 +14131,7 @@
             </p:blipFill>
             <p:spPr>
               <a:xfrm>
-                <a:off x="3022517" y="2207811"/>
+                <a:off x="3022157" y="2207811"/>
                 <a:ext cx="36000" cy="36000"/>
               </a:xfrm>
               <a:prstGeom prst="rect">
@@ -13335,7 +14206,7 @@
           <a:effectLst/>
           <a:extLst>
             <a:ext uri="{AF507438-7753-43e0-B8FC-AC1667EBCBE1}">
-              <a14:hiddenEffects xmlns="" xmlns:a14="http://schemas.microsoft.com/office/drawing/2010/main">
+              <a14:hiddenEffects xmlns:a14="http://schemas.microsoft.com/office/drawing/2010/main" xmlns="">
                 <a:effectLst>
                   <a:outerShdw blurRad="63500" dist="38099" dir="2700000" algn="ctr" rotWithShape="0">
                     <a:schemeClr val="bg2">
@@ -13362,8 +14233,8 @@
         </p:nvSpPr>
         <p:spPr>
           <a:xfrm>
-            <a:off x="7162800" y="4140172"/>
-            <a:ext cx="3298902" cy="2554545"/>
+            <a:off x="6987673" y="4140172"/>
+            <a:ext cx="3589255" cy="2246769"/>
           </a:xfrm>
           <a:prstGeom prst="rect">
             <a:avLst/>
@@ -13377,41 +14248,53 @@
           <a:lstStyle/>
           <a:p>
             <a:pPr marL="342900" indent="-342900">
-              <a:buFont typeface="Arial" panose="020B0604020202020204" pitchFamily="34" charset="0"/>
-              <a:buChar char="•"/>
+              <a:buFont typeface="System Font Regular"/>
+              <a:buChar char="—"/>
             </a:pPr>
             <a:r>
-              <a:rPr lang="en-US" sz="2000" dirty="0"/>
+              <a:rPr lang="en-US" sz="2000" dirty="0">
+                <a:latin typeface="Source Sans Pro" panose="020B0503030403020204" pitchFamily="34" charset="0"/>
+                <a:ea typeface="Source Sans Pro" panose="020B0503030403020204" pitchFamily="34" charset="0"/>
+              </a:rPr>
               <a:t>More open-ended</a:t>
             </a:r>
           </a:p>
           <a:p>
             <a:pPr marL="342900" indent="-342900">
-              <a:buFont typeface="Arial" panose="020B0604020202020204" pitchFamily="34" charset="0"/>
-              <a:buChar char="•"/>
+              <a:buFont typeface="System Font Regular"/>
+              <a:buChar char="—"/>
             </a:pPr>
             <a:r>
-              <a:rPr lang="en-US" sz="2000" dirty="0"/>
+              <a:rPr lang="en-US" sz="2000" dirty="0">
+                <a:latin typeface="Source Sans Pro" panose="020B0503030403020204" pitchFamily="34" charset="0"/>
+                <a:ea typeface="Source Sans Pro" panose="020B0503030403020204" pitchFamily="34" charset="0"/>
+              </a:rPr>
               <a:t>Greater information content</a:t>
             </a:r>
           </a:p>
           <a:p>
             <a:pPr marL="342900" indent="-342900">
-              <a:buFont typeface="Arial" panose="020B0604020202020204" pitchFamily="34" charset="0"/>
-              <a:buChar char="•"/>
+              <a:buFont typeface="System Font Regular"/>
+              <a:buChar char="—"/>
             </a:pPr>
             <a:r>
-              <a:rPr lang="en-US" sz="2000" dirty="0"/>
+              <a:rPr lang="en-US" sz="2000" dirty="0">
+                <a:latin typeface="Source Sans Pro" panose="020B0503030403020204" pitchFamily="34" charset="0"/>
+                <a:ea typeface="Source Sans Pro" panose="020B0503030403020204" pitchFamily="34" charset="0"/>
+              </a:rPr>
               <a:t>Harder to analyze using quantitative methods</a:t>
             </a:r>
           </a:p>
           <a:p>
             <a:pPr marL="342900" indent="-342900">
-              <a:buFont typeface="Arial" panose="020B0604020202020204" pitchFamily="34" charset="0"/>
-              <a:buChar char="•"/>
+              <a:buFont typeface="System Font Regular"/>
+              <a:buChar char="—"/>
             </a:pPr>
             <a:r>
-              <a:rPr lang="en-US" sz="2000" dirty="0"/>
+              <a:rPr lang="en-US" sz="2000" dirty="0">
+                <a:latin typeface="Source Sans Pro" panose="020B0503030403020204" pitchFamily="34" charset="0"/>
+                <a:ea typeface="Source Sans Pro" panose="020B0503030403020204" pitchFamily="34" charset="0"/>
+              </a:rPr>
               <a:t>More affected by other factors, e.g., task, language skill, etc.</a:t>
             </a:r>
           </a:p>
@@ -13446,7 +14329,10 @@
           <a:lstStyle/>
           <a:p>
             <a:r>
-              <a:rPr lang="en-US" dirty="0"/>
+              <a:rPr lang="en-US" dirty="0">
+                <a:latin typeface="Source Sans Pro" panose="020B0503030403020204" pitchFamily="34" charset="0"/>
+                <a:ea typeface="Source Sans Pro" panose="020B0503030403020204" pitchFamily="34" charset="0"/>
+              </a:rPr>
               <a:t>Speeded button press</a:t>
             </a:r>
           </a:p>
@@ -13481,7 +14367,10 @@
           <a:lstStyle/>
           <a:p>
             <a:r>
-              <a:rPr lang="en-US" dirty="0"/>
+              <a:rPr lang="en-US" dirty="0">
+                <a:latin typeface="Source Sans Pro" panose="020B0503030403020204" pitchFamily="34" charset="0"/>
+                <a:ea typeface="Source Sans Pro" panose="020B0503030403020204" pitchFamily="34" charset="0"/>
+              </a:rPr>
               <a:t>2 alternative forced choice</a:t>
             </a:r>
           </a:p>
@@ -13516,7 +14405,10 @@
           <a:lstStyle/>
           <a:p>
             <a:r>
-              <a:rPr lang="en-US" dirty="0"/>
+              <a:rPr lang="en-US" dirty="0">
+                <a:latin typeface="Source Sans Pro" panose="020B0503030403020204" pitchFamily="34" charset="0"/>
+                <a:ea typeface="Source Sans Pro" panose="020B0503030403020204" pitchFamily="34" charset="0"/>
+              </a:rPr>
               <a:t>Likert scale</a:t>
             </a:r>
           </a:p>
@@ -13551,7 +14443,10 @@
           <a:lstStyle/>
           <a:p>
             <a:r>
-              <a:rPr lang="en-US" dirty="0"/>
+              <a:rPr lang="en-US" dirty="0">
+                <a:latin typeface="Source Sans Pro" panose="020B0503030403020204" pitchFamily="34" charset="0"/>
+                <a:ea typeface="Source Sans Pro" panose="020B0503030403020204" pitchFamily="34" charset="0"/>
+              </a:rPr>
               <a:t>Multi-AFC</a:t>
             </a:r>
           </a:p>
@@ -13586,7 +14481,10 @@
           <a:lstStyle/>
           <a:p>
             <a:r>
-              <a:rPr lang="en-US" dirty="0"/>
+              <a:rPr lang="en-US" dirty="0">
+                <a:latin typeface="Source Sans Pro" panose="020B0503030403020204" pitchFamily="34" charset="0"/>
+                <a:ea typeface="Source Sans Pro" panose="020B0503030403020204" pitchFamily="34" charset="0"/>
+              </a:rPr>
               <a:t>Short answer question</a:t>
             </a:r>
           </a:p>
@@ -13621,7 +14519,10 @@
           <a:lstStyle/>
           <a:p>
             <a:r>
-              <a:rPr lang="en-US" dirty="0"/>
+              <a:rPr lang="en-US" dirty="0">
+                <a:latin typeface="Source Sans Pro" panose="020B0503030403020204" pitchFamily="34" charset="0"/>
+                <a:ea typeface="Source Sans Pro" panose="020B0503030403020204" pitchFamily="34" charset="0"/>
+              </a:rPr>
               <a:t>Interview, long-form written response</a:t>
             </a:r>
           </a:p>
@@ -13656,41 +14557,53 @@
           <a:lstStyle/>
           <a:p>
             <a:pPr marL="342900" indent="-342900">
-              <a:buFont typeface="Arial" panose="020B0604020202020204" pitchFamily="34" charset="0"/>
-              <a:buChar char="•"/>
+              <a:buFont typeface="System Font Regular"/>
+              <a:buChar char="—"/>
             </a:pPr>
             <a:r>
-              <a:rPr lang="en-US" sz="2000" dirty="0"/>
+              <a:rPr lang="en-US" sz="2000" dirty="0">
+                <a:latin typeface="Source Sans Pro" panose="020B0503030403020204" pitchFamily="34" charset="0"/>
+                <a:ea typeface="Source Sans Pro" panose="020B0503030403020204" pitchFamily="34" charset="0"/>
+              </a:rPr>
               <a:t>More constrained, fewer alternatives</a:t>
             </a:r>
           </a:p>
           <a:p>
             <a:pPr marL="342900" indent="-342900">
-              <a:buFont typeface="Arial" panose="020B0604020202020204" pitchFamily="34" charset="0"/>
-              <a:buChar char="•"/>
+              <a:buFont typeface="System Font Regular"/>
+              <a:buChar char="—"/>
             </a:pPr>
             <a:r>
-              <a:rPr lang="en-US" sz="2000" dirty="0"/>
+              <a:rPr lang="en-US" sz="2000" dirty="0">
+                <a:latin typeface="Source Sans Pro" panose="020B0503030403020204" pitchFamily="34" charset="0"/>
+                <a:ea typeface="Source Sans Pro" panose="020B0503030403020204" pitchFamily="34" charset="0"/>
+              </a:rPr>
               <a:t>Less information content</a:t>
             </a:r>
           </a:p>
           <a:p>
             <a:pPr marL="342900" indent="-342900">
-              <a:buFont typeface="Arial" panose="020B0604020202020204" pitchFamily="34" charset="0"/>
-              <a:buChar char="•"/>
+              <a:buFont typeface="System Font Regular"/>
+              <a:buChar char="—"/>
             </a:pPr>
             <a:r>
-              <a:rPr lang="en-US" sz="2000" dirty="0"/>
+              <a:rPr lang="en-US" sz="2000" dirty="0">
+                <a:latin typeface="Source Sans Pro" panose="020B0503030403020204" pitchFamily="34" charset="0"/>
+                <a:ea typeface="Source Sans Pro" panose="020B0503030403020204" pitchFamily="34" charset="0"/>
+              </a:rPr>
               <a:t>Easier to analyze</a:t>
             </a:r>
           </a:p>
           <a:p>
             <a:pPr marL="342900" indent="-342900">
-              <a:buFont typeface="Arial" panose="020B0604020202020204" pitchFamily="34" charset="0"/>
-              <a:buChar char="•"/>
+              <a:buFont typeface="System Font Regular"/>
+              <a:buChar char="—"/>
             </a:pPr>
             <a:r>
-              <a:rPr lang="en-US" sz="2000" dirty="0"/>
+              <a:rPr lang="en-US" sz="2000" dirty="0">
+                <a:latin typeface="Source Sans Pro" panose="020B0503030403020204" pitchFamily="34" charset="0"/>
+                <a:ea typeface="Source Sans Pro" panose="020B0503030403020204" pitchFamily="34" charset="0"/>
+              </a:rPr>
               <a:t>Easier to use with children, animals, etc.</a:t>
             </a:r>
           </a:p>
@@ -13725,7 +14638,10 @@
           <a:lstStyle/>
           <a:p>
             <a:r>
-              <a:rPr lang="en-US" dirty="0"/>
+              <a:rPr lang="en-US" dirty="0">
+                <a:latin typeface="Source Sans Pro" panose="020B0503030403020204" pitchFamily="34" charset="0"/>
+                <a:ea typeface="Source Sans Pro" panose="020B0503030403020204" pitchFamily="34" charset="0"/>
+              </a:rPr>
               <a:t>Body movements or gestures</a:t>
             </a:r>
           </a:p>
@@ -13746,7 +14662,7 @@
         <p:spPr>
           <a:xfrm>
             <a:off x="4403260" y="3719111"/>
-            <a:ext cx="3385479" cy="369332"/>
+            <a:ext cx="3474028" cy="369332"/>
           </a:xfrm>
           <a:prstGeom prst="rect">
             <a:avLst/>
@@ -13760,7 +14676,10 @@
           <a:lstStyle/>
           <a:p>
             <a:r>
-              <a:rPr lang="en-US" dirty="0"/>
+              <a:rPr lang="en-US" dirty="0">
+                <a:latin typeface="Source Sans Pro" panose="020B0503030403020204" pitchFamily="34" charset="0"/>
+                <a:ea typeface="Source Sans Pro" panose="020B0503030403020204" pitchFamily="34" charset="0"/>
+              </a:rPr>
               <a:t>Approximate measure complexity </a:t>
             </a:r>
           </a:p>

--- a/images/measurement/src/measurement_figs.pptx
+++ b/images/measurement/src/measurement_figs.pptx
@@ -3404,7 +3404,7 @@
           <a:p>
             <a:fld id="{4BE83899-E222-4147-BECF-BE0E769C33DC}" type="datetimeFigureOut">
               <a:rPr lang="en-US" smtClean="0"/>
-              <a:t>12/19/23</a:t>
+              <a:t>2/10/25</a:t>
             </a:fld>
             <a:endParaRPr lang="en-US"/>
           </a:p>
@@ -3602,7 +3602,7 @@
           <a:p>
             <a:fld id="{4BE83899-E222-4147-BECF-BE0E769C33DC}" type="datetimeFigureOut">
               <a:rPr lang="en-US" smtClean="0"/>
-              <a:t>12/19/23</a:t>
+              <a:t>2/10/25</a:t>
             </a:fld>
             <a:endParaRPr lang="en-US"/>
           </a:p>
@@ -3810,7 +3810,7 @@
           <a:p>
             <a:fld id="{4BE83899-E222-4147-BECF-BE0E769C33DC}" type="datetimeFigureOut">
               <a:rPr lang="en-US" smtClean="0"/>
-              <a:t>12/19/23</a:t>
+              <a:t>2/10/25</a:t>
             </a:fld>
             <a:endParaRPr lang="en-US"/>
           </a:p>
@@ -4008,7 +4008,7 @@
           <a:p>
             <a:fld id="{4BE83899-E222-4147-BECF-BE0E769C33DC}" type="datetimeFigureOut">
               <a:rPr lang="en-US" smtClean="0"/>
-              <a:t>12/19/23</a:t>
+              <a:t>2/10/25</a:t>
             </a:fld>
             <a:endParaRPr lang="en-US"/>
           </a:p>
@@ -4283,7 +4283,7 @@
           <a:p>
             <a:fld id="{4BE83899-E222-4147-BECF-BE0E769C33DC}" type="datetimeFigureOut">
               <a:rPr lang="en-US" smtClean="0"/>
-              <a:t>12/19/23</a:t>
+              <a:t>2/10/25</a:t>
             </a:fld>
             <a:endParaRPr lang="en-US"/>
           </a:p>
@@ -4548,7 +4548,7 @@
           <a:p>
             <a:fld id="{4BE83899-E222-4147-BECF-BE0E769C33DC}" type="datetimeFigureOut">
               <a:rPr lang="en-US" smtClean="0"/>
-              <a:t>12/19/23</a:t>
+              <a:t>2/10/25</a:t>
             </a:fld>
             <a:endParaRPr lang="en-US"/>
           </a:p>
@@ -4960,7 +4960,7 @@
           <a:p>
             <a:fld id="{4BE83899-E222-4147-BECF-BE0E769C33DC}" type="datetimeFigureOut">
               <a:rPr lang="en-US" smtClean="0"/>
-              <a:t>12/19/23</a:t>
+              <a:t>2/10/25</a:t>
             </a:fld>
             <a:endParaRPr lang="en-US"/>
           </a:p>
@@ -5101,7 +5101,7 @@
           <a:p>
             <a:fld id="{4BE83899-E222-4147-BECF-BE0E769C33DC}" type="datetimeFigureOut">
               <a:rPr lang="en-US" smtClean="0"/>
-              <a:t>12/19/23</a:t>
+              <a:t>2/10/25</a:t>
             </a:fld>
             <a:endParaRPr lang="en-US"/>
           </a:p>
@@ -5214,7 +5214,7 @@
           <a:p>
             <a:fld id="{4BE83899-E222-4147-BECF-BE0E769C33DC}" type="datetimeFigureOut">
               <a:rPr lang="en-US" smtClean="0"/>
-              <a:t>12/19/23</a:t>
+              <a:t>2/10/25</a:t>
             </a:fld>
             <a:endParaRPr lang="en-US"/>
           </a:p>
@@ -5525,7 +5525,7 @@
           <a:p>
             <a:fld id="{4BE83899-E222-4147-BECF-BE0E769C33DC}" type="datetimeFigureOut">
               <a:rPr lang="en-US" smtClean="0"/>
-              <a:t>12/19/23</a:t>
+              <a:t>2/10/25</a:t>
             </a:fld>
             <a:endParaRPr lang="en-US"/>
           </a:p>
@@ -5813,7 +5813,7 @@
           <a:p>
             <a:fld id="{4BE83899-E222-4147-BECF-BE0E769C33DC}" type="datetimeFigureOut">
               <a:rPr lang="en-US" smtClean="0"/>
-              <a:t>12/19/23</a:t>
+              <a:t>2/10/25</a:t>
             </a:fld>
             <a:endParaRPr lang="en-US"/>
           </a:p>
@@ -6054,7 +6054,7 @@
           <a:p>
             <a:fld id="{4BE83899-E222-4147-BECF-BE0E769C33DC}" type="datetimeFigureOut">
               <a:rPr lang="en-US" smtClean="0"/>
-              <a:t>12/19/23</a:t>
+              <a:t>2/10/25</a:t>
             </a:fld>
             <a:endParaRPr lang="en-US"/>
           </a:p>
@@ -6671,7 +6671,7 @@
           <p:nvPr/>
         </p:nvPicPr>
         <p:blipFill>
-          <a:blip r:embed="rId3"/>
+          <a:blip r:embed="rId2"/>
           <a:stretch>
             <a:fillRect/>
           </a:stretch>
@@ -6880,7 +6880,7 @@
           </p:grpSpPr>
           <mc:AlternateContent xmlns:mc="http://schemas.openxmlformats.org/markup-compatibility/2006" xmlns:p14="http://schemas.microsoft.com/office/powerpoint/2010/main">
             <mc:Choice Requires="p14">
-              <p:contentPart p14:bwMode="auto" r:id="rId4">
+              <p:contentPart p14:bwMode="auto" r:id="rId3">
                 <p14:nvContentPartPr>
                   <p14:cNvPr id="12" name="Ink 11">
                     <a:extLst>
@@ -7083,8 +7083,8 @@
             </mc:Fallback>
           </mc:AlternateContent>
         </p:grpSp>
-        <mc:AlternateContent xmlns:mc="http://schemas.openxmlformats.org/markup-compatibility/2006">
-          <mc:Choice xmlns:p14="http://schemas.microsoft.com/office/powerpoint/2010/main" Requires="p14">
+        <mc:AlternateContent xmlns:mc="http://schemas.openxmlformats.org/markup-compatibility/2006" xmlns:p14="http://schemas.microsoft.com/office/powerpoint/2010/main">
+          <mc:Choice Requires="p14">
             <p:contentPart p14:bwMode="auto" r:id="rId12">
               <p14:nvContentPartPr>
                 <p14:cNvPr id="27" name="Ink 26">
@@ -7103,7 +7103,7 @@
               </p14:xfrm>
             </p:contentPart>
           </mc:Choice>
-          <mc:Fallback>
+          <mc:Fallback xmlns="">
             <p:pic>
               <p:nvPicPr>
                 <p:cNvPr id="27" name="Ink 26">
@@ -7134,8 +7134,8 @@
             </p:pic>
           </mc:Fallback>
         </mc:AlternateContent>
-        <mc:AlternateContent xmlns:mc="http://schemas.openxmlformats.org/markup-compatibility/2006">
-          <mc:Choice xmlns:p14="http://schemas.microsoft.com/office/powerpoint/2010/main" Requires="p14">
+        <mc:AlternateContent xmlns:mc="http://schemas.openxmlformats.org/markup-compatibility/2006" xmlns:p14="http://schemas.microsoft.com/office/powerpoint/2010/main">
+          <mc:Choice Requires="p14">
             <p:contentPart p14:bwMode="auto" r:id="rId14">
               <p14:nvContentPartPr>
                 <p14:cNvPr id="29" name="Ink 28">
@@ -7154,7 +7154,7 @@
               </p14:xfrm>
             </p:contentPart>
           </mc:Choice>
-          <mc:Fallback>
+          <mc:Fallback xmlns="">
             <p:pic>
               <p:nvPicPr>
                 <p:cNvPr id="29" name="Ink 28">
@@ -7431,8 +7431,8 @@
             </mc:Fallback>
           </mc:AlternateContent>
         </p:grpSp>
-        <mc:AlternateContent xmlns:mc="http://schemas.openxmlformats.org/markup-compatibility/2006">
-          <mc:Choice xmlns:p14="http://schemas.microsoft.com/office/powerpoint/2010/main" Requires="p14">
+        <mc:AlternateContent xmlns:mc="http://schemas.openxmlformats.org/markup-compatibility/2006" xmlns:p14="http://schemas.microsoft.com/office/powerpoint/2010/main">
+          <mc:Choice Requires="p14">
             <p:contentPart p14:bwMode="auto" r:id="rId20">
               <p14:nvContentPartPr>
                 <p14:cNvPr id="33" name="Ink 32">
@@ -7451,7 +7451,7 @@
               </p14:xfrm>
             </p:contentPart>
           </mc:Choice>
-          <mc:Fallback>
+          <mc:Fallback xmlns="">
             <p:pic>
               <p:nvPicPr>
                 <p:cNvPr id="33" name="Ink 32">
@@ -7482,8 +7482,8 @@
             </p:pic>
           </mc:Fallback>
         </mc:AlternateContent>
-        <mc:AlternateContent xmlns:mc="http://schemas.openxmlformats.org/markup-compatibility/2006">
-          <mc:Choice xmlns:p14="http://schemas.microsoft.com/office/powerpoint/2010/main" Requires="p14">
+        <mc:AlternateContent xmlns:mc="http://schemas.openxmlformats.org/markup-compatibility/2006" xmlns:p14="http://schemas.microsoft.com/office/powerpoint/2010/main">
+          <mc:Choice Requires="p14">
             <p:contentPart p14:bwMode="auto" r:id="rId21">
               <p14:nvContentPartPr>
                 <p14:cNvPr id="34" name="Ink 33">
@@ -7502,7 +7502,7 @@
               </p14:xfrm>
             </p:contentPart>
           </mc:Choice>
-          <mc:Fallback>
+          <mc:Fallback xmlns="">
             <p:pic>
               <p:nvPicPr>
                 <p:cNvPr id="34" name="Ink 33">
@@ -7779,8 +7779,8 @@
             </mc:Fallback>
           </mc:AlternateContent>
         </p:grpSp>
-        <mc:AlternateContent xmlns:mc="http://schemas.openxmlformats.org/markup-compatibility/2006">
-          <mc:Choice xmlns:p14="http://schemas.microsoft.com/office/powerpoint/2010/main" Requires="p14">
+        <mc:AlternateContent xmlns:mc="http://schemas.openxmlformats.org/markup-compatibility/2006" xmlns:p14="http://schemas.microsoft.com/office/powerpoint/2010/main">
+          <mc:Choice Requires="p14">
             <p:contentPart p14:bwMode="auto" r:id="rId26">
               <p14:nvContentPartPr>
                 <p14:cNvPr id="41" name="Ink 40">
@@ -7799,7 +7799,7 @@
               </p14:xfrm>
             </p:contentPart>
           </mc:Choice>
-          <mc:Fallback>
+          <mc:Fallback xmlns="">
             <p:pic>
               <p:nvPicPr>
                 <p:cNvPr id="41" name="Ink 40">
@@ -7830,8 +7830,8 @@
             </p:pic>
           </mc:Fallback>
         </mc:AlternateContent>
-        <mc:AlternateContent xmlns:mc="http://schemas.openxmlformats.org/markup-compatibility/2006">
-          <mc:Choice xmlns:p14="http://schemas.microsoft.com/office/powerpoint/2010/main" Requires="p14">
+        <mc:AlternateContent xmlns:mc="http://schemas.openxmlformats.org/markup-compatibility/2006" xmlns:p14="http://schemas.microsoft.com/office/powerpoint/2010/main">
+          <mc:Choice Requires="p14">
             <p:contentPart p14:bwMode="auto" r:id="rId27">
               <p14:nvContentPartPr>
                 <p14:cNvPr id="42" name="Ink 41">
@@ -7850,7 +7850,7 @@
               </p14:xfrm>
             </p:contentPart>
           </mc:Choice>
-          <mc:Fallback>
+          <mc:Fallback xmlns="">
             <p:pic>
               <p:nvPicPr>
                 <p:cNvPr id="42" name="Ink 41">
@@ -8127,8 +8127,8 @@
             </mc:Fallback>
           </mc:AlternateContent>
         </p:grpSp>
-        <mc:AlternateContent xmlns:mc="http://schemas.openxmlformats.org/markup-compatibility/2006">
-          <mc:Choice xmlns:p14="http://schemas.microsoft.com/office/powerpoint/2010/main" Requires="p14">
+        <mc:AlternateContent xmlns:mc="http://schemas.openxmlformats.org/markup-compatibility/2006" xmlns:p14="http://schemas.microsoft.com/office/powerpoint/2010/main">
+          <mc:Choice Requires="p14">
             <p:contentPart p14:bwMode="auto" r:id="rId32">
               <p14:nvContentPartPr>
                 <p14:cNvPr id="49" name="Ink 48">
@@ -8147,7 +8147,7 @@
               </p14:xfrm>
             </p:contentPart>
           </mc:Choice>
-          <mc:Fallback>
+          <mc:Fallback xmlns="">
             <p:pic>
               <p:nvPicPr>
                 <p:cNvPr id="49" name="Ink 48">
@@ -8178,8 +8178,8 @@
             </p:pic>
           </mc:Fallback>
         </mc:AlternateContent>
-        <mc:AlternateContent xmlns:mc="http://schemas.openxmlformats.org/markup-compatibility/2006">
-          <mc:Choice xmlns:p14="http://schemas.microsoft.com/office/powerpoint/2010/main" Requires="p14">
+        <mc:AlternateContent xmlns:mc="http://schemas.openxmlformats.org/markup-compatibility/2006" xmlns:p14="http://schemas.microsoft.com/office/powerpoint/2010/main">
+          <mc:Choice Requires="p14">
             <p:contentPart p14:bwMode="auto" r:id="rId33">
               <p14:nvContentPartPr>
                 <p14:cNvPr id="50" name="Ink 49">
@@ -8198,7 +8198,7 @@
               </p14:xfrm>
             </p:contentPart>
           </mc:Choice>
-          <mc:Fallback>
+          <mc:Fallback xmlns="">
             <p:pic>
               <p:nvPicPr>
                 <p:cNvPr id="50" name="Ink 49">
@@ -10671,7 +10671,7 @@
         </p:nvGrpSpPr>
         <p:grpSpPr>
           <a:xfrm>
-            <a:off x="1766736" y="1452096"/>
+            <a:off x="1766736" y="1418643"/>
             <a:ext cx="8344800" cy="176040"/>
             <a:chOff x="1382688" y="5191992"/>
             <a:chExt cx="8344800" cy="176040"/>
@@ -10780,8 +10780,8 @@
           </mc:Fallback>
         </mc:AlternateContent>
       </p:grpSp>
-      <mc:AlternateContent xmlns:mc="http://schemas.openxmlformats.org/markup-compatibility/2006" xmlns:p14="http://schemas.microsoft.com/office/powerpoint/2010/main">
-        <mc:Choice Requires="p14">
+      <mc:AlternateContent xmlns:mc="http://schemas.openxmlformats.org/markup-compatibility/2006">
+        <mc:Choice xmlns:p14="http://schemas.microsoft.com/office/powerpoint/2010/main" Requires="p14">
           <p:contentPart p14:bwMode="auto" r:id="rId6">
             <p14:nvContentPartPr>
               <p14:cNvPr id="31" name="Ink 30">
@@ -10795,12 +10795,12 @@
               <p14:nvPr/>
             </p14:nvContentPartPr>
             <p14:xfrm>
-              <a:off x="8679456" y="1467216"/>
+              <a:off x="8679456" y="1433763"/>
               <a:ext cx="360" cy="189720"/>
             </p14:xfrm>
           </p:contentPart>
         </mc:Choice>
-        <mc:Fallback xmlns="">
+        <mc:Fallback>
           <p:pic>
             <p:nvPicPr>
               <p:cNvPr id="31" name="Ink 30">
@@ -10821,7 +10821,7 @@
             </p:blipFill>
             <p:spPr>
               <a:xfrm>
-                <a:off x="8661456" y="1449576"/>
+                <a:off x="8661456" y="1415763"/>
                 <a:ext cx="36000" cy="225360"/>
               </a:xfrm>
               <a:prstGeom prst="rect">
@@ -10831,8 +10831,8 @@
           </p:pic>
         </mc:Fallback>
       </mc:AlternateContent>
-      <mc:AlternateContent xmlns:mc="http://schemas.openxmlformats.org/markup-compatibility/2006" xmlns:p14="http://schemas.microsoft.com/office/powerpoint/2010/main">
-        <mc:Choice Requires="p14">
+      <mc:AlternateContent xmlns:mc="http://schemas.openxmlformats.org/markup-compatibility/2006">
+        <mc:Choice xmlns:p14="http://schemas.microsoft.com/office/powerpoint/2010/main" Requires="p14">
           <p:contentPart p14:bwMode="auto" r:id="rId8">
             <p14:nvContentPartPr>
               <p14:cNvPr id="32" name="Ink 31">
@@ -10846,12 +10846,12 @@
               <p14:nvPr/>
             </p14:nvContentPartPr>
             <p14:xfrm>
-              <a:off x="7290576" y="1478376"/>
+              <a:off x="7290576" y="1444923"/>
               <a:ext cx="360" cy="221040"/>
             </p14:xfrm>
           </p:contentPart>
         </mc:Choice>
-        <mc:Fallback xmlns="">
+        <mc:Fallback>
           <p:pic>
             <p:nvPicPr>
               <p:cNvPr id="32" name="Ink 31">
@@ -10872,7 +10872,7 @@
             </p:blipFill>
             <p:spPr>
               <a:xfrm>
-                <a:off x="7272936" y="1460376"/>
+                <a:off x="7272576" y="1426923"/>
                 <a:ext cx="36000" cy="256680"/>
               </a:xfrm>
               <a:prstGeom prst="rect">
@@ -10882,8 +10882,8 @@
           </p:pic>
         </mc:Fallback>
       </mc:AlternateContent>
-      <mc:AlternateContent xmlns:mc="http://schemas.openxmlformats.org/markup-compatibility/2006" xmlns:p14="http://schemas.microsoft.com/office/powerpoint/2010/main">
-        <mc:Choice Requires="p14">
+      <mc:AlternateContent xmlns:mc="http://schemas.openxmlformats.org/markup-compatibility/2006">
+        <mc:Choice xmlns:p14="http://schemas.microsoft.com/office/powerpoint/2010/main" Requires="p14">
           <p:contentPart p14:bwMode="auto" r:id="rId10">
             <p14:nvContentPartPr>
               <p14:cNvPr id="33" name="Ink 32">
@@ -10897,12 +10897,12 @@
               <p14:nvPr/>
             </p14:nvContentPartPr>
             <p14:xfrm>
-              <a:off x="5918256" y="1447056"/>
+              <a:off x="5918256" y="1413603"/>
               <a:ext cx="360" cy="235800"/>
             </p14:xfrm>
           </p:contentPart>
         </mc:Choice>
-        <mc:Fallback xmlns="">
+        <mc:Fallback>
           <p:pic>
             <p:nvPicPr>
               <p:cNvPr id="33" name="Ink 32">
@@ -10923,7 +10923,7 @@
             </p:blipFill>
             <p:spPr>
               <a:xfrm>
-                <a:off x="5900256" y="1429416"/>
+                <a:off x="5900256" y="1395603"/>
                 <a:ext cx="36000" cy="271440"/>
               </a:xfrm>
               <a:prstGeom prst="rect">
@@ -10933,8 +10933,8 @@
           </p:pic>
         </mc:Fallback>
       </mc:AlternateContent>
-      <mc:AlternateContent xmlns:mc="http://schemas.openxmlformats.org/markup-compatibility/2006" xmlns:p14="http://schemas.microsoft.com/office/powerpoint/2010/main">
-        <mc:Choice Requires="p14">
+      <mc:AlternateContent xmlns:mc="http://schemas.openxmlformats.org/markup-compatibility/2006">
+        <mc:Choice xmlns:p14="http://schemas.microsoft.com/office/powerpoint/2010/main" Requires="p14">
           <p:contentPart p14:bwMode="auto" r:id="rId12">
             <p14:nvContentPartPr>
               <p14:cNvPr id="34" name="Ink 33">
@@ -10948,12 +10948,12 @@
               <p14:nvPr/>
             </p14:nvContentPartPr>
             <p14:xfrm>
-              <a:off x="4634496" y="1499616"/>
+              <a:off x="4634496" y="1466163"/>
               <a:ext cx="2520" cy="228600"/>
             </p14:xfrm>
           </p:contentPart>
         </mc:Choice>
-        <mc:Fallback xmlns="">
+        <mc:Fallback>
           <p:pic>
             <p:nvPicPr>
               <p:cNvPr id="34" name="Ink 33">
@@ -10974,7 +10974,7 @@
             </p:blipFill>
             <p:spPr>
               <a:xfrm>
-                <a:off x="4616856" y="1481616"/>
+                <a:off x="4616496" y="1448163"/>
                 <a:ext cx="38160" cy="264240"/>
               </a:xfrm>
               <a:prstGeom prst="rect">
@@ -10984,8 +10984,8 @@
           </p:pic>
         </mc:Fallback>
       </mc:AlternateContent>
-      <mc:AlternateContent xmlns:mc="http://schemas.openxmlformats.org/markup-compatibility/2006" xmlns:p14="http://schemas.microsoft.com/office/powerpoint/2010/main">
-        <mc:Choice Requires="p14">
+      <mc:AlternateContent xmlns:mc="http://schemas.openxmlformats.org/markup-compatibility/2006">
+        <mc:Choice xmlns:p14="http://schemas.microsoft.com/office/powerpoint/2010/main" Requires="p14">
           <p:contentPart p14:bwMode="auto" r:id="rId14">
             <p14:nvContentPartPr>
               <p14:cNvPr id="35" name="Ink 34">
@@ -10999,12 +10999,12 @@
               <p14:nvPr/>
             </p14:nvContentPartPr>
             <p14:xfrm>
-              <a:off x="3159936" y="1443096"/>
+              <a:off x="3159936" y="1409643"/>
               <a:ext cx="360" cy="224640"/>
             </p14:xfrm>
           </p:contentPart>
         </mc:Choice>
-        <mc:Fallback xmlns="">
+        <mc:Fallback>
           <p:pic>
             <p:nvPicPr>
               <p:cNvPr id="35" name="Ink 34">
@@ -11025,8 +11025,8 @@
             </p:blipFill>
             <p:spPr>
               <a:xfrm>
-                <a:off x="3141936" y="1425096"/>
-                <a:ext cx="36000" cy="260280"/>
+                <a:off x="3141936" y="1391672"/>
+                <a:ext cx="36000" cy="260223"/>
               </a:xfrm>
               <a:prstGeom prst="rect">
                 <a:avLst/>
@@ -11035,8 +11035,8 @@
           </p:pic>
         </mc:Fallback>
       </mc:AlternateContent>
-      <mc:AlternateContent xmlns:mc="http://schemas.openxmlformats.org/markup-compatibility/2006" xmlns:p14="http://schemas.microsoft.com/office/powerpoint/2010/main">
-        <mc:Choice Requires="p14">
+      <mc:AlternateContent xmlns:mc="http://schemas.openxmlformats.org/markup-compatibility/2006">
+        <mc:Choice xmlns:p14="http://schemas.microsoft.com/office/powerpoint/2010/main" Requires="p14">
           <p:contentPart p14:bwMode="auto" r:id="rId16">
             <p14:nvContentPartPr>
               <p14:cNvPr id="36" name="Ink 35">
@@ -11050,12 +11050,12 @@
               <p14:nvPr/>
             </p14:nvContentPartPr>
             <p14:xfrm>
-              <a:off x="1768536" y="1446336"/>
+              <a:off x="1768536" y="1412883"/>
               <a:ext cx="5400" cy="264960"/>
             </p14:xfrm>
           </p:contentPart>
         </mc:Choice>
-        <mc:Fallback xmlns="">
+        <mc:Fallback>
           <p:pic>
             <p:nvPicPr>
               <p:cNvPr id="36" name="Ink 35">
@@ -11076,8 +11076,8 @@
             </p:blipFill>
             <p:spPr>
               <a:xfrm>
-                <a:off x="1750896" y="1428696"/>
-                <a:ext cx="41040" cy="300600"/>
+                <a:off x="1749250" y="1394859"/>
+                <a:ext cx="43586" cy="300648"/>
               </a:xfrm>
               <a:prstGeom prst="rect">
                 <a:avLst/>
@@ -11100,7 +11100,7 @@
         </p:nvSpPr>
         <p:spPr>
           <a:xfrm>
-            <a:off x="7970208" y="2968358"/>
+            <a:off x="7970208" y="2433103"/>
             <a:ext cx="1371600" cy="369332"/>
           </a:xfrm>
           <a:prstGeom prst="rect">
@@ -11139,7 +11139,7 @@
         </p:nvSpPr>
         <p:spPr>
           <a:xfrm>
-            <a:off x="6592188" y="2691359"/>
+            <a:off x="6592188" y="2156104"/>
             <a:ext cx="1371600" cy="646331"/>
           </a:xfrm>
           <a:prstGeom prst="rect">
@@ -11178,7 +11178,7 @@
         </p:nvSpPr>
         <p:spPr>
           <a:xfrm>
-            <a:off x="5214168" y="2691359"/>
+            <a:off x="5214168" y="2156104"/>
             <a:ext cx="1371600" cy="646331"/>
           </a:xfrm>
           <a:prstGeom prst="rect">
@@ -11217,7 +11217,7 @@
         </p:nvSpPr>
         <p:spPr>
           <a:xfrm>
-            <a:off x="3836148" y="2968358"/>
+            <a:off x="3836148" y="2433103"/>
             <a:ext cx="1371600" cy="369332"/>
           </a:xfrm>
           <a:prstGeom prst="rect">
@@ -11256,7 +11256,7 @@
         </p:nvSpPr>
         <p:spPr>
           <a:xfrm>
-            <a:off x="2458128" y="2968358"/>
+            <a:off x="2458128" y="2433103"/>
             <a:ext cx="1371600" cy="369332"/>
           </a:xfrm>
           <a:prstGeom prst="rect">
@@ -11281,8 +11281,8 @@
           </a:p>
         </p:txBody>
       </p:sp>
-      <mc:AlternateContent xmlns:mc="http://schemas.openxmlformats.org/markup-compatibility/2006" xmlns:p14="http://schemas.microsoft.com/office/powerpoint/2010/main">
-        <mc:Choice Requires="p14">
+      <mc:AlternateContent xmlns:mc="http://schemas.openxmlformats.org/markup-compatibility/2006">
+        <mc:Choice xmlns:p14="http://schemas.microsoft.com/office/powerpoint/2010/main" Requires="p14">
           <p:contentPart p14:bwMode="auto" r:id="rId18">
             <p14:nvContentPartPr>
               <p14:cNvPr id="48" name="Ink 47">
@@ -11296,12 +11296,12 @@
               <p14:nvPr/>
             </p14:nvContentPartPr>
             <p14:xfrm>
-              <a:off x="3170040" y="3574728"/>
+              <a:off x="3170040" y="2939114"/>
               <a:ext cx="5486400" cy="79920"/>
             </p14:xfrm>
           </p:contentPart>
         </mc:Choice>
-        <mc:Fallback xmlns="">
+        <mc:Fallback>
           <p:pic>
             <p:nvPicPr>
               <p:cNvPr id="48" name="Ink 47">
@@ -11322,7 +11322,7 @@
             </p:blipFill>
             <p:spPr>
               <a:xfrm>
-                <a:off x="3152040" y="3556728"/>
+                <a:off x="3152040" y="2921114"/>
                 <a:ext cx="5522040" cy="115560"/>
               </a:xfrm>
               <a:prstGeom prst="rect">
@@ -11332,8 +11332,8 @@
           </p:pic>
         </mc:Fallback>
       </mc:AlternateContent>
-      <mc:AlternateContent xmlns:mc="http://schemas.openxmlformats.org/markup-compatibility/2006" xmlns:p14="http://schemas.microsoft.com/office/powerpoint/2010/main">
-        <mc:Choice Requires="p14">
+      <mc:AlternateContent xmlns:mc="http://schemas.openxmlformats.org/markup-compatibility/2006">
+        <mc:Choice xmlns:p14="http://schemas.microsoft.com/office/powerpoint/2010/main" Requires="p14">
           <p:contentPart p14:bwMode="auto" r:id="rId20">
             <p14:nvContentPartPr>
               <p14:cNvPr id="49" name="Ink 48">
@@ -11347,12 +11347,12 @@
               <p14:nvPr/>
             </p14:nvContentPartPr>
             <p14:xfrm>
-              <a:off x="8693592" y="3481992"/>
+              <a:off x="8693592" y="2846378"/>
               <a:ext cx="11160" cy="270000"/>
             </p14:xfrm>
           </p:contentPart>
         </mc:Choice>
-        <mc:Fallback xmlns="">
+        <mc:Fallback>
           <p:pic>
             <p:nvPicPr>
               <p:cNvPr id="49" name="Ink 48">
@@ -11373,8 +11373,8 @@
             </p:blipFill>
             <p:spPr>
               <a:xfrm>
-                <a:off x="8675592" y="3464352"/>
-                <a:ext cx="46800" cy="305640"/>
+                <a:off x="8676154" y="2828378"/>
+                <a:ext cx="45686" cy="305640"/>
               </a:xfrm>
               <a:prstGeom prst="rect">
                 <a:avLst/>
@@ -11383,8 +11383,8 @@
           </p:pic>
         </mc:Fallback>
       </mc:AlternateContent>
-      <mc:AlternateContent xmlns:mc="http://schemas.openxmlformats.org/markup-compatibility/2006" xmlns:p14="http://schemas.microsoft.com/office/powerpoint/2010/main">
-        <mc:Choice Requires="p14">
+      <mc:AlternateContent xmlns:mc="http://schemas.openxmlformats.org/markup-compatibility/2006">
+        <mc:Choice xmlns:p14="http://schemas.microsoft.com/office/powerpoint/2010/main" Requires="p14">
           <p:contentPart p14:bwMode="auto" r:id="rId22">
             <p14:nvContentPartPr>
               <p14:cNvPr id="51" name="Ink 50">
@@ -11398,12 +11398,12 @@
               <p14:nvPr/>
             </p14:nvContentPartPr>
             <p14:xfrm>
-              <a:off x="7301760" y="3501648"/>
+              <a:off x="7301760" y="2866034"/>
               <a:ext cx="360" cy="231120"/>
             </p14:xfrm>
           </p:contentPart>
         </mc:Choice>
-        <mc:Fallback xmlns="">
+        <mc:Fallback>
           <p:pic>
             <p:nvPicPr>
               <p:cNvPr id="51" name="Ink 50">
@@ -11424,7 +11424,7 @@
             </p:blipFill>
             <p:spPr>
               <a:xfrm>
-                <a:off x="7283760" y="3484008"/>
+                <a:off x="7283760" y="2848034"/>
                 <a:ext cx="36000" cy="266760"/>
               </a:xfrm>
               <a:prstGeom prst="rect">
@@ -11434,8 +11434,8 @@
           </p:pic>
         </mc:Fallback>
       </mc:AlternateContent>
-      <mc:AlternateContent xmlns:mc="http://schemas.openxmlformats.org/markup-compatibility/2006" xmlns:p14="http://schemas.microsoft.com/office/powerpoint/2010/main">
-        <mc:Choice Requires="p14">
+      <mc:AlternateContent xmlns:mc="http://schemas.openxmlformats.org/markup-compatibility/2006">
+        <mc:Choice xmlns:p14="http://schemas.microsoft.com/office/powerpoint/2010/main" Requires="p14">
           <p:contentPart p14:bwMode="auto" r:id="rId24">
             <p14:nvContentPartPr>
               <p14:cNvPr id="52" name="Ink 51">
@@ -11449,12 +11449,12 @@
               <p14:nvPr/>
             </p14:nvContentPartPr>
             <p14:xfrm>
-              <a:off x="5944560" y="3509208"/>
+              <a:off x="5944560" y="2873594"/>
               <a:ext cx="360" cy="246960"/>
             </p14:xfrm>
           </p:contentPart>
         </mc:Choice>
-        <mc:Fallback xmlns="">
+        <mc:Fallback>
           <p:pic>
             <p:nvPicPr>
               <p:cNvPr id="52" name="Ink 51">
@@ -11475,7 +11475,7 @@
             </p:blipFill>
             <p:spPr>
               <a:xfrm>
-                <a:off x="5926560" y="3491568"/>
+                <a:off x="5926560" y="2855594"/>
                 <a:ext cx="36000" cy="282600"/>
               </a:xfrm>
               <a:prstGeom prst="rect">
@@ -11485,8 +11485,8 @@
           </p:pic>
         </mc:Fallback>
       </mc:AlternateContent>
-      <mc:AlternateContent xmlns:mc="http://schemas.openxmlformats.org/markup-compatibility/2006" xmlns:p14="http://schemas.microsoft.com/office/powerpoint/2010/main">
-        <mc:Choice Requires="p14">
+      <mc:AlternateContent xmlns:mc="http://schemas.openxmlformats.org/markup-compatibility/2006">
+        <mc:Choice xmlns:p14="http://schemas.microsoft.com/office/powerpoint/2010/main" Requires="p14">
           <p:contentPart p14:bwMode="auto" r:id="rId26">
             <p14:nvContentPartPr>
               <p14:cNvPr id="53" name="Ink 52">
@@ -11500,12 +11500,12 @@
               <p14:nvPr/>
             </p14:nvContentPartPr>
             <p14:xfrm>
-              <a:off x="4611480" y="3556368"/>
+              <a:off x="4611480" y="2920754"/>
               <a:ext cx="11520" cy="231480"/>
             </p14:xfrm>
           </p:contentPart>
         </mc:Choice>
-        <mc:Fallback xmlns="">
+        <mc:Fallback>
           <p:pic>
             <p:nvPicPr>
               <p:cNvPr id="53" name="Ink 52">
@@ -11526,8 +11526,8 @@
             </p:blipFill>
             <p:spPr>
               <a:xfrm>
-                <a:off x="4593840" y="3538728"/>
-                <a:ext cx="47160" cy="267120"/>
+                <a:off x="4592899" y="2902754"/>
+                <a:ext cx="48310" cy="267120"/>
               </a:xfrm>
               <a:prstGeom prst="rect">
                 <a:avLst/>
@@ -11536,8 +11536,8 @@
           </p:pic>
         </mc:Fallback>
       </mc:AlternateContent>
-      <mc:AlternateContent xmlns:mc="http://schemas.openxmlformats.org/markup-compatibility/2006" xmlns:p14="http://schemas.microsoft.com/office/powerpoint/2010/main">
-        <mc:Choice Requires="p14">
+      <mc:AlternateContent xmlns:mc="http://schemas.openxmlformats.org/markup-compatibility/2006">
+        <mc:Choice xmlns:p14="http://schemas.microsoft.com/office/powerpoint/2010/main" Requires="p14">
           <p:contentPart p14:bwMode="auto" r:id="rId28">
             <p14:nvContentPartPr>
               <p14:cNvPr id="55" name="Ink 54">
@@ -11551,12 +11551,12 @@
               <p14:nvPr/>
             </p14:nvContentPartPr>
             <p14:xfrm>
-              <a:off x="3156000" y="3450168"/>
+              <a:off x="3156000" y="2836856"/>
               <a:ext cx="5760" cy="261000"/>
             </p14:xfrm>
           </p:contentPart>
         </mc:Choice>
-        <mc:Fallback xmlns="">
+        <mc:Fallback>
           <p:pic>
             <p:nvPicPr>
               <p:cNvPr id="55" name="Ink 54">
@@ -11577,8 +11577,8 @@
             </p:blipFill>
             <p:spPr>
               <a:xfrm>
-                <a:off x="3138360" y="3432528"/>
-                <a:ext cx="41400" cy="296640"/>
+                <a:off x="3136800" y="2818856"/>
+                <a:ext cx="43776" cy="296640"/>
               </a:xfrm>
               <a:prstGeom prst="rect">
                 <a:avLst/>
@@ -11719,8 +11719,8 @@
           </p:pic>
         </mc:Fallback>
       </mc:AlternateContent>
-      <mc:AlternateContent xmlns:mc="http://schemas.openxmlformats.org/markup-compatibility/2006">
-        <mc:Choice xmlns:p14="http://schemas.microsoft.com/office/powerpoint/2010/main" Requires="p14">
+      <mc:AlternateContent xmlns:mc="http://schemas.openxmlformats.org/markup-compatibility/2006" xmlns:p14="http://schemas.microsoft.com/office/powerpoint/2010/main">
+        <mc:Choice Requires="p14">
           <p:contentPart p14:bwMode="auto" r:id="rId6">
             <p14:nvContentPartPr>
               <p14:cNvPr id="20" name="Ink 19">
@@ -11739,7 +11739,7 @@
             </p14:xfrm>
           </p:contentPart>
         </mc:Choice>
-        <mc:Fallback>
+        <mc:Fallback xmlns="">
           <p:pic>
             <p:nvPicPr>
               <p:cNvPr id="20" name="Ink 19">
@@ -11770,8 +11770,8 @@
           </p:pic>
         </mc:Fallback>
       </mc:AlternateContent>
-      <mc:AlternateContent xmlns:mc="http://schemas.openxmlformats.org/markup-compatibility/2006">
-        <mc:Choice xmlns:p14="http://schemas.microsoft.com/office/powerpoint/2010/main" Requires="p14">
+      <mc:AlternateContent xmlns:mc="http://schemas.openxmlformats.org/markup-compatibility/2006" xmlns:p14="http://schemas.microsoft.com/office/powerpoint/2010/main">
+        <mc:Choice Requires="p14">
           <p:contentPart p14:bwMode="auto" r:id="rId8">
             <p14:nvContentPartPr>
               <p14:cNvPr id="21" name="Ink 20">
@@ -11790,7 +11790,7 @@
             </p14:xfrm>
           </p:contentPart>
         </mc:Choice>
-        <mc:Fallback>
+        <mc:Fallback xmlns="">
           <p:pic>
             <p:nvPicPr>
               <p:cNvPr id="21" name="Ink 20">
@@ -11821,8 +11821,8 @@
           </p:pic>
         </mc:Fallback>
       </mc:AlternateContent>
-      <mc:AlternateContent xmlns:mc="http://schemas.openxmlformats.org/markup-compatibility/2006">
-        <mc:Choice xmlns:p14="http://schemas.microsoft.com/office/powerpoint/2010/main" Requires="p14">
+      <mc:AlternateContent xmlns:mc="http://schemas.openxmlformats.org/markup-compatibility/2006" xmlns:p14="http://schemas.microsoft.com/office/powerpoint/2010/main">
+        <mc:Choice Requires="p14">
           <p:contentPart p14:bwMode="auto" r:id="rId10">
             <p14:nvContentPartPr>
               <p14:cNvPr id="22" name="Ink 21">
@@ -11841,7 +11841,7 @@
             </p14:xfrm>
           </p:contentPart>
         </mc:Choice>
-        <mc:Fallback>
+        <mc:Fallback xmlns="">
           <p:pic>
             <p:nvPicPr>
               <p:cNvPr id="22" name="Ink 21">
@@ -11872,8 +11872,8 @@
           </p:pic>
         </mc:Fallback>
       </mc:AlternateContent>
-      <mc:AlternateContent xmlns:mc="http://schemas.openxmlformats.org/markup-compatibility/2006">
-        <mc:Choice xmlns:p14="http://schemas.microsoft.com/office/powerpoint/2010/main" Requires="p14">
+      <mc:AlternateContent xmlns:mc="http://schemas.openxmlformats.org/markup-compatibility/2006" xmlns:p14="http://schemas.microsoft.com/office/powerpoint/2010/main">
+        <mc:Choice Requires="p14">
           <p:contentPart p14:bwMode="auto" r:id="rId12">
             <p14:nvContentPartPr>
               <p14:cNvPr id="23" name="Ink 22">
@@ -11892,7 +11892,7 @@
             </p14:xfrm>
           </p:contentPart>
         </mc:Choice>
-        <mc:Fallback>
+        <mc:Fallback xmlns="">
           <p:pic>
             <p:nvPicPr>
               <p:cNvPr id="23" name="Ink 22">
@@ -11923,8 +11923,8 @@
           </p:pic>
         </mc:Fallback>
       </mc:AlternateContent>
-      <mc:AlternateContent xmlns:mc="http://schemas.openxmlformats.org/markup-compatibility/2006">
-        <mc:Choice xmlns:p14="http://schemas.microsoft.com/office/powerpoint/2010/main" Requires="p14">
+      <mc:AlternateContent xmlns:mc="http://schemas.openxmlformats.org/markup-compatibility/2006" xmlns:p14="http://schemas.microsoft.com/office/powerpoint/2010/main">
+        <mc:Choice Requires="p14">
           <p:contentPart p14:bwMode="auto" r:id="rId14">
             <p14:nvContentPartPr>
               <p14:cNvPr id="24" name="Ink 23">
@@ -11943,7 +11943,7 @@
             </p14:xfrm>
           </p:contentPart>
         </mc:Choice>
-        <mc:Fallback>
+        <mc:Fallback xmlns="">
           <p:pic>
             <p:nvPicPr>
               <p:cNvPr id="24" name="Ink 23">
@@ -12141,8 +12141,8 @@
           </a:p>
         </p:txBody>
       </p:sp>
-      <mc:AlternateContent xmlns:mc="http://schemas.openxmlformats.org/markup-compatibility/2006">
-        <mc:Choice xmlns:p14="http://schemas.microsoft.com/office/powerpoint/2010/main" Requires="p14">
+      <mc:AlternateContent xmlns:mc="http://schemas.openxmlformats.org/markup-compatibility/2006" xmlns:p14="http://schemas.microsoft.com/office/powerpoint/2010/main">
+        <mc:Choice Requires="p14">
           <p:contentPart p14:bwMode="auto" r:id="rId20">
             <p14:nvContentPartPr>
               <p14:cNvPr id="33" name="Ink 32">
@@ -12161,7 +12161,7 @@
             </p14:xfrm>
           </p:contentPart>
         </mc:Choice>
-        <mc:Fallback>
+        <mc:Fallback xmlns="">
           <p:pic>
             <p:nvPicPr>
               <p:cNvPr id="33" name="Ink 32">
@@ -12578,8 +12578,8 @@
           </p:pic>
         </mc:Fallback>
       </mc:AlternateContent>
-      <mc:AlternateContent xmlns:mc="http://schemas.openxmlformats.org/markup-compatibility/2006">
-        <mc:Choice xmlns:p14="http://schemas.microsoft.com/office/powerpoint/2010/main" Requires="p14">
+      <mc:AlternateContent xmlns:mc="http://schemas.openxmlformats.org/markup-compatibility/2006" xmlns:p14="http://schemas.microsoft.com/office/powerpoint/2010/main">
+        <mc:Choice Requires="p14">
           <p:contentPart p14:bwMode="auto" r:id="rId31">
             <p14:nvContentPartPr>
               <p14:cNvPr id="49" name="Ink 48">
@@ -12598,7 +12598,7 @@
             </p14:xfrm>
           </p:contentPart>
         </mc:Choice>
-        <mc:Fallback>
+        <mc:Fallback xmlns="">
           <p:pic>
             <p:nvPicPr>
               <p:cNvPr id="49" name="Ink 48">
@@ -12629,8 +12629,8 @@
           </p:pic>
         </mc:Fallback>
       </mc:AlternateContent>
-      <mc:AlternateContent xmlns:mc="http://schemas.openxmlformats.org/markup-compatibility/2006">
-        <mc:Choice xmlns:p14="http://schemas.microsoft.com/office/powerpoint/2010/main" Requires="p14">
+      <mc:AlternateContent xmlns:mc="http://schemas.openxmlformats.org/markup-compatibility/2006" xmlns:p14="http://schemas.microsoft.com/office/powerpoint/2010/main">
+        <mc:Choice Requires="p14">
           <p:contentPart p14:bwMode="auto" r:id="rId33">
             <p14:nvContentPartPr>
               <p14:cNvPr id="50" name="Ink 49">
@@ -12649,7 +12649,7 @@
             </p14:xfrm>
           </p:contentPart>
         </mc:Choice>
-        <mc:Fallback>
+        <mc:Fallback xmlns="">
           <p:pic>
             <p:nvPicPr>
               <p:cNvPr id="50" name="Ink 49">
@@ -12680,8 +12680,8 @@
           </p:pic>
         </mc:Fallback>
       </mc:AlternateContent>
-      <mc:AlternateContent xmlns:mc="http://schemas.openxmlformats.org/markup-compatibility/2006">
-        <mc:Choice xmlns:p14="http://schemas.microsoft.com/office/powerpoint/2010/main" Requires="p14">
+      <mc:AlternateContent xmlns:mc="http://schemas.openxmlformats.org/markup-compatibility/2006" xmlns:p14="http://schemas.microsoft.com/office/powerpoint/2010/main">
+        <mc:Choice Requires="p14">
           <p:contentPart p14:bwMode="auto" r:id="rId35">
             <p14:nvContentPartPr>
               <p14:cNvPr id="51" name="Ink 50">
@@ -12700,7 +12700,7 @@
             </p14:xfrm>
           </p:contentPart>
         </mc:Choice>
-        <mc:Fallback>
+        <mc:Fallback xmlns="">
           <p:pic>
             <p:nvPicPr>
               <p:cNvPr id="51" name="Ink 50">
@@ -12731,8 +12731,8 @@
           </p:pic>
         </mc:Fallback>
       </mc:AlternateContent>
-      <mc:AlternateContent xmlns:mc="http://schemas.openxmlformats.org/markup-compatibility/2006">
-        <mc:Choice xmlns:p14="http://schemas.microsoft.com/office/powerpoint/2010/main" Requires="p14">
+      <mc:AlternateContent xmlns:mc="http://schemas.openxmlformats.org/markup-compatibility/2006" xmlns:p14="http://schemas.microsoft.com/office/powerpoint/2010/main">
+        <mc:Choice Requires="p14">
           <p:contentPart p14:bwMode="auto" r:id="rId37">
             <p14:nvContentPartPr>
               <p14:cNvPr id="52" name="Ink 51">
@@ -12751,7 +12751,7 @@
             </p14:xfrm>
           </p:contentPart>
         </mc:Choice>
-        <mc:Fallback>
+        <mc:Fallback xmlns="">
           <p:pic>
             <p:nvPicPr>
               <p:cNvPr id="52" name="Ink 51">
@@ -12782,8 +12782,8 @@
           </p:pic>
         </mc:Fallback>
       </mc:AlternateContent>
-      <mc:AlternateContent xmlns:mc="http://schemas.openxmlformats.org/markup-compatibility/2006">
-        <mc:Choice xmlns:p14="http://schemas.microsoft.com/office/powerpoint/2010/main" Requires="p14">
+      <mc:AlternateContent xmlns:mc="http://schemas.openxmlformats.org/markup-compatibility/2006" xmlns:p14="http://schemas.microsoft.com/office/powerpoint/2010/main">
+        <mc:Choice Requires="p14">
           <p:contentPart p14:bwMode="auto" r:id="rId39">
             <p14:nvContentPartPr>
               <p14:cNvPr id="53" name="Ink 52">
@@ -12802,7 +12802,7 @@
             </p14:xfrm>
           </p:contentPart>
         </mc:Choice>
-        <mc:Fallback>
+        <mc:Fallback xmlns="">
           <p:pic>
             <p:nvPicPr>
               <p:cNvPr id="53" name="Ink 52">
@@ -12833,8 +12833,8 @@
           </p:pic>
         </mc:Fallback>
       </mc:AlternateContent>
-      <mc:AlternateContent xmlns:mc="http://schemas.openxmlformats.org/markup-compatibility/2006">
-        <mc:Choice xmlns:p14="http://schemas.microsoft.com/office/powerpoint/2010/main" Requires="p14">
+      <mc:AlternateContent xmlns:mc="http://schemas.openxmlformats.org/markup-compatibility/2006" xmlns:p14="http://schemas.microsoft.com/office/powerpoint/2010/main">
+        <mc:Choice Requires="p14">
           <p:contentPart p14:bwMode="auto" r:id="rId41">
             <p14:nvContentPartPr>
               <p14:cNvPr id="54" name="Ink 53">
@@ -12853,7 +12853,7 @@
             </p14:xfrm>
           </p:contentPart>
         </mc:Choice>
-        <mc:Fallback>
+        <mc:Fallback xmlns="">
           <p:pic>
             <p:nvPicPr>
               <p:cNvPr id="54" name="Ink 53">
@@ -12884,8 +12884,8 @@
           </p:pic>
         </mc:Fallback>
       </mc:AlternateContent>
-      <mc:AlternateContent xmlns:mc="http://schemas.openxmlformats.org/markup-compatibility/2006">
-        <mc:Choice xmlns:p14="http://schemas.microsoft.com/office/powerpoint/2010/main" Requires="p14">
+      <mc:AlternateContent xmlns:mc="http://schemas.openxmlformats.org/markup-compatibility/2006" xmlns:p14="http://schemas.microsoft.com/office/powerpoint/2010/main">
+        <mc:Choice Requires="p14">
           <p:contentPart p14:bwMode="auto" r:id="rId43">
             <p14:nvContentPartPr>
               <p14:cNvPr id="55" name="Ink 54">
@@ -12904,7 +12904,7 @@
             </p14:xfrm>
           </p:contentPart>
         </mc:Choice>
-        <mc:Fallback>
+        <mc:Fallback xmlns="">
           <p:pic>
             <p:nvPicPr>
               <p:cNvPr id="55" name="Ink 54">
@@ -12935,8 +12935,8 @@
           </p:pic>
         </mc:Fallback>
       </mc:AlternateContent>
-      <mc:AlternateContent xmlns:mc="http://schemas.openxmlformats.org/markup-compatibility/2006">
-        <mc:Choice xmlns:p14="http://schemas.microsoft.com/office/powerpoint/2010/main" Requires="p14">
+      <mc:AlternateContent xmlns:mc="http://schemas.openxmlformats.org/markup-compatibility/2006" xmlns:p14="http://schemas.microsoft.com/office/powerpoint/2010/main">
+        <mc:Choice Requires="p14">
           <p:contentPart p14:bwMode="auto" r:id="rId45">
             <p14:nvContentPartPr>
               <p14:cNvPr id="56" name="Ink 55">
@@ -12955,7 +12955,7 @@
             </p14:xfrm>
           </p:contentPart>
         </mc:Choice>
-        <mc:Fallback>
+        <mc:Fallback xmlns="">
           <p:pic>
             <p:nvPicPr>
               <p:cNvPr id="56" name="Ink 55">
@@ -12986,8 +12986,8 @@
           </p:pic>
         </mc:Fallback>
       </mc:AlternateContent>
-      <mc:AlternateContent xmlns:mc="http://schemas.openxmlformats.org/markup-compatibility/2006">
-        <mc:Choice xmlns:p14="http://schemas.microsoft.com/office/powerpoint/2010/main" Requires="p14">
+      <mc:AlternateContent xmlns:mc="http://schemas.openxmlformats.org/markup-compatibility/2006" xmlns:p14="http://schemas.microsoft.com/office/powerpoint/2010/main">
+        <mc:Choice Requires="p14">
           <p:contentPart p14:bwMode="auto" r:id="rId47">
             <p14:nvContentPartPr>
               <p14:cNvPr id="57" name="Ink 56">
@@ -13006,7 +13006,7 @@
             </p14:xfrm>
           </p:contentPart>
         </mc:Choice>
-        <mc:Fallback>
+        <mc:Fallback xmlns="">
           <p:pic>
             <p:nvPicPr>
               <p:cNvPr id="57" name="Ink 56">
@@ -13037,8 +13037,8 @@
           </p:pic>
         </mc:Fallback>
       </mc:AlternateContent>
-      <mc:AlternateContent xmlns:mc="http://schemas.openxmlformats.org/markup-compatibility/2006">
-        <mc:Choice xmlns:p14="http://schemas.microsoft.com/office/powerpoint/2010/main" Requires="p14">
+      <mc:AlternateContent xmlns:mc="http://schemas.openxmlformats.org/markup-compatibility/2006" xmlns:p14="http://schemas.microsoft.com/office/powerpoint/2010/main">
+        <mc:Choice Requires="p14">
           <p:contentPart p14:bwMode="auto" r:id="rId48">
             <p14:nvContentPartPr>
               <p14:cNvPr id="58" name="Ink 57">
@@ -13057,7 +13057,7 @@
             </p14:xfrm>
           </p:contentPart>
         </mc:Choice>
-        <mc:Fallback>
+        <mc:Fallback xmlns="">
           <p:pic>
             <p:nvPicPr>
               <p:cNvPr id="58" name="Ink 57">
@@ -13126,8 +13126,8 @@
           </a:p>
         </p:txBody>
       </p:sp>
-      <mc:AlternateContent xmlns:mc="http://schemas.openxmlformats.org/markup-compatibility/2006">
-        <mc:Choice xmlns:a14="http://schemas.microsoft.com/office/drawing/2010/main" Requires="a14">
+      <mc:AlternateContent xmlns:mc="http://schemas.openxmlformats.org/markup-compatibility/2006" xmlns:a14="http://schemas.microsoft.com/office/drawing/2010/main">
+        <mc:Choice Requires="a14">
           <p:sp>
             <p:nvSpPr>
               <p:cNvPr id="60" name="TextBox 59">
@@ -13219,7 +13219,7 @@
             </p:txBody>
           </p:sp>
         </mc:Choice>
-        <mc:Fallback>
+        <mc:Fallback xmlns="">
           <p:sp>
             <p:nvSpPr>
               <p:cNvPr id="60" name="TextBox 59">
@@ -13618,8 +13618,8 @@
           </a:p>
         </p:txBody>
       </p:sp>
-      <mc:AlternateContent xmlns:mc="http://schemas.openxmlformats.org/markup-compatibility/2006">
-        <mc:Choice xmlns:a14="http://schemas.microsoft.com/office/drawing/2010/main" Requires="a14">
+      <mc:AlternateContent xmlns:mc="http://schemas.openxmlformats.org/markup-compatibility/2006" xmlns:a14="http://schemas.microsoft.com/office/drawing/2010/main">
+        <mc:Choice Requires="a14">
           <p:sp>
             <p:nvSpPr>
               <p:cNvPr id="71" name="TextBox 70">
@@ -13751,7 +13751,7 @@
             </p:txBody>
           </p:sp>
         </mc:Choice>
-        <mc:Fallback>
+        <mc:Fallback xmlns="">
           <p:sp>
             <p:nvSpPr>
               <p:cNvPr id="71" name="TextBox 70">
@@ -13886,8 +13886,8 @@
           </a:p>
         </p:txBody>
       </p:sp>
-      <mc:AlternateContent xmlns:mc="http://schemas.openxmlformats.org/markup-compatibility/2006">
-        <mc:Choice xmlns:p14="http://schemas.microsoft.com/office/powerpoint/2010/main" Requires="p14">
+      <mc:AlternateContent xmlns:mc="http://schemas.openxmlformats.org/markup-compatibility/2006" xmlns:p14="http://schemas.microsoft.com/office/powerpoint/2010/main">
+        <mc:Choice Requires="p14">
           <p:contentPart p14:bwMode="auto" r:id="rId63">
             <p14:nvContentPartPr>
               <p14:cNvPr id="10" name="Ink 9">
@@ -13906,7 +13906,7 @@
             </p14:xfrm>
           </p:contentPart>
         </mc:Choice>
-        <mc:Fallback>
+        <mc:Fallback xmlns="">
           <p:pic>
             <p:nvPicPr>
               <p:cNvPr id="10" name="Ink 9">
@@ -13937,8 +13937,8 @@
           </p:pic>
         </mc:Fallback>
       </mc:AlternateContent>
-      <mc:AlternateContent xmlns:mc="http://schemas.openxmlformats.org/markup-compatibility/2006">
-        <mc:Choice xmlns:p14="http://schemas.microsoft.com/office/powerpoint/2010/main" Requires="p14">
+      <mc:AlternateContent xmlns:mc="http://schemas.openxmlformats.org/markup-compatibility/2006" xmlns:p14="http://schemas.microsoft.com/office/powerpoint/2010/main">
+        <mc:Choice Requires="p14">
           <p:contentPart p14:bwMode="auto" r:id="rId65">
             <p14:nvContentPartPr>
               <p14:cNvPr id="14" name="Ink 13">
@@ -13957,7 +13957,7 @@
             </p14:xfrm>
           </p:contentPart>
         </mc:Choice>
-        <mc:Fallback>
+        <mc:Fallback xmlns="">
           <p:pic>
             <p:nvPicPr>
               <p:cNvPr id="14" name="Ink 13">
@@ -13988,8 +13988,8 @@
           </p:pic>
         </mc:Fallback>
       </mc:AlternateContent>
-      <mc:AlternateContent xmlns:mc="http://schemas.openxmlformats.org/markup-compatibility/2006">
-        <mc:Choice xmlns:p14="http://schemas.microsoft.com/office/powerpoint/2010/main" Requires="p14">
+      <mc:AlternateContent xmlns:mc="http://schemas.openxmlformats.org/markup-compatibility/2006" xmlns:p14="http://schemas.microsoft.com/office/powerpoint/2010/main">
+        <mc:Choice Requires="p14">
           <p:contentPart p14:bwMode="auto" r:id="rId67">
             <p14:nvContentPartPr>
               <p14:cNvPr id="69" name="Ink 68">
@@ -14008,7 +14008,7 @@
             </p14:xfrm>
           </p:contentPart>
         </mc:Choice>
-        <mc:Fallback>
+        <mc:Fallback xmlns="">
           <p:pic>
             <p:nvPicPr>
               <p:cNvPr id="69" name="Ink 68">
@@ -14039,8 +14039,8 @@
           </p:pic>
         </mc:Fallback>
       </mc:AlternateContent>
-      <mc:AlternateContent xmlns:mc="http://schemas.openxmlformats.org/markup-compatibility/2006">
-        <mc:Choice xmlns:p14="http://schemas.microsoft.com/office/powerpoint/2010/main" Requires="p14">
+      <mc:AlternateContent xmlns:mc="http://schemas.openxmlformats.org/markup-compatibility/2006" xmlns:p14="http://schemas.microsoft.com/office/powerpoint/2010/main">
+        <mc:Choice Requires="p14">
           <p:contentPart p14:bwMode="auto" r:id="rId69">
             <p14:nvContentPartPr>
               <p14:cNvPr id="78" name="Ink 77">
@@ -14059,7 +14059,7 @@
             </p14:xfrm>
           </p:contentPart>
         </mc:Choice>
-        <mc:Fallback>
+        <mc:Fallback xmlns="">
           <p:pic>
             <p:nvPicPr>
               <p:cNvPr id="78" name="Ink 77">
@@ -14090,8 +14090,8 @@
           </p:pic>
         </mc:Fallback>
       </mc:AlternateContent>
-      <mc:AlternateContent xmlns:mc="http://schemas.openxmlformats.org/markup-compatibility/2006">
-        <mc:Choice xmlns:p14="http://schemas.microsoft.com/office/powerpoint/2010/main" Requires="p14">
+      <mc:AlternateContent xmlns:mc="http://schemas.openxmlformats.org/markup-compatibility/2006" xmlns:p14="http://schemas.microsoft.com/office/powerpoint/2010/main">
+        <mc:Choice Requires="p14">
           <p:contentPart p14:bwMode="auto" r:id="rId70">
             <p14:nvContentPartPr>
               <p14:cNvPr id="79" name="Ink 78">
@@ -14110,7 +14110,7 @@
             </p14:xfrm>
           </p:contentPart>
         </mc:Choice>
-        <mc:Fallback>
+        <mc:Fallback xmlns="">
           <p:pic>
             <p:nvPicPr>
               <p:cNvPr id="79" name="Ink 78">
@@ -14206,7 +14206,7 @@
           <a:effectLst/>
           <a:extLst>
             <a:ext uri="{AF507438-7753-43e0-B8FC-AC1667EBCBE1}">
-              <a14:hiddenEffects xmlns:a14="http://schemas.microsoft.com/office/drawing/2010/main" xmlns="">
+              <a14:hiddenEffects xmlns="" xmlns:a14="http://schemas.microsoft.com/office/drawing/2010/main">
                 <a:effectLst>
                   <a:outerShdw blurRad="63500" dist="38099" dir="2700000" algn="ctr" rotWithShape="0">
                     <a:schemeClr val="bg2">
